--- a/deliverables/iteration2/other/DomainModel_SSD_ClassDiagrams.pptx
+++ b/deliverables/iteration2/other/DomainModel_SSD_ClassDiagrams.pptx
@@ -15,8 +15,11 @@
     <p:sldId id="260" r:id="rId9"/>
     <p:sldId id="259" r:id="rId10"/>
     <p:sldId id="261" r:id="rId11"/>
-    <p:sldId id="262" r:id="rId12"/>
-    <p:sldId id="263" r:id="rId13"/>
+    <p:sldId id="268" r:id="rId12"/>
+    <p:sldId id="269" r:id="rId13"/>
+    <p:sldId id="270" r:id="rId14"/>
+    <p:sldId id="262" r:id="rId15"/>
+    <p:sldId id="263" r:id="rId16"/>
   </p:sldIdLst>
   <p:sldSz cx="9144000" cy="6858000" type="screen4x3"/>
   <p:notesSz cx="6858000" cy="9144000"/>
@@ -4614,6 +4617,575 @@
           </a:p>
         </p:txBody>
       </p:sp>
+      <p:sp>
+        <p:nvSpPr>
+          <p:cNvPr id="2" name="TextBox 1"/>
+          <p:cNvSpPr txBox="1"/>
+          <p:nvPr/>
+        </p:nvSpPr>
+        <p:spPr>
+          <a:xfrm>
+            <a:off x="843836" y="1885673"/>
+            <a:ext cx="431293" cy="276999"/>
+          </a:xfrm>
+          <a:prstGeom prst="rect">
+            <a:avLst/>
+          </a:prstGeom>
+          <a:noFill/>
+        </p:spPr>
+        <p:txBody>
+          <a:bodyPr wrap="square" rtlCol="0">
+            <a:spAutoFit/>
+          </a:bodyPr>
+          <a:lstStyle/>
+          <a:p>
+            <a:r>
+              <a:rPr lang="en-US" sz="1200" dirty="0" smtClean="0"/>
+              <a:t>1..*</a:t>
+            </a:r>
+            <a:endParaRPr lang="en-US" sz="1200" dirty="0"/>
+          </a:p>
+        </p:txBody>
+      </p:sp>
+      <p:sp>
+        <p:nvSpPr>
+          <p:cNvPr id="33" name="TextBox 32"/>
+          <p:cNvSpPr txBox="1"/>
+          <p:nvPr/>
+        </p:nvSpPr>
+        <p:spPr>
+          <a:xfrm>
+            <a:off x="821971" y="2359357"/>
+            <a:ext cx="431293" cy="276999"/>
+          </a:xfrm>
+          <a:prstGeom prst="rect">
+            <a:avLst/>
+          </a:prstGeom>
+          <a:noFill/>
+        </p:spPr>
+        <p:txBody>
+          <a:bodyPr wrap="square" rtlCol="0">
+            <a:spAutoFit/>
+          </a:bodyPr>
+          <a:lstStyle/>
+          <a:p>
+            <a:r>
+              <a:rPr lang="en-US" sz="1200" dirty="0" smtClean="0"/>
+              <a:t>1</a:t>
+            </a:r>
+            <a:endParaRPr lang="en-US" sz="1200" dirty="0"/>
+          </a:p>
+        </p:txBody>
+      </p:sp>
+      <p:sp>
+        <p:nvSpPr>
+          <p:cNvPr id="34" name="TextBox 33"/>
+          <p:cNvSpPr txBox="1"/>
+          <p:nvPr/>
+        </p:nvSpPr>
+        <p:spPr>
+          <a:xfrm>
+            <a:off x="4777369" y="2002029"/>
+            <a:ext cx="431293" cy="276999"/>
+          </a:xfrm>
+          <a:prstGeom prst="rect">
+            <a:avLst/>
+          </a:prstGeom>
+          <a:noFill/>
+        </p:spPr>
+        <p:txBody>
+          <a:bodyPr wrap="square" rtlCol="0">
+            <a:spAutoFit/>
+          </a:bodyPr>
+          <a:lstStyle/>
+          <a:p>
+            <a:r>
+              <a:rPr lang="en-US" sz="1200" dirty="0" smtClean="0"/>
+              <a:t>1</a:t>
+            </a:r>
+            <a:endParaRPr lang="en-US" sz="1200" dirty="0"/>
+          </a:p>
+        </p:txBody>
+      </p:sp>
+      <p:sp>
+        <p:nvSpPr>
+          <p:cNvPr id="36" name="TextBox 35"/>
+          <p:cNvSpPr txBox="1"/>
+          <p:nvPr/>
+        </p:nvSpPr>
+        <p:spPr>
+          <a:xfrm>
+            <a:off x="5294113" y="2315072"/>
+            <a:ext cx="431293" cy="276999"/>
+          </a:xfrm>
+          <a:prstGeom prst="rect">
+            <a:avLst/>
+          </a:prstGeom>
+          <a:noFill/>
+        </p:spPr>
+        <p:txBody>
+          <a:bodyPr wrap="square" rtlCol="0">
+            <a:spAutoFit/>
+          </a:bodyPr>
+          <a:lstStyle/>
+          <a:p>
+            <a:r>
+              <a:rPr lang="en-US" sz="1200" dirty="0" smtClean="0"/>
+              <a:t>1..*</a:t>
+            </a:r>
+            <a:endParaRPr lang="en-US" sz="1200" dirty="0"/>
+          </a:p>
+        </p:txBody>
+      </p:sp>
+      <p:sp>
+        <p:nvSpPr>
+          <p:cNvPr id="40" name="TextBox 39"/>
+          <p:cNvSpPr txBox="1"/>
+          <p:nvPr/>
+        </p:nvSpPr>
+        <p:spPr>
+          <a:xfrm>
+            <a:off x="5294113" y="2870962"/>
+            <a:ext cx="431293" cy="276999"/>
+          </a:xfrm>
+          <a:prstGeom prst="rect">
+            <a:avLst/>
+          </a:prstGeom>
+          <a:noFill/>
+        </p:spPr>
+        <p:txBody>
+          <a:bodyPr wrap="square" rtlCol="0">
+            <a:spAutoFit/>
+          </a:bodyPr>
+          <a:lstStyle/>
+          <a:p>
+            <a:r>
+              <a:rPr lang="en-US" sz="1200" dirty="0" smtClean="0"/>
+              <a:t>1..*</a:t>
+            </a:r>
+            <a:endParaRPr lang="en-US" sz="1200" dirty="0"/>
+          </a:p>
+        </p:txBody>
+      </p:sp>
+      <p:sp>
+        <p:nvSpPr>
+          <p:cNvPr id="42" name="TextBox 41"/>
+          <p:cNvSpPr txBox="1"/>
+          <p:nvPr/>
+        </p:nvSpPr>
+        <p:spPr>
+          <a:xfrm>
+            <a:off x="5283998" y="3262027"/>
+            <a:ext cx="431293" cy="276999"/>
+          </a:xfrm>
+          <a:prstGeom prst="rect">
+            <a:avLst/>
+          </a:prstGeom>
+          <a:noFill/>
+        </p:spPr>
+        <p:txBody>
+          <a:bodyPr wrap="square" rtlCol="0">
+            <a:spAutoFit/>
+          </a:bodyPr>
+          <a:lstStyle/>
+          <a:p>
+            <a:r>
+              <a:rPr lang="en-US" sz="1200" dirty="0" smtClean="0"/>
+              <a:t>1..*</a:t>
+            </a:r>
+            <a:endParaRPr lang="en-US" sz="1200" dirty="0"/>
+          </a:p>
+        </p:txBody>
+      </p:sp>
+      <p:sp>
+        <p:nvSpPr>
+          <p:cNvPr id="43" name="TextBox 42"/>
+          <p:cNvSpPr txBox="1"/>
+          <p:nvPr/>
+        </p:nvSpPr>
+        <p:spPr>
+          <a:xfrm>
+            <a:off x="1977080" y="4435641"/>
+            <a:ext cx="431293" cy="276999"/>
+          </a:xfrm>
+          <a:prstGeom prst="rect">
+            <a:avLst/>
+          </a:prstGeom>
+          <a:noFill/>
+        </p:spPr>
+        <p:txBody>
+          <a:bodyPr wrap="square" rtlCol="0">
+            <a:spAutoFit/>
+          </a:bodyPr>
+          <a:lstStyle/>
+          <a:p>
+            <a:r>
+              <a:rPr lang="en-US" sz="1200" dirty="0" smtClean="0"/>
+              <a:t>1</a:t>
+            </a:r>
+            <a:endParaRPr lang="en-US" sz="1200" dirty="0"/>
+          </a:p>
+        </p:txBody>
+      </p:sp>
+      <p:sp>
+        <p:nvSpPr>
+          <p:cNvPr id="44" name="TextBox 43"/>
+          <p:cNvSpPr txBox="1"/>
+          <p:nvPr/>
+        </p:nvSpPr>
+        <p:spPr>
+          <a:xfrm>
+            <a:off x="360132" y="5223691"/>
+            <a:ext cx="431293" cy="276999"/>
+          </a:xfrm>
+          <a:prstGeom prst="rect">
+            <a:avLst/>
+          </a:prstGeom>
+          <a:noFill/>
+        </p:spPr>
+        <p:txBody>
+          <a:bodyPr wrap="square" rtlCol="0">
+            <a:spAutoFit/>
+          </a:bodyPr>
+          <a:lstStyle/>
+          <a:p>
+            <a:r>
+              <a:rPr lang="en-US" sz="1200" dirty="0" smtClean="0"/>
+              <a:t>1</a:t>
+            </a:r>
+            <a:endParaRPr lang="en-US" sz="1200" dirty="0"/>
+          </a:p>
+        </p:txBody>
+      </p:sp>
+      <p:sp>
+        <p:nvSpPr>
+          <p:cNvPr id="48" name="TextBox 47"/>
+          <p:cNvSpPr txBox="1"/>
+          <p:nvPr/>
+        </p:nvSpPr>
+        <p:spPr>
+          <a:xfrm>
+            <a:off x="2972171" y="4319006"/>
+            <a:ext cx="431293" cy="276999"/>
+          </a:xfrm>
+          <a:prstGeom prst="rect">
+            <a:avLst/>
+          </a:prstGeom>
+          <a:noFill/>
+        </p:spPr>
+        <p:txBody>
+          <a:bodyPr wrap="square" rtlCol="0">
+            <a:spAutoFit/>
+          </a:bodyPr>
+          <a:lstStyle/>
+          <a:p>
+            <a:r>
+              <a:rPr lang="en-US" sz="1200" dirty="0" smtClean="0"/>
+              <a:t>1</a:t>
+            </a:r>
+            <a:endParaRPr lang="en-US" sz="1200" dirty="0"/>
+          </a:p>
+        </p:txBody>
+      </p:sp>
+      <p:sp>
+        <p:nvSpPr>
+          <p:cNvPr id="50" name="TextBox 49"/>
+          <p:cNvSpPr txBox="1"/>
+          <p:nvPr/>
+        </p:nvSpPr>
+        <p:spPr>
+          <a:xfrm>
+            <a:off x="2919386" y="5835082"/>
+            <a:ext cx="431293" cy="276999"/>
+          </a:xfrm>
+          <a:prstGeom prst="rect">
+            <a:avLst/>
+          </a:prstGeom>
+          <a:noFill/>
+        </p:spPr>
+        <p:txBody>
+          <a:bodyPr wrap="square" rtlCol="0">
+            <a:spAutoFit/>
+          </a:bodyPr>
+          <a:lstStyle/>
+          <a:p>
+            <a:r>
+              <a:rPr lang="en-US" sz="1200" dirty="0" smtClean="0"/>
+              <a:t>1</a:t>
+            </a:r>
+            <a:endParaRPr lang="en-US" sz="1200" dirty="0"/>
+          </a:p>
+        </p:txBody>
+      </p:sp>
+      <p:sp>
+        <p:nvSpPr>
+          <p:cNvPr id="52" name="TextBox 51"/>
+          <p:cNvSpPr txBox="1"/>
+          <p:nvPr/>
+        </p:nvSpPr>
+        <p:spPr>
+          <a:xfrm>
+            <a:off x="856933" y="2205648"/>
+            <a:ext cx="1670064" cy="276999"/>
+          </a:xfrm>
+          <a:prstGeom prst="rect">
+            <a:avLst/>
+          </a:prstGeom>
+          <a:noFill/>
+        </p:spPr>
+        <p:txBody>
+          <a:bodyPr wrap="square" rtlCol="0">
+            <a:spAutoFit/>
+          </a:bodyPr>
+          <a:lstStyle/>
+          <a:p>
+            <a:r>
+              <a:rPr lang="en-US" sz="1200" dirty="0" smtClean="0"/>
+              <a:t>Reviews data</a:t>
+            </a:r>
+            <a:endParaRPr lang="en-US" sz="1200" dirty="0"/>
+          </a:p>
+        </p:txBody>
+      </p:sp>
+      <p:sp>
+        <p:nvSpPr>
+          <p:cNvPr id="53" name="TextBox 52"/>
+          <p:cNvSpPr txBox="1"/>
+          <p:nvPr/>
+        </p:nvSpPr>
+        <p:spPr>
+          <a:xfrm>
+            <a:off x="144485" y="1928649"/>
+            <a:ext cx="431293" cy="276999"/>
+          </a:xfrm>
+          <a:prstGeom prst="rect">
+            <a:avLst/>
+          </a:prstGeom>
+          <a:noFill/>
+        </p:spPr>
+        <p:txBody>
+          <a:bodyPr wrap="square" rtlCol="0">
+            <a:spAutoFit/>
+          </a:bodyPr>
+          <a:lstStyle/>
+          <a:p>
+            <a:r>
+              <a:rPr lang="en-US" sz="1200" dirty="0" smtClean="0"/>
+              <a:t>1..*</a:t>
+            </a:r>
+            <a:endParaRPr lang="en-US" sz="1200" dirty="0"/>
+          </a:p>
+        </p:txBody>
+      </p:sp>
+      <p:sp>
+        <p:nvSpPr>
+          <p:cNvPr id="54" name="TextBox 53"/>
+          <p:cNvSpPr txBox="1"/>
+          <p:nvPr/>
+        </p:nvSpPr>
+        <p:spPr>
+          <a:xfrm>
+            <a:off x="528447" y="4181699"/>
+            <a:ext cx="1352468" cy="461665"/>
+          </a:xfrm>
+          <a:prstGeom prst="rect">
+            <a:avLst/>
+          </a:prstGeom>
+          <a:noFill/>
+        </p:spPr>
+        <p:txBody>
+          <a:bodyPr wrap="square" rtlCol="0">
+            <a:spAutoFit/>
+          </a:bodyPr>
+          <a:lstStyle/>
+          <a:p>
+            <a:r>
+              <a:rPr lang="en-US" sz="1200" dirty="0" smtClean="0"/>
+              <a:t>Receives information from</a:t>
+            </a:r>
+            <a:endParaRPr lang="en-US" sz="1200" dirty="0"/>
+          </a:p>
+        </p:txBody>
+      </p:sp>
+      <p:sp>
+        <p:nvSpPr>
+          <p:cNvPr id="55" name="TextBox 54"/>
+          <p:cNvSpPr txBox="1"/>
+          <p:nvPr/>
+        </p:nvSpPr>
+        <p:spPr>
+          <a:xfrm>
+            <a:off x="5001088" y="1649570"/>
+            <a:ext cx="724318" cy="646331"/>
+          </a:xfrm>
+          <a:prstGeom prst="rect">
+            <a:avLst/>
+          </a:prstGeom>
+          <a:noFill/>
+        </p:spPr>
+        <p:txBody>
+          <a:bodyPr wrap="square" rtlCol="0">
+            <a:spAutoFit/>
+          </a:bodyPr>
+          <a:lstStyle/>
+          <a:p>
+            <a:r>
+              <a:rPr lang="en-US" sz="1200" dirty="0" smtClean="0"/>
+              <a:t>Imports data from</a:t>
+            </a:r>
+            <a:endParaRPr lang="en-US" sz="1200" dirty="0"/>
+          </a:p>
+        </p:txBody>
+      </p:sp>
+      <p:sp>
+        <p:nvSpPr>
+          <p:cNvPr id="56" name="TextBox 55"/>
+          <p:cNvSpPr txBox="1"/>
+          <p:nvPr/>
+        </p:nvSpPr>
+        <p:spPr>
+          <a:xfrm>
+            <a:off x="2775772" y="2900123"/>
+            <a:ext cx="2949634" cy="276999"/>
+          </a:xfrm>
+          <a:prstGeom prst="rect">
+            <a:avLst/>
+          </a:prstGeom>
+          <a:noFill/>
+        </p:spPr>
+        <p:txBody>
+          <a:bodyPr wrap="square" rtlCol="0">
+            <a:spAutoFit/>
+          </a:bodyPr>
+          <a:lstStyle/>
+          <a:p>
+            <a:r>
+              <a:rPr lang="en-US" sz="1200" dirty="0" smtClean="0"/>
+              <a:t>Uses this data for user to analyze data</a:t>
+            </a:r>
+            <a:endParaRPr lang="en-US" sz="1200" dirty="0"/>
+          </a:p>
+        </p:txBody>
+      </p:sp>
+      <p:sp>
+        <p:nvSpPr>
+          <p:cNvPr id="61" name="TextBox 60"/>
+          <p:cNvSpPr txBox="1"/>
+          <p:nvPr/>
+        </p:nvSpPr>
+        <p:spPr>
+          <a:xfrm>
+            <a:off x="2488093" y="2900123"/>
+            <a:ext cx="431293" cy="276999"/>
+          </a:xfrm>
+          <a:prstGeom prst="rect">
+            <a:avLst/>
+          </a:prstGeom>
+          <a:noFill/>
+        </p:spPr>
+        <p:txBody>
+          <a:bodyPr wrap="square" rtlCol="0">
+            <a:spAutoFit/>
+          </a:bodyPr>
+          <a:lstStyle/>
+          <a:p>
+            <a:r>
+              <a:rPr lang="en-US" sz="1200" dirty="0" smtClean="0"/>
+              <a:t>1</a:t>
+            </a:r>
+            <a:endParaRPr lang="en-US" sz="1200" dirty="0"/>
+          </a:p>
+        </p:txBody>
+      </p:sp>
+      <p:sp>
+        <p:nvSpPr>
+          <p:cNvPr id="63" name="TextBox 62"/>
+          <p:cNvSpPr txBox="1"/>
+          <p:nvPr/>
+        </p:nvSpPr>
+        <p:spPr>
+          <a:xfrm>
+            <a:off x="3187118" y="3262027"/>
+            <a:ext cx="1564958" cy="276999"/>
+          </a:xfrm>
+          <a:prstGeom prst="rect">
+            <a:avLst/>
+          </a:prstGeom>
+          <a:noFill/>
+        </p:spPr>
+        <p:txBody>
+          <a:bodyPr wrap="square" rtlCol="0">
+            <a:spAutoFit/>
+          </a:bodyPr>
+          <a:lstStyle/>
+          <a:p>
+            <a:r>
+              <a:rPr lang="en-US" sz="1200" dirty="0" smtClean="0"/>
+              <a:t>Monitors data</a:t>
+            </a:r>
+            <a:endParaRPr lang="en-US" sz="1200" dirty="0"/>
+          </a:p>
+        </p:txBody>
+      </p:sp>
+      <p:sp>
+        <p:nvSpPr>
+          <p:cNvPr id="64" name="TextBox 63"/>
+          <p:cNvSpPr txBox="1"/>
+          <p:nvPr/>
+        </p:nvSpPr>
+        <p:spPr>
+          <a:xfrm>
+            <a:off x="2919386" y="4901492"/>
+            <a:ext cx="1352468" cy="276999"/>
+          </a:xfrm>
+          <a:prstGeom prst="rect">
+            <a:avLst/>
+          </a:prstGeom>
+          <a:noFill/>
+        </p:spPr>
+        <p:txBody>
+          <a:bodyPr wrap="square" rtlCol="0">
+            <a:spAutoFit/>
+          </a:bodyPr>
+          <a:lstStyle/>
+          <a:p>
+            <a:r>
+              <a:rPr lang="en-US" sz="1200" dirty="0" smtClean="0"/>
+              <a:t>Sends Notification</a:t>
+            </a:r>
+            <a:endParaRPr lang="en-US" sz="1200" dirty="0"/>
+          </a:p>
+        </p:txBody>
+      </p:sp>
+      <p:sp>
+        <p:nvSpPr>
+          <p:cNvPr id="65" name="TextBox 64"/>
+          <p:cNvSpPr txBox="1"/>
+          <p:nvPr/>
+        </p:nvSpPr>
+        <p:spPr>
+          <a:xfrm>
+            <a:off x="1706000" y="5599714"/>
+            <a:ext cx="1352468" cy="276999"/>
+          </a:xfrm>
+          <a:prstGeom prst="rect">
+            <a:avLst/>
+          </a:prstGeom>
+          <a:noFill/>
+        </p:spPr>
+        <p:txBody>
+          <a:bodyPr wrap="square" rtlCol="0">
+            <a:spAutoFit/>
+          </a:bodyPr>
+          <a:lstStyle/>
+          <a:p>
+            <a:r>
+              <a:rPr lang="en-US" sz="1200" dirty="0" smtClean="0"/>
+              <a:t>Sends Notification</a:t>
+            </a:r>
+          </a:p>
+        </p:txBody>
+      </p:sp>
     </p:spTree>
     <p:extLst>
       <p:ext uri="{BB962C8B-B14F-4D97-AF65-F5344CB8AC3E}">
@@ -6228,6 +6800,6846 @@
       </p:grpSpPr>
       <p:sp>
         <p:nvSpPr>
+          <p:cNvPr id="62" name="TextBox 61"/>
+          <p:cNvSpPr txBox="1"/>
+          <p:nvPr/>
+        </p:nvSpPr>
+        <p:spPr>
+          <a:xfrm>
+            <a:off x="2657930" y="408211"/>
+            <a:ext cx="3525740" cy="1200328"/>
+          </a:xfrm>
+          <a:prstGeom prst="rect">
+            <a:avLst/>
+          </a:prstGeom>
+          <a:noFill/>
+          <a:ln>
+            <a:noFill/>
+          </a:ln>
+        </p:spPr>
+        <p:txBody>
+          <a:bodyPr wrap="square" rtlCol="0">
+            <a:spAutoFit/>
+          </a:bodyPr>
+          <a:lstStyle/>
+          <a:p>
+            <a:pPr algn="ctr"/>
+            <a:r>
+              <a:rPr lang="en-US" sz="2400" b="1" dirty="0" smtClean="0">
+                <a:ln w="1905"/>
+                <a:solidFill>
+                  <a:srgbClr val="558ED5"/>
+                </a:solidFill>
+                <a:effectLst>
+                  <a:innerShdw blurRad="69850" dist="43180" dir="5400000">
+                    <a:srgbClr val="000000">
+                      <a:alpha val="65000"/>
+                    </a:srgbClr>
+                  </a:innerShdw>
+                </a:effectLst>
+                <a:latin typeface="+mj-lt"/>
+              </a:rPr>
+              <a:t>System Sequence Diagram</a:t>
+            </a:r>
+          </a:p>
+          <a:p>
+            <a:pPr algn="ctr"/>
+            <a:r>
+              <a:rPr lang="en-US" sz="2400" b="1" dirty="0" smtClean="0">
+                <a:ln w="1905"/>
+                <a:solidFill>
+                  <a:srgbClr val="558ED5"/>
+                </a:solidFill>
+                <a:effectLst>
+                  <a:innerShdw blurRad="69850" dist="43180" dir="5400000">
+                    <a:srgbClr val="000000">
+                      <a:alpha val="65000"/>
+                    </a:srgbClr>
+                  </a:innerShdw>
+                </a:effectLst>
+                <a:latin typeface="+mj-lt"/>
+              </a:rPr>
+              <a:t>Use Case </a:t>
+            </a:r>
+            <a:r>
+              <a:rPr lang="en-US" sz="2400" b="1" dirty="0" smtClean="0">
+                <a:ln w="1905"/>
+                <a:solidFill>
+                  <a:srgbClr val="558ED5"/>
+                </a:solidFill>
+                <a:effectLst>
+                  <a:innerShdw blurRad="69850" dist="43180" dir="5400000">
+                    <a:srgbClr val="000000">
+                      <a:alpha val="65000"/>
+                    </a:srgbClr>
+                  </a:innerShdw>
+                </a:effectLst>
+                <a:latin typeface="+mj-lt"/>
+              </a:rPr>
+              <a:t>14: View All Travel Paths</a:t>
+            </a:r>
+            <a:endParaRPr lang="en-US" sz="2400" b="1" dirty="0" smtClean="0">
+              <a:ln w="1905"/>
+              <a:solidFill>
+                <a:srgbClr val="558ED5"/>
+              </a:solidFill>
+              <a:effectLst>
+                <a:innerShdw blurRad="69850" dist="43180" dir="5400000">
+                  <a:srgbClr val="000000">
+                    <a:alpha val="65000"/>
+                  </a:srgbClr>
+                </a:innerShdw>
+              </a:effectLst>
+              <a:latin typeface="+mj-lt"/>
+            </a:endParaRPr>
+          </a:p>
+        </p:txBody>
+      </p:sp>
+      <p:cxnSp>
+        <p:nvCxnSpPr>
+          <p:cNvPr id="3" name="Straight Connector 2"/>
+          <p:cNvCxnSpPr/>
+          <p:nvPr/>
+        </p:nvCxnSpPr>
+        <p:spPr>
+          <a:xfrm>
+            <a:off x="1610470" y="1551642"/>
+            <a:ext cx="0" cy="301163"/>
+          </a:xfrm>
+          <a:prstGeom prst="line">
+            <a:avLst/>
+          </a:prstGeom>
+        </p:spPr>
+        <p:style>
+          <a:lnRef idx="2">
+            <a:schemeClr val="accent1"/>
+          </a:lnRef>
+          <a:fillRef idx="0">
+            <a:schemeClr val="accent1"/>
+          </a:fillRef>
+          <a:effectRef idx="1">
+            <a:schemeClr val="accent1"/>
+          </a:effectRef>
+          <a:fontRef idx="minor">
+            <a:schemeClr val="tx1"/>
+          </a:fontRef>
+        </p:style>
+      </p:cxnSp>
+      <p:cxnSp>
+        <p:nvCxnSpPr>
+          <p:cNvPr id="34" name="Straight Connector 33"/>
+          <p:cNvCxnSpPr/>
+          <p:nvPr/>
+        </p:nvCxnSpPr>
+        <p:spPr>
+          <a:xfrm>
+            <a:off x="1605754" y="1965922"/>
+            <a:ext cx="0" cy="301163"/>
+          </a:xfrm>
+          <a:prstGeom prst="line">
+            <a:avLst/>
+          </a:prstGeom>
+        </p:spPr>
+        <p:style>
+          <a:lnRef idx="2">
+            <a:schemeClr val="accent1"/>
+          </a:lnRef>
+          <a:fillRef idx="0">
+            <a:schemeClr val="accent1"/>
+          </a:fillRef>
+          <a:effectRef idx="1">
+            <a:schemeClr val="accent1"/>
+          </a:effectRef>
+          <a:fontRef idx="minor">
+            <a:schemeClr val="tx1"/>
+          </a:fontRef>
+        </p:style>
+      </p:cxnSp>
+      <p:cxnSp>
+        <p:nvCxnSpPr>
+          <p:cNvPr id="36" name="Straight Connector 35"/>
+          <p:cNvCxnSpPr/>
+          <p:nvPr/>
+        </p:nvCxnSpPr>
+        <p:spPr>
+          <a:xfrm>
+            <a:off x="1605754" y="2371836"/>
+            <a:ext cx="0" cy="301163"/>
+          </a:xfrm>
+          <a:prstGeom prst="line">
+            <a:avLst/>
+          </a:prstGeom>
+        </p:spPr>
+        <p:style>
+          <a:lnRef idx="2">
+            <a:schemeClr val="accent1"/>
+          </a:lnRef>
+          <a:fillRef idx="0">
+            <a:schemeClr val="accent1"/>
+          </a:fillRef>
+          <a:effectRef idx="1">
+            <a:schemeClr val="accent1"/>
+          </a:effectRef>
+          <a:fontRef idx="minor">
+            <a:schemeClr val="tx1"/>
+          </a:fontRef>
+        </p:style>
+      </p:cxnSp>
+      <p:cxnSp>
+        <p:nvCxnSpPr>
+          <p:cNvPr id="40" name="Straight Connector 39"/>
+          <p:cNvCxnSpPr/>
+          <p:nvPr/>
+        </p:nvCxnSpPr>
+        <p:spPr>
+          <a:xfrm>
+            <a:off x="1615186" y="2777753"/>
+            <a:ext cx="0" cy="301163"/>
+          </a:xfrm>
+          <a:prstGeom prst="line">
+            <a:avLst/>
+          </a:prstGeom>
+        </p:spPr>
+        <p:style>
+          <a:lnRef idx="2">
+            <a:schemeClr val="accent1"/>
+          </a:lnRef>
+          <a:fillRef idx="0">
+            <a:schemeClr val="accent1"/>
+          </a:fillRef>
+          <a:effectRef idx="1">
+            <a:schemeClr val="accent1"/>
+          </a:effectRef>
+          <a:fontRef idx="minor">
+            <a:schemeClr val="tx1"/>
+          </a:fontRef>
+        </p:style>
+      </p:cxnSp>
+      <p:cxnSp>
+        <p:nvCxnSpPr>
+          <p:cNvPr id="42" name="Straight Connector 41"/>
+          <p:cNvCxnSpPr/>
+          <p:nvPr/>
+        </p:nvCxnSpPr>
+        <p:spPr>
+          <a:xfrm>
+            <a:off x="1610470" y="3192033"/>
+            <a:ext cx="0" cy="301163"/>
+          </a:xfrm>
+          <a:prstGeom prst="line">
+            <a:avLst/>
+          </a:prstGeom>
+        </p:spPr>
+        <p:style>
+          <a:lnRef idx="2">
+            <a:schemeClr val="accent1"/>
+          </a:lnRef>
+          <a:fillRef idx="0">
+            <a:schemeClr val="accent1"/>
+          </a:fillRef>
+          <a:effectRef idx="1">
+            <a:schemeClr val="accent1"/>
+          </a:effectRef>
+          <a:fontRef idx="minor">
+            <a:schemeClr val="tx1"/>
+          </a:fontRef>
+        </p:style>
+      </p:cxnSp>
+      <p:cxnSp>
+        <p:nvCxnSpPr>
+          <p:cNvPr id="43" name="Straight Connector 42"/>
+          <p:cNvCxnSpPr/>
+          <p:nvPr/>
+        </p:nvCxnSpPr>
+        <p:spPr>
+          <a:xfrm>
+            <a:off x="1610470" y="3597947"/>
+            <a:ext cx="0" cy="301163"/>
+          </a:xfrm>
+          <a:prstGeom prst="line">
+            <a:avLst/>
+          </a:prstGeom>
+        </p:spPr>
+        <p:style>
+          <a:lnRef idx="2">
+            <a:schemeClr val="accent1"/>
+          </a:lnRef>
+          <a:fillRef idx="0">
+            <a:schemeClr val="accent1"/>
+          </a:fillRef>
+          <a:effectRef idx="1">
+            <a:schemeClr val="accent1"/>
+          </a:effectRef>
+          <a:fontRef idx="minor">
+            <a:schemeClr val="tx1"/>
+          </a:fontRef>
+        </p:style>
+      </p:cxnSp>
+      <p:cxnSp>
+        <p:nvCxnSpPr>
+          <p:cNvPr id="44" name="Straight Connector 43"/>
+          <p:cNvCxnSpPr/>
+          <p:nvPr/>
+        </p:nvCxnSpPr>
+        <p:spPr>
+          <a:xfrm>
+            <a:off x="1605751" y="4021686"/>
+            <a:ext cx="0" cy="301163"/>
+          </a:xfrm>
+          <a:prstGeom prst="line">
+            <a:avLst/>
+          </a:prstGeom>
+        </p:spPr>
+        <p:style>
+          <a:lnRef idx="2">
+            <a:schemeClr val="accent1"/>
+          </a:lnRef>
+          <a:fillRef idx="0">
+            <a:schemeClr val="accent1"/>
+          </a:fillRef>
+          <a:effectRef idx="1">
+            <a:schemeClr val="accent1"/>
+          </a:effectRef>
+          <a:fontRef idx="minor">
+            <a:schemeClr val="tx1"/>
+          </a:fontRef>
+        </p:style>
+      </p:cxnSp>
+      <p:cxnSp>
+        <p:nvCxnSpPr>
+          <p:cNvPr id="48" name="Straight Connector 47"/>
+          <p:cNvCxnSpPr/>
+          <p:nvPr/>
+        </p:nvCxnSpPr>
+        <p:spPr>
+          <a:xfrm>
+            <a:off x="1601035" y="4435966"/>
+            <a:ext cx="0" cy="301163"/>
+          </a:xfrm>
+          <a:prstGeom prst="line">
+            <a:avLst/>
+          </a:prstGeom>
+        </p:spPr>
+        <p:style>
+          <a:lnRef idx="2">
+            <a:schemeClr val="accent1"/>
+          </a:lnRef>
+          <a:fillRef idx="0">
+            <a:schemeClr val="accent1"/>
+          </a:fillRef>
+          <a:effectRef idx="1">
+            <a:schemeClr val="accent1"/>
+          </a:effectRef>
+          <a:fontRef idx="minor">
+            <a:schemeClr val="tx1"/>
+          </a:fontRef>
+        </p:style>
+      </p:cxnSp>
+      <p:cxnSp>
+        <p:nvCxnSpPr>
+          <p:cNvPr id="50" name="Straight Connector 49"/>
+          <p:cNvCxnSpPr/>
+          <p:nvPr/>
+        </p:nvCxnSpPr>
+        <p:spPr>
+          <a:xfrm>
+            <a:off x="1601035" y="4841880"/>
+            <a:ext cx="0" cy="301163"/>
+          </a:xfrm>
+          <a:prstGeom prst="line">
+            <a:avLst/>
+          </a:prstGeom>
+        </p:spPr>
+        <p:style>
+          <a:lnRef idx="2">
+            <a:schemeClr val="accent1"/>
+          </a:lnRef>
+          <a:fillRef idx="0">
+            <a:schemeClr val="accent1"/>
+          </a:fillRef>
+          <a:effectRef idx="1">
+            <a:schemeClr val="accent1"/>
+          </a:effectRef>
+          <a:fontRef idx="minor">
+            <a:schemeClr val="tx1"/>
+          </a:fontRef>
+        </p:style>
+      </p:cxnSp>
+      <p:cxnSp>
+        <p:nvCxnSpPr>
+          <p:cNvPr id="52" name="Straight Connector 51"/>
+          <p:cNvCxnSpPr/>
+          <p:nvPr/>
+        </p:nvCxnSpPr>
+        <p:spPr>
+          <a:xfrm>
+            <a:off x="1605751" y="5252525"/>
+            <a:ext cx="0" cy="301163"/>
+          </a:xfrm>
+          <a:prstGeom prst="line">
+            <a:avLst/>
+          </a:prstGeom>
+        </p:spPr>
+        <p:style>
+          <a:lnRef idx="2">
+            <a:schemeClr val="accent1"/>
+          </a:lnRef>
+          <a:fillRef idx="0">
+            <a:schemeClr val="accent1"/>
+          </a:fillRef>
+          <a:effectRef idx="1">
+            <a:schemeClr val="accent1"/>
+          </a:effectRef>
+          <a:fontRef idx="minor">
+            <a:schemeClr val="tx1"/>
+          </a:fontRef>
+        </p:style>
+      </p:cxnSp>
+      <p:cxnSp>
+        <p:nvCxnSpPr>
+          <p:cNvPr id="53" name="Straight Connector 52"/>
+          <p:cNvCxnSpPr/>
+          <p:nvPr/>
+        </p:nvCxnSpPr>
+        <p:spPr>
+          <a:xfrm>
+            <a:off x="1601035" y="5666805"/>
+            <a:ext cx="0" cy="301163"/>
+          </a:xfrm>
+          <a:prstGeom prst="line">
+            <a:avLst/>
+          </a:prstGeom>
+        </p:spPr>
+        <p:style>
+          <a:lnRef idx="2">
+            <a:schemeClr val="accent1"/>
+          </a:lnRef>
+          <a:fillRef idx="0">
+            <a:schemeClr val="accent1"/>
+          </a:fillRef>
+          <a:effectRef idx="1">
+            <a:schemeClr val="accent1"/>
+          </a:effectRef>
+          <a:fontRef idx="minor">
+            <a:schemeClr val="tx1"/>
+          </a:fontRef>
+        </p:style>
+      </p:cxnSp>
+      <p:cxnSp>
+        <p:nvCxnSpPr>
+          <p:cNvPr id="54" name="Straight Connector 53"/>
+          <p:cNvCxnSpPr/>
+          <p:nvPr/>
+        </p:nvCxnSpPr>
+        <p:spPr>
+          <a:xfrm>
+            <a:off x="1601035" y="6072719"/>
+            <a:ext cx="0" cy="301163"/>
+          </a:xfrm>
+          <a:prstGeom prst="line">
+            <a:avLst/>
+          </a:prstGeom>
+        </p:spPr>
+        <p:style>
+          <a:lnRef idx="2">
+            <a:schemeClr val="accent1"/>
+          </a:lnRef>
+          <a:fillRef idx="0">
+            <a:schemeClr val="accent1"/>
+          </a:fillRef>
+          <a:effectRef idx="1">
+            <a:schemeClr val="accent1"/>
+          </a:effectRef>
+          <a:fontRef idx="minor">
+            <a:schemeClr val="tx1"/>
+          </a:fontRef>
+        </p:style>
+      </p:cxnSp>
+      <p:cxnSp>
+        <p:nvCxnSpPr>
+          <p:cNvPr id="55" name="Straight Connector 54"/>
+          <p:cNvCxnSpPr/>
+          <p:nvPr/>
+        </p:nvCxnSpPr>
+        <p:spPr>
+          <a:xfrm>
+            <a:off x="7039451" y="1553460"/>
+            <a:ext cx="0" cy="301163"/>
+          </a:xfrm>
+          <a:prstGeom prst="line">
+            <a:avLst/>
+          </a:prstGeom>
+        </p:spPr>
+        <p:style>
+          <a:lnRef idx="2">
+            <a:schemeClr val="accent1"/>
+          </a:lnRef>
+          <a:fillRef idx="0">
+            <a:schemeClr val="accent1"/>
+          </a:fillRef>
+          <a:effectRef idx="1">
+            <a:schemeClr val="accent1"/>
+          </a:effectRef>
+          <a:fontRef idx="minor">
+            <a:schemeClr val="tx1"/>
+          </a:fontRef>
+        </p:style>
+      </p:cxnSp>
+      <p:cxnSp>
+        <p:nvCxnSpPr>
+          <p:cNvPr id="56" name="Straight Connector 55"/>
+          <p:cNvCxnSpPr/>
+          <p:nvPr/>
+        </p:nvCxnSpPr>
+        <p:spPr>
+          <a:xfrm>
+            <a:off x="7034735" y="1967740"/>
+            <a:ext cx="0" cy="301163"/>
+          </a:xfrm>
+          <a:prstGeom prst="line">
+            <a:avLst/>
+          </a:prstGeom>
+        </p:spPr>
+        <p:style>
+          <a:lnRef idx="2">
+            <a:schemeClr val="accent1"/>
+          </a:lnRef>
+          <a:fillRef idx="0">
+            <a:schemeClr val="accent1"/>
+          </a:fillRef>
+          <a:effectRef idx="1">
+            <a:schemeClr val="accent1"/>
+          </a:effectRef>
+          <a:fontRef idx="minor">
+            <a:schemeClr val="tx1"/>
+          </a:fontRef>
+        </p:style>
+      </p:cxnSp>
+      <p:cxnSp>
+        <p:nvCxnSpPr>
+          <p:cNvPr id="59" name="Straight Connector 58"/>
+          <p:cNvCxnSpPr/>
+          <p:nvPr/>
+        </p:nvCxnSpPr>
+        <p:spPr>
+          <a:xfrm>
+            <a:off x="7034735" y="2373654"/>
+            <a:ext cx="0" cy="301163"/>
+          </a:xfrm>
+          <a:prstGeom prst="line">
+            <a:avLst/>
+          </a:prstGeom>
+        </p:spPr>
+        <p:style>
+          <a:lnRef idx="2">
+            <a:schemeClr val="accent1"/>
+          </a:lnRef>
+          <a:fillRef idx="0">
+            <a:schemeClr val="accent1"/>
+          </a:fillRef>
+          <a:effectRef idx="1">
+            <a:schemeClr val="accent1"/>
+          </a:effectRef>
+          <a:fontRef idx="minor">
+            <a:schemeClr val="tx1"/>
+          </a:fontRef>
+        </p:style>
+      </p:cxnSp>
+      <p:cxnSp>
+        <p:nvCxnSpPr>
+          <p:cNvPr id="61" name="Straight Connector 60"/>
+          <p:cNvCxnSpPr/>
+          <p:nvPr/>
+        </p:nvCxnSpPr>
+        <p:spPr>
+          <a:xfrm>
+            <a:off x="7044167" y="2779571"/>
+            <a:ext cx="0" cy="301163"/>
+          </a:xfrm>
+          <a:prstGeom prst="line">
+            <a:avLst/>
+          </a:prstGeom>
+        </p:spPr>
+        <p:style>
+          <a:lnRef idx="2">
+            <a:schemeClr val="accent1"/>
+          </a:lnRef>
+          <a:fillRef idx="0">
+            <a:schemeClr val="accent1"/>
+          </a:fillRef>
+          <a:effectRef idx="1">
+            <a:schemeClr val="accent1"/>
+          </a:effectRef>
+          <a:fontRef idx="minor">
+            <a:schemeClr val="tx1"/>
+          </a:fontRef>
+        </p:style>
+      </p:cxnSp>
+      <p:cxnSp>
+        <p:nvCxnSpPr>
+          <p:cNvPr id="63" name="Straight Connector 62"/>
+          <p:cNvCxnSpPr/>
+          <p:nvPr/>
+        </p:nvCxnSpPr>
+        <p:spPr>
+          <a:xfrm>
+            <a:off x="7039451" y="3193851"/>
+            <a:ext cx="0" cy="301163"/>
+          </a:xfrm>
+          <a:prstGeom prst="line">
+            <a:avLst/>
+          </a:prstGeom>
+        </p:spPr>
+        <p:style>
+          <a:lnRef idx="2">
+            <a:schemeClr val="accent1"/>
+          </a:lnRef>
+          <a:fillRef idx="0">
+            <a:schemeClr val="accent1"/>
+          </a:fillRef>
+          <a:effectRef idx="1">
+            <a:schemeClr val="accent1"/>
+          </a:effectRef>
+          <a:fontRef idx="minor">
+            <a:schemeClr val="tx1"/>
+          </a:fontRef>
+        </p:style>
+      </p:cxnSp>
+      <p:cxnSp>
+        <p:nvCxnSpPr>
+          <p:cNvPr id="64" name="Straight Connector 63"/>
+          <p:cNvCxnSpPr/>
+          <p:nvPr/>
+        </p:nvCxnSpPr>
+        <p:spPr>
+          <a:xfrm>
+            <a:off x="7039451" y="3599765"/>
+            <a:ext cx="0" cy="301163"/>
+          </a:xfrm>
+          <a:prstGeom prst="line">
+            <a:avLst/>
+          </a:prstGeom>
+        </p:spPr>
+        <p:style>
+          <a:lnRef idx="2">
+            <a:schemeClr val="accent1"/>
+          </a:lnRef>
+          <a:fillRef idx="0">
+            <a:schemeClr val="accent1"/>
+          </a:fillRef>
+          <a:effectRef idx="1">
+            <a:schemeClr val="accent1"/>
+          </a:effectRef>
+          <a:fontRef idx="minor">
+            <a:schemeClr val="tx1"/>
+          </a:fontRef>
+        </p:style>
+      </p:cxnSp>
+      <p:cxnSp>
+        <p:nvCxnSpPr>
+          <p:cNvPr id="65" name="Straight Connector 64"/>
+          <p:cNvCxnSpPr/>
+          <p:nvPr/>
+        </p:nvCxnSpPr>
+        <p:spPr>
+          <a:xfrm>
+            <a:off x="7034732" y="4023504"/>
+            <a:ext cx="0" cy="301163"/>
+          </a:xfrm>
+          <a:prstGeom prst="line">
+            <a:avLst/>
+          </a:prstGeom>
+        </p:spPr>
+        <p:style>
+          <a:lnRef idx="2">
+            <a:schemeClr val="accent1"/>
+          </a:lnRef>
+          <a:fillRef idx="0">
+            <a:schemeClr val="accent1"/>
+          </a:fillRef>
+          <a:effectRef idx="1">
+            <a:schemeClr val="accent1"/>
+          </a:effectRef>
+          <a:fontRef idx="minor">
+            <a:schemeClr val="tx1"/>
+          </a:fontRef>
+        </p:style>
+      </p:cxnSp>
+      <p:cxnSp>
+        <p:nvCxnSpPr>
+          <p:cNvPr id="66" name="Straight Connector 65"/>
+          <p:cNvCxnSpPr/>
+          <p:nvPr/>
+        </p:nvCxnSpPr>
+        <p:spPr>
+          <a:xfrm>
+            <a:off x="7030016" y="4437784"/>
+            <a:ext cx="0" cy="301163"/>
+          </a:xfrm>
+          <a:prstGeom prst="line">
+            <a:avLst/>
+          </a:prstGeom>
+        </p:spPr>
+        <p:style>
+          <a:lnRef idx="2">
+            <a:schemeClr val="accent1"/>
+          </a:lnRef>
+          <a:fillRef idx="0">
+            <a:schemeClr val="accent1"/>
+          </a:fillRef>
+          <a:effectRef idx="1">
+            <a:schemeClr val="accent1"/>
+          </a:effectRef>
+          <a:fontRef idx="minor">
+            <a:schemeClr val="tx1"/>
+          </a:fontRef>
+        </p:style>
+      </p:cxnSp>
+      <p:cxnSp>
+        <p:nvCxnSpPr>
+          <p:cNvPr id="67" name="Straight Connector 66"/>
+          <p:cNvCxnSpPr/>
+          <p:nvPr/>
+        </p:nvCxnSpPr>
+        <p:spPr>
+          <a:xfrm>
+            <a:off x="7030016" y="4843698"/>
+            <a:ext cx="0" cy="301163"/>
+          </a:xfrm>
+          <a:prstGeom prst="line">
+            <a:avLst/>
+          </a:prstGeom>
+        </p:spPr>
+        <p:style>
+          <a:lnRef idx="2">
+            <a:schemeClr val="accent1"/>
+          </a:lnRef>
+          <a:fillRef idx="0">
+            <a:schemeClr val="accent1"/>
+          </a:fillRef>
+          <a:effectRef idx="1">
+            <a:schemeClr val="accent1"/>
+          </a:effectRef>
+          <a:fontRef idx="minor">
+            <a:schemeClr val="tx1"/>
+          </a:fontRef>
+        </p:style>
+      </p:cxnSp>
+      <p:cxnSp>
+        <p:nvCxnSpPr>
+          <p:cNvPr id="68" name="Straight Connector 67"/>
+          <p:cNvCxnSpPr/>
+          <p:nvPr/>
+        </p:nvCxnSpPr>
+        <p:spPr>
+          <a:xfrm>
+            <a:off x="7034732" y="5254343"/>
+            <a:ext cx="0" cy="301163"/>
+          </a:xfrm>
+          <a:prstGeom prst="line">
+            <a:avLst/>
+          </a:prstGeom>
+        </p:spPr>
+        <p:style>
+          <a:lnRef idx="2">
+            <a:schemeClr val="accent1"/>
+          </a:lnRef>
+          <a:fillRef idx="0">
+            <a:schemeClr val="accent1"/>
+          </a:fillRef>
+          <a:effectRef idx="1">
+            <a:schemeClr val="accent1"/>
+          </a:effectRef>
+          <a:fontRef idx="minor">
+            <a:schemeClr val="tx1"/>
+          </a:fontRef>
+        </p:style>
+      </p:cxnSp>
+      <p:cxnSp>
+        <p:nvCxnSpPr>
+          <p:cNvPr id="69" name="Straight Connector 68"/>
+          <p:cNvCxnSpPr/>
+          <p:nvPr/>
+        </p:nvCxnSpPr>
+        <p:spPr>
+          <a:xfrm>
+            <a:off x="7030016" y="5668623"/>
+            <a:ext cx="0" cy="301163"/>
+          </a:xfrm>
+          <a:prstGeom prst="line">
+            <a:avLst/>
+          </a:prstGeom>
+        </p:spPr>
+        <p:style>
+          <a:lnRef idx="2">
+            <a:schemeClr val="accent1"/>
+          </a:lnRef>
+          <a:fillRef idx="0">
+            <a:schemeClr val="accent1"/>
+          </a:fillRef>
+          <a:effectRef idx="1">
+            <a:schemeClr val="accent1"/>
+          </a:effectRef>
+          <a:fontRef idx="minor">
+            <a:schemeClr val="tx1"/>
+          </a:fontRef>
+        </p:style>
+      </p:cxnSp>
+      <p:cxnSp>
+        <p:nvCxnSpPr>
+          <p:cNvPr id="70" name="Straight Connector 69"/>
+          <p:cNvCxnSpPr/>
+          <p:nvPr/>
+        </p:nvCxnSpPr>
+        <p:spPr>
+          <a:xfrm>
+            <a:off x="7030016" y="6074537"/>
+            <a:ext cx="0" cy="301163"/>
+          </a:xfrm>
+          <a:prstGeom prst="line">
+            <a:avLst/>
+          </a:prstGeom>
+        </p:spPr>
+        <p:style>
+          <a:lnRef idx="2">
+            <a:schemeClr val="accent1"/>
+          </a:lnRef>
+          <a:fillRef idx="0">
+            <a:schemeClr val="accent1"/>
+          </a:fillRef>
+          <a:effectRef idx="1">
+            <a:schemeClr val="accent1"/>
+          </a:effectRef>
+          <a:fontRef idx="minor">
+            <a:schemeClr val="tx1"/>
+          </a:fontRef>
+        </p:style>
+      </p:cxnSp>
+      <p:grpSp>
+        <p:nvGrpSpPr>
+          <p:cNvPr id="29" name="Group 28"/>
+          <p:cNvGrpSpPr/>
+          <p:nvPr/>
+        </p:nvGrpSpPr>
+        <p:grpSpPr>
+          <a:xfrm>
+            <a:off x="1538984" y="943486"/>
+            <a:ext cx="152404" cy="450722"/>
+            <a:chOff x="1204579" y="408211"/>
+            <a:chExt cx="183306" cy="830997"/>
+          </a:xfrm>
+        </p:grpSpPr>
+        <p:sp>
+          <p:nvSpPr>
+            <p:cNvPr id="5" name="Oval 4"/>
+            <p:cNvSpPr/>
+            <p:nvPr/>
+          </p:nvSpPr>
+          <p:spPr>
+            <a:xfrm>
+              <a:off x="1204579" y="408211"/>
+              <a:ext cx="183306" cy="285773"/>
+            </a:xfrm>
+            <a:prstGeom prst="ellipse">
+              <a:avLst/>
+            </a:prstGeom>
+          </p:spPr>
+          <p:style>
+            <a:lnRef idx="1">
+              <a:schemeClr val="accent1"/>
+            </a:lnRef>
+            <a:fillRef idx="3">
+              <a:schemeClr val="accent1"/>
+            </a:fillRef>
+            <a:effectRef idx="2">
+              <a:schemeClr val="accent1"/>
+            </a:effectRef>
+            <a:fontRef idx="minor">
+              <a:schemeClr val="lt1"/>
+            </a:fontRef>
+          </p:style>
+          <p:txBody>
+            <a:bodyPr rtlCol="0" anchor="ctr"/>
+            <a:lstStyle/>
+            <a:p>
+              <a:pPr algn="ctr"/>
+              <a:endParaRPr lang="en-US"/>
+            </a:p>
+          </p:txBody>
+        </p:sp>
+        <p:cxnSp>
+          <p:nvCxnSpPr>
+            <p:cNvPr id="8" name="Straight Connector 7"/>
+            <p:cNvCxnSpPr>
+              <a:stCxn id="5" idx="4"/>
+            </p:cNvCxnSpPr>
+            <p:nvPr/>
+          </p:nvCxnSpPr>
+          <p:spPr>
+            <a:xfrm>
+              <a:off x="1296232" y="693984"/>
+              <a:ext cx="0" cy="274974"/>
+            </a:xfrm>
+            <a:prstGeom prst="line">
+              <a:avLst/>
+            </a:prstGeom>
+          </p:spPr>
+          <p:style>
+            <a:lnRef idx="2">
+              <a:schemeClr val="accent1"/>
+            </a:lnRef>
+            <a:fillRef idx="0">
+              <a:schemeClr val="accent1"/>
+            </a:fillRef>
+            <a:effectRef idx="1">
+              <a:schemeClr val="accent1"/>
+            </a:effectRef>
+            <a:fontRef idx="minor">
+              <a:schemeClr val="tx1"/>
+            </a:fontRef>
+          </p:style>
+        </p:cxnSp>
+        <p:cxnSp>
+          <p:nvCxnSpPr>
+            <p:cNvPr id="10" name="Straight Connector 9"/>
+            <p:cNvCxnSpPr/>
+            <p:nvPr/>
+          </p:nvCxnSpPr>
+          <p:spPr>
+            <a:xfrm flipH="1">
+              <a:off x="1204579" y="968958"/>
+              <a:ext cx="91653" cy="270250"/>
+            </a:xfrm>
+            <a:prstGeom prst="line">
+              <a:avLst/>
+            </a:prstGeom>
+          </p:spPr>
+          <p:style>
+            <a:lnRef idx="2">
+              <a:schemeClr val="accent1"/>
+            </a:lnRef>
+            <a:fillRef idx="0">
+              <a:schemeClr val="accent1"/>
+            </a:fillRef>
+            <a:effectRef idx="1">
+              <a:schemeClr val="accent1"/>
+            </a:effectRef>
+            <a:fontRef idx="minor">
+              <a:schemeClr val="tx1"/>
+            </a:fontRef>
+          </p:style>
+        </p:cxnSp>
+        <p:cxnSp>
+          <p:nvCxnSpPr>
+            <p:cNvPr id="14" name="Straight Connector 13"/>
+            <p:cNvCxnSpPr/>
+            <p:nvPr/>
+          </p:nvCxnSpPr>
+          <p:spPr>
+            <a:xfrm>
+              <a:off x="1296232" y="968958"/>
+              <a:ext cx="91653" cy="270250"/>
+            </a:xfrm>
+            <a:prstGeom prst="line">
+              <a:avLst/>
+            </a:prstGeom>
+          </p:spPr>
+          <p:style>
+            <a:lnRef idx="2">
+              <a:schemeClr val="accent1"/>
+            </a:lnRef>
+            <a:fillRef idx="0">
+              <a:schemeClr val="accent1"/>
+            </a:fillRef>
+            <a:effectRef idx="1">
+              <a:schemeClr val="accent1"/>
+            </a:effectRef>
+            <a:fontRef idx="minor">
+              <a:schemeClr val="tx1"/>
+            </a:fontRef>
+          </p:style>
+        </p:cxnSp>
+        <p:cxnSp>
+          <p:nvCxnSpPr>
+            <p:cNvPr id="20" name="Straight Connector 19"/>
+            <p:cNvCxnSpPr/>
+            <p:nvPr/>
+          </p:nvCxnSpPr>
+          <p:spPr>
+            <a:xfrm flipV="1">
+              <a:off x="1296232" y="785642"/>
+              <a:ext cx="91653" cy="52376"/>
+            </a:xfrm>
+            <a:prstGeom prst="line">
+              <a:avLst/>
+            </a:prstGeom>
+          </p:spPr>
+          <p:style>
+            <a:lnRef idx="2">
+              <a:schemeClr val="accent1"/>
+            </a:lnRef>
+            <a:fillRef idx="0">
+              <a:schemeClr val="accent1"/>
+            </a:fillRef>
+            <a:effectRef idx="1">
+              <a:schemeClr val="accent1"/>
+            </a:effectRef>
+            <a:fontRef idx="minor">
+              <a:schemeClr val="tx1"/>
+            </a:fontRef>
+          </p:style>
+        </p:cxnSp>
+        <p:cxnSp>
+          <p:nvCxnSpPr>
+            <p:cNvPr id="26" name="Straight Connector 25"/>
+            <p:cNvCxnSpPr/>
+            <p:nvPr/>
+          </p:nvCxnSpPr>
+          <p:spPr>
+            <a:xfrm flipH="1" flipV="1">
+              <a:off x="1204579" y="785642"/>
+              <a:ext cx="91653" cy="52376"/>
+            </a:xfrm>
+            <a:prstGeom prst="line">
+              <a:avLst/>
+            </a:prstGeom>
+          </p:spPr>
+          <p:style>
+            <a:lnRef idx="2">
+              <a:schemeClr val="accent1"/>
+            </a:lnRef>
+            <a:fillRef idx="0">
+              <a:schemeClr val="accent1"/>
+            </a:fillRef>
+            <a:effectRef idx="1">
+              <a:schemeClr val="accent1"/>
+            </a:effectRef>
+            <a:fontRef idx="minor">
+              <a:schemeClr val="tx1"/>
+            </a:fontRef>
+          </p:style>
+        </p:cxnSp>
+      </p:grpSp>
+      <p:sp>
+        <p:nvSpPr>
+          <p:cNvPr id="31" name="TextBox 30"/>
+          <p:cNvSpPr txBox="1"/>
+          <p:nvPr/>
+        </p:nvSpPr>
+        <p:spPr>
+          <a:xfrm>
+            <a:off x="6598986" y="1062962"/>
+            <a:ext cx="862060" cy="369332"/>
+          </a:xfrm>
+          <a:prstGeom prst="rect">
+            <a:avLst/>
+          </a:prstGeom>
+          <a:noFill/>
+          <a:ln>
+            <a:solidFill>
+              <a:schemeClr val="tx2">
+                <a:lumMod val="60000"/>
+                <a:lumOff val="40000"/>
+              </a:schemeClr>
+            </a:solidFill>
+          </a:ln>
+        </p:spPr>
+        <p:txBody>
+          <a:bodyPr wrap="none" rtlCol="0">
+            <a:spAutoFit/>
+          </a:bodyPr>
+          <a:lstStyle/>
+          <a:p>
+            <a:r>
+              <a:rPr lang="en-US" dirty="0" smtClean="0">
+                <a:solidFill>
+                  <a:srgbClr val="558ED5"/>
+                </a:solidFill>
+              </a:rPr>
+              <a:t>System</a:t>
+            </a:r>
+            <a:endParaRPr lang="en-US" dirty="0">
+              <a:solidFill>
+                <a:srgbClr val="558ED5"/>
+              </a:solidFill>
+            </a:endParaRPr>
+          </a:p>
+        </p:txBody>
+      </p:sp>
+      <p:grpSp>
+        <p:nvGrpSpPr>
+          <p:cNvPr id="33" name="Group 32"/>
+          <p:cNvGrpSpPr/>
+          <p:nvPr/>
+        </p:nvGrpSpPr>
+        <p:grpSpPr>
+          <a:xfrm rot="5400000">
+            <a:off x="4567366" y="770362"/>
+            <a:ext cx="14151" cy="4822240"/>
+            <a:chOff x="4053128" y="1542910"/>
+            <a:chExt cx="14151" cy="4822240"/>
+          </a:xfrm>
+        </p:grpSpPr>
+        <p:cxnSp>
+          <p:nvCxnSpPr>
+            <p:cNvPr id="71" name="Straight Connector 70"/>
+            <p:cNvCxnSpPr/>
+            <p:nvPr/>
+          </p:nvCxnSpPr>
+          <p:spPr>
+            <a:xfrm>
+              <a:off x="4062563" y="1542910"/>
+              <a:ext cx="0" cy="301163"/>
+            </a:xfrm>
+            <a:prstGeom prst="line">
+              <a:avLst/>
+            </a:prstGeom>
+          </p:spPr>
+          <p:style>
+            <a:lnRef idx="2">
+              <a:schemeClr val="accent1"/>
+            </a:lnRef>
+            <a:fillRef idx="0">
+              <a:schemeClr val="accent1"/>
+            </a:fillRef>
+            <a:effectRef idx="1">
+              <a:schemeClr val="accent1"/>
+            </a:effectRef>
+            <a:fontRef idx="minor">
+              <a:schemeClr val="tx1"/>
+            </a:fontRef>
+          </p:style>
+        </p:cxnSp>
+        <p:cxnSp>
+          <p:nvCxnSpPr>
+            <p:cNvPr id="72" name="Straight Connector 71"/>
+            <p:cNvCxnSpPr/>
+            <p:nvPr/>
+          </p:nvCxnSpPr>
+          <p:spPr>
+            <a:xfrm>
+              <a:off x="4057847" y="1957190"/>
+              <a:ext cx="0" cy="301163"/>
+            </a:xfrm>
+            <a:prstGeom prst="line">
+              <a:avLst/>
+            </a:prstGeom>
+          </p:spPr>
+          <p:style>
+            <a:lnRef idx="2">
+              <a:schemeClr val="accent1"/>
+            </a:lnRef>
+            <a:fillRef idx="0">
+              <a:schemeClr val="accent1"/>
+            </a:fillRef>
+            <a:effectRef idx="1">
+              <a:schemeClr val="accent1"/>
+            </a:effectRef>
+            <a:fontRef idx="minor">
+              <a:schemeClr val="tx1"/>
+            </a:fontRef>
+          </p:style>
+        </p:cxnSp>
+        <p:cxnSp>
+          <p:nvCxnSpPr>
+            <p:cNvPr id="73" name="Straight Connector 72"/>
+            <p:cNvCxnSpPr/>
+            <p:nvPr/>
+          </p:nvCxnSpPr>
+          <p:spPr>
+            <a:xfrm>
+              <a:off x="4057847" y="2363104"/>
+              <a:ext cx="0" cy="301163"/>
+            </a:xfrm>
+            <a:prstGeom prst="line">
+              <a:avLst/>
+            </a:prstGeom>
+          </p:spPr>
+          <p:style>
+            <a:lnRef idx="2">
+              <a:schemeClr val="accent1"/>
+            </a:lnRef>
+            <a:fillRef idx="0">
+              <a:schemeClr val="accent1"/>
+            </a:fillRef>
+            <a:effectRef idx="1">
+              <a:schemeClr val="accent1"/>
+            </a:effectRef>
+            <a:fontRef idx="minor">
+              <a:schemeClr val="tx1"/>
+            </a:fontRef>
+          </p:style>
+        </p:cxnSp>
+        <p:cxnSp>
+          <p:nvCxnSpPr>
+            <p:cNvPr id="74" name="Straight Connector 73"/>
+            <p:cNvCxnSpPr/>
+            <p:nvPr/>
+          </p:nvCxnSpPr>
+          <p:spPr>
+            <a:xfrm>
+              <a:off x="4067279" y="2769021"/>
+              <a:ext cx="0" cy="301163"/>
+            </a:xfrm>
+            <a:prstGeom prst="line">
+              <a:avLst/>
+            </a:prstGeom>
+          </p:spPr>
+          <p:style>
+            <a:lnRef idx="2">
+              <a:schemeClr val="accent1"/>
+            </a:lnRef>
+            <a:fillRef idx="0">
+              <a:schemeClr val="accent1"/>
+            </a:fillRef>
+            <a:effectRef idx="1">
+              <a:schemeClr val="accent1"/>
+            </a:effectRef>
+            <a:fontRef idx="minor">
+              <a:schemeClr val="tx1"/>
+            </a:fontRef>
+          </p:style>
+        </p:cxnSp>
+        <p:cxnSp>
+          <p:nvCxnSpPr>
+            <p:cNvPr id="75" name="Straight Connector 74"/>
+            <p:cNvCxnSpPr/>
+            <p:nvPr/>
+          </p:nvCxnSpPr>
+          <p:spPr>
+            <a:xfrm>
+              <a:off x="4062563" y="3183301"/>
+              <a:ext cx="0" cy="301163"/>
+            </a:xfrm>
+            <a:prstGeom prst="line">
+              <a:avLst/>
+            </a:prstGeom>
+          </p:spPr>
+          <p:style>
+            <a:lnRef idx="2">
+              <a:schemeClr val="accent1"/>
+            </a:lnRef>
+            <a:fillRef idx="0">
+              <a:schemeClr val="accent1"/>
+            </a:fillRef>
+            <a:effectRef idx="1">
+              <a:schemeClr val="accent1"/>
+            </a:effectRef>
+            <a:fontRef idx="minor">
+              <a:schemeClr val="tx1"/>
+            </a:fontRef>
+          </p:style>
+        </p:cxnSp>
+        <p:cxnSp>
+          <p:nvCxnSpPr>
+            <p:cNvPr id="76" name="Straight Connector 75"/>
+            <p:cNvCxnSpPr/>
+            <p:nvPr/>
+          </p:nvCxnSpPr>
+          <p:spPr>
+            <a:xfrm>
+              <a:off x="4062563" y="3589215"/>
+              <a:ext cx="0" cy="301163"/>
+            </a:xfrm>
+            <a:prstGeom prst="line">
+              <a:avLst/>
+            </a:prstGeom>
+          </p:spPr>
+          <p:style>
+            <a:lnRef idx="2">
+              <a:schemeClr val="accent1"/>
+            </a:lnRef>
+            <a:fillRef idx="0">
+              <a:schemeClr val="accent1"/>
+            </a:fillRef>
+            <a:effectRef idx="1">
+              <a:schemeClr val="accent1"/>
+            </a:effectRef>
+            <a:fontRef idx="minor">
+              <a:schemeClr val="tx1"/>
+            </a:fontRef>
+          </p:style>
+        </p:cxnSp>
+        <p:cxnSp>
+          <p:nvCxnSpPr>
+            <p:cNvPr id="77" name="Straight Connector 76"/>
+            <p:cNvCxnSpPr/>
+            <p:nvPr/>
+          </p:nvCxnSpPr>
+          <p:spPr>
+            <a:xfrm>
+              <a:off x="4057844" y="4012954"/>
+              <a:ext cx="0" cy="301163"/>
+            </a:xfrm>
+            <a:prstGeom prst="line">
+              <a:avLst/>
+            </a:prstGeom>
+          </p:spPr>
+          <p:style>
+            <a:lnRef idx="2">
+              <a:schemeClr val="accent1"/>
+            </a:lnRef>
+            <a:fillRef idx="0">
+              <a:schemeClr val="accent1"/>
+            </a:fillRef>
+            <a:effectRef idx="1">
+              <a:schemeClr val="accent1"/>
+            </a:effectRef>
+            <a:fontRef idx="minor">
+              <a:schemeClr val="tx1"/>
+            </a:fontRef>
+          </p:style>
+        </p:cxnSp>
+        <p:cxnSp>
+          <p:nvCxnSpPr>
+            <p:cNvPr id="78" name="Straight Connector 77"/>
+            <p:cNvCxnSpPr/>
+            <p:nvPr/>
+          </p:nvCxnSpPr>
+          <p:spPr>
+            <a:xfrm>
+              <a:off x="4053128" y="4427234"/>
+              <a:ext cx="0" cy="301163"/>
+            </a:xfrm>
+            <a:prstGeom prst="line">
+              <a:avLst/>
+            </a:prstGeom>
+          </p:spPr>
+          <p:style>
+            <a:lnRef idx="2">
+              <a:schemeClr val="accent1"/>
+            </a:lnRef>
+            <a:fillRef idx="0">
+              <a:schemeClr val="accent1"/>
+            </a:fillRef>
+            <a:effectRef idx="1">
+              <a:schemeClr val="accent1"/>
+            </a:effectRef>
+            <a:fontRef idx="minor">
+              <a:schemeClr val="tx1"/>
+            </a:fontRef>
+          </p:style>
+        </p:cxnSp>
+        <p:cxnSp>
+          <p:nvCxnSpPr>
+            <p:cNvPr id="79" name="Straight Connector 78"/>
+            <p:cNvCxnSpPr/>
+            <p:nvPr/>
+          </p:nvCxnSpPr>
+          <p:spPr>
+            <a:xfrm>
+              <a:off x="4053128" y="4833148"/>
+              <a:ext cx="0" cy="301163"/>
+            </a:xfrm>
+            <a:prstGeom prst="line">
+              <a:avLst/>
+            </a:prstGeom>
+          </p:spPr>
+          <p:style>
+            <a:lnRef idx="2">
+              <a:schemeClr val="accent1"/>
+            </a:lnRef>
+            <a:fillRef idx="0">
+              <a:schemeClr val="accent1"/>
+            </a:fillRef>
+            <a:effectRef idx="1">
+              <a:schemeClr val="accent1"/>
+            </a:effectRef>
+            <a:fontRef idx="minor">
+              <a:schemeClr val="tx1"/>
+            </a:fontRef>
+          </p:style>
+        </p:cxnSp>
+        <p:cxnSp>
+          <p:nvCxnSpPr>
+            <p:cNvPr id="80" name="Straight Connector 79"/>
+            <p:cNvCxnSpPr/>
+            <p:nvPr/>
+          </p:nvCxnSpPr>
+          <p:spPr>
+            <a:xfrm>
+              <a:off x="4057844" y="5243793"/>
+              <a:ext cx="0" cy="301163"/>
+            </a:xfrm>
+            <a:prstGeom prst="line">
+              <a:avLst/>
+            </a:prstGeom>
+          </p:spPr>
+          <p:style>
+            <a:lnRef idx="2">
+              <a:schemeClr val="accent1"/>
+            </a:lnRef>
+            <a:fillRef idx="0">
+              <a:schemeClr val="accent1"/>
+            </a:fillRef>
+            <a:effectRef idx="1">
+              <a:schemeClr val="accent1"/>
+            </a:effectRef>
+            <a:fontRef idx="minor">
+              <a:schemeClr val="tx1"/>
+            </a:fontRef>
+          </p:style>
+        </p:cxnSp>
+        <p:cxnSp>
+          <p:nvCxnSpPr>
+            <p:cNvPr id="81" name="Straight Connector 80"/>
+            <p:cNvCxnSpPr/>
+            <p:nvPr/>
+          </p:nvCxnSpPr>
+          <p:spPr>
+            <a:xfrm>
+              <a:off x="4053128" y="5658073"/>
+              <a:ext cx="0" cy="301163"/>
+            </a:xfrm>
+            <a:prstGeom prst="line">
+              <a:avLst/>
+            </a:prstGeom>
+          </p:spPr>
+          <p:style>
+            <a:lnRef idx="2">
+              <a:schemeClr val="accent1"/>
+            </a:lnRef>
+            <a:fillRef idx="0">
+              <a:schemeClr val="accent1"/>
+            </a:fillRef>
+            <a:effectRef idx="1">
+              <a:schemeClr val="accent1"/>
+            </a:effectRef>
+            <a:fontRef idx="minor">
+              <a:schemeClr val="tx1"/>
+            </a:fontRef>
+          </p:style>
+        </p:cxnSp>
+        <p:cxnSp>
+          <p:nvCxnSpPr>
+            <p:cNvPr id="82" name="Straight Connector 81"/>
+            <p:cNvCxnSpPr/>
+            <p:nvPr/>
+          </p:nvCxnSpPr>
+          <p:spPr>
+            <a:xfrm>
+              <a:off x="4053128" y="6063987"/>
+              <a:ext cx="0" cy="301163"/>
+            </a:xfrm>
+            <a:prstGeom prst="line">
+              <a:avLst/>
+            </a:prstGeom>
+          </p:spPr>
+          <p:style>
+            <a:lnRef idx="2">
+              <a:schemeClr val="accent1"/>
+            </a:lnRef>
+            <a:fillRef idx="0">
+              <a:schemeClr val="accent1"/>
+            </a:fillRef>
+            <a:effectRef idx="1">
+              <a:schemeClr val="accent1"/>
+            </a:effectRef>
+            <a:fontRef idx="minor">
+              <a:schemeClr val="tx1"/>
+            </a:fontRef>
+          </p:style>
+        </p:cxnSp>
+      </p:grpSp>
+      <p:cxnSp>
+        <p:nvCxnSpPr>
+          <p:cNvPr id="97" name="Straight Arrow Connector 96"/>
+          <p:cNvCxnSpPr/>
+          <p:nvPr/>
+        </p:nvCxnSpPr>
+        <p:spPr>
+          <a:xfrm flipH="1">
+            <a:off x="1615186" y="3174406"/>
+            <a:ext cx="414268" cy="0"/>
+          </a:xfrm>
+          <a:prstGeom prst="straightConnector1">
+            <a:avLst/>
+          </a:prstGeom>
+          <a:ln>
+            <a:tailEnd type="arrow"/>
+          </a:ln>
+        </p:spPr>
+        <p:style>
+          <a:lnRef idx="2">
+            <a:schemeClr val="accent1"/>
+          </a:lnRef>
+          <a:fillRef idx="0">
+            <a:schemeClr val="accent1"/>
+          </a:fillRef>
+          <a:effectRef idx="1">
+            <a:schemeClr val="accent1"/>
+          </a:effectRef>
+          <a:fontRef idx="minor">
+            <a:schemeClr val="tx1"/>
+          </a:fontRef>
+        </p:style>
+      </p:cxnSp>
+      <p:cxnSp>
+        <p:nvCxnSpPr>
+          <p:cNvPr id="100" name="Straight Arrow Connector 99"/>
+          <p:cNvCxnSpPr/>
+          <p:nvPr/>
+        </p:nvCxnSpPr>
+        <p:spPr>
+          <a:xfrm>
+            <a:off x="1615186" y="2095045"/>
+            <a:ext cx="5428981" cy="39282"/>
+          </a:xfrm>
+          <a:prstGeom prst="straightConnector1">
+            <a:avLst/>
+          </a:prstGeom>
+          <a:ln>
+            <a:tailEnd type="arrow"/>
+          </a:ln>
+        </p:spPr>
+        <p:style>
+          <a:lnRef idx="2">
+            <a:schemeClr val="accent1"/>
+          </a:lnRef>
+          <a:fillRef idx="0">
+            <a:schemeClr val="accent1"/>
+          </a:fillRef>
+          <a:effectRef idx="1">
+            <a:schemeClr val="accent1"/>
+          </a:effectRef>
+          <a:fontRef idx="minor">
+            <a:schemeClr val="tx1"/>
+          </a:fontRef>
+        </p:style>
+      </p:cxnSp>
+      <p:sp>
+        <p:nvSpPr>
+          <p:cNvPr id="103" name="TextBox 102"/>
+          <p:cNvSpPr txBox="1"/>
+          <p:nvPr/>
+        </p:nvSpPr>
+        <p:spPr>
+          <a:xfrm>
+            <a:off x="2454308" y="1669957"/>
+            <a:ext cx="3711060" cy="369332"/>
+          </a:xfrm>
+          <a:prstGeom prst="rect">
+            <a:avLst/>
+          </a:prstGeom>
+          <a:noFill/>
+        </p:spPr>
+        <p:txBody>
+          <a:bodyPr wrap="none" rtlCol="0">
+            <a:spAutoFit/>
+          </a:bodyPr>
+          <a:lstStyle/>
+          <a:p>
+            <a:r>
+              <a:rPr lang="en-US" dirty="0" smtClean="0"/>
+              <a:t>Navigate to Travelled Roads webpage</a:t>
+            </a:r>
+            <a:endParaRPr lang="en-US" dirty="0"/>
+          </a:p>
+        </p:txBody>
+      </p:sp>
+      <p:sp>
+        <p:nvSpPr>
+          <p:cNvPr id="57" name="Rectangle 56"/>
+          <p:cNvSpPr/>
+          <p:nvPr/>
+        </p:nvSpPr>
+        <p:spPr>
+          <a:xfrm>
+            <a:off x="666083" y="2373654"/>
+            <a:ext cx="7096542" cy="2064130"/>
+          </a:xfrm>
+          <a:prstGeom prst="rect">
+            <a:avLst/>
+          </a:prstGeom>
+          <a:gradFill flip="none" rotWithShape="1">
+            <a:gsLst>
+              <a:gs pos="0">
+                <a:schemeClr val="accent1">
+                  <a:tint val="100000"/>
+                  <a:shade val="100000"/>
+                  <a:satMod val="130000"/>
+                  <a:alpha val="0"/>
+                </a:schemeClr>
+              </a:gs>
+              <a:gs pos="100000">
+                <a:schemeClr val="accent1">
+                  <a:tint val="50000"/>
+                  <a:shade val="100000"/>
+                  <a:satMod val="350000"/>
+                  <a:alpha val="0"/>
+                </a:schemeClr>
+              </a:gs>
+            </a:gsLst>
+            <a:lin ang="16200000" scaled="0"/>
+            <a:tileRect/>
+          </a:gradFill>
+        </p:spPr>
+        <p:style>
+          <a:lnRef idx="1">
+            <a:schemeClr val="accent1"/>
+          </a:lnRef>
+          <a:fillRef idx="3">
+            <a:schemeClr val="accent1"/>
+          </a:fillRef>
+          <a:effectRef idx="2">
+            <a:schemeClr val="accent1"/>
+          </a:effectRef>
+          <a:fontRef idx="minor">
+            <a:schemeClr val="lt1"/>
+          </a:fontRef>
+        </p:style>
+        <p:txBody>
+          <a:bodyPr rtlCol="0" anchor="ctr"/>
+          <a:lstStyle/>
+          <a:p>
+            <a:pPr algn="ctr"/>
+            <a:endParaRPr lang="en-US">
+              <a:ln>
+                <a:solidFill>
+                  <a:srgbClr val="000000"/>
+                </a:solidFill>
+              </a:ln>
+            </a:endParaRPr>
+          </a:p>
+        </p:txBody>
+      </p:sp>
+      <p:sp>
+        <p:nvSpPr>
+          <p:cNvPr id="58" name="TextBox 57"/>
+          <p:cNvSpPr txBox="1"/>
+          <p:nvPr/>
+        </p:nvSpPr>
+        <p:spPr>
+          <a:xfrm>
+            <a:off x="666083" y="2375472"/>
+            <a:ext cx="602373" cy="369332"/>
+          </a:xfrm>
+          <a:prstGeom prst="rect">
+            <a:avLst/>
+          </a:prstGeom>
+          <a:noFill/>
+        </p:spPr>
+        <p:txBody>
+          <a:bodyPr wrap="none" rtlCol="0">
+            <a:spAutoFit/>
+          </a:bodyPr>
+          <a:lstStyle/>
+          <a:p>
+            <a:r>
+              <a:rPr lang="en-US" dirty="0" smtClean="0"/>
+              <a:t>loop</a:t>
+            </a:r>
+            <a:endParaRPr lang="en-US" dirty="0"/>
+          </a:p>
+        </p:txBody>
+      </p:sp>
+      <p:cxnSp>
+        <p:nvCxnSpPr>
+          <p:cNvPr id="60" name="Straight Connector 59"/>
+          <p:cNvCxnSpPr/>
+          <p:nvPr/>
+        </p:nvCxnSpPr>
+        <p:spPr>
+          <a:xfrm>
+            <a:off x="666083" y="2855222"/>
+            <a:ext cx="392791" cy="0"/>
+          </a:xfrm>
+          <a:prstGeom prst="line">
+            <a:avLst/>
+          </a:prstGeom>
+        </p:spPr>
+        <p:style>
+          <a:lnRef idx="2">
+            <a:schemeClr val="accent1"/>
+          </a:lnRef>
+          <a:fillRef idx="0">
+            <a:schemeClr val="accent1"/>
+          </a:fillRef>
+          <a:effectRef idx="1">
+            <a:schemeClr val="accent1"/>
+          </a:effectRef>
+          <a:fontRef idx="minor">
+            <a:schemeClr val="tx1"/>
+          </a:fontRef>
+        </p:style>
+      </p:cxnSp>
+      <p:cxnSp>
+        <p:nvCxnSpPr>
+          <p:cNvPr id="83" name="Straight Connector 82"/>
+          <p:cNvCxnSpPr/>
+          <p:nvPr/>
+        </p:nvCxnSpPr>
+        <p:spPr>
+          <a:xfrm flipV="1">
+            <a:off x="1058874" y="2744804"/>
+            <a:ext cx="209582" cy="110418"/>
+          </a:xfrm>
+          <a:prstGeom prst="line">
+            <a:avLst/>
+          </a:prstGeom>
+        </p:spPr>
+        <p:style>
+          <a:lnRef idx="2">
+            <a:schemeClr val="accent1"/>
+          </a:lnRef>
+          <a:fillRef idx="0">
+            <a:schemeClr val="accent1"/>
+          </a:fillRef>
+          <a:effectRef idx="1">
+            <a:schemeClr val="accent1"/>
+          </a:effectRef>
+          <a:fontRef idx="minor">
+            <a:schemeClr val="tx1"/>
+          </a:fontRef>
+        </p:style>
+      </p:cxnSp>
+      <p:cxnSp>
+        <p:nvCxnSpPr>
+          <p:cNvPr id="84" name="Straight Connector 83"/>
+          <p:cNvCxnSpPr/>
+          <p:nvPr/>
+        </p:nvCxnSpPr>
+        <p:spPr>
+          <a:xfrm flipV="1">
+            <a:off x="1268456" y="2373654"/>
+            <a:ext cx="0" cy="371150"/>
+          </a:xfrm>
+          <a:prstGeom prst="line">
+            <a:avLst/>
+          </a:prstGeom>
+        </p:spPr>
+        <p:style>
+          <a:lnRef idx="2">
+            <a:schemeClr val="accent1"/>
+          </a:lnRef>
+          <a:fillRef idx="0">
+            <a:schemeClr val="accent1"/>
+          </a:fillRef>
+          <a:effectRef idx="1">
+            <a:schemeClr val="accent1"/>
+          </a:effectRef>
+          <a:fontRef idx="minor">
+            <a:schemeClr val="tx1"/>
+          </a:fontRef>
+        </p:style>
+      </p:cxnSp>
+      <p:sp>
+        <p:nvSpPr>
+          <p:cNvPr id="85" name="TextBox 84"/>
+          <p:cNvSpPr txBox="1"/>
+          <p:nvPr/>
+        </p:nvSpPr>
+        <p:spPr>
+          <a:xfrm>
+            <a:off x="1586899" y="2470977"/>
+            <a:ext cx="3476620" cy="369332"/>
+          </a:xfrm>
+          <a:prstGeom prst="rect">
+            <a:avLst/>
+          </a:prstGeom>
+          <a:noFill/>
+        </p:spPr>
+        <p:txBody>
+          <a:bodyPr wrap="none" rtlCol="0">
+            <a:spAutoFit/>
+          </a:bodyPr>
+          <a:lstStyle/>
+          <a:p>
+            <a:r>
+              <a:rPr lang="en-US" dirty="0" smtClean="0"/>
+              <a:t>[each </a:t>
+            </a:r>
+            <a:r>
+              <a:rPr lang="en-US" dirty="0" smtClean="0"/>
+              <a:t>travelled road </a:t>
+            </a:r>
+            <a:r>
+              <a:rPr lang="en-US" dirty="0" smtClean="0"/>
+              <a:t>for given user]</a:t>
+            </a:r>
+            <a:endParaRPr lang="en-US" dirty="0"/>
+          </a:p>
+        </p:txBody>
+      </p:sp>
+      <p:sp>
+        <p:nvSpPr>
+          <p:cNvPr id="86" name="TextBox 85"/>
+          <p:cNvSpPr txBox="1"/>
+          <p:nvPr/>
+        </p:nvSpPr>
+        <p:spPr>
+          <a:xfrm>
+            <a:off x="2038870" y="3276599"/>
+            <a:ext cx="4388946" cy="646331"/>
+          </a:xfrm>
+          <a:prstGeom prst="rect">
+            <a:avLst/>
+          </a:prstGeom>
+          <a:noFill/>
+        </p:spPr>
+        <p:txBody>
+          <a:bodyPr wrap="square" rtlCol="0">
+            <a:spAutoFit/>
+          </a:bodyPr>
+          <a:lstStyle/>
+          <a:p>
+            <a:r>
+              <a:rPr lang="en-US" dirty="0" smtClean="0"/>
+              <a:t>Returns road, </a:t>
+            </a:r>
+            <a:r>
+              <a:rPr lang="en-US" dirty="0" err="1"/>
+              <a:t>d</a:t>
+            </a:r>
+            <a:r>
+              <a:rPr lang="en-US" dirty="0" err="1" smtClean="0"/>
+              <a:t>aysString</a:t>
+            </a:r>
+            <a:r>
+              <a:rPr lang="en-US" dirty="0" smtClean="0"/>
+              <a:t>,  </a:t>
+            </a:r>
+            <a:r>
+              <a:rPr lang="en-US" dirty="0" err="1" smtClean="0"/>
+              <a:t>mileStart</a:t>
+            </a:r>
+            <a:r>
+              <a:rPr lang="en-US" dirty="0" smtClean="0"/>
+              <a:t>, </a:t>
+            </a:r>
+            <a:r>
+              <a:rPr lang="en-US" dirty="0" err="1" smtClean="0"/>
+              <a:t>mileEnd</a:t>
+            </a:r>
+            <a:r>
+              <a:rPr lang="en-US" dirty="0" smtClean="0"/>
+              <a:t>, </a:t>
+            </a:r>
+            <a:r>
+              <a:rPr lang="en-US" dirty="0" err="1" smtClean="0"/>
+              <a:t>timeStart</a:t>
+            </a:r>
+            <a:r>
+              <a:rPr lang="en-US" dirty="0" smtClean="0"/>
+              <a:t>, </a:t>
+            </a:r>
+            <a:r>
+              <a:rPr lang="en-US" dirty="0" err="1" smtClean="0"/>
+              <a:t>timeEnd</a:t>
+            </a:r>
+            <a:r>
+              <a:rPr lang="en-US" dirty="0" smtClean="0"/>
+              <a:t>, </a:t>
+            </a:r>
+            <a:r>
+              <a:rPr lang="en-US" dirty="0" err="1" smtClean="0"/>
+              <a:t>roadId</a:t>
+            </a:r>
+            <a:r>
+              <a:rPr lang="en-US" dirty="0" smtClean="0"/>
+              <a:t>  </a:t>
+            </a:r>
+            <a:endParaRPr lang="en-US" dirty="0"/>
+          </a:p>
+        </p:txBody>
+      </p:sp>
+    </p:spTree>
+    <p:extLst>
+      <p:ext uri="{BB962C8B-B14F-4D97-AF65-F5344CB8AC3E}">
+        <p14:creationId xmlns:p14="http://schemas.microsoft.com/office/powerpoint/2010/main" val="2494632221"/>
+      </p:ext>
+    </p:extLst>
+  </p:cSld>
+  <p:clrMapOvr>
+    <a:masterClrMapping/>
+  </p:clrMapOvr>
+  <p:timing>
+    <p:tnLst>
+      <p:par>
+        <p:cTn xmlns:p14="http://schemas.microsoft.com/office/powerpoint/2010/main" id="1" dur="indefinite" restart="never" nodeType="tmRoot"/>
+      </p:par>
+    </p:tnLst>
+  </p:timing>
+</p:sld>
+</file>
+
+<file path=ppt/slides/slide12.xml><?xml version="1.0" encoding="utf-8"?>
+<p:sld xmlns:a="http://schemas.openxmlformats.org/drawingml/2006/main" xmlns:r="http://schemas.openxmlformats.org/officeDocument/2006/relationships" xmlns:p="http://schemas.openxmlformats.org/presentationml/2006/main">
+  <p:cSld>
+    <p:spTree>
+      <p:nvGrpSpPr>
+        <p:cNvPr id="1" name=""/>
+        <p:cNvGrpSpPr/>
+        <p:nvPr/>
+      </p:nvGrpSpPr>
+      <p:grpSpPr>
+        <a:xfrm>
+          <a:off x="0" y="0"/>
+          <a:ext cx="0" cy="0"/>
+          <a:chOff x="0" y="0"/>
+          <a:chExt cx="0" cy="0"/>
+        </a:xfrm>
+      </p:grpSpPr>
+      <p:sp>
+        <p:nvSpPr>
+          <p:cNvPr id="62" name="TextBox 61"/>
+          <p:cNvSpPr txBox="1"/>
+          <p:nvPr/>
+        </p:nvSpPr>
+        <p:spPr>
+          <a:xfrm>
+            <a:off x="2657930" y="408211"/>
+            <a:ext cx="3525740" cy="1200328"/>
+          </a:xfrm>
+          <a:prstGeom prst="rect">
+            <a:avLst/>
+          </a:prstGeom>
+          <a:noFill/>
+          <a:ln>
+            <a:noFill/>
+          </a:ln>
+        </p:spPr>
+        <p:txBody>
+          <a:bodyPr wrap="square" rtlCol="0">
+            <a:spAutoFit/>
+          </a:bodyPr>
+          <a:lstStyle/>
+          <a:p>
+            <a:pPr algn="ctr"/>
+            <a:r>
+              <a:rPr lang="en-US" sz="2400" b="1" dirty="0" smtClean="0">
+                <a:ln w="1905"/>
+                <a:solidFill>
+                  <a:srgbClr val="558ED5"/>
+                </a:solidFill>
+                <a:effectLst>
+                  <a:innerShdw blurRad="69850" dist="43180" dir="5400000">
+                    <a:srgbClr val="000000">
+                      <a:alpha val="65000"/>
+                    </a:srgbClr>
+                  </a:innerShdw>
+                </a:effectLst>
+                <a:latin typeface="+mj-lt"/>
+              </a:rPr>
+              <a:t>System Sequence Diagram</a:t>
+            </a:r>
+          </a:p>
+          <a:p>
+            <a:pPr algn="ctr"/>
+            <a:r>
+              <a:rPr lang="en-US" sz="2400" b="1" dirty="0" smtClean="0">
+                <a:ln w="1905"/>
+                <a:solidFill>
+                  <a:srgbClr val="558ED5"/>
+                </a:solidFill>
+                <a:effectLst>
+                  <a:innerShdw blurRad="69850" dist="43180" dir="5400000">
+                    <a:srgbClr val="000000">
+                      <a:alpha val="65000"/>
+                    </a:srgbClr>
+                  </a:innerShdw>
+                </a:effectLst>
+                <a:latin typeface="+mj-lt"/>
+              </a:rPr>
+              <a:t>Use Case </a:t>
+            </a:r>
+            <a:r>
+              <a:rPr lang="en-US" sz="2400" b="1" dirty="0" smtClean="0">
+                <a:ln w="1905"/>
+                <a:solidFill>
+                  <a:srgbClr val="558ED5"/>
+                </a:solidFill>
+                <a:effectLst>
+                  <a:innerShdw blurRad="69850" dist="43180" dir="5400000">
+                    <a:srgbClr val="000000">
+                      <a:alpha val="65000"/>
+                    </a:srgbClr>
+                  </a:innerShdw>
+                </a:effectLst>
+                <a:latin typeface="+mj-lt"/>
+              </a:rPr>
+              <a:t>15: Edit Travel Path</a:t>
+            </a:r>
+            <a:endParaRPr lang="en-US" sz="2400" b="1" dirty="0" smtClean="0">
+              <a:ln w="1905"/>
+              <a:solidFill>
+                <a:srgbClr val="558ED5"/>
+              </a:solidFill>
+              <a:effectLst>
+                <a:innerShdw blurRad="69850" dist="43180" dir="5400000">
+                  <a:srgbClr val="000000">
+                    <a:alpha val="65000"/>
+                  </a:srgbClr>
+                </a:innerShdw>
+              </a:effectLst>
+              <a:latin typeface="+mj-lt"/>
+            </a:endParaRPr>
+          </a:p>
+        </p:txBody>
+      </p:sp>
+      <p:cxnSp>
+        <p:nvCxnSpPr>
+          <p:cNvPr id="3" name="Straight Connector 2"/>
+          <p:cNvCxnSpPr/>
+          <p:nvPr/>
+        </p:nvCxnSpPr>
+        <p:spPr>
+          <a:xfrm>
+            <a:off x="1610470" y="1551642"/>
+            <a:ext cx="0" cy="301163"/>
+          </a:xfrm>
+          <a:prstGeom prst="line">
+            <a:avLst/>
+          </a:prstGeom>
+        </p:spPr>
+        <p:style>
+          <a:lnRef idx="2">
+            <a:schemeClr val="accent1"/>
+          </a:lnRef>
+          <a:fillRef idx="0">
+            <a:schemeClr val="accent1"/>
+          </a:fillRef>
+          <a:effectRef idx="1">
+            <a:schemeClr val="accent1"/>
+          </a:effectRef>
+          <a:fontRef idx="minor">
+            <a:schemeClr val="tx1"/>
+          </a:fontRef>
+        </p:style>
+      </p:cxnSp>
+      <p:cxnSp>
+        <p:nvCxnSpPr>
+          <p:cNvPr id="34" name="Straight Connector 33"/>
+          <p:cNvCxnSpPr/>
+          <p:nvPr/>
+        </p:nvCxnSpPr>
+        <p:spPr>
+          <a:xfrm>
+            <a:off x="1605754" y="1965922"/>
+            <a:ext cx="0" cy="301163"/>
+          </a:xfrm>
+          <a:prstGeom prst="line">
+            <a:avLst/>
+          </a:prstGeom>
+        </p:spPr>
+        <p:style>
+          <a:lnRef idx="2">
+            <a:schemeClr val="accent1"/>
+          </a:lnRef>
+          <a:fillRef idx="0">
+            <a:schemeClr val="accent1"/>
+          </a:fillRef>
+          <a:effectRef idx="1">
+            <a:schemeClr val="accent1"/>
+          </a:effectRef>
+          <a:fontRef idx="minor">
+            <a:schemeClr val="tx1"/>
+          </a:fontRef>
+        </p:style>
+      </p:cxnSp>
+      <p:cxnSp>
+        <p:nvCxnSpPr>
+          <p:cNvPr id="36" name="Straight Connector 35"/>
+          <p:cNvCxnSpPr/>
+          <p:nvPr/>
+        </p:nvCxnSpPr>
+        <p:spPr>
+          <a:xfrm>
+            <a:off x="1605754" y="2371836"/>
+            <a:ext cx="0" cy="301163"/>
+          </a:xfrm>
+          <a:prstGeom prst="line">
+            <a:avLst/>
+          </a:prstGeom>
+        </p:spPr>
+        <p:style>
+          <a:lnRef idx="2">
+            <a:schemeClr val="accent1"/>
+          </a:lnRef>
+          <a:fillRef idx="0">
+            <a:schemeClr val="accent1"/>
+          </a:fillRef>
+          <a:effectRef idx="1">
+            <a:schemeClr val="accent1"/>
+          </a:effectRef>
+          <a:fontRef idx="minor">
+            <a:schemeClr val="tx1"/>
+          </a:fontRef>
+        </p:style>
+      </p:cxnSp>
+      <p:cxnSp>
+        <p:nvCxnSpPr>
+          <p:cNvPr id="40" name="Straight Connector 39"/>
+          <p:cNvCxnSpPr/>
+          <p:nvPr/>
+        </p:nvCxnSpPr>
+        <p:spPr>
+          <a:xfrm>
+            <a:off x="1615186" y="2777753"/>
+            <a:ext cx="0" cy="301163"/>
+          </a:xfrm>
+          <a:prstGeom prst="line">
+            <a:avLst/>
+          </a:prstGeom>
+        </p:spPr>
+        <p:style>
+          <a:lnRef idx="2">
+            <a:schemeClr val="accent1"/>
+          </a:lnRef>
+          <a:fillRef idx="0">
+            <a:schemeClr val="accent1"/>
+          </a:fillRef>
+          <a:effectRef idx="1">
+            <a:schemeClr val="accent1"/>
+          </a:effectRef>
+          <a:fontRef idx="minor">
+            <a:schemeClr val="tx1"/>
+          </a:fontRef>
+        </p:style>
+      </p:cxnSp>
+      <p:cxnSp>
+        <p:nvCxnSpPr>
+          <p:cNvPr id="42" name="Straight Connector 41"/>
+          <p:cNvCxnSpPr/>
+          <p:nvPr/>
+        </p:nvCxnSpPr>
+        <p:spPr>
+          <a:xfrm>
+            <a:off x="1610470" y="3192033"/>
+            <a:ext cx="0" cy="301163"/>
+          </a:xfrm>
+          <a:prstGeom prst="line">
+            <a:avLst/>
+          </a:prstGeom>
+        </p:spPr>
+        <p:style>
+          <a:lnRef idx="2">
+            <a:schemeClr val="accent1"/>
+          </a:lnRef>
+          <a:fillRef idx="0">
+            <a:schemeClr val="accent1"/>
+          </a:fillRef>
+          <a:effectRef idx="1">
+            <a:schemeClr val="accent1"/>
+          </a:effectRef>
+          <a:fontRef idx="minor">
+            <a:schemeClr val="tx1"/>
+          </a:fontRef>
+        </p:style>
+      </p:cxnSp>
+      <p:cxnSp>
+        <p:nvCxnSpPr>
+          <p:cNvPr id="43" name="Straight Connector 42"/>
+          <p:cNvCxnSpPr/>
+          <p:nvPr/>
+        </p:nvCxnSpPr>
+        <p:spPr>
+          <a:xfrm>
+            <a:off x="1610470" y="3597947"/>
+            <a:ext cx="0" cy="301163"/>
+          </a:xfrm>
+          <a:prstGeom prst="line">
+            <a:avLst/>
+          </a:prstGeom>
+        </p:spPr>
+        <p:style>
+          <a:lnRef idx="2">
+            <a:schemeClr val="accent1"/>
+          </a:lnRef>
+          <a:fillRef idx="0">
+            <a:schemeClr val="accent1"/>
+          </a:fillRef>
+          <a:effectRef idx="1">
+            <a:schemeClr val="accent1"/>
+          </a:effectRef>
+          <a:fontRef idx="minor">
+            <a:schemeClr val="tx1"/>
+          </a:fontRef>
+        </p:style>
+      </p:cxnSp>
+      <p:cxnSp>
+        <p:nvCxnSpPr>
+          <p:cNvPr id="44" name="Straight Connector 43"/>
+          <p:cNvCxnSpPr/>
+          <p:nvPr/>
+        </p:nvCxnSpPr>
+        <p:spPr>
+          <a:xfrm>
+            <a:off x="1605751" y="4021686"/>
+            <a:ext cx="0" cy="301163"/>
+          </a:xfrm>
+          <a:prstGeom prst="line">
+            <a:avLst/>
+          </a:prstGeom>
+        </p:spPr>
+        <p:style>
+          <a:lnRef idx="2">
+            <a:schemeClr val="accent1"/>
+          </a:lnRef>
+          <a:fillRef idx="0">
+            <a:schemeClr val="accent1"/>
+          </a:fillRef>
+          <a:effectRef idx="1">
+            <a:schemeClr val="accent1"/>
+          </a:effectRef>
+          <a:fontRef idx="minor">
+            <a:schemeClr val="tx1"/>
+          </a:fontRef>
+        </p:style>
+      </p:cxnSp>
+      <p:cxnSp>
+        <p:nvCxnSpPr>
+          <p:cNvPr id="48" name="Straight Connector 47"/>
+          <p:cNvCxnSpPr/>
+          <p:nvPr/>
+        </p:nvCxnSpPr>
+        <p:spPr>
+          <a:xfrm>
+            <a:off x="1601035" y="4435966"/>
+            <a:ext cx="0" cy="301163"/>
+          </a:xfrm>
+          <a:prstGeom prst="line">
+            <a:avLst/>
+          </a:prstGeom>
+        </p:spPr>
+        <p:style>
+          <a:lnRef idx="2">
+            <a:schemeClr val="accent1"/>
+          </a:lnRef>
+          <a:fillRef idx="0">
+            <a:schemeClr val="accent1"/>
+          </a:fillRef>
+          <a:effectRef idx="1">
+            <a:schemeClr val="accent1"/>
+          </a:effectRef>
+          <a:fontRef idx="minor">
+            <a:schemeClr val="tx1"/>
+          </a:fontRef>
+        </p:style>
+      </p:cxnSp>
+      <p:cxnSp>
+        <p:nvCxnSpPr>
+          <p:cNvPr id="50" name="Straight Connector 49"/>
+          <p:cNvCxnSpPr/>
+          <p:nvPr/>
+        </p:nvCxnSpPr>
+        <p:spPr>
+          <a:xfrm>
+            <a:off x="1601035" y="4841880"/>
+            <a:ext cx="0" cy="301163"/>
+          </a:xfrm>
+          <a:prstGeom prst="line">
+            <a:avLst/>
+          </a:prstGeom>
+        </p:spPr>
+        <p:style>
+          <a:lnRef idx="2">
+            <a:schemeClr val="accent1"/>
+          </a:lnRef>
+          <a:fillRef idx="0">
+            <a:schemeClr val="accent1"/>
+          </a:fillRef>
+          <a:effectRef idx="1">
+            <a:schemeClr val="accent1"/>
+          </a:effectRef>
+          <a:fontRef idx="minor">
+            <a:schemeClr val="tx1"/>
+          </a:fontRef>
+        </p:style>
+      </p:cxnSp>
+      <p:cxnSp>
+        <p:nvCxnSpPr>
+          <p:cNvPr id="52" name="Straight Connector 51"/>
+          <p:cNvCxnSpPr/>
+          <p:nvPr/>
+        </p:nvCxnSpPr>
+        <p:spPr>
+          <a:xfrm>
+            <a:off x="1605751" y="5252525"/>
+            <a:ext cx="0" cy="301163"/>
+          </a:xfrm>
+          <a:prstGeom prst="line">
+            <a:avLst/>
+          </a:prstGeom>
+        </p:spPr>
+        <p:style>
+          <a:lnRef idx="2">
+            <a:schemeClr val="accent1"/>
+          </a:lnRef>
+          <a:fillRef idx="0">
+            <a:schemeClr val="accent1"/>
+          </a:fillRef>
+          <a:effectRef idx="1">
+            <a:schemeClr val="accent1"/>
+          </a:effectRef>
+          <a:fontRef idx="minor">
+            <a:schemeClr val="tx1"/>
+          </a:fontRef>
+        </p:style>
+      </p:cxnSp>
+      <p:cxnSp>
+        <p:nvCxnSpPr>
+          <p:cNvPr id="53" name="Straight Connector 52"/>
+          <p:cNvCxnSpPr/>
+          <p:nvPr/>
+        </p:nvCxnSpPr>
+        <p:spPr>
+          <a:xfrm>
+            <a:off x="1601035" y="5666805"/>
+            <a:ext cx="0" cy="301163"/>
+          </a:xfrm>
+          <a:prstGeom prst="line">
+            <a:avLst/>
+          </a:prstGeom>
+        </p:spPr>
+        <p:style>
+          <a:lnRef idx="2">
+            <a:schemeClr val="accent1"/>
+          </a:lnRef>
+          <a:fillRef idx="0">
+            <a:schemeClr val="accent1"/>
+          </a:fillRef>
+          <a:effectRef idx="1">
+            <a:schemeClr val="accent1"/>
+          </a:effectRef>
+          <a:fontRef idx="minor">
+            <a:schemeClr val="tx1"/>
+          </a:fontRef>
+        </p:style>
+      </p:cxnSp>
+      <p:cxnSp>
+        <p:nvCxnSpPr>
+          <p:cNvPr id="54" name="Straight Connector 53"/>
+          <p:cNvCxnSpPr/>
+          <p:nvPr/>
+        </p:nvCxnSpPr>
+        <p:spPr>
+          <a:xfrm>
+            <a:off x="1601035" y="6072719"/>
+            <a:ext cx="0" cy="301163"/>
+          </a:xfrm>
+          <a:prstGeom prst="line">
+            <a:avLst/>
+          </a:prstGeom>
+        </p:spPr>
+        <p:style>
+          <a:lnRef idx="2">
+            <a:schemeClr val="accent1"/>
+          </a:lnRef>
+          <a:fillRef idx="0">
+            <a:schemeClr val="accent1"/>
+          </a:fillRef>
+          <a:effectRef idx="1">
+            <a:schemeClr val="accent1"/>
+          </a:effectRef>
+          <a:fontRef idx="minor">
+            <a:schemeClr val="tx1"/>
+          </a:fontRef>
+        </p:style>
+      </p:cxnSp>
+      <p:cxnSp>
+        <p:nvCxnSpPr>
+          <p:cNvPr id="55" name="Straight Connector 54"/>
+          <p:cNvCxnSpPr/>
+          <p:nvPr/>
+        </p:nvCxnSpPr>
+        <p:spPr>
+          <a:xfrm>
+            <a:off x="7039451" y="1553460"/>
+            <a:ext cx="0" cy="301163"/>
+          </a:xfrm>
+          <a:prstGeom prst="line">
+            <a:avLst/>
+          </a:prstGeom>
+        </p:spPr>
+        <p:style>
+          <a:lnRef idx="2">
+            <a:schemeClr val="accent1"/>
+          </a:lnRef>
+          <a:fillRef idx="0">
+            <a:schemeClr val="accent1"/>
+          </a:fillRef>
+          <a:effectRef idx="1">
+            <a:schemeClr val="accent1"/>
+          </a:effectRef>
+          <a:fontRef idx="minor">
+            <a:schemeClr val="tx1"/>
+          </a:fontRef>
+        </p:style>
+      </p:cxnSp>
+      <p:cxnSp>
+        <p:nvCxnSpPr>
+          <p:cNvPr id="56" name="Straight Connector 55"/>
+          <p:cNvCxnSpPr/>
+          <p:nvPr/>
+        </p:nvCxnSpPr>
+        <p:spPr>
+          <a:xfrm>
+            <a:off x="7034735" y="1967740"/>
+            <a:ext cx="0" cy="301163"/>
+          </a:xfrm>
+          <a:prstGeom prst="line">
+            <a:avLst/>
+          </a:prstGeom>
+        </p:spPr>
+        <p:style>
+          <a:lnRef idx="2">
+            <a:schemeClr val="accent1"/>
+          </a:lnRef>
+          <a:fillRef idx="0">
+            <a:schemeClr val="accent1"/>
+          </a:fillRef>
+          <a:effectRef idx="1">
+            <a:schemeClr val="accent1"/>
+          </a:effectRef>
+          <a:fontRef idx="minor">
+            <a:schemeClr val="tx1"/>
+          </a:fontRef>
+        </p:style>
+      </p:cxnSp>
+      <p:cxnSp>
+        <p:nvCxnSpPr>
+          <p:cNvPr id="59" name="Straight Connector 58"/>
+          <p:cNvCxnSpPr/>
+          <p:nvPr/>
+        </p:nvCxnSpPr>
+        <p:spPr>
+          <a:xfrm>
+            <a:off x="7034735" y="2373654"/>
+            <a:ext cx="0" cy="301163"/>
+          </a:xfrm>
+          <a:prstGeom prst="line">
+            <a:avLst/>
+          </a:prstGeom>
+        </p:spPr>
+        <p:style>
+          <a:lnRef idx="2">
+            <a:schemeClr val="accent1"/>
+          </a:lnRef>
+          <a:fillRef idx="0">
+            <a:schemeClr val="accent1"/>
+          </a:fillRef>
+          <a:effectRef idx="1">
+            <a:schemeClr val="accent1"/>
+          </a:effectRef>
+          <a:fontRef idx="minor">
+            <a:schemeClr val="tx1"/>
+          </a:fontRef>
+        </p:style>
+      </p:cxnSp>
+      <p:cxnSp>
+        <p:nvCxnSpPr>
+          <p:cNvPr id="61" name="Straight Connector 60"/>
+          <p:cNvCxnSpPr/>
+          <p:nvPr/>
+        </p:nvCxnSpPr>
+        <p:spPr>
+          <a:xfrm>
+            <a:off x="7044167" y="2779571"/>
+            <a:ext cx="0" cy="301163"/>
+          </a:xfrm>
+          <a:prstGeom prst="line">
+            <a:avLst/>
+          </a:prstGeom>
+        </p:spPr>
+        <p:style>
+          <a:lnRef idx="2">
+            <a:schemeClr val="accent1"/>
+          </a:lnRef>
+          <a:fillRef idx="0">
+            <a:schemeClr val="accent1"/>
+          </a:fillRef>
+          <a:effectRef idx="1">
+            <a:schemeClr val="accent1"/>
+          </a:effectRef>
+          <a:fontRef idx="minor">
+            <a:schemeClr val="tx1"/>
+          </a:fontRef>
+        </p:style>
+      </p:cxnSp>
+      <p:cxnSp>
+        <p:nvCxnSpPr>
+          <p:cNvPr id="63" name="Straight Connector 62"/>
+          <p:cNvCxnSpPr/>
+          <p:nvPr/>
+        </p:nvCxnSpPr>
+        <p:spPr>
+          <a:xfrm>
+            <a:off x="7039451" y="3193851"/>
+            <a:ext cx="0" cy="301163"/>
+          </a:xfrm>
+          <a:prstGeom prst="line">
+            <a:avLst/>
+          </a:prstGeom>
+        </p:spPr>
+        <p:style>
+          <a:lnRef idx="2">
+            <a:schemeClr val="accent1"/>
+          </a:lnRef>
+          <a:fillRef idx="0">
+            <a:schemeClr val="accent1"/>
+          </a:fillRef>
+          <a:effectRef idx="1">
+            <a:schemeClr val="accent1"/>
+          </a:effectRef>
+          <a:fontRef idx="minor">
+            <a:schemeClr val="tx1"/>
+          </a:fontRef>
+        </p:style>
+      </p:cxnSp>
+      <p:cxnSp>
+        <p:nvCxnSpPr>
+          <p:cNvPr id="64" name="Straight Connector 63"/>
+          <p:cNvCxnSpPr/>
+          <p:nvPr/>
+        </p:nvCxnSpPr>
+        <p:spPr>
+          <a:xfrm>
+            <a:off x="7039451" y="3599765"/>
+            <a:ext cx="0" cy="301163"/>
+          </a:xfrm>
+          <a:prstGeom prst="line">
+            <a:avLst/>
+          </a:prstGeom>
+        </p:spPr>
+        <p:style>
+          <a:lnRef idx="2">
+            <a:schemeClr val="accent1"/>
+          </a:lnRef>
+          <a:fillRef idx="0">
+            <a:schemeClr val="accent1"/>
+          </a:fillRef>
+          <a:effectRef idx="1">
+            <a:schemeClr val="accent1"/>
+          </a:effectRef>
+          <a:fontRef idx="minor">
+            <a:schemeClr val="tx1"/>
+          </a:fontRef>
+        </p:style>
+      </p:cxnSp>
+      <p:cxnSp>
+        <p:nvCxnSpPr>
+          <p:cNvPr id="65" name="Straight Connector 64"/>
+          <p:cNvCxnSpPr/>
+          <p:nvPr/>
+        </p:nvCxnSpPr>
+        <p:spPr>
+          <a:xfrm>
+            <a:off x="7034732" y="4023504"/>
+            <a:ext cx="0" cy="301163"/>
+          </a:xfrm>
+          <a:prstGeom prst="line">
+            <a:avLst/>
+          </a:prstGeom>
+        </p:spPr>
+        <p:style>
+          <a:lnRef idx="2">
+            <a:schemeClr val="accent1"/>
+          </a:lnRef>
+          <a:fillRef idx="0">
+            <a:schemeClr val="accent1"/>
+          </a:fillRef>
+          <a:effectRef idx="1">
+            <a:schemeClr val="accent1"/>
+          </a:effectRef>
+          <a:fontRef idx="minor">
+            <a:schemeClr val="tx1"/>
+          </a:fontRef>
+        </p:style>
+      </p:cxnSp>
+      <p:cxnSp>
+        <p:nvCxnSpPr>
+          <p:cNvPr id="66" name="Straight Connector 65"/>
+          <p:cNvCxnSpPr/>
+          <p:nvPr/>
+        </p:nvCxnSpPr>
+        <p:spPr>
+          <a:xfrm>
+            <a:off x="7030016" y="4437784"/>
+            <a:ext cx="0" cy="301163"/>
+          </a:xfrm>
+          <a:prstGeom prst="line">
+            <a:avLst/>
+          </a:prstGeom>
+        </p:spPr>
+        <p:style>
+          <a:lnRef idx="2">
+            <a:schemeClr val="accent1"/>
+          </a:lnRef>
+          <a:fillRef idx="0">
+            <a:schemeClr val="accent1"/>
+          </a:fillRef>
+          <a:effectRef idx="1">
+            <a:schemeClr val="accent1"/>
+          </a:effectRef>
+          <a:fontRef idx="minor">
+            <a:schemeClr val="tx1"/>
+          </a:fontRef>
+        </p:style>
+      </p:cxnSp>
+      <p:cxnSp>
+        <p:nvCxnSpPr>
+          <p:cNvPr id="67" name="Straight Connector 66"/>
+          <p:cNvCxnSpPr/>
+          <p:nvPr/>
+        </p:nvCxnSpPr>
+        <p:spPr>
+          <a:xfrm>
+            <a:off x="7030016" y="4843698"/>
+            <a:ext cx="0" cy="301163"/>
+          </a:xfrm>
+          <a:prstGeom prst="line">
+            <a:avLst/>
+          </a:prstGeom>
+        </p:spPr>
+        <p:style>
+          <a:lnRef idx="2">
+            <a:schemeClr val="accent1"/>
+          </a:lnRef>
+          <a:fillRef idx="0">
+            <a:schemeClr val="accent1"/>
+          </a:fillRef>
+          <a:effectRef idx="1">
+            <a:schemeClr val="accent1"/>
+          </a:effectRef>
+          <a:fontRef idx="minor">
+            <a:schemeClr val="tx1"/>
+          </a:fontRef>
+        </p:style>
+      </p:cxnSp>
+      <p:cxnSp>
+        <p:nvCxnSpPr>
+          <p:cNvPr id="68" name="Straight Connector 67"/>
+          <p:cNvCxnSpPr/>
+          <p:nvPr/>
+        </p:nvCxnSpPr>
+        <p:spPr>
+          <a:xfrm>
+            <a:off x="7034732" y="5254343"/>
+            <a:ext cx="0" cy="301163"/>
+          </a:xfrm>
+          <a:prstGeom prst="line">
+            <a:avLst/>
+          </a:prstGeom>
+        </p:spPr>
+        <p:style>
+          <a:lnRef idx="2">
+            <a:schemeClr val="accent1"/>
+          </a:lnRef>
+          <a:fillRef idx="0">
+            <a:schemeClr val="accent1"/>
+          </a:fillRef>
+          <a:effectRef idx="1">
+            <a:schemeClr val="accent1"/>
+          </a:effectRef>
+          <a:fontRef idx="minor">
+            <a:schemeClr val="tx1"/>
+          </a:fontRef>
+        </p:style>
+      </p:cxnSp>
+      <p:cxnSp>
+        <p:nvCxnSpPr>
+          <p:cNvPr id="69" name="Straight Connector 68"/>
+          <p:cNvCxnSpPr/>
+          <p:nvPr/>
+        </p:nvCxnSpPr>
+        <p:spPr>
+          <a:xfrm>
+            <a:off x="7030016" y="5668623"/>
+            <a:ext cx="0" cy="301163"/>
+          </a:xfrm>
+          <a:prstGeom prst="line">
+            <a:avLst/>
+          </a:prstGeom>
+        </p:spPr>
+        <p:style>
+          <a:lnRef idx="2">
+            <a:schemeClr val="accent1"/>
+          </a:lnRef>
+          <a:fillRef idx="0">
+            <a:schemeClr val="accent1"/>
+          </a:fillRef>
+          <a:effectRef idx="1">
+            <a:schemeClr val="accent1"/>
+          </a:effectRef>
+          <a:fontRef idx="minor">
+            <a:schemeClr val="tx1"/>
+          </a:fontRef>
+        </p:style>
+      </p:cxnSp>
+      <p:cxnSp>
+        <p:nvCxnSpPr>
+          <p:cNvPr id="70" name="Straight Connector 69"/>
+          <p:cNvCxnSpPr/>
+          <p:nvPr/>
+        </p:nvCxnSpPr>
+        <p:spPr>
+          <a:xfrm>
+            <a:off x="7030016" y="6074537"/>
+            <a:ext cx="0" cy="301163"/>
+          </a:xfrm>
+          <a:prstGeom prst="line">
+            <a:avLst/>
+          </a:prstGeom>
+        </p:spPr>
+        <p:style>
+          <a:lnRef idx="2">
+            <a:schemeClr val="accent1"/>
+          </a:lnRef>
+          <a:fillRef idx="0">
+            <a:schemeClr val="accent1"/>
+          </a:fillRef>
+          <a:effectRef idx="1">
+            <a:schemeClr val="accent1"/>
+          </a:effectRef>
+          <a:fontRef idx="minor">
+            <a:schemeClr val="tx1"/>
+          </a:fontRef>
+        </p:style>
+      </p:cxnSp>
+      <p:grpSp>
+        <p:nvGrpSpPr>
+          <p:cNvPr id="29" name="Group 28"/>
+          <p:cNvGrpSpPr/>
+          <p:nvPr/>
+        </p:nvGrpSpPr>
+        <p:grpSpPr>
+          <a:xfrm>
+            <a:off x="1538984" y="943486"/>
+            <a:ext cx="152404" cy="450722"/>
+            <a:chOff x="1204579" y="408211"/>
+            <a:chExt cx="183306" cy="830997"/>
+          </a:xfrm>
+        </p:grpSpPr>
+        <p:sp>
+          <p:nvSpPr>
+            <p:cNvPr id="5" name="Oval 4"/>
+            <p:cNvSpPr/>
+            <p:nvPr/>
+          </p:nvSpPr>
+          <p:spPr>
+            <a:xfrm>
+              <a:off x="1204579" y="408211"/>
+              <a:ext cx="183306" cy="285773"/>
+            </a:xfrm>
+            <a:prstGeom prst="ellipse">
+              <a:avLst/>
+            </a:prstGeom>
+          </p:spPr>
+          <p:style>
+            <a:lnRef idx="1">
+              <a:schemeClr val="accent1"/>
+            </a:lnRef>
+            <a:fillRef idx="3">
+              <a:schemeClr val="accent1"/>
+            </a:fillRef>
+            <a:effectRef idx="2">
+              <a:schemeClr val="accent1"/>
+            </a:effectRef>
+            <a:fontRef idx="minor">
+              <a:schemeClr val="lt1"/>
+            </a:fontRef>
+          </p:style>
+          <p:txBody>
+            <a:bodyPr rtlCol="0" anchor="ctr"/>
+            <a:lstStyle/>
+            <a:p>
+              <a:pPr algn="ctr"/>
+              <a:endParaRPr lang="en-US"/>
+            </a:p>
+          </p:txBody>
+        </p:sp>
+        <p:cxnSp>
+          <p:nvCxnSpPr>
+            <p:cNvPr id="8" name="Straight Connector 7"/>
+            <p:cNvCxnSpPr>
+              <a:stCxn id="5" idx="4"/>
+            </p:cNvCxnSpPr>
+            <p:nvPr/>
+          </p:nvCxnSpPr>
+          <p:spPr>
+            <a:xfrm>
+              <a:off x="1296232" y="693984"/>
+              <a:ext cx="0" cy="274974"/>
+            </a:xfrm>
+            <a:prstGeom prst="line">
+              <a:avLst/>
+            </a:prstGeom>
+          </p:spPr>
+          <p:style>
+            <a:lnRef idx="2">
+              <a:schemeClr val="accent1"/>
+            </a:lnRef>
+            <a:fillRef idx="0">
+              <a:schemeClr val="accent1"/>
+            </a:fillRef>
+            <a:effectRef idx="1">
+              <a:schemeClr val="accent1"/>
+            </a:effectRef>
+            <a:fontRef idx="minor">
+              <a:schemeClr val="tx1"/>
+            </a:fontRef>
+          </p:style>
+        </p:cxnSp>
+        <p:cxnSp>
+          <p:nvCxnSpPr>
+            <p:cNvPr id="10" name="Straight Connector 9"/>
+            <p:cNvCxnSpPr/>
+            <p:nvPr/>
+          </p:nvCxnSpPr>
+          <p:spPr>
+            <a:xfrm flipH="1">
+              <a:off x="1204579" y="968958"/>
+              <a:ext cx="91653" cy="270250"/>
+            </a:xfrm>
+            <a:prstGeom prst="line">
+              <a:avLst/>
+            </a:prstGeom>
+          </p:spPr>
+          <p:style>
+            <a:lnRef idx="2">
+              <a:schemeClr val="accent1"/>
+            </a:lnRef>
+            <a:fillRef idx="0">
+              <a:schemeClr val="accent1"/>
+            </a:fillRef>
+            <a:effectRef idx="1">
+              <a:schemeClr val="accent1"/>
+            </a:effectRef>
+            <a:fontRef idx="minor">
+              <a:schemeClr val="tx1"/>
+            </a:fontRef>
+          </p:style>
+        </p:cxnSp>
+        <p:cxnSp>
+          <p:nvCxnSpPr>
+            <p:cNvPr id="14" name="Straight Connector 13"/>
+            <p:cNvCxnSpPr/>
+            <p:nvPr/>
+          </p:nvCxnSpPr>
+          <p:spPr>
+            <a:xfrm>
+              <a:off x="1296232" y="968958"/>
+              <a:ext cx="91653" cy="270250"/>
+            </a:xfrm>
+            <a:prstGeom prst="line">
+              <a:avLst/>
+            </a:prstGeom>
+          </p:spPr>
+          <p:style>
+            <a:lnRef idx="2">
+              <a:schemeClr val="accent1"/>
+            </a:lnRef>
+            <a:fillRef idx="0">
+              <a:schemeClr val="accent1"/>
+            </a:fillRef>
+            <a:effectRef idx="1">
+              <a:schemeClr val="accent1"/>
+            </a:effectRef>
+            <a:fontRef idx="minor">
+              <a:schemeClr val="tx1"/>
+            </a:fontRef>
+          </p:style>
+        </p:cxnSp>
+        <p:cxnSp>
+          <p:nvCxnSpPr>
+            <p:cNvPr id="20" name="Straight Connector 19"/>
+            <p:cNvCxnSpPr/>
+            <p:nvPr/>
+          </p:nvCxnSpPr>
+          <p:spPr>
+            <a:xfrm flipV="1">
+              <a:off x="1296232" y="785642"/>
+              <a:ext cx="91653" cy="52376"/>
+            </a:xfrm>
+            <a:prstGeom prst="line">
+              <a:avLst/>
+            </a:prstGeom>
+          </p:spPr>
+          <p:style>
+            <a:lnRef idx="2">
+              <a:schemeClr val="accent1"/>
+            </a:lnRef>
+            <a:fillRef idx="0">
+              <a:schemeClr val="accent1"/>
+            </a:fillRef>
+            <a:effectRef idx="1">
+              <a:schemeClr val="accent1"/>
+            </a:effectRef>
+            <a:fontRef idx="minor">
+              <a:schemeClr val="tx1"/>
+            </a:fontRef>
+          </p:style>
+        </p:cxnSp>
+        <p:cxnSp>
+          <p:nvCxnSpPr>
+            <p:cNvPr id="26" name="Straight Connector 25"/>
+            <p:cNvCxnSpPr/>
+            <p:nvPr/>
+          </p:nvCxnSpPr>
+          <p:spPr>
+            <a:xfrm flipH="1" flipV="1">
+              <a:off x="1204579" y="785642"/>
+              <a:ext cx="91653" cy="52376"/>
+            </a:xfrm>
+            <a:prstGeom prst="line">
+              <a:avLst/>
+            </a:prstGeom>
+          </p:spPr>
+          <p:style>
+            <a:lnRef idx="2">
+              <a:schemeClr val="accent1"/>
+            </a:lnRef>
+            <a:fillRef idx="0">
+              <a:schemeClr val="accent1"/>
+            </a:fillRef>
+            <a:effectRef idx="1">
+              <a:schemeClr val="accent1"/>
+            </a:effectRef>
+            <a:fontRef idx="minor">
+              <a:schemeClr val="tx1"/>
+            </a:fontRef>
+          </p:style>
+        </p:cxnSp>
+      </p:grpSp>
+      <p:sp>
+        <p:nvSpPr>
+          <p:cNvPr id="31" name="TextBox 30"/>
+          <p:cNvSpPr txBox="1"/>
+          <p:nvPr/>
+        </p:nvSpPr>
+        <p:spPr>
+          <a:xfrm>
+            <a:off x="6598986" y="1062962"/>
+            <a:ext cx="862060" cy="369332"/>
+          </a:xfrm>
+          <a:prstGeom prst="rect">
+            <a:avLst/>
+          </a:prstGeom>
+          <a:noFill/>
+          <a:ln>
+            <a:solidFill>
+              <a:schemeClr val="tx2">
+                <a:lumMod val="60000"/>
+                <a:lumOff val="40000"/>
+              </a:schemeClr>
+            </a:solidFill>
+          </a:ln>
+        </p:spPr>
+        <p:txBody>
+          <a:bodyPr wrap="none" rtlCol="0">
+            <a:spAutoFit/>
+          </a:bodyPr>
+          <a:lstStyle/>
+          <a:p>
+            <a:r>
+              <a:rPr lang="en-US" dirty="0" smtClean="0">
+                <a:solidFill>
+                  <a:srgbClr val="558ED5"/>
+                </a:solidFill>
+              </a:rPr>
+              <a:t>System</a:t>
+            </a:r>
+            <a:endParaRPr lang="en-US" dirty="0">
+              <a:solidFill>
+                <a:srgbClr val="558ED5"/>
+              </a:solidFill>
+            </a:endParaRPr>
+          </a:p>
+        </p:txBody>
+      </p:sp>
+      <p:grpSp>
+        <p:nvGrpSpPr>
+          <p:cNvPr id="33" name="Group 32"/>
+          <p:cNvGrpSpPr/>
+          <p:nvPr/>
+        </p:nvGrpSpPr>
+        <p:grpSpPr>
+          <a:xfrm rot="5400000">
+            <a:off x="4567366" y="770362"/>
+            <a:ext cx="14151" cy="4822240"/>
+            <a:chOff x="4053128" y="1542910"/>
+            <a:chExt cx="14151" cy="4822240"/>
+          </a:xfrm>
+        </p:grpSpPr>
+        <p:cxnSp>
+          <p:nvCxnSpPr>
+            <p:cNvPr id="71" name="Straight Connector 70"/>
+            <p:cNvCxnSpPr/>
+            <p:nvPr/>
+          </p:nvCxnSpPr>
+          <p:spPr>
+            <a:xfrm>
+              <a:off x="4062563" y="1542910"/>
+              <a:ext cx="0" cy="301163"/>
+            </a:xfrm>
+            <a:prstGeom prst="line">
+              <a:avLst/>
+            </a:prstGeom>
+          </p:spPr>
+          <p:style>
+            <a:lnRef idx="2">
+              <a:schemeClr val="accent1"/>
+            </a:lnRef>
+            <a:fillRef idx="0">
+              <a:schemeClr val="accent1"/>
+            </a:fillRef>
+            <a:effectRef idx="1">
+              <a:schemeClr val="accent1"/>
+            </a:effectRef>
+            <a:fontRef idx="minor">
+              <a:schemeClr val="tx1"/>
+            </a:fontRef>
+          </p:style>
+        </p:cxnSp>
+        <p:cxnSp>
+          <p:nvCxnSpPr>
+            <p:cNvPr id="72" name="Straight Connector 71"/>
+            <p:cNvCxnSpPr/>
+            <p:nvPr/>
+          </p:nvCxnSpPr>
+          <p:spPr>
+            <a:xfrm>
+              <a:off x="4057847" y="1957190"/>
+              <a:ext cx="0" cy="301163"/>
+            </a:xfrm>
+            <a:prstGeom prst="line">
+              <a:avLst/>
+            </a:prstGeom>
+          </p:spPr>
+          <p:style>
+            <a:lnRef idx="2">
+              <a:schemeClr val="accent1"/>
+            </a:lnRef>
+            <a:fillRef idx="0">
+              <a:schemeClr val="accent1"/>
+            </a:fillRef>
+            <a:effectRef idx="1">
+              <a:schemeClr val="accent1"/>
+            </a:effectRef>
+            <a:fontRef idx="minor">
+              <a:schemeClr val="tx1"/>
+            </a:fontRef>
+          </p:style>
+        </p:cxnSp>
+        <p:cxnSp>
+          <p:nvCxnSpPr>
+            <p:cNvPr id="73" name="Straight Connector 72"/>
+            <p:cNvCxnSpPr/>
+            <p:nvPr/>
+          </p:nvCxnSpPr>
+          <p:spPr>
+            <a:xfrm>
+              <a:off x="4057847" y="2363104"/>
+              <a:ext cx="0" cy="301163"/>
+            </a:xfrm>
+            <a:prstGeom prst="line">
+              <a:avLst/>
+            </a:prstGeom>
+          </p:spPr>
+          <p:style>
+            <a:lnRef idx="2">
+              <a:schemeClr val="accent1"/>
+            </a:lnRef>
+            <a:fillRef idx="0">
+              <a:schemeClr val="accent1"/>
+            </a:fillRef>
+            <a:effectRef idx="1">
+              <a:schemeClr val="accent1"/>
+            </a:effectRef>
+            <a:fontRef idx="minor">
+              <a:schemeClr val="tx1"/>
+            </a:fontRef>
+          </p:style>
+        </p:cxnSp>
+        <p:cxnSp>
+          <p:nvCxnSpPr>
+            <p:cNvPr id="74" name="Straight Connector 73"/>
+            <p:cNvCxnSpPr/>
+            <p:nvPr/>
+          </p:nvCxnSpPr>
+          <p:spPr>
+            <a:xfrm>
+              <a:off x="4067279" y="2769021"/>
+              <a:ext cx="0" cy="301163"/>
+            </a:xfrm>
+            <a:prstGeom prst="line">
+              <a:avLst/>
+            </a:prstGeom>
+          </p:spPr>
+          <p:style>
+            <a:lnRef idx="2">
+              <a:schemeClr val="accent1"/>
+            </a:lnRef>
+            <a:fillRef idx="0">
+              <a:schemeClr val="accent1"/>
+            </a:fillRef>
+            <a:effectRef idx="1">
+              <a:schemeClr val="accent1"/>
+            </a:effectRef>
+            <a:fontRef idx="minor">
+              <a:schemeClr val="tx1"/>
+            </a:fontRef>
+          </p:style>
+        </p:cxnSp>
+        <p:cxnSp>
+          <p:nvCxnSpPr>
+            <p:cNvPr id="75" name="Straight Connector 74"/>
+            <p:cNvCxnSpPr/>
+            <p:nvPr/>
+          </p:nvCxnSpPr>
+          <p:spPr>
+            <a:xfrm>
+              <a:off x="4062563" y="3183301"/>
+              <a:ext cx="0" cy="301163"/>
+            </a:xfrm>
+            <a:prstGeom prst="line">
+              <a:avLst/>
+            </a:prstGeom>
+          </p:spPr>
+          <p:style>
+            <a:lnRef idx="2">
+              <a:schemeClr val="accent1"/>
+            </a:lnRef>
+            <a:fillRef idx="0">
+              <a:schemeClr val="accent1"/>
+            </a:fillRef>
+            <a:effectRef idx="1">
+              <a:schemeClr val="accent1"/>
+            </a:effectRef>
+            <a:fontRef idx="minor">
+              <a:schemeClr val="tx1"/>
+            </a:fontRef>
+          </p:style>
+        </p:cxnSp>
+        <p:cxnSp>
+          <p:nvCxnSpPr>
+            <p:cNvPr id="76" name="Straight Connector 75"/>
+            <p:cNvCxnSpPr/>
+            <p:nvPr/>
+          </p:nvCxnSpPr>
+          <p:spPr>
+            <a:xfrm>
+              <a:off x="4062563" y="3589215"/>
+              <a:ext cx="0" cy="301163"/>
+            </a:xfrm>
+            <a:prstGeom prst="line">
+              <a:avLst/>
+            </a:prstGeom>
+          </p:spPr>
+          <p:style>
+            <a:lnRef idx="2">
+              <a:schemeClr val="accent1"/>
+            </a:lnRef>
+            <a:fillRef idx="0">
+              <a:schemeClr val="accent1"/>
+            </a:fillRef>
+            <a:effectRef idx="1">
+              <a:schemeClr val="accent1"/>
+            </a:effectRef>
+            <a:fontRef idx="minor">
+              <a:schemeClr val="tx1"/>
+            </a:fontRef>
+          </p:style>
+        </p:cxnSp>
+        <p:cxnSp>
+          <p:nvCxnSpPr>
+            <p:cNvPr id="77" name="Straight Connector 76"/>
+            <p:cNvCxnSpPr/>
+            <p:nvPr/>
+          </p:nvCxnSpPr>
+          <p:spPr>
+            <a:xfrm>
+              <a:off x="4057844" y="4012954"/>
+              <a:ext cx="0" cy="301163"/>
+            </a:xfrm>
+            <a:prstGeom prst="line">
+              <a:avLst/>
+            </a:prstGeom>
+          </p:spPr>
+          <p:style>
+            <a:lnRef idx="2">
+              <a:schemeClr val="accent1"/>
+            </a:lnRef>
+            <a:fillRef idx="0">
+              <a:schemeClr val="accent1"/>
+            </a:fillRef>
+            <a:effectRef idx="1">
+              <a:schemeClr val="accent1"/>
+            </a:effectRef>
+            <a:fontRef idx="minor">
+              <a:schemeClr val="tx1"/>
+            </a:fontRef>
+          </p:style>
+        </p:cxnSp>
+        <p:cxnSp>
+          <p:nvCxnSpPr>
+            <p:cNvPr id="78" name="Straight Connector 77"/>
+            <p:cNvCxnSpPr/>
+            <p:nvPr/>
+          </p:nvCxnSpPr>
+          <p:spPr>
+            <a:xfrm>
+              <a:off x="4053128" y="4427234"/>
+              <a:ext cx="0" cy="301163"/>
+            </a:xfrm>
+            <a:prstGeom prst="line">
+              <a:avLst/>
+            </a:prstGeom>
+          </p:spPr>
+          <p:style>
+            <a:lnRef idx="2">
+              <a:schemeClr val="accent1"/>
+            </a:lnRef>
+            <a:fillRef idx="0">
+              <a:schemeClr val="accent1"/>
+            </a:fillRef>
+            <a:effectRef idx="1">
+              <a:schemeClr val="accent1"/>
+            </a:effectRef>
+            <a:fontRef idx="minor">
+              <a:schemeClr val="tx1"/>
+            </a:fontRef>
+          </p:style>
+        </p:cxnSp>
+        <p:cxnSp>
+          <p:nvCxnSpPr>
+            <p:cNvPr id="79" name="Straight Connector 78"/>
+            <p:cNvCxnSpPr/>
+            <p:nvPr/>
+          </p:nvCxnSpPr>
+          <p:spPr>
+            <a:xfrm>
+              <a:off x="4053128" y="4833148"/>
+              <a:ext cx="0" cy="301163"/>
+            </a:xfrm>
+            <a:prstGeom prst="line">
+              <a:avLst/>
+            </a:prstGeom>
+          </p:spPr>
+          <p:style>
+            <a:lnRef idx="2">
+              <a:schemeClr val="accent1"/>
+            </a:lnRef>
+            <a:fillRef idx="0">
+              <a:schemeClr val="accent1"/>
+            </a:fillRef>
+            <a:effectRef idx="1">
+              <a:schemeClr val="accent1"/>
+            </a:effectRef>
+            <a:fontRef idx="minor">
+              <a:schemeClr val="tx1"/>
+            </a:fontRef>
+          </p:style>
+        </p:cxnSp>
+        <p:cxnSp>
+          <p:nvCxnSpPr>
+            <p:cNvPr id="80" name="Straight Connector 79"/>
+            <p:cNvCxnSpPr/>
+            <p:nvPr/>
+          </p:nvCxnSpPr>
+          <p:spPr>
+            <a:xfrm>
+              <a:off x="4057844" y="5243793"/>
+              <a:ext cx="0" cy="301163"/>
+            </a:xfrm>
+            <a:prstGeom prst="line">
+              <a:avLst/>
+            </a:prstGeom>
+          </p:spPr>
+          <p:style>
+            <a:lnRef idx="2">
+              <a:schemeClr val="accent1"/>
+            </a:lnRef>
+            <a:fillRef idx="0">
+              <a:schemeClr val="accent1"/>
+            </a:fillRef>
+            <a:effectRef idx="1">
+              <a:schemeClr val="accent1"/>
+            </a:effectRef>
+            <a:fontRef idx="minor">
+              <a:schemeClr val="tx1"/>
+            </a:fontRef>
+          </p:style>
+        </p:cxnSp>
+        <p:cxnSp>
+          <p:nvCxnSpPr>
+            <p:cNvPr id="81" name="Straight Connector 80"/>
+            <p:cNvCxnSpPr/>
+            <p:nvPr/>
+          </p:nvCxnSpPr>
+          <p:spPr>
+            <a:xfrm>
+              <a:off x="4053128" y="5658073"/>
+              <a:ext cx="0" cy="301163"/>
+            </a:xfrm>
+            <a:prstGeom prst="line">
+              <a:avLst/>
+            </a:prstGeom>
+          </p:spPr>
+          <p:style>
+            <a:lnRef idx="2">
+              <a:schemeClr val="accent1"/>
+            </a:lnRef>
+            <a:fillRef idx="0">
+              <a:schemeClr val="accent1"/>
+            </a:fillRef>
+            <a:effectRef idx="1">
+              <a:schemeClr val="accent1"/>
+            </a:effectRef>
+            <a:fontRef idx="minor">
+              <a:schemeClr val="tx1"/>
+            </a:fontRef>
+          </p:style>
+        </p:cxnSp>
+        <p:cxnSp>
+          <p:nvCxnSpPr>
+            <p:cNvPr id="82" name="Straight Connector 81"/>
+            <p:cNvCxnSpPr/>
+            <p:nvPr/>
+          </p:nvCxnSpPr>
+          <p:spPr>
+            <a:xfrm>
+              <a:off x="4053128" y="6063987"/>
+              <a:ext cx="0" cy="301163"/>
+            </a:xfrm>
+            <a:prstGeom prst="line">
+              <a:avLst/>
+            </a:prstGeom>
+          </p:spPr>
+          <p:style>
+            <a:lnRef idx="2">
+              <a:schemeClr val="accent1"/>
+            </a:lnRef>
+            <a:fillRef idx="0">
+              <a:schemeClr val="accent1"/>
+            </a:fillRef>
+            <a:effectRef idx="1">
+              <a:schemeClr val="accent1"/>
+            </a:effectRef>
+            <a:fontRef idx="minor">
+              <a:schemeClr val="tx1"/>
+            </a:fontRef>
+          </p:style>
+        </p:cxnSp>
+      </p:grpSp>
+      <p:cxnSp>
+        <p:nvCxnSpPr>
+          <p:cNvPr id="97" name="Straight Arrow Connector 96"/>
+          <p:cNvCxnSpPr/>
+          <p:nvPr/>
+        </p:nvCxnSpPr>
+        <p:spPr>
+          <a:xfrm flipH="1">
+            <a:off x="1615186" y="3174406"/>
+            <a:ext cx="414268" cy="0"/>
+          </a:xfrm>
+          <a:prstGeom prst="straightConnector1">
+            <a:avLst/>
+          </a:prstGeom>
+          <a:ln>
+            <a:tailEnd type="arrow"/>
+          </a:ln>
+        </p:spPr>
+        <p:style>
+          <a:lnRef idx="2">
+            <a:schemeClr val="accent1"/>
+          </a:lnRef>
+          <a:fillRef idx="0">
+            <a:schemeClr val="accent1"/>
+          </a:fillRef>
+          <a:effectRef idx="1">
+            <a:schemeClr val="accent1"/>
+          </a:effectRef>
+          <a:fontRef idx="minor">
+            <a:schemeClr val="tx1"/>
+          </a:fontRef>
+        </p:style>
+      </p:cxnSp>
+      <p:cxnSp>
+        <p:nvCxnSpPr>
+          <p:cNvPr id="100" name="Straight Arrow Connector 99"/>
+          <p:cNvCxnSpPr/>
+          <p:nvPr/>
+        </p:nvCxnSpPr>
+        <p:spPr>
+          <a:xfrm>
+            <a:off x="1615186" y="2095045"/>
+            <a:ext cx="5428981" cy="39282"/>
+          </a:xfrm>
+          <a:prstGeom prst="straightConnector1">
+            <a:avLst/>
+          </a:prstGeom>
+          <a:ln>
+            <a:tailEnd type="arrow"/>
+          </a:ln>
+        </p:spPr>
+        <p:style>
+          <a:lnRef idx="2">
+            <a:schemeClr val="accent1"/>
+          </a:lnRef>
+          <a:fillRef idx="0">
+            <a:schemeClr val="accent1"/>
+          </a:fillRef>
+          <a:effectRef idx="1">
+            <a:schemeClr val="accent1"/>
+          </a:effectRef>
+          <a:fontRef idx="minor">
+            <a:schemeClr val="tx1"/>
+          </a:fontRef>
+        </p:style>
+      </p:cxnSp>
+      <p:sp>
+        <p:nvSpPr>
+          <p:cNvPr id="103" name="TextBox 102"/>
+          <p:cNvSpPr txBox="1"/>
+          <p:nvPr/>
+        </p:nvSpPr>
+        <p:spPr>
+          <a:xfrm>
+            <a:off x="3394160" y="1682230"/>
+            <a:ext cx="1732979" cy="369332"/>
+          </a:xfrm>
+          <a:prstGeom prst="rect">
+            <a:avLst/>
+          </a:prstGeom>
+          <a:noFill/>
+        </p:spPr>
+        <p:txBody>
+          <a:bodyPr wrap="none" rtlCol="0">
+            <a:spAutoFit/>
+          </a:bodyPr>
+          <a:lstStyle/>
+          <a:p>
+            <a:r>
+              <a:rPr lang="en-US" dirty="0" err="1" smtClean="0"/>
+              <a:t>editPath</a:t>
+            </a:r>
+            <a:r>
+              <a:rPr lang="en-US" dirty="0" smtClean="0"/>
+              <a:t>(</a:t>
+            </a:r>
+            <a:r>
+              <a:rPr lang="en-US" dirty="0" err="1" smtClean="0"/>
+              <a:t>roadId</a:t>
+            </a:r>
+            <a:r>
+              <a:rPr lang="en-US" dirty="0" smtClean="0"/>
+              <a:t>)</a:t>
+            </a:r>
+            <a:endParaRPr lang="en-US" dirty="0"/>
+          </a:p>
+        </p:txBody>
+      </p:sp>
+      <p:sp>
+        <p:nvSpPr>
+          <p:cNvPr id="86" name="TextBox 85"/>
+          <p:cNvSpPr txBox="1"/>
+          <p:nvPr/>
+        </p:nvSpPr>
+        <p:spPr>
+          <a:xfrm>
+            <a:off x="2038870" y="2454587"/>
+            <a:ext cx="4388946" cy="646331"/>
+          </a:xfrm>
+          <a:prstGeom prst="rect">
+            <a:avLst/>
+          </a:prstGeom>
+          <a:noFill/>
+        </p:spPr>
+        <p:txBody>
+          <a:bodyPr wrap="square" rtlCol="0">
+            <a:spAutoFit/>
+          </a:bodyPr>
+          <a:lstStyle/>
+          <a:p>
+            <a:r>
+              <a:rPr lang="en-US" dirty="0" smtClean="0"/>
+              <a:t>Returns road, </a:t>
+            </a:r>
+            <a:r>
+              <a:rPr lang="en-US" dirty="0" err="1"/>
+              <a:t>d</a:t>
+            </a:r>
+            <a:r>
+              <a:rPr lang="en-US" dirty="0" err="1" smtClean="0"/>
+              <a:t>aysString</a:t>
+            </a:r>
+            <a:r>
+              <a:rPr lang="en-US" dirty="0" smtClean="0"/>
+              <a:t>,  </a:t>
+            </a:r>
+            <a:r>
+              <a:rPr lang="en-US" dirty="0" err="1" smtClean="0"/>
+              <a:t>mileStart</a:t>
+            </a:r>
+            <a:r>
+              <a:rPr lang="en-US" dirty="0" smtClean="0"/>
+              <a:t>, </a:t>
+            </a:r>
+            <a:r>
+              <a:rPr lang="en-US" dirty="0" err="1" smtClean="0"/>
+              <a:t>mileEnd</a:t>
+            </a:r>
+            <a:r>
+              <a:rPr lang="en-US" dirty="0" smtClean="0"/>
+              <a:t>, </a:t>
+            </a:r>
+            <a:r>
+              <a:rPr lang="en-US" dirty="0" err="1" smtClean="0"/>
+              <a:t>timeStart</a:t>
+            </a:r>
+            <a:r>
+              <a:rPr lang="en-US" dirty="0" smtClean="0"/>
+              <a:t>, </a:t>
+            </a:r>
+            <a:r>
+              <a:rPr lang="en-US" dirty="0" err="1" smtClean="0"/>
+              <a:t>timeEnd</a:t>
+            </a:r>
+            <a:r>
+              <a:rPr lang="en-US" dirty="0" smtClean="0"/>
+              <a:t>, </a:t>
+            </a:r>
+            <a:r>
+              <a:rPr lang="en-US" dirty="0" err="1" smtClean="0"/>
+              <a:t>roadId</a:t>
+            </a:r>
+            <a:r>
+              <a:rPr lang="en-US" dirty="0" smtClean="0"/>
+              <a:t>  </a:t>
+            </a:r>
+            <a:endParaRPr lang="en-US" dirty="0"/>
+          </a:p>
+        </p:txBody>
+      </p:sp>
+      <p:grpSp>
+        <p:nvGrpSpPr>
+          <p:cNvPr id="87" name="Group 86"/>
+          <p:cNvGrpSpPr/>
+          <p:nvPr/>
+        </p:nvGrpSpPr>
+        <p:grpSpPr>
+          <a:xfrm rot="5400000">
+            <a:off x="4579464" y="3756805"/>
+            <a:ext cx="14151" cy="4822240"/>
+            <a:chOff x="4053128" y="1542910"/>
+            <a:chExt cx="14151" cy="4822240"/>
+          </a:xfrm>
+        </p:grpSpPr>
+        <p:cxnSp>
+          <p:nvCxnSpPr>
+            <p:cNvPr id="88" name="Straight Connector 87"/>
+            <p:cNvCxnSpPr/>
+            <p:nvPr/>
+          </p:nvCxnSpPr>
+          <p:spPr>
+            <a:xfrm>
+              <a:off x="4062563" y="1542910"/>
+              <a:ext cx="0" cy="301163"/>
+            </a:xfrm>
+            <a:prstGeom prst="line">
+              <a:avLst/>
+            </a:prstGeom>
+          </p:spPr>
+          <p:style>
+            <a:lnRef idx="2">
+              <a:schemeClr val="accent1"/>
+            </a:lnRef>
+            <a:fillRef idx="0">
+              <a:schemeClr val="accent1"/>
+            </a:fillRef>
+            <a:effectRef idx="1">
+              <a:schemeClr val="accent1"/>
+            </a:effectRef>
+            <a:fontRef idx="minor">
+              <a:schemeClr val="tx1"/>
+            </a:fontRef>
+          </p:style>
+        </p:cxnSp>
+        <p:cxnSp>
+          <p:nvCxnSpPr>
+            <p:cNvPr id="89" name="Straight Connector 88"/>
+            <p:cNvCxnSpPr/>
+            <p:nvPr/>
+          </p:nvCxnSpPr>
+          <p:spPr>
+            <a:xfrm>
+              <a:off x="4057847" y="1957190"/>
+              <a:ext cx="0" cy="301163"/>
+            </a:xfrm>
+            <a:prstGeom prst="line">
+              <a:avLst/>
+            </a:prstGeom>
+          </p:spPr>
+          <p:style>
+            <a:lnRef idx="2">
+              <a:schemeClr val="accent1"/>
+            </a:lnRef>
+            <a:fillRef idx="0">
+              <a:schemeClr val="accent1"/>
+            </a:fillRef>
+            <a:effectRef idx="1">
+              <a:schemeClr val="accent1"/>
+            </a:effectRef>
+            <a:fontRef idx="minor">
+              <a:schemeClr val="tx1"/>
+            </a:fontRef>
+          </p:style>
+        </p:cxnSp>
+        <p:cxnSp>
+          <p:nvCxnSpPr>
+            <p:cNvPr id="90" name="Straight Connector 89"/>
+            <p:cNvCxnSpPr/>
+            <p:nvPr/>
+          </p:nvCxnSpPr>
+          <p:spPr>
+            <a:xfrm>
+              <a:off x="4057847" y="2363104"/>
+              <a:ext cx="0" cy="301163"/>
+            </a:xfrm>
+            <a:prstGeom prst="line">
+              <a:avLst/>
+            </a:prstGeom>
+          </p:spPr>
+          <p:style>
+            <a:lnRef idx="2">
+              <a:schemeClr val="accent1"/>
+            </a:lnRef>
+            <a:fillRef idx="0">
+              <a:schemeClr val="accent1"/>
+            </a:fillRef>
+            <a:effectRef idx="1">
+              <a:schemeClr val="accent1"/>
+            </a:effectRef>
+            <a:fontRef idx="minor">
+              <a:schemeClr val="tx1"/>
+            </a:fontRef>
+          </p:style>
+        </p:cxnSp>
+        <p:cxnSp>
+          <p:nvCxnSpPr>
+            <p:cNvPr id="91" name="Straight Connector 90"/>
+            <p:cNvCxnSpPr/>
+            <p:nvPr/>
+          </p:nvCxnSpPr>
+          <p:spPr>
+            <a:xfrm>
+              <a:off x="4067279" y="2769021"/>
+              <a:ext cx="0" cy="301163"/>
+            </a:xfrm>
+            <a:prstGeom prst="line">
+              <a:avLst/>
+            </a:prstGeom>
+          </p:spPr>
+          <p:style>
+            <a:lnRef idx="2">
+              <a:schemeClr val="accent1"/>
+            </a:lnRef>
+            <a:fillRef idx="0">
+              <a:schemeClr val="accent1"/>
+            </a:fillRef>
+            <a:effectRef idx="1">
+              <a:schemeClr val="accent1"/>
+            </a:effectRef>
+            <a:fontRef idx="minor">
+              <a:schemeClr val="tx1"/>
+            </a:fontRef>
+          </p:style>
+        </p:cxnSp>
+        <p:cxnSp>
+          <p:nvCxnSpPr>
+            <p:cNvPr id="92" name="Straight Connector 91"/>
+            <p:cNvCxnSpPr/>
+            <p:nvPr/>
+          </p:nvCxnSpPr>
+          <p:spPr>
+            <a:xfrm>
+              <a:off x="4062563" y="3183301"/>
+              <a:ext cx="0" cy="301163"/>
+            </a:xfrm>
+            <a:prstGeom prst="line">
+              <a:avLst/>
+            </a:prstGeom>
+          </p:spPr>
+          <p:style>
+            <a:lnRef idx="2">
+              <a:schemeClr val="accent1"/>
+            </a:lnRef>
+            <a:fillRef idx="0">
+              <a:schemeClr val="accent1"/>
+            </a:fillRef>
+            <a:effectRef idx="1">
+              <a:schemeClr val="accent1"/>
+            </a:effectRef>
+            <a:fontRef idx="minor">
+              <a:schemeClr val="tx1"/>
+            </a:fontRef>
+          </p:style>
+        </p:cxnSp>
+        <p:cxnSp>
+          <p:nvCxnSpPr>
+            <p:cNvPr id="93" name="Straight Connector 92"/>
+            <p:cNvCxnSpPr/>
+            <p:nvPr/>
+          </p:nvCxnSpPr>
+          <p:spPr>
+            <a:xfrm>
+              <a:off x="4062563" y="3589215"/>
+              <a:ext cx="0" cy="301163"/>
+            </a:xfrm>
+            <a:prstGeom prst="line">
+              <a:avLst/>
+            </a:prstGeom>
+          </p:spPr>
+          <p:style>
+            <a:lnRef idx="2">
+              <a:schemeClr val="accent1"/>
+            </a:lnRef>
+            <a:fillRef idx="0">
+              <a:schemeClr val="accent1"/>
+            </a:fillRef>
+            <a:effectRef idx="1">
+              <a:schemeClr val="accent1"/>
+            </a:effectRef>
+            <a:fontRef idx="minor">
+              <a:schemeClr val="tx1"/>
+            </a:fontRef>
+          </p:style>
+        </p:cxnSp>
+        <p:cxnSp>
+          <p:nvCxnSpPr>
+            <p:cNvPr id="94" name="Straight Connector 93"/>
+            <p:cNvCxnSpPr/>
+            <p:nvPr/>
+          </p:nvCxnSpPr>
+          <p:spPr>
+            <a:xfrm>
+              <a:off x="4057844" y="4012954"/>
+              <a:ext cx="0" cy="301163"/>
+            </a:xfrm>
+            <a:prstGeom prst="line">
+              <a:avLst/>
+            </a:prstGeom>
+          </p:spPr>
+          <p:style>
+            <a:lnRef idx="2">
+              <a:schemeClr val="accent1"/>
+            </a:lnRef>
+            <a:fillRef idx="0">
+              <a:schemeClr val="accent1"/>
+            </a:fillRef>
+            <a:effectRef idx="1">
+              <a:schemeClr val="accent1"/>
+            </a:effectRef>
+            <a:fontRef idx="minor">
+              <a:schemeClr val="tx1"/>
+            </a:fontRef>
+          </p:style>
+        </p:cxnSp>
+        <p:cxnSp>
+          <p:nvCxnSpPr>
+            <p:cNvPr id="95" name="Straight Connector 94"/>
+            <p:cNvCxnSpPr/>
+            <p:nvPr/>
+          </p:nvCxnSpPr>
+          <p:spPr>
+            <a:xfrm>
+              <a:off x="4053128" y="4427234"/>
+              <a:ext cx="0" cy="301163"/>
+            </a:xfrm>
+            <a:prstGeom prst="line">
+              <a:avLst/>
+            </a:prstGeom>
+          </p:spPr>
+          <p:style>
+            <a:lnRef idx="2">
+              <a:schemeClr val="accent1"/>
+            </a:lnRef>
+            <a:fillRef idx="0">
+              <a:schemeClr val="accent1"/>
+            </a:fillRef>
+            <a:effectRef idx="1">
+              <a:schemeClr val="accent1"/>
+            </a:effectRef>
+            <a:fontRef idx="minor">
+              <a:schemeClr val="tx1"/>
+            </a:fontRef>
+          </p:style>
+        </p:cxnSp>
+        <p:cxnSp>
+          <p:nvCxnSpPr>
+            <p:cNvPr id="96" name="Straight Connector 95"/>
+            <p:cNvCxnSpPr/>
+            <p:nvPr/>
+          </p:nvCxnSpPr>
+          <p:spPr>
+            <a:xfrm>
+              <a:off x="4053128" y="4833148"/>
+              <a:ext cx="0" cy="301163"/>
+            </a:xfrm>
+            <a:prstGeom prst="line">
+              <a:avLst/>
+            </a:prstGeom>
+          </p:spPr>
+          <p:style>
+            <a:lnRef idx="2">
+              <a:schemeClr val="accent1"/>
+            </a:lnRef>
+            <a:fillRef idx="0">
+              <a:schemeClr val="accent1"/>
+            </a:fillRef>
+            <a:effectRef idx="1">
+              <a:schemeClr val="accent1"/>
+            </a:effectRef>
+            <a:fontRef idx="minor">
+              <a:schemeClr val="tx1"/>
+            </a:fontRef>
+          </p:style>
+        </p:cxnSp>
+        <p:cxnSp>
+          <p:nvCxnSpPr>
+            <p:cNvPr id="98" name="Straight Connector 97"/>
+            <p:cNvCxnSpPr/>
+            <p:nvPr/>
+          </p:nvCxnSpPr>
+          <p:spPr>
+            <a:xfrm>
+              <a:off x="4057844" y="5243793"/>
+              <a:ext cx="0" cy="301163"/>
+            </a:xfrm>
+            <a:prstGeom prst="line">
+              <a:avLst/>
+            </a:prstGeom>
+          </p:spPr>
+          <p:style>
+            <a:lnRef idx="2">
+              <a:schemeClr val="accent1"/>
+            </a:lnRef>
+            <a:fillRef idx="0">
+              <a:schemeClr val="accent1"/>
+            </a:fillRef>
+            <a:effectRef idx="1">
+              <a:schemeClr val="accent1"/>
+            </a:effectRef>
+            <a:fontRef idx="minor">
+              <a:schemeClr val="tx1"/>
+            </a:fontRef>
+          </p:style>
+        </p:cxnSp>
+        <p:cxnSp>
+          <p:nvCxnSpPr>
+            <p:cNvPr id="99" name="Straight Connector 98"/>
+            <p:cNvCxnSpPr/>
+            <p:nvPr/>
+          </p:nvCxnSpPr>
+          <p:spPr>
+            <a:xfrm>
+              <a:off x="4053128" y="5658073"/>
+              <a:ext cx="0" cy="301163"/>
+            </a:xfrm>
+            <a:prstGeom prst="line">
+              <a:avLst/>
+            </a:prstGeom>
+          </p:spPr>
+          <p:style>
+            <a:lnRef idx="2">
+              <a:schemeClr val="accent1"/>
+            </a:lnRef>
+            <a:fillRef idx="0">
+              <a:schemeClr val="accent1"/>
+            </a:fillRef>
+            <a:effectRef idx="1">
+              <a:schemeClr val="accent1"/>
+            </a:effectRef>
+            <a:fontRef idx="minor">
+              <a:schemeClr val="tx1"/>
+            </a:fontRef>
+          </p:style>
+        </p:cxnSp>
+        <p:cxnSp>
+          <p:nvCxnSpPr>
+            <p:cNvPr id="101" name="Straight Connector 100"/>
+            <p:cNvCxnSpPr/>
+            <p:nvPr/>
+          </p:nvCxnSpPr>
+          <p:spPr>
+            <a:xfrm>
+              <a:off x="4053128" y="6063987"/>
+              <a:ext cx="0" cy="301163"/>
+            </a:xfrm>
+            <a:prstGeom prst="line">
+              <a:avLst/>
+            </a:prstGeom>
+          </p:spPr>
+          <p:style>
+            <a:lnRef idx="2">
+              <a:schemeClr val="accent1"/>
+            </a:lnRef>
+            <a:fillRef idx="0">
+              <a:schemeClr val="accent1"/>
+            </a:fillRef>
+            <a:effectRef idx="1">
+              <a:schemeClr val="accent1"/>
+            </a:effectRef>
+            <a:fontRef idx="minor">
+              <a:schemeClr val="tx1"/>
+            </a:fontRef>
+          </p:style>
+        </p:cxnSp>
+      </p:grpSp>
+      <p:cxnSp>
+        <p:nvCxnSpPr>
+          <p:cNvPr id="102" name="Straight Arrow Connector 101"/>
+          <p:cNvCxnSpPr/>
+          <p:nvPr/>
+        </p:nvCxnSpPr>
+        <p:spPr>
+          <a:xfrm flipH="1">
+            <a:off x="1627284" y="6160849"/>
+            <a:ext cx="414268" cy="0"/>
+          </a:xfrm>
+          <a:prstGeom prst="straightConnector1">
+            <a:avLst/>
+          </a:prstGeom>
+          <a:ln>
+            <a:tailEnd type="arrow"/>
+          </a:ln>
+        </p:spPr>
+        <p:style>
+          <a:lnRef idx="2">
+            <a:schemeClr val="accent1"/>
+          </a:lnRef>
+          <a:fillRef idx="0">
+            <a:schemeClr val="accent1"/>
+          </a:fillRef>
+          <a:effectRef idx="1">
+            <a:schemeClr val="accent1"/>
+          </a:effectRef>
+          <a:fontRef idx="minor">
+            <a:schemeClr val="tx1"/>
+          </a:fontRef>
+        </p:style>
+      </p:cxnSp>
+      <p:cxnSp>
+        <p:nvCxnSpPr>
+          <p:cNvPr id="104" name="Straight Arrow Connector 103"/>
+          <p:cNvCxnSpPr/>
+          <p:nvPr/>
+        </p:nvCxnSpPr>
+        <p:spPr>
+          <a:xfrm>
+            <a:off x="1607170" y="4773997"/>
+            <a:ext cx="5428981" cy="39282"/>
+          </a:xfrm>
+          <a:prstGeom prst="straightConnector1">
+            <a:avLst/>
+          </a:prstGeom>
+          <a:ln>
+            <a:tailEnd type="arrow"/>
+          </a:ln>
+        </p:spPr>
+        <p:style>
+          <a:lnRef idx="2">
+            <a:schemeClr val="accent1"/>
+          </a:lnRef>
+          <a:fillRef idx="0">
+            <a:schemeClr val="accent1"/>
+          </a:fillRef>
+          <a:effectRef idx="1">
+            <a:schemeClr val="accent1"/>
+          </a:effectRef>
+          <a:fontRef idx="minor">
+            <a:schemeClr val="tx1"/>
+          </a:fontRef>
+        </p:style>
+      </p:cxnSp>
+      <p:sp>
+        <p:nvSpPr>
+          <p:cNvPr id="105" name="TextBox 104"/>
+          <p:cNvSpPr txBox="1"/>
+          <p:nvPr/>
+        </p:nvSpPr>
+        <p:spPr>
+          <a:xfrm>
+            <a:off x="2078397" y="3829786"/>
+            <a:ext cx="4349420" cy="923330"/>
+          </a:xfrm>
+          <a:prstGeom prst="rect">
+            <a:avLst/>
+          </a:prstGeom>
+          <a:noFill/>
+        </p:spPr>
+        <p:txBody>
+          <a:bodyPr wrap="square" rtlCol="0">
+            <a:spAutoFit/>
+          </a:bodyPr>
+          <a:lstStyle/>
+          <a:p>
+            <a:r>
+              <a:rPr lang="en-US" dirty="0" err="1" smtClean="0"/>
+              <a:t>editPathEnter</a:t>
+            </a:r>
+            <a:r>
+              <a:rPr lang="en-US" dirty="0"/>
+              <a:t>(Returns road, </a:t>
+            </a:r>
+            <a:r>
+              <a:rPr lang="en-US" dirty="0" err="1"/>
+              <a:t>daysString</a:t>
+            </a:r>
+            <a:r>
+              <a:rPr lang="en-US" dirty="0"/>
+              <a:t>,  </a:t>
+            </a:r>
+            <a:r>
+              <a:rPr lang="en-US" dirty="0" err="1"/>
+              <a:t>mileStart</a:t>
+            </a:r>
+            <a:r>
+              <a:rPr lang="en-US" dirty="0"/>
+              <a:t>, </a:t>
+            </a:r>
+            <a:r>
+              <a:rPr lang="en-US" dirty="0" err="1"/>
+              <a:t>mileEnd</a:t>
+            </a:r>
+            <a:r>
+              <a:rPr lang="en-US" dirty="0"/>
+              <a:t>, </a:t>
+            </a:r>
+            <a:r>
+              <a:rPr lang="en-US" dirty="0" err="1"/>
+              <a:t>timeStart</a:t>
+            </a:r>
+            <a:r>
+              <a:rPr lang="en-US" dirty="0"/>
+              <a:t>, </a:t>
+            </a:r>
+            <a:r>
+              <a:rPr lang="en-US" dirty="0" err="1"/>
+              <a:t>timeEnd</a:t>
+            </a:r>
+            <a:r>
+              <a:rPr lang="en-US" dirty="0"/>
+              <a:t>, </a:t>
+            </a:r>
+            <a:r>
+              <a:rPr lang="en-US" dirty="0" err="1"/>
+              <a:t>roadId</a:t>
+            </a:r>
+            <a:r>
+              <a:rPr lang="en-US" dirty="0"/>
+              <a:t>  </a:t>
+            </a:r>
+            <a:r>
+              <a:rPr lang="en-US" dirty="0" smtClean="0"/>
+              <a:t>)</a:t>
+            </a:r>
+            <a:endParaRPr lang="en-US" dirty="0"/>
+          </a:p>
+        </p:txBody>
+      </p:sp>
+      <p:sp>
+        <p:nvSpPr>
+          <p:cNvPr id="107" name="Rectangle 106"/>
+          <p:cNvSpPr/>
+          <p:nvPr/>
+        </p:nvSpPr>
+        <p:spPr>
+          <a:xfrm>
+            <a:off x="773030" y="5068049"/>
+            <a:ext cx="7096542" cy="1485916"/>
+          </a:xfrm>
+          <a:prstGeom prst="rect">
+            <a:avLst/>
+          </a:prstGeom>
+          <a:gradFill flip="none" rotWithShape="1">
+            <a:gsLst>
+              <a:gs pos="0">
+                <a:schemeClr val="accent1">
+                  <a:tint val="100000"/>
+                  <a:shade val="100000"/>
+                  <a:satMod val="130000"/>
+                  <a:alpha val="0"/>
+                </a:schemeClr>
+              </a:gs>
+              <a:gs pos="100000">
+                <a:schemeClr val="accent1">
+                  <a:tint val="50000"/>
+                  <a:shade val="100000"/>
+                  <a:satMod val="350000"/>
+                  <a:alpha val="0"/>
+                </a:schemeClr>
+              </a:gs>
+            </a:gsLst>
+            <a:lin ang="16200000" scaled="0"/>
+            <a:tileRect/>
+          </a:gradFill>
+        </p:spPr>
+        <p:style>
+          <a:lnRef idx="1">
+            <a:schemeClr val="accent1"/>
+          </a:lnRef>
+          <a:fillRef idx="3">
+            <a:schemeClr val="accent1"/>
+          </a:fillRef>
+          <a:effectRef idx="2">
+            <a:schemeClr val="accent1"/>
+          </a:effectRef>
+          <a:fontRef idx="minor">
+            <a:schemeClr val="lt1"/>
+          </a:fontRef>
+        </p:style>
+        <p:txBody>
+          <a:bodyPr rtlCol="0" anchor="ctr"/>
+          <a:lstStyle/>
+          <a:p>
+            <a:pPr algn="ctr"/>
+            <a:endParaRPr lang="en-US">
+              <a:ln>
+                <a:solidFill>
+                  <a:srgbClr val="000000"/>
+                </a:solidFill>
+              </a:ln>
+            </a:endParaRPr>
+          </a:p>
+        </p:txBody>
+      </p:sp>
+      <p:sp>
+        <p:nvSpPr>
+          <p:cNvPr id="108" name="TextBox 107"/>
+          <p:cNvSpPr txBox="1"/>
+          <p:nvPr/>
+        </p:nvSpPr>
+        <p:spPr>
+          <a:xfrm>
+            <a:off x="773030" y="5069867"/>
+            <a:ext cx="602373" cy="369332"/>
+          </a:xfrm>
+          <a:prstGeom prst="rect">
+            <a:avLst/>
+          </a:prstGeom>
+          <a:noFill/>
+        </p:spPr>
+        <p:txBody>
+          <a:bodyPr wrap="none" rtlCol="0">
+            <a:spAutoFit/>
+          </a:bodyPr>
+          <a:lstStyle/>
+          <a:p>
+            <a:r>
+              <a:rPr lang="en-US" dirty="0" smtClean="0"/>
+              <a:t>loop</a:t>
+            </a:r>
+            <a:endParaRPr lang="en-US" dirty="0"/>
+          </a:p>
+        </p:txBody>
+      </p:sp>
+      <p:cxnSp>
+        <p:nvCxnSpPr>
+          <p:cNvPr id="109" name="Straight Connector 108"/>
+          <p:cNvCxnSpPr/>
+          <p:nvPr/>
+        </p:nvCxnSpPr>
+        <p:spPr>
+          <a:xfrm>
+            <a:off x="773030" y="5549617"/>
+            <a:ext cx="392791" cy="0"/>
+          </a:xfrm>
+          <a:prstGeom prst="line">
+            <a:avLst/>
+          </a:prstGeom>
+        </p:spPr>
+        <p:style>
+          <a:lnRef idx="2">
+            <a:schemeClr val="accent1"/>
+          </a:lnRef>
+          <a:fillRef idx="0">
+            <a:schemeClr val="accent1"/>
+          </a:fillRef>
+          <a:effectRef idx="1">
+            <a:schemeClr val="accent1"/>
+          </a:effectRef>
+          <a:fontRef idx="minor">
+            <a:schemeClr val="tx1"/>
+          </a:fontRef>
+        </p:style>
+      </p:cxnSp>
+      <p:cxnSp>
+        <p:nvCxnSpPr>
+          <p:cNvPr id="110" name="Straight Connector 109"/>
+          <p:cNvCxnSpPr/>
+          <p:nvPr/>
+        </p:nvCxnSpPr>
+        <p:spPr>
+          <a:xfrm flipV="1">
+            <a:off x="1165821" y="5439199"/>
+            <a:ext cx="209582" cy="110418"/>
+          </a:xfrm>
+          <a:prstGeom prst="line">
+            <a:avLst/>
+          </a:prstGeom>
+        </p:spPr>
+        <p:style>
+          <a:lnRef idx="2">
+            <a:schemeClr val="accent1"/>
+          </a:lnRef>
+          <a:fillRef idx="0">
+            <a:schemeClr val="accent1"/>
+          </a:fillRef>
+          <a:effectRef idx="1">
+            <a:schemeClr val="accent1"/>
+          </a:effectRef>
+          <a:fontRef idx="minor">
+            <a:schemeClr val="tx1"/>
+          </a:fontRef>
+        </p:style>
+      </p:cxnSp>
+      <p:cxnSp>
+        <p:nvCxnSpPr>
+          <p:cNvPr id="111" name="Straight Connector 110"/>
+          <p:cNvCxnSpPr/>
+          <p:nvPr/>
+        </p:nvCxnSpPr>
+        <p:spPr>
+          <a:xfrm flipV="1">
+            <a:off x="1375403" y="5068049"/>
+            <a:ext cx="0" cy="371150"/>
+          </a:xfrm>
+          <a:prstGeom prst="line">
+            <a:avLst/>
+          </a:prstGeom>
+        </p:spPr>
+        <p:style>
+          <a:lnRef idx="2">
+            <a:schemeClr val="accent1"/>
+          </a:lnRef>
+          <a:fillRef idx="0">
+            <a:schemeClr val="accent1"/>
+          </a:fillRef>
+          <a:effectRef idx="1">
+            <a:schemeClr val="accent1"/>
+          </a:effectRef>
+          <a:fontRef idx="minor">
+            <a:schemeClr val="tx1"/>
+          </a:fontRef>
+        </p:style>
+      </p:cxnSp>
+      <p:sp>
+        <p:nvSpPr>
+          <p:cNvPr id="112" name="TextBox 111"/>
+          <p:cNvSpPr txBox="1"/>
+          <p:nvPr/>
+        </p:nvSpPr>
+        <p:spPr>
+          <a:xfrm>
+            <a:off x="1693846" y="5165372"/>
+            <a:ext cx="3476620" cy="369332"/>
+          </a:xfrm>
+          <a:prstGeom prst="rect">
+            <a:avLst/>
+          </a:prstGeom>
+          <a:noFill/>
+        </p:spPr>
+        <p:txBody>
+          <a:bodyPr wrap="none" rtlCol="0">
+            <a:spAutoFit/>
+          </a:bodyPr>
+          <a:lstStyle/>
+          <a:p>
+            <a:r>
+              <a:rPr lang="en-US" dirty="0" smtClean="0"/>
+              <a:t>[each </a:t>
+            </a:r>
+            <a:r>
+              <a:rPr lang="en-US" dirty="0" smtClean="0"/>
+              <a:t>travelled road </a:t>
+            </a:r>
+            <a:r>
+              <a:rPr lang="en-US" dirty="0" smtClean="0"/>
+              <a:t>for given user]</a:t>
+            </a:r>
+            <a:endParaRPr lang="en-US" dirty="0"/>
+          </a:p>
+        </p:txBody>
+      </p:sp>
+      <p:sp>
+        <p:nvSpPr>
+          <p:cNvPr id="113" name="TextBox 112"/>
+          <p:cNvSpPr txBox="1"/>
+          <p:nvPr/>
+        </p:nvSpPr>
+        <p:spPr>
+          <a:xfrm>
+            <a:off x="2145817" y="5515678"/>
+            <a:ext cx="4388946" cy="646331"/>
+          </a:xfrm>
+          <a:prstGeom prst="rect">
+            <a:avLst/>
+          </a:prstGeom>
+          <a:noFill/>
+        </p:spPr>
+        <p:txBody>
+          <a:bodyPr wrap="square" rtlCol="0">
+            <a:spAutoFit/>
+          </a:bodyPr>
+          <a:lstStyle/>
+          <a:p>
+            <a:r>
+              <a:rPr lang="en-US" dirty="0" smtClean="0"/>
+              <a:t>Returns road, </a:t>
+            </a:r>
+            <a:r>
+              <a:rPr lang="en-US" dirty="0" err="1"/>
+              <a:t>d</a:t>
+            </a:r>
+            <a:r>
+              <a:rPr lang="en-US" dirty="0" err="1" smtClean="0"/>
+              <a:t>aysString</a:t>
+            </a:r>
+            <a:r>
+              <a:rPr lang="en-US" dirty="0" smtClean="0"/>
+              <a:t>,  </a:t>
+            </a:r>
+            <a:r>
+              <a:rPr lang="en-US" dirty="0" err="1" smtClean="0"/>
+              <a:t>mileStart</a:t>
+            </a:r>
+            <a:r>
+              <a:rPr lang="en-US" dirty="0" smtClean="0"/>
+              <a:t>, </a:t>
+            </a:r>
+            <a:r>
+              <a:rPr lang="en-US" dirty="0" err="1" smtClean="0"/>
+              <a:t>mileEnd</a:t>
+            </a:r>
+            <a:r>
+              <a:rPr lang="en-US" dirty="0" smtClean="0"/>
+              <a:t>, </a:t>
+            </a:r>
+            <a:r>
+              <a:rPr lang="en-US" dirty="0" err="1" smtClean="0"/>
+              <a:t>timeStart</a:t>
+            </a:r>
+            <a:r>
+              <a:rPr lang="en-US" dirty="0" smtClean="0"/>
+              <a:t>, </a:t>
+            </a:r>
+            <a:r>
+              <a:rPr lang="en-US" dirty="0" err="1" smtClean="0"/>
+              <a:t>timeEnd</a:t>
+            </a:r>
+            <a:r>
+              <a:rPr lang="en-US" dirty="0" smtClean="0"/>
+              <a:t>, </a:t>
+            </a:r>
+            <a:r>
+              <a:rPr lang="en-US" dirty="0" err="1" smtClean="0"/>
+              <a:t>roadId</a:t>
+            </a:r>
+            <a:r>
+              <a:rPr lang="en-US" dirty="0" smtClean="0"/>
+              <a:t>  </a:t>
+            </a:r>
+            <a:endParaRPr lang="en-US" dirty="0"/>
+          </a:p>
+        </p:txBody>
+      </p:sp>
+    </p:spTree>
+    <p:extLst>
+      <p:ext uri="{BB962C8B-B14F-4D97-AF65-F5344CB8AC3E}">
+        <p14:creationId xmlns:p14="http://schemas.microsoft.com/office/powerpoint/2010/main" val="1239125136"/>
+      </p:ext>
+    </p:extLst>
+  </p:cSld>
+  <p:clrMapOvr>
+    <a:masterClrMapping/>
+  </p:clrMapOvr>
+  <p:timing>
+    <p:tnLst>
+      <p:par>
+        <p:cTn xmlns:p14="http://schemas.microsoft.com/office/powerpoint/2010/main" id="1" dur="indefinite" restart="never" nodeType="tmRoot"/>
+      </p:par>
+    </p:tnLst>
+  </p:timing>
+</p:sld>
+</file>
+
+<file path=ppt/slides/slide13.xml><?xml version="1.0" encoding="utf-8"?>
+<p:sld xmlns:a="http://schemas.openxmlformats.org/drawingml/2006/main" xmlns:r="http://schemas.openxmlformats.org/officeDocument/2006/relationships" xmlns:p="http://schemas.openxmlformats.org/presentationml/2006/main">
+  <p:cSld>
+    <p:spTree>
+      <p:nvGrpSpPr>
+        <p:cNvPr id="1" name=""/>
+        <p:cNvGrpSpPr/>
+        <p:nvPr/>
+      </p:nvGrpSpPr>
+      <p:grpSpPr>
+        <a:xfrm>
+          <a:off x="0" y="0"/>
+          <a:ext cx="0" cy="0"/>
+          <a:chOff x="0" y="0"/>
+          <a:chExt cx="0" cy="0"/>
+        </a:xfrm>
+      </p:grpSpPr>
+      <p:sp>
+        <p:nvSpPr>
+          <p:cNvPr id="62" name="TextBox 61"/>
+          <p:cNvSpPr txBox="1"/>
+          <p:nvPr/>
+        </p:nvSpPr>
+        <p:spPr>
+          <a:xfrm>
+            <a:off x="2657930" y="408211"/>
+            <a:ext cx="3525740" cy="1200328"/>
+          </a:xfrm>
+          <a:prstGeom prst="rect">
+            <a:avLst/>
+          </a:prstGeom>
+          <a:noFill/>
+          <a:ln>
+            <a:noFill/>
+          </a:ln>
+        </p:spPr>
+        <p:txBody>
+          <a:bodyPr wrap="square" rtlCol="0">
+            <a:spAutoFit/>
+          </a:bodyPr>
+          <a:lstStyle/>
+          <a:p>
+            <a:pPr algn="ctr"/>
+            <a:r>
+              <a:rPr lang="en-US" sz="2400" b="1" dirty="0" smtClean="0">
+                <a:ln w="1905"/>
+                <a:solidFill>
+                  <a:srgbClr val="558ED5"/>
+                </a:solidFill>
+                <a:effectLst>
+                  <a:innerShdw blurRad="69850" dist="43180" dir="5400000">
+                    <a:srgbClr val="000000">
+                      <a:alpha val="65000"/>
+                    </a:srgbClr>
+                  </a:innerShdw>
+                </a:effectLst>
+                <a:latin typeface="+mj-lt"/>
+              </a:rPr>
+              <a:t>System Sequence Diagram</a:t>
+            </a:r>
+          </a:p>
+          <a:p>
+            <a:pPr algn="ctr"/>
+            <a:r>
+              <a:rPr lang="en-US" sz="2400" b="1" dirty="0" smtClean="0">
+                <a:ln w="1905"/>
+                <a:solidFill>
+                  <a:srgbClr val="558ED5"/>
+                </a:solidFill>
+                <a:effectLst>
+                  <a:innerShdw blurRad="69850" dist="43180" dir="5400000">
+                    <a:srgbClr val="000000">
+                      <a:alpha val="65000"/>
+                    </a:srgbClr>
+                  </a:innerShdw>
+                </a:effectLst>
+                <a:latin typeface="+mj-lt"/>
+              </a:rPr>
+              <a:t>Use Case </a:t>
+            </a:r>
+            <a:r>
+              <a:rPr lang="en-US" sz="2400" b="1" dirty="0" smtClean="0">
+                <a:ln w="1905"/>
+                <a:solidFill>
+                  <a:srgbClr val="558ED5"/>
+                </a:solidFill>
+                <a:effectLst>
+                  <a:innerShdw blurRad="69850" dist="43180" dir="5400000">
+                    <a:srgbClr val="000000">
+                      <a:alpha val="65000"/>
+                    </a:srgbClr>
+                  </a:innerShdw>
+                </a:effectLst>
+                <a:latin typeface="+mj-lt"/>
+              </a:rPr>
+              <a:t>15: Edit Travel Path (Alternate Path)</a:t>
+            </a:r>
+            <a:endParaRPr lang="en-US" sz="2400" b="1" dirty="0" smtClean="0">
+              <a:ln w="1905"/>
+              <a:solidFill>
+                <a:srgbClr val="558ED5"/>
+              </a:solidFill>
+              <a:effectLst>
+                <a:innerShdw blurRad="69850" dist="43180" dir="5400000">
+                  <a:srgbClr val="000000">
+                    <a:alpha val="65000"/>
+                  </a:srgbClr>
+                </a:innerShdw>
+              </a:effectLst>
+              <a:latin typeface="+mj-lt"/>
+            </a:endParaRPr>
+          </a:p>
+        </p:txBody>
+      </p:sp>
+      <p:cxnSp>
+        <p:nvCxnSpPr>
+          <p:cNvPr id="3" name="Straight Connector 2"/>
+          <p:cNvCxnSpPr/>
+          <p:nvPr/>
+        </p:nvCxnSpPr>
+        <p:spPr>
+          <a:xfrm>
+            <a:off x="1610470" y="1551642"/>
+            <a:ext cx="0" cy="301163"/>
+          </a:xfrm>
+          <a:prstGeom prst="line">
+            <a:avLst/>
+          </a:prstGeom>
+        </p:spPr>
+        <p:style>
+          <a:lnRef idx="2">
+            <a:schemeClr val="accent1"/>
+          </a:lnRef>
+          <a:fillRef idx="0">
+            <a:schemeClr val="accent1"/>
+          </a:fillRef>
+          <a:effectRef idx="1">
+            <a:schemeClr val="accent1"/>
+          </a:effectRef>
+          <a:fontRef idx="minor">
+            <a:schemeClr val="tx1"/>
+          </a:fontRef>
+        </p:style>
+      </p:cxnSp>
+      <p:cxnSp>
+        <p:nvCxnSpPr>
+          <p:cNvPr id="34" name="Straight Connector 33"/>
+          <p:cNvCxnSpPr/>
+          <p:nvPr/>
+        </p:nvCxnSpPr>
+        <p:spPr>
+          <a:xfrm>
+            <a:off x="1605754" y="1965922"/>
+            <a:ext cx="0" cy="301163"/>
+          </a:xfrm>
+          <a:prstGeom prst="line">
+            <a:avLst/>
+          </a:prstGeom>
+        </p:spPr>
+        <p:style>
+          <a:lnRef idx="2">
+            <a:schemeClr val="accent1"/>
+          </a:lnRef>
+          <a:fillRef idx="0">
+            <a:schemeClr val="accent1"/>
+          </a:fillRef>
+          <a:effectRef idx="1">
+            <a:schemeClr val="accent1"/>
+          </a:effectRef>
+          <a:fontRef idx="minor">
+            <a:schemeClr val="tx1"/>
+          </a:fontRef>
+        </p:style>
+      </p:cxnSp>
+      <p:cxnSp>
+        <p:nvCxnSpPr>
+          <p:cNvPr id="36" name="Straight Connector 35"/>
+          <p:cNvCxnSpPr/>
+          <p:nvPr/>
+        </p:nvCxnSpPr>
+        <p:spPr>
+          <a:xfrm>
+            <a:off x="1605754" y="2371836"/>
+            <a:ext cx="0" cy="301163"/>
+          </a:xfrm>
+          <a:prstGeom prst="line">
+            <a:avLst/>
+          </a:prstGeom>
+        </p:spPr>
+        <p:style>
+          <a:lnRef idx="2">
+            <a:schemeClr val="accent1"/>
+          </a:lnRef>
+          <a:fillRef idx="0">
+            <a:schemeClr val="accent1"/>
+          </a:fillRef>
+          <a:effectRef idx="1">
+            <a:schemeClr val="accent1"/>
+          </a:effectRef>
+          <a:fontRef idx="minor">
+            <a:schemeClr val="tx1"/>
+          </a:fontRef>
+        </p:style>
+      </p:cxnSp>
+      <p:cxnSp>
+        <p:nvCxnSpPr>
+          <p:cNvPr id="40" name="Straight Connector 39"/>
+          <p:cNvCxnSpPr/>
+          <p:nvPr/>
+        </p:nvCxnSpPr>
+        <p:spPr>
+          <a:xfrm>
+            <a:off x="1615186" y="2777753"/>
+            <a:ext cx="0" cy="301163"/>
+          </a:xfrm>
+          <a:prstGeom prst="line">
+            <a:avLst/>
+          </a:prstGeom>
+        </p:spPr>
+        <p:style>
+          <a:lnRef idx="2">
+            <a:schemeClr val="accent1"/>
+          </a:lnRef>
+          <a:fillRef idx="0">
+            <a:schemeClr val="accent1"/>
+          </a:fillRef>
+          <a:effectRef idx="1">
+            <a:schemeClr val="accent1"/>
+          </a:effectRef>
+          <a:fontRef idx="minor">
+            <a:schemeClr val="tx1"/>
+          </a:fontRef>
+        </p:style>
+      </p:cxnSp>
+      <p:cxnSp>
+        <p:nvCxnSpPr>
+          <p:cNvPr id="42" name="Straight Connector 41"/>
+          <p:cNvCxnSpPr/>
+          <p:nvPr/>
+        </p:nvCxnSpPr>
+        <p:spPr>
+          <a:xfrm>
+            <a:off x="1610470" y="3192033"/>
+            <a:ext cx="0" cy="301163"/>
+          </a:xfrm>
+          <a:prstGeom prst="line">
+            <a:avLst/>
+          </a:prstGeom>
+        </p:spPr>
+        <p:style>
+          <a:lnRef idx="2">
+            <a:schemeClr val="accent1"/>
+          </a:lnRef>
+          <a:fillRef idx="0">
+            <a:schemeClr val="accent1"/>
+          </a:fillRef>
+          <a:effectRef idx="1">
+            <a:schemeClr val="accent1"/>
+          </a:effectRef>
+          <a:fontRef idx="minor">
+            <a:schemeClr val="tx1"/>
+          </a:fontRef>
+        </p:style>
+      </p:cxnSp>
+      <p:cxnSp>
+        <p:nvCxnSpPr>
+          <p:cNvPr id="43" name="Straight Connector 42"/>
+          <p:cNvCxnSpPr/>
+          <p:nvPr/>
+        </p:nvCxnSpPr>
+        <p:spPr>
+          <a:xfrm>
+            <a:off x="1610470" y="3597947"/>
+            <a:ext cx="0" cy="301163"/>
+          </a:xfrm>
+          <a:prstGeom prst="line">
+            <a:avLst/>
+          </a:prstGeom>
+        </p:spPr>
+        <p:style>
+          <a:lnRef idx="2">
+            <a:schemeClr val="accent1"/>
+          </a:lnRef>
+          <a:fillRef idx="0">
+            <a:schemeClr val="accent1"/>
+          </a:fillRef>
+          <a:effectRef idx="1">
+            <a:schemeClr val="accent1"/>
+          </a:effectRef>
+          <a:fontRef idx="minor">
+            <a:schemeClr val="tx1"/>
+          </a:fontRef>
+        </p:style>
+      </p:cxnSp>
+      <p:cxnSp>
+        <p:nvCxnSpPr>
+          <p:cNvPr id="44" name="Straight Connector 43"/>
+          <p:cNvCxnSpPr/>
+          <p:nvPr/>
+        </p:nvCxnSpPr>
+        <p:spPr>
+          <a:xfrm>
+            <a:off x="1605751" y="4021686"/>
+            <a:ext cx="0" cy="301163"/>
+          </a:xfrm>
+          <a:prstGeom prst="line">
+            <a:avLst/>
+          </a:prstGeom>
+        </p:spPr>
+        <p:style>
+          <a:lnRef idx="2">
+            <a:schemeClr val="accent1"/>
+          </a:lnRef>
+          <a:fillRef idx="0">
+            <a:schemeClr val="accent1"/>
+          </a:fillRef>
+          <a:effectRef idx="1">
+            <a:schemeClr val="accent1"/>
+          </a:effectRef>
+          <a:fontRef idx="minor">
+            <a:schemeClr val="tx1"/>
+          </a:fontRef>
+        </p:style>
+      </p:cxnSp>
+      <p:cxnSp>
+        <p:nvCxnSpPr>
+          <p:cNvPr id="48" name="Straight Connector 47"/>
+          <p:cNvCxnSpPr/>
+          <p:nvPr/>
+        </p:nvCxnSpPr>
+        <p:spPr>
+          <a:xfrm>
+            <a:off x="1601035" y="4435966"/>
+            <a:ext cx="0" cy="301163"/>
+          </a:xfrm>
+          <a:prstGeom prst="line">
+            <a:avLst/>
+          </a:prstGeom>
+        </p:spPr>
+        <p:style>
+          <a:lnRef idx="2">
+            <a:schemeClr val="accent1"/>
+          </a:lnRef>
+          <a:fillRef idx="0">
+            <a:schemeClr val="accent1"/>
+          </a:fillRef>
+          <a:effectRef idx="1">
+            <a:schemeClr val="accent1"/>
+          </a:effectRef>
+          <a:fontRef idx="minor">
+            <a:schemeClr val="tx1"/>
+          </a:fontRef>
+        </p:style>
+      </p:cxnSp>
+      <p:cxnSp>
+        <p:nvCxnSpPr>
+          <p:cNvPr id="50" name="Straight Connector 49"/>
+          <p:cNvCxnSpPr/>
+          <p:nvPr/>
+        </p:nvCxnSpPr>
+        <p:spPr>
+          <a:xfrm>
+            <a:off x="1601035" y="4841880"/>
+            <a:ext cx="0" cy="301163"/>
+          </a:xfrm>
+          <a:prstGeom prst="line">
+            <a:avLst/>
+          </a:prstGeom>
+        </p:spPr>
+        <p:style>
+          <a:lnRef idx="2">
+            <a:schemeClr val="accent1"/>
+          </a:lnRef>
+          <a:fillRef idx="0">
+            <a:schemeClr val="accent1"/>
+          </a:fillRef>
+          <a:effectRef idx="1">
+            <a:schemeClr val="accent1"/>
+          </a:effectRef>
+          <a:fontRef idx="minor">
+            <a:schemeClr val="tx1"/>
+          </a:fontRef>
+        </p:style>
+      </p:cxnSp>
+      <p:cxnSp>
+        <p:nvCxnSpPr>
+          <p:cNvPr id="52" name="Straight Connector 51"/>
+          <p:cNvCxnSpPr/>
+          <p:nvPr/>
+        </p:nvCxnSpPr>
+        <p:spPr>
+          <a:xfrm>
+            <a:off x="1605751" y="5252525"/>
+            <a:ext cx="0" cy="301163"/>
+          </a:xfrm>
+          <a:prstGeom prst="line">
+            <a:avLst/>
+          </a:prstGeom>
+        </p:spPr>
+        <p:style>
+          <a:lnRef idx="2">
+            <a:schemeClr val="accent1"/>
+          </a:lnRef>
+          <a:fillRef idx="0">
+            <a:schemeClr val="accent1"/>
+          </a:fillRef>
+          <a:effectRef idx="1">
+            <a:schemeClr val="accent1"/>
+          </a:effectRef>
+          <a:fontRef idx="minor">
+            <a:schemeClr val="tx1"/>
+          </a:fontRef>
+        </p:style>
+      </p:cxnSp>
+      <p:cxnSp>
+        <p:nvCxnSpPr>
+          <p:cNvPr id="53" name="Straight Connector 52"/>
+          <p:cNvCxnSpPr/>
+          <p:nvPr/>
+        </p:nvCxnSpPr>
+        <p:spPr>
+          <a:xfrm>
+            <a:off x="1601035" y="5666805"/>
+            <a:ext cx="0" cy="301163"/>
+          </a:xfrm>
+          <a:prstGeom prst="line">
+            <a:avLst/>
+          </a:prstGeom>
+        </p:spPr>
+        <p:style>
+          <a:lnRef idx="2">
+            <a:schemeClr val="accent1"/>
+          </a:lnRef>
+          <a:fillRef idx="0">
+            <a:schemeClr val="accent1"/>
+          </a:fillRef>
+          <a:effectRef idx="1">
+            <a:schemeClr val="accent1"/>
+          </a:effectRef>
+          <a:fontRef idx="minor">
+            <a:schemeClr val="tx1"/>
+          </a:fontRef>
+        </p:style>
+      </p:cxnSp>
+      <p:cxnSp>
+        <p:nvCxnSpPr>
+          <p:cNvPr id="54" name="Straight Connector 53"/>
+          <p:cNvCxnSpPr/>
+          <p:nvPr/>
+        </p:nvCxnSpPr>
+        <p:spPr>
+          <a:xfrm>
+            <a:off x="1601035" y="6072719"/>
+            <a:ext cx="0" cy="301163"/>
+          </a:xfrm>
+          <a:prstGeom prst="line">
+            <a:avLst/>
+          </a:prstGeom>
+        </p:spPr>
+        <p:style>
+          <a:lnRef idx="2">
+            <a:schemeClr val="accent1"/>
+          </a:lnRef>
+          <a:fillRef idx="0">
+            <a:schemeClr val="accent1"/>
+          </a:fillRef>
+          <a:effectRef idx="1">
+            <a:schemeClr val="accent1"/>
+          </a:effectRef>
+          <a:fontRef idx="minor">
+            <a:schemeClr val="tx1"/>
+          </a:fontRef>
+        </p:style>
+      </p:cxnSp>
+      <p:cxnSp>
+        <p:nvCxnSpPr>
+          <p:cNvPr id="55" name="Straight Connector 54"/>
+          <p:cNvCxnSpPr/>
+          <p:nvPr/>
+        </p:nvCxnSpPr>
+        <p:spPr>
+          <a:xfrm>
+            <a:off x="7039451" y="1553460"/>
+            <a:ext cx="0" cy="301163"/>
+          </a:xfrm>
+          <a:prstGeom prst="line">
+            <a:avLst/>
+          </a:prstGeom>
+        </p:spPr>
+        <p:style>
+          <a:lnRef idx="2">
+            <a:schemeClr val="accent1"/>
+          </a:lnRef>
+          <a:fillRef idx="0">
+            <a:schemeClr val="accent1"/>
+          </a:fillRef>
+          <a:effectRef idx="1">
+            <a:schemeClr val="accent1"/>
+          </a:effectRef>
+          <a:fontRef idx="minor">
+            <a:schemeClr val="tx1"/>
+          </a:fontRef>
+        </p:style>
+      </p:cxnSp>
+      <p:cxnSp>
+        <p:nvCxnSpPr>
+          <p:cNvPr id="56" name="Straight Connector 55"/>
+          <p:cNvCxnSpPr/>
+          <p:nvPr/>
+        </p:nvCxnSpPr>
+        <p:spPr>
+          <a:xfrm>
+            <a:off x="7034735" y="1967740"/>
+            <a:ext cx="0" cy="301163"/>
+          </a:xfrm>
+          <a:prstGeom prst="line">
+            <a:avLst/>
+          </a:prstGeom>
+        </p:spPr>
+        <p:style>
+          <a:lnRef idx="2">
+            <a:schemeClr val="accent1"/>
+          </a:lnRef>
+          <a:fillRef idx="0">
+            <a:schemeClr val="accent1"/>
+          </a:fillRef>
+          <a:effectRef idx="1">
+            <a:schemeClr val="accent1"/>
+          </a:effectRef>
+          <a:fontRef idx="minor">
+            <a:schemeClr val="tx1"/>
+          </a:fontRef>
+        </p:style>
+      </p:cxnSp>
+      <p:cxnSp>
+        <p:nvCxnSpPr>
+          <p:cNvPr id="59" name="Straight Connector 58"/>
+          <p:cNvCxnSpPr/>
+          <p:nvPr/>
+        </p:nvCxnSpPr>
+        <p:spPr>
+          <a:xfrm>
+            <a:off x="7034735" y="2373654"/>
+            <a:ext cx="0" cy="301163"/>
+          </a:xfrm>
+          <a:prstGeom prst="line">
+            <a:avLst/>
+          </a:prstGeom>
+        </p:spPr>
+        <p:style>
+          <a:lnRef idx="2">
+            <a:schemeClr val="accent1"/>
+          </a:lnRef>
+          <a:fillRef idx="0">
+            <a:schemeClr val="accent1"/>
+          </a:fillRef>
+          <a:effectRef idx="1">
+            <a:schemeClr val="accent1"/>
+          </a:effectRef>
+          <a:fontRef idx="minor">
+            <a:schemeClr val="tx1"/>
+          </a:fontRef>
+        </p:style>
+      </p:cxnSp>
+      <p:cxnSp>
+        <p:nvCxnSpPr>
+          <p:cNvPr id="61" name="Straight Connector 60"/>
+          <p:cNvCxnSpPr/>
+          <p:nvPr/>
+        </p:nvCxnSpPr>
+        <p:spPr>
+          <a:xfrm>
+            <a:off x="7044167" y="2779571"/>
+            <a:ext cx="0" cy="301163"/>
+          </a:xfrm>
+          <a:prstGeom prst="line">
+            <a:avLst/>
+          </a:prstGeom>
+        </p:spPr>
+        <p:style>
+          <a:lnRef idx="2">
+            <a:schemeClr val="accent1"/>
+          </a:lnRef>
+          <a:fillRef idx="0">
+            <a:schemeClr val="accent1"/>
+          </a:fillRef>
+          <a:effectRef idx="1">
+            <a:schemeClr val="accent1"/>
+          </a:effectRef>
+          <a:fontRef idx="minor">
+            <a:schemeClr val="tx1"/>
+          </a:fontRef>
+        </p:style>
+      </p:cxnSp>
+      <p:cxnSp>
+        <p:nvCxnSpPr>
+          <p:cNvPr id="63" name="Straight Connector 62"/>
+          <p:cNvCxnSpPr/>
+          <p:nvPr/>
+        </p:nvCxnSpPr>
+        <p:spPr>
+          <a:xfrm>
+            <a:off x="7039451" y="3193851"/>
+            <a:ext cx="0" cy="301163"/>
+          </a:xfrm>
+          <a:prstGeom prst="line">
+            <a:avLst/>
+          </a:prstGeom>
+        </p:spPr>
+        <p:style>
+          <a:lnRef idx="2">
+            <a:schemeClr val="accent1"/>
+          </a:lnRef>
+          <a:fillRef idx="0">
+            <a:schemeClr val="accent1"/>
+          </a:fillRef>
+          <a:effectRef idx="1">
+            <a:schemeClr val="accent1"/>
+          </a:effectRef>
+          <a:fontRef idx="minor">
+            <a:schemeClr val="tx1"/>
+          </a:fontRef>
+        </p:style>
+      </p:cxnSp>
+      <p:cxnSp>
+        <p:nvCxnSpPr>
+          <p:cNvPr id="64" name="Straight Connector 63"/>
+          <p:cNvCxnSpPr/>
+          <p:nvPr/>
+        </p:nvCxnSpPr>
+        <p:spPr>
+          <a:xfrm>
+            <a:off x="7039451" y="3599765"/>
+            <a:ext cx="0" cy="301163"/>
+          </a:xfrm>
+          <a:prstGeom prst="line">
+            <a:avLst/>
+          </a:prstGeom>
+        </p:spPr>
+        <p:style>
+          <a:lnRef idx="2">
+            <a:schemeClr val="accent1"/>
+          </a:lnRef>
+          <a:fillRef idx="0">
+            <a:schemeClr val="accent1"/>
+          </a:fillRef>
+          <a:effectRef idx="1">
+            <a:schemeClr val="accent1"/>
+          </a:effectRef>
+          <a:fontRef idx="minor">
+            <a:schemeClr val="tx1"/>
+          </a:fontRef>
+        </p:style>
+      </p:cxnSp>
+      <p:cxnSp>
+        <p:nvCxnSpPr>
+          <p:cNvPr id="65" name="Straight Connector 64"/>
+          <p:cNvCxnSpPr/>
+          <p:nvPr/>
+        </p:nvCxnSpPr>
+        <p:spPr>
+          <a:xfrm>
+            <a:off x="7034732" y="4023504"/>
+            <a:ext cx="0" cy="301163"/>
+          </a:xfrm>
+          <a:prstGeom prst="line">
+            <a:avLst/>
+          </a:prstGeom>
+        </p:spPr>
+        <p:style>
+          <a:lnRef idx="2">
+            <a:schemeClr val="accent1"/>
+          </a:lnRef>
+          <a:fillRef idx="0">
+            <a:schemeClr val="accent1"/>
+          </a:fillRef>
+          <a:effectRef idx="1">
+            <a:schemeClr val="accent1"/>
+          </a:effectRef>
+          <a:fontRef idx="minor">
+            <a:schemeClr val="tx1"/>
+          </a:fontRef>
+        </p:style>
+      </p:cxnSp>
+      <p:cxnSp>
+        <p:nvCxnSpPr>
+          <p:cNvPr id="66" name="Straight Connector 65"/>
+          <p:cNvCxnSpPr/>
+          <p:nvPr/>
+        </p:nvCxnSpPr>
+        <p:spPr>
+          <a:xfrm>
+            <a:off x="7030016" y="4437784"/>
+            <a:ext cx="0" cy="301163"/>
+          </a:xfrm>
+          <a:prstGeom prst="line">
+            <a:avLst/>
+          </a:prstGeom>
+        </p:spPr>
+        <p:style>
+          <a:lnRef idx="2">
+            <a:schemeClr val="accent1"/>
+          </a:lnRef>
+          <a:fillRef idx="0">
+            <a:schemeClr val="accent1"/>
+          </a:fillRef>
+          <a:effectRef idx="1">
+            <a:schemeClr val="accent1"/>
+          </a:effectRef>
+          <a:fontRef idx="minor">
+            <a:schemeClr val="tx1"/>
+          </a:fontRef>
+        </p:style>
+      </p:cxnSp>
+      <p:cxnSp>
+        <p:nvCxnSpPr>
+          <p:cNvPr id="67" name="Straight Connector 66"/>
+          <p:cNvCxnSpPr/>
+          <p:nvPr/>
+        </p:nvCxnSpPr>
+        <p:spPr>
+          <a:xfrm>
+            <a:off x="7030016" y="4843698"/>
+            <a:ext cx="0" cy="301163"/>
+          </a:xfrm>
+          <a:prstGeom prst="line">
+            <a:avLst/>
+          </a:prstGeom>
+        </p:spPr>
+        <p:style>
+          <a:lnRef idx="2">
+            <a:schemeClr val="accent1"/>
+          </a:lnRef>
+          <a:fillRef idx="0">
+            <a:schemeClr val="accent1"/>
+          </a:fillRef>
+          <a:effectRef idx="1">
+            <a:schemeClr val="accent1"/>
+          </a:effectRef>
+          <a:fontRef idx="minor">
+            <a:schemeClr val="tx1"/>
+          </a:fontRef>
+        </p:style>
+      </p:cxnSp>
+      <p:cxnSp>
+        <p:nvCxnSpPr>
+          <p:cNvPr id="68" name="Straight Connector 67"/>
+          <p:cNvCxnSpPr/>
+          <p:nvPr/>
+        </p:nvCxnSpPr>
+        <p:spPr>
+          <a:xfrm>
+            <a:off x="7034732" y="5254343"/>
+            <a:ext cx="0" cy="301163"/>
+          </a:xfrm>
+          <a:prstGeom prst="line">
+            <a:avLst/>
+          </a:prstGeom>
+        </p:spPr>
+        <p:style>
+          <a:lnRef idx="2">
+            <a:schemeClr val="accent1"/>
+          </a:lnRef>
+          <a:fillRef idx="0">
+            <a:schemeClr val="accent1"/>
+          </a:fillRef>
+          <a:effectRef idx="1">
+            <a:schemeClr val="accent1"/>
+          </a:effectRef>
+          <a:fontRef idx="minor">
+            <a:schemeClr val="tx1"/>
+          </a:fontRef>
+        </p:style>
+      </p:cxnSp>
+      <p:cxnSp>
+        <p:nvCxnSpPr>
+          <p:cNvPr id="69" name="Straight Connector 68"/>
+          <p:cNvCxnSpPr/>
+          <p:nvPr/>
+        </p:nvCxnSpPr>
+        <p:spPr>
+          <a:xfrm>
+            <a:off x="7030016" y="5668623"/>
+            <a:ext cx="0" cy="301163"/>
+          </a:xfrm>
+          <a:prstGeom prst="line">
+            <a:avLst/>
+          </a:prstGeom>
+        </p:spPr>
+        <p:style>
+          <a:lnRef idx="2">
+            <a:schemeClr val="accent1"/>
+          </a:lnRef>
+          <a:fillRef idx="0">
+            <a:schemeClr val="accent1"/>
+          </a:fillRef>
+          <a:effectRef idx="1">
+            <a:schemeClr val="accent1"/>
+          </a:effectRef>
+          <a:fontRef idx="minor">
+            <a:schemeClr val="tx1"/>
+          </a:fontRef>
+        </p:style>
+      </p:cxnSp>
+      <p:cxnSp>
+        <p:nvCxnSpPr>
+          <p:cNvPr id="70" name="Straight Connector 69"/>
+          <p:cNvCxnSpPr/>
+          <p:nvPr/>
+        </p:nvCxnSpPr>
+        <p:spPr>
+          <a:xfrm>
+            <a:off x="7030016" y="6074537"/>
+            <a:ext cx="0" cy="301163"/>
+          </a:xfrm>
+          <a:prstGeom prst="line">
+            <a:avLst/>
+          </a:prstGeom>
+        </p:spPr>
+        <p:style>
+          <a:lnRef idx="2">
+            <a:schemeClr val="accent1"/>
+          </a:lnRef>
+          <a:fillRef idx="0">
+            <a:schemeClr val="accent1"/>
+          </a:fillRef>
+          <a:effectRef idx="1">
+            <a:schemeClr val="accent1"/>
+          </a:effectRef>
+          <a:fontRef idx="minor">
+            <a:schemeClr val="tx1"/>
+          </a:fontRef>
+        </p:style>
+      </p:cxnSp>
+      <p:grpSp>
+        <p:nvGrpSpPr>
+          <p:cNvPr id="29" name="Group 28"/>
+          <p:cNvGrpSpPr/>
+          <p:nvPr/>
+        </p:nvGrpSpPr>
+        <p:grpSpPr>
+          <a:xfrm>
+            <a:off x="1538984" y="943486"/>
+            <a:ext cx="152404" cy="450722"/>
+            <a:chOff x="1204579" y="408211"/>
+            <a:chExt cx="183306" cy="830997"/>
+          </a:xfrm>
+        </p:grpSpPr>
+        <p:sp>
+          <p:nvSpPr>
+            <p:cNvPr id="5" name="Oval 4"/>
+            <p:cNvSpPr/>
+            <p:nvPr/>
+          </p:nvSpPr>
+          <p:spPr>
+            <a:xfrm>
+              <a:off x="1204579" y="408211"/>
+              <a:ext cx="183306" cy="285773"/>
+            </a:xfrm>
+            <a:prstGeom prst="ellipse">
+              <a:avLst/>
+            </a:prstGeom>
+          </p:spPr>
+          <p:style>
+            <a:lnRef idx="1">
+              <a:schemeClr val="accent1"/>
+            </a:lnRef>
+            <a:fillRef idx="3">
+              <a:schemeClr val="accent1"/>
+            </a:fillRef>
+            <a:effectRef idx="2">
+              <a:schemeClr val="accent1"/>
+            </a:effectRef>
+            <a:fontRef idx="minor">
+              <a:schemeClr val="lt1"/>
+            </a:fontRef>
+          </p:style>
+          <p:txBody>
+            <a:bodyPr rtlCol="0" anchor="ctr"/>
+            <a:lstStyle/>
+            <a:p>
+              <a:pPr algn="ctr"/>
+              <a:endParaRPr lang="en-US"/>
+            </a:p>
+          </p:txBody>
+        </p:sp>
+        <p:cxnSp>
+          <p:nvCxnSpPr>
+            <p:cNvPr id="8" name="Straight Connector 7"/>
+            <p:cNvCxnSpPr>
+              <a:stCxn id="5" idx="4"/>
+            </p:cNvCxnSpPr>
+            <p:nvPr/>
+          </p:nvCxnSpPr>
+          <p:spPr>
+            <a:xfrm>
+              <a:off x="1296232" y="693984"/>
+              <a:ext cx="0" cy="274974"/>
+            </a:xfrm>
+            <a:prstGeom prst="line">
+              <a:avLst/>
+            </a:prstGeom>
+          </p:spPr>
+          <p:style>
+            <a:lnRef idx="2">
+              <a:schemeClr val="accent1"/>
+            </a:lnRef>
+            <a:fillRef idx="0">
+              <a:schemeClr val="accent1"/>
+            </a:fillRef>
+            <a:effectRef idx="1">
+              <a:schemeClr val="accent1"/>
+            </a:effectRef>
+            <a:fontRef idx="minor">
+              <a:schemeClr val="tx1"/>
+            </a:fontRef>
+          </p:style>
+        </p:cxnSp>
+        <p:cxnSp>
+          <p:nvCxnSpPr>
+            <p:cNvPr id="10" name="Straight Connector 9"/>
+            <p:cNvCxnSpPr/>
+            <p:nvPr/>
+          </p:nvCxnSpPr>
+          <p:spPr>
+            <a:xfrm flipH="1">
+              <a:off x="1204579" y="968958"/>
+              <a:ext cx="91653" cy="270250"/>
+            </a:xfrm>
+            <a:prstGeom prst="line">
+              <a:avLst/>
+            </a:prstGeom>
+          </p:spPr>
+          <p:style>
+            <a:lnRef idx="2">
+              <a:schemeClr val="accent1"/>
+            </a:lnRef>
+            <a:fillRef idx="0">
+              <a:schemeClr val="accent1"/>
+            </a:fillRef>
+            <a:effectRef idx="1">
+              <a:schemeClr val="accent1"/>
+            </a:effectRef>
+            <a:fontRef idx="minor">
+              <a:schemeClr val="tx1"/>
+            </a:fontRef>
+          </p:style>
+        </p:cxnSp>
+        <p:cxnSp>
+          <p:nvCxnSpPr>
+            <p:cNvPr id="14" name="Straight Connector 13"/>
+            <p:cNvCxnSpPr/>
+            <p:nvPr/>
+          </p:nvCxnSpPr>
+          <p:spPr>
+            <a:xfrm>
+              <a:off x="1296232" y="968958"/>
+              <a:ext cx="91653" cy="270250"/>
+            </a:xfrm>
+            <a:prstGeom prst="line">
+              <a:avLst/>
+            </a:prstGeom>
+          </p:spPr>
+          <p:style>
+            <a:lnRef idx="2">
+              <a:schemeClr val="accent1"/>
+            </a:lnRef>
+            <a:fillRef idx="0">
+              <a:schemeClr val="accent1"/>
+            </a:fillRef>
+            <a:effectRef idx="1">
+              <a:schemeClr val="accent1"/>
+            </a:effectRef>
+            <a:fontRef idx="minor">
+              <a:schemeClr val="tx1"/>
+            </a:fontRef>
+          </p:style>
+        </p:cxnSp>
+        <p:cxnSp>
+          <p:nvCxnSpPr>
+            <p:cNvPr id="20" name="Straight Connector 19"/>
+            <p:cNvCxnSpPr/>
+            <p:nvPr/>
+          </p:nvCxnSpPr>
+          <p:spPr>
+            <a:xfrm flipV="1">
+              <a:off x="1296232" y="785642"/>
+              <a:ext cx="91653" cy="52376"/>
+            </a:xfrm>
+            <a:prstGeom prst="line">
+              <a:avLst/>
+            </a:prstGeom>
+          </p:spPr>
+          <p:style>
+            <a:lnRef idx="2">
+              <a:schemeClr val="accent1"/>
+            </a:lnRef>
+            <a:fillRef idx="0">
+              <a:schemeClr val="accent1"/>
+            </a:fillRef>
+            <a:effectRef idx="1">
+              <a:schemeClr val="accent1"/>
+            </a:effectRef>
+            <a:fontRef idx="minor">
+              <a:schemeClr val="tx1"/>
+            </a:fontRef>
+          </p:style>
+        </p:cxnSp>
+        <p:cxnSp>
+          <p:nvCxnSpPr>
+            <p:cNvPr id="26" name="Straight Connector 25"/>
+            <p:cNvCxnSpPr/>
+            <p:nvPr/>
+          </p:nvCxnSpPr>
+          <p:spPr>
+            <a:xfrm flipH="1" flipV="1">
+              <a:off x="1204579" y="785642"/>
+              <a:ext cx="91653" cy="52376"/>
+            </a:xfrm>
+            <a:prstGeom prst="line">
+              <a:avLst/>
+            </a:prstGeom>
+          </p:spPr>
+          <p:style>
+            <a:lnRef idx="2">
+              <a:schemeClr val="accent1"/>
+            </a:lnRef>
+            <a:fillRef idx="0">
+              <a:schemeClr val="accent1"/>
+            </a:fillRef>
+            <a:effectRef idx="1">
+              <a:schemeClr val="accent1"/>
+            </a:effectRef>
+            <a:fontRef idx="minor">
+              <a:schemeClr val="tx1"/>
+            </a:fontRef>
+          </p:style>
+        </p:cxnSp>
+      </p:grpSp>
+      <p:sp>
+        <p:nvSpPr>
+          <p:cNvPr id="31" name="TextBox 30"/>
+          <p:cNvSpPr txBox="1"/>
+          <p:nvPr/>
+        </p:nvSpPr>
+        <p:spPr>
+          <a:xfrm>
+            <a:off x="6598986" y="1062962"/>
+            <a:ext cx="862060" cy="369332"/>
+          </a:xfrm>
+          <a:prstGeom prst="rect">
+            <a:avLst/>
+          </a:prstGeom>
+          <a:noFill/>
+          <a:ln>
+            <a:solidFill>
+              <a:schemeClr val="tx2">
+                <a:lumMod val="60000"/>
+                <a:lumOff val="40000"/>
+              </a:schemeClr>
+            </a:solidFill>
+          </a:ln>
+        </p:spPr>
+        <p:txBody>
+          <a:bodyPr wrap="none" rtlCol="0">
+            <a:spAutoFit/>
+          </a:bodyPr>
+          <a:lstStyle/>
+          <a:p>
+            <a:r>
+              <a:rPr lang="en-US" dirty="0" smtClean="0">
+                <a:solidFill>
+                  <a:srgbClr val="558ED5"/>
+                </a:solidFill>
+              </a:rPr>
+              <a:t>System</a:t>
+            </a:r>
+            <a:endParaRPr lang="en-US" dirty="0">
+              <a:solidFill>
+                <a:srgbClr val="558ED5"/>
+              </a:solidFill>
+            </a:endParaRPr>
+          </a:p>
+        </p:txBody>
+      </p:sp>
+      <p:grpSp>
+        <p:nvGrpSpPr>
+          <p:cNvPr id="33" name="Group 32"/>
+          <p:cNvGrpSpPr/>
+          <p:nvPr/>
+        </p:nvGrpSpPr>
+        <p:grpSpPr>
+          <a:xfrm rot="5400000">
+            <a:off x="4567366" y="770362"/>
+            <a:ext cx="14151" cy="4822240"/>
+            <a:chOff x="4053128" y="1542910"/>
+            <a:chExt cx="14151" cy="4822240"/>
+          </a:xfrm>
+        </p:grpSpPr>
+        <p:cxnSp>
+          <p:nvCxnSpPr>
+            <p:cNvPr id="71" name="Straight Connector 70"/>
+            <p:cNvCxnSpPr/>
+            <p:nvPr/>
+          </p:nvCxnSpPr>
+          <p:spPr>
+            <a:xfrm>
+              <a:off x="4062563" y="1542910"/>
+              <a:ext cx="0" cy="301163"/>
+            </a:xfrm>
+            <a:prstGeom prst="line">
+              <a:avLst/>
+            </a:prstGeom>
+          </p:spPr>
+          <p:style>
+            <a:lnRef idx="2">
+              <a:schemeClr val="accent1"/>
+            </a:lnRef>
+            <a:fillRef idx="0">
+              <a:schemeClr val="accent1"/>
+            </a:fillRef>
+            <a:effectRef idx="1">
+              <a:schemeClr val="accent1"/>
+            </a:effectRef>
+            <a:fontRef idx="minor">
+              <a:schemeClr val="tx1"/>
+            </a:fontRef>
+          </p:style>
+        </p:cxnSp>
+        <p:cxnSp>
+          <p:nvCxnSpPr>
+            <p:cNvPr id="72" name="Straight Connector 71"/>
+            <p:cNvCxnSpPr/>
+            <p:nvPr/>
+          </p:nvCxnSpPr>
+          <p:spPr>
+            <a:xfrm>
+              <a:off x="4057847" y="1957190"/>
+              <a:ext cx="0" cy="301163"/>
+            </a:xfrm>
+            <a:prstGeom prst="line">
+              <a:avLst/>
+            </a:prstGeom>
+          </p:spPr>
+          <p:style>
+            <a:lnRef idx="2">
+              <a:schemeClr val="accent1"/>
+            </a:lnRef>
+            <a:fillRef idx="0">
+              <a:schemeClr val="accent1"/>
+            </a:fillRef>
+            <a:effectRef idx="1">
+              <a:schemeClr val="accent1"/>
+            </a:effectRef>
+            <a:fontRef idx="minor">
+              <a:schemeClr val="tx1"/>
+            </a:fontRef>
+          </p:style>
+        </p:cxnSp>
+        <p:cxnSp>
+          <p:nvCxnSpPr>
+            <p:cNvPr id="73" name="Straight Connector 72"/>
+            <p:cNvCxnSpPr/>
+            <p:nvPr/>
+          </p:nvCxnSpPr>
+          <p:spPr>
+            <a:xfrm>
+              <a:off x="4057847" y="2363104"/>
+              <a:ext cx="0" cy="301163"/>
+            </a:xfrm>
+            <a:prstGeom prst="line">
+              <a:avLst/>
+            </a:prstGeom>
+          </p:spPr>
+          <p:style>
+            <a:lnRef idx="2">
+              <a:schemeClr val="accent1"/>
+            </a:lnRef>
+            <a:fillRef idx="0">
+              <a:schemeClr val="accent1"/>
+            </a:fillRef>
+            <a:effectRef idx="1">
+              <a:schemeClr val="accent1"/>
+            </a:effectRef>
+            <a:fontRef idx="minor">
+              <a:schemeClr val="tx1"/>
+            </a:fontRef>
+          </p:style>
+        </p:cxnSp>
+        <p:cxnSp>
+          <p:nvCxnSpPr>
+            <p:cNvPr id="74" name="Straight Connector 73"/>
+            <p:cNvCxnSpPr/>
+            <p:nvPr/>
+          </p:nvCxnSpPr>
+          <p:spPr>
+            <a:xfrm>
+              <a:off x="4067279" y="2769021"/>
+              <a:ext cx="0" cy="301163"/>
+            </a:xfrm>
+            <a:prstGeom prst="line">
+              <a:avLst/>
+            </a:prstGeom>
+          </p:spPr>
+          <p:style>
+            <a:lnRef idx="2">
+              <a:schemeClr val="accent1"/>
+            </a:lnRef>
+            <a:fillRef idx="0">
+              <a:schemeClr val="accent1"/>
+            </a:fillRef>
+            <a:effectRef idx="1">
+              <a:schemeClr val="accent1"/>
+            </a:effectRef>
+            <a:fontRef idx="minor">
+              <a:schemeClr val="tx1"/>
+            </a:fontRef>
+          </p:style>
+        </p:cxnSp>
+        <p:cxnSp>
+          <p:nvCxnSpPr>
+            <p:cNvPr id="75" name="Straight Connector 74"/>
+            <p:cNvCxnSpPr/>
+            <p:nvPr/>
+          </p:nvCxnSpPr>
+          <p:spPr>
+            <a:xfrm>
+              <a:off x="4062563" y="3183301"/>
+              <a:ext cx="0" cy="301163"/>
+            </a:xfrm>
+            <a:prstGeom prst="line">
+              <a:avLst/>
+            </a:prstGeom>
+          </p:spPr>
+          <p:style>
+            <a:lnRef idx="2">
+              <a:schemeClr val="accent1"/>
+            </a:lnRef>
+            <a:fillRef idx="0">
+              <a:schemeClr val="accent1"/>
+            </a:fillRef>
+            <a:effectRef idx="1">
+              <a:schemeClr val="accent1"/>
+            </a:effectRef>
+            <a:fontRef idx="minor">
+              <a:schemeClr val="tx1"/>
+            </a:fontRef>
+          </p:style>
+        </p:cxnSp>
+        <p:cxnSp>
+          <p:nvCxnSpPr>
+            <p:cNvPr id="76" name="Straight Connector 75"/>
+            <p:cNvCxnSpPr/>
+            <p:nvPr/>
+          </p:nvCxnSpPr>
+          <p:spPr>
+            <a:xfrm>
+              <a:off x="4062563" y="3589215"/>
+              <a:ext cx="0" cy="301163"/>
+            </a:xfrm>
+            <a:prstGeom prst="line">
+              <a:avLst/>
+            </a:prstGeom>
+          </p:spPr>
+          <p:style>
+            <a:lnRef idx="2">
+              <a:schemeClr val="accent1"/>
+            </a:lnRef>
+            <a:fillRef idx="0">
+              <a:schemeClr val="accent1"/>
+            </a:fillRef>
+            <a:effectRef idx="1">
+              <a:schemeClr val="accent1"/>
+            </a:effectRef>
+            <a:fontRef idx="minor">
+              <a:schemeClr val="tx1"/>
+            </a:fontRef>
+          </p:style>
+        </p:cxnSp>
+        <p:cxnSp>
+          <p:nvCxnSpPr>
+            <p:cNvPr id="77" name="Straight Connector 76"/>
+            <p:cNvCxnSpPr/>
+            <p:nvPr/>
+          </p:nvCxnSpPr>
+          <p:spPr>
+            <a:xfrm>
+              <a:off x="4057844" y="4012954"/>
+              <a:ext cx="0" cy="301163"/>
+            </a:xfrm>
+            <a:prstGeom prst="line">
+              <a:avLst/>
+            </a:prstGeom>
+          </p:spPr>
+          <p:style>
+            <a:lnRef idx="2">
+              <a:schemeClr val="accent1"/>
+            </a:lnRef>
+            <a:fillRef idx="0">
+              <a:schemeClr val="accent1"/>
+            </a:fillRef>
+            <a:effectRef idx="1">
+              <a:schemeClr val="accent1"/>
+            </a:effectRef>
+            <a:fontRef idx="minor">
+              <a:schemeClr val="tx1"/>
+            </a:fontRef>
+          </p:style>
+        </p:cxnSp>
+        <p:cxnSp>
+          <p:nvCxnSpPr>
+            <p:cNvPr id="78" name="Straight Connector 77"/>
+            <p:cNvCxnSpPr/>
+            <p:nvPr/>
+          </p:nvCxnSpPr>
+          <p:spPr>
+            <a:xfrm>
+              <a:off x="4053128" y="4427234"/>
+              <a:ext cx="0" cy="301163"/>
+            </a:xfrm>
+            <a:prstGeom prst="line">
+              <a:avLst/>
+            </a:prstGeom>
+          </p:spPr>
+          <p:style>
+            <a:lnRef idx="2">
+              <a:schemeClr val="accent1"/>
+            </a:lnRef>
+            <a:fillRef idx="0">
+              <a:schemeClr val="accent1"/>
+            </a:fillRef>
+            <a:effectRef idx="1">
+              <a:schemeClr val="accent1"/>
+            </a:effectRef>
+            <a:fontRef idx="minor">
+              <a:schemeClr val="tx1"/>
+            </a:fontRef>
+          </p:style>
+        </p:cxnSp>
+        <p:cxnSp>
+          <p:nvCxnSpPr>
+            <p:cNvPr id="79" name="Straight Connector 78"/>
+            <p:cNvCxnSpPr/>
+            <p:nvPr/>
+          </p:nvCxnSpPr>
+          <p:spPr>
+            <a:xfrm>
+              <a:off x="4053128" y="4833148"/>
+              <a:ext cx="0" cy="301163"/>
+            </a:xfrm>
+            <a:prstGeom prst="line">
+              <a:avLst/>
+            </a:prstGeom>
+          </p:spPr>
+          <p:style>
+            <a:lnRef idx="2">
+              <a:schemeClr val="accent1"/>
+            </a:lnRef>
+            <a:fillRef idx="0">
+              <a:schemeClr val="accent1"/>
+            </a:fillRef>
+            <a:effectRef idx="1">
+              <a:schemeClr val="accent1"/>
+            </a:effectRef>
+            <a:fontRef idx="minor">
+              <a:schemeClr val="tx1"/>
+            </a:fontRef>
+          </p:style>
+        </p:cxnSp>
+        <p:cxnSp>
+          <p:nvCxnSpPr>
+            <p:cNvPr id="80" name="Straight Connector 79"/>
+            <p:cNvCxnSpPr/>
+            <p:nvPr/>
+          </p:nvCxnSpPr>
+          <p:spPr>
+            <a:xfrm>
+              <a:off x="4057844" y="5243793"/>
+              <a:ext cx="0" cy="301163"/>
+            </a:xfrm>
+            <a:prstGeom prst="line">
+              <a:avLst/>
+            </a:prstGeom>
+          </p:spPr>
+          <p:style>
+            <a:lnRef idx="2">
+              <a:schemeClr val="accent1"/>
+            </a:lnRef>
+            <a:fillRef idx="0">
+              <a:schemeClr val="accent1"/>
+            </a:fillRef>
+            <a:effectRef idx="1">
+              <a:schemeClr val="accent1"/>
+            </a:effectRef>
+            <a:fontRef idx="minor">
+              <a:schemeClr val="tx1"/>
+            </a:fontRef>
+          </p:style>
+        </p:cxnSp>
+        <p:cxnSp>
+          <p:nvCxnSpPr>
+            <p:cNvPr id="81" name="Straight Connector 80"/>
+            <p:cNvCxnSpPr/>
+            <p:nvPr/>
+          </p:nvCxnSpPr>
+          <p:spPr>
+            <a:xfrm>
+              <a:off x="4053128" y="5658073"/>
+              <a:ext cx="0" cy="301163"/>
+            </a:xfrm>
+            <a:prstGeom prst="line">
+              <a:avLst/>
+            </a:prstGeom>
+          </p:spPr>
+          <p:style>
+            <a:lnRef idx="2">
+              <a:schemeClr val="accent1"/>
+            </a:lnRef>
+            <a:fillRef idx="0">
+              <a:schemeClr val="accent1"/>
+            </a:fillRef>
+            <a:effectRef idx="1">
+              <a:schemeClr val="accent1"/>
+            </a:effectRef>
+            <a:fontRef idx="minor">
+              <a:schemeClr val="tx1"/>
+            </a:fontRef>
+          </p:style>
+        </p:cxnSp>
+        <p:cxnSp>
+          <p:nvCxnSpPr>
+            <p:cNvPr id="82" name="Straight Connector 81"/>
+            <p:cNvCxnSpPr/>
+            <p:nvPr/>
+          </p:nvCxnSpPr>
+          <p:spPr>
+            <a:xfrm>
+              <a:off x="4053128" y="6063987"/>
+              <a:ext cx="0" cy="301163"/>
+            </a:xfrm>
+            <a:prstGeom prst="line">
+              <a:avLst/>
+            </a:prstGeom>
+          </p:spPr>
+          <p:style>
+            <a:lnRef idx="2">
+              <a:schemeClr val="accent1"/>
+            </a:lnRef>
+            <a:fillRef idx="0">
+              <a:schemeClr val="accent1"/>
+            </a:fillRef>
+            <a:effectRef idx="1">
+              <a:schemeClr val="accent1"/>
+            </a:effectRef>
+            <a:fontRef idx="minor">
+              <a:schemeClr val="tx1"/>
+            </a:fontRef>
+          </p:style>
+        </p:cxnSp>
+      </p:grpSp>
+      <p:cxnSp>
+        <p:nvCxnSpPr>
+          <p:cNvPr id="97" name="Straight Arrow Connector 96"/>
+          <p:cNvCxnSpPr/>
+          <p:nvPr/>
+        </p:nvCxnSpPr>
+        <p:spPr>
+          <a:xfrm flipH="1">
+            <a:off x="1615186" y="3174406"/>
+            <a:ext cx="414268" cy="0"/>
+          </a:xfrm>
+          <a:prstGeom prst="straightConnector1">
+            <a:avLst/>
+          </a:prstGeom>
+          <a:ln>
+            <a:tailEnd type="arrow"/>
+          </a:ln>
+        </p:spPr>
+        <p:style>
+          <a:lnRef idx="2">
+            <a:schemeClr val="accent1"/>
+          </a:lnRef>
+          <a:fillRef idx="0">
+            <a:schemeClr val="accent1"/>
+          </a:fillRef>
+          <a:effectRef idx="1">
+            <a:schemeClr val="accent1"/>
+          </a:effectRef>
+          <a:fontRef idx="minor">
+            <a:schemeClr val="tx1"/>
+          </a:fontRef>
+        </p:style>
+      </p:cxnSp>
+      <p:cxnSp>
+        <p:nvCxnSpPr>
+          <p:cNvPr id="100" name="Straight Arrow Connector 99"/>
+          <p:cNvCxnSpPr/>
+          <p:nvPr/>
+        </p:nvCxnSpPr>
+        <p:spPr>
+          <a:xfrm>
+            <a:off x="1615186" y="2095045"/>
+            <a:ext cx="5428981" cy="39282"/>
+          </a:xfrm>
+          <a:prstGeom prst="straightConnector1">
+            <a:avLst/>
+          </a:prstGeom>
+          <a:ln>
+            <a:tailEnd type="arrow"/>
+          </a:ln>
+        </p:spPr>
+        <p:style>
+          <a:lnRef idx="2">
+            <a:schemeClr val="accent1"/>
+          </a:lnRef>
+          <a:fillRef idx="0">
+            <a:schemeClr val="accent1"/>
+          </a:fillRef>
+          <a:effectRef idx="1">
+            <a:schemeClr val="accent1"/>
+          </a:effectRef>
+          <a:fontRef idx="minor">
+            <a:schemeClr val="tx1"/>
+          </a:fontRef>
+        </p:style>
+      </p:cxnSp>
+      <p:sp>
+        <p:nvSpPr>
+          <p:cNvPr id="103" name="TextBox 102"/>
+          <p:cNvSpPr txBox="1"/>
+          <p:nvPr/>
+        </p:nvSpPr>
+        <p:spPr>
+          <a:xfrm>
+            <a:off x="3394160" y="1682230"/>
+            <a:ext cx="1732979" cy="369332"/>
+          </a:xfrm>
+          <a:prstGeom prst="rect">
+            <a:avLst/>
+          </a:prstGeom>
+          <a:noFill/>
+        </p:spPr>
+        <p:txBody>
+          <a:bodyPr wrap="none" rtlCol="0">
+            <a:spAutoFit/>
+          </a:bodyPr>
+          <a:lstStyle/>
+          <a:p>
+            <a:r>
+              <a:rPr lang="en-US" dirty="0" err="1" smtClean="0"/>
+              <a:t>editPath</a:t>
+            </a:r>
+            <a:r>
+              <a:rPr lang="en-US" dirty="0" smtClean="0"/>
+              <a:t>(</a:t>
+            </a:r>
+            <a:r>
+              <a:rPr lang="en-US" dirty="0" err="1" smtClean="0"/>
+              <a:t>roadId</a:t>
+            </a:r>
+            <a:r>
+              <a:rPr lang="en-US" dirty="0" smtClean="0"/>
+              <a:t>)</a:t>
+            </a:r>
+            <a:endParaRPr lang="en-US" dirty="0"/>
+          </a:p>
+        </p:txBody>
+      </p:sp>
+      <p:sp>
+        <p:nvSpPr>
+          <p:cNvPr id="86" name="TextBox 85"/>
+          <p:cNvSpPr txBox="1"/>
+          <p:nvPr/>
+        </p:nvSpPr>
+        <p:spPr>
+          <a:xfrm>
+            <a:off x="2038870" y="2454587"/>
+            <a:ext cx="4388946" cy="646331"/>
+          </a:xfrm>
+          <a:prstGeom prst="rect">
+            <a:avLst/>
+          </a:prstGeom>
+          <a:noFill/>
+        </p:spPr>
+        <p:txBody>
+          <a:bodyPr wrap="square" rtlCol="0">
+            <a:spAutoFit/>
+          </a:bodyPr>
+          <a:lstStyle/>
+          <a:p>
+            <a:r>
+              <a:rPr lang="en-US" dirty="0" smtClean="0"/>
+              <a:t>Returns road, </a:t>
+            </a:r>
+            <a:r>
+              <a:rPr lang="en-US" dirty="0" err="1"/>
+              <a:t>d</a:t>
+            </a:r>
+            <a:r>
+              <a:rPr lang="en-US" dirty="0" err="1" smtClean="0"/>
+              <a:t>aysString</a:t>
+            </a:r>
+            <a:r>
+              <a:rPr lang="en-US" dirty="0" smtClean="0"/>
+              <a:t>,  </a:t>
+            </a:r>
+            <a:r>
+              <a:rPr lang="en-US" dirty="0" err="1" smtClean="0"/>
+              <a:t>mileStart</a:t>
+            </a:r>
+            <a:r>
+              <a:rPr lang="en-US" dirty="0" smtClean="0"/>
+              <a:t>, </a:t>
+            </a:r>
+            <a:r>
+              <a:rPr lang="en-US" dirty="0" err="1" smtClean="0"/>
+              <a:t>mileEnd</a:t>
+            </a:r>
+            <a:r>
+              <a:rPr lang="en-US" dirty="0" smtClean="0"/>
+              <a:t>, </a:t>
+            </a:r>
+            <a:r>
+              <a:rPr lang="en-US" dirty="0" err="1" smtClean="0"/>
+              <a:t>timeStart</a:t>
+            </a:r>
+            <a:r>
+              <a:rPr lang="en-US" dirty="0" smtClean="0"/>
+              <a:t>, </a:t>
+            </a:r>
+            <a:r>
+              <a:rPr lang="en-US" dirty="0" err="1" smtClean="0"/>
+              <a:t>timeEnd</a:t>
+            </a:r>
+            <a:r>
+              <a:rPr lang="en-US" dirty="0" smtClean="0"/>
+              <a:t>, </a:t>
+            </a:r>
+            <a:r>
+              <a:rPr lang="en-US" dirty="0" err="1" smtClean="0"/>
+              <a:t>roadId</a:t>
+            </a:r>
+            <a:r>
+              <a:rPr lang="en-US" dirty="0" smtClean="0"/>
+              <a:t>  </a:t>
+            </a:r>
+            <a:endParaRPr lang="en-US" dirty="0"/>
+          </a:p>
+        </p:txBody>
+      </p:sp>
+      <p:grpSp>
+        <p:nvGrpSpPr>
+          <p:cNvPr id="87" name="Group 86"/>
+          <p:cNvGrpSpPr/>
+          <p:nvPr/>
+        </p:nvGrpSpPr>
+        <p:grpSpPr>
+          <a:xfrm rot="5400000">
+            <a:off x="4579464" y="3756805"/>
+            <a:ext cx="14151" cy="4822240"/>
+            <a:chOff x="4053128" y="1542910"/>
+            <a:chExt cx="14151" cy="4822240"/>
+          </a:xfrm>
+        </p:grpSpPr>
+        <p:cxnSp>
+          <p:nvCxnSpPr>
+            <p:cNvPr id="88" name="Straight Connector 87"/>
+            <p:cNvCxnSpPr/>
+            <p:nvPr/>
+          </p:nvCxnSpPr>
+          <p:spPr>
+            <a:xfrm>
+              <a:off x="4062563" y="1542910"/>
+              <a:ext cx="0" cy="301163"/>
+            </a:xfrm>
+            <a:prstGeom prst="line">
+              <a:avLst/>
+            </a:prstGeom>
+          </p:spPr>
+          <p:style>
+            <a:lnRef idx="2">
+              <a:schemeClr val="accent1"/>
+            </a:lnRef>
+            <a:fillRef idx="0">
+              <a:schemeClr val="accent1"/>
+            </a:fillRef>
+            <a:effectRef idx="1">
+              <a:schemeClr val="accent1"/>
+            </a:effectRef>
+            <a:fontRef idx="minor">
+              <a:schemeClr val="tx1"/>
+            </a:fontRef>
+          </p:style>
+        </p:cxnSp>
+        <p:cxnSp>
+          <p:nvCxnSpPr>
+            <p:cNvPr id="89" name="Straight Connector 88"/>
+            <p:cNvCxnSpPr/>
+            <p:nvPr/>
+          </p:nvCxnSpPr>
+          <p:spPr>
+            <a:xfrm>
+              <a:off x="4057847" y="1957190"/>
+              <a:ext cx="0" cy="301163"/>
+            </a:xfrm>
+            <a:prstGeom prst="line">
+              <a:avLst/>
+            </a:prstGeom>
+          </p:spPr>
+          <p:style>
+            <a:lnRef idx="2">
+              <a:schemeClr val="accent1"/>
+            </a:lnRef>
+            <a:fillRef idx="0">
+              <a:schemeClr val="accent1"/>
+            </a:fillRef>
+            <a:effectRef idx="1">
+              <a:schemeClr val="accent1"/>
+            </a:effectRef>
+            <a:fontRef idx="minor">
+              <a:schemeClr val="tx1"/>
+            </a:fontRef>
+          </p:style>
+        </p:cxnSp>
+        <p:cxnSp>
+          <p:nvCxnSpPr>
+            <p:cNvPr id="90" name="Straight Connector 89"/>
+            <p:cNvCxnSpPr/>
+            <p:nvPr/>
+          </p:nvCxnSpPr>
+          <p:spPr>
+            <a:xfrm>
+              <a:off x="4057847" y="2363104"/>
+              <a:ext cx="0" cy="301163"/>
+            </a:xfrm>
+            <a:prstGeom prst="line">
+              <a:avLst/>
+            </a:prstGeom>
+          </p:spPr>
+          <p:style>
+            <a:lnRef idx="2">
+              <a:schemeClr val="accent1"/>
+            </a:lnRef>
+            <a:fillRef idx="0">
+              <a:schemeClr val="accent1"/>
+            </a:fillRef>
+            <a:effectRef idx="1">
+              <a:schemeClr val="accent1"/>
+            </a:effectRef>
+            <a:fontRef idx="minor">
+              <a:schemeClr val="tx1"/>
+            </a:fontRef>
+          </p:style>
+        </p:cxnSp>
+        <p:cxnSp>
+          <p:nvCxnSpPr>
+            <p:cNvPr id="91" name="Straight Connector 90"/>
+            <p:cNvCxnSpPr/>
+            <p:nvPr/>
+          </p:nvCxnSpPr>
+          <p:spPr>
+            <a:xfrm>
+              <a:off x="4067279" y="2769021"/>
+              <a:ext cx="0" cy="301163"/>
+            </a:xfrm>
+            <a:prstGeom prst="line">
+              <a:avLst/>
+            </a:prstGeom>
+          </p:spPr>
+          <p:style>
+            <a:lnRef idx="2">
+              <a:schemeClr val="accent1"/>
+            </a:lnRef>
+            <a:fillRef idx="0">
+              <a:schemeClr val="accent1"/>
+            </a:fillRef>
+            <a:effectRef idx="1">
+              <a:schemeClr val="accent1"/>
+            </a:effectRef>
+            <a:fontRef idx="minor">
+              <a:schemeClr val="tx1"/>
+            </a:fontRef>
+          </p:style>
+        </p:cxnSp>
+        <p:cxnSp>
+          <p:nvCxnSpPr>
+            <p:cNvPr id="92" name="Straight Connector 91"/>
+            <p:cNvCxnSpPr/>
+            <p:nvPr/>
+          </p:nvCxnSpPr>
+          <p:spPr>
+            <a:xfrm>
+              <a:off x="4062563" y="3183301"/>
+              <a:ext cx="0" cy="301163"/>
+            </a:xfrm>
+            <a:prstGeom prst="line">
+              <a:avLst/>
+            </a:prstGeom>
+          </p:spPr>
+          <p:style>
+            <a:lnRef idx="2">
+              <a:schemeClr val="accent1"/>
+            </a:lnRef>
+            <a:fillRef idx="0">
+              <a:schemeClr val="accent1"/>
+            </a:fillRef>
+            <a:effectRef idx="1">
+              <a:schemeClr val="accent1"/>
+            </a:effectRef>
+            <a:fontRef idx="minor">
+              <a:schemeClr val="tx1"/>
+            </a:fontRef>
+          </p:style>
+        </p:cxnSp>
+        <p:cxnSp>
+          <p:nvCxnSpPr>
+            <p:cNvPr id="93" name="Straight Connector 92"/>
+            <p:cNvCxnSpPr/>
+            <p:nvPr/>
+          </p:nvCxnSpPr>
+          <p:spPr>
+            <a:xfrm>
+              <a:off x="4062563" y="3589215"/>
+              <a:ext cx="0" cy="301163"/>
+            </a:xfrm>
+            <a:prstGeom prst="line">
+              <a:avLst/>
+            </a:prstGeom>
+          </p:spPr>
+          <p:style>
+            <a:lnRef idx="2">
+              <a:schemeClr val="accent1"/>
+            </a:lnRef>
+            <a:fillRef idx="0">
+              <a:schemeClr val="accent1"/>
+            </a:fillRef>
+            <a:effectRef idx="1">
+              <a:schemeClr val="accent1"/>
+            </a:effectRef>
+            <a:fontRef idx="minor">
+              <a:schemeClr val="tx1"/>
+            </a:fontRef>
+          </p:style>
+        </p:cxnSp>
+        <p:cxnSp>
+          <p:nvCxnSpPr>
+            <p:cNvPr id="94" name="Straight Connector 93"/>
+            <p:cNvCxnSpPr/>
+            <p:nvPr/>
+          </p:nvCxnSpPr>
+          <p:spPr>
+            <a:xfrm>
+              <a:off x="4057844" y="4012954"/>
+              <a:ext cx="0" cy="301163"/>
+            </a:xfrm>
+            <a:prstGeom prst="line">
+              <a:avLst/>
+            </a:prstGeom>
+          </p:spPr>
+          <p:style>
+            <a:lnRef idx="2">
+              <a:schemeClr val="accent1"/>
+            </a:lnRef>
+            <a:fillRef idx="0">
+              <a:schemeClr val="accent1"/>
+            </a:fillRef>
+            <a:effectRef idx="1">
+              <a:schemeClr val="accent1"/>
+            </a:effectRef>
+            <a:fontRef idx="minor">
+              <a:schemeClr val="tx1"/>
+            </a:fontRef>
+          </p:style>
+        </p:cxnSp>
+        <p:cxnSp>
+          <p:nvCxnSpPr>
+            <p:cNvPr id="95" name="Straight Connector 94"/>
+            <p:cNvCxnSpPr/>
+            <p:nvPr/>
+          </p:nvCxnSpPr>
+          <p:spPr>
+            <a:xfrm>
+              <a:off x="4053128" y="4427234"/>
+              <a:ext cx="0" cy="301163"/>
+            </a:xfrm>
+            <a:prstGeom prst="line">
+              <a:avLst/>
+            </a:prstGeom>
+          </p:spPr>
+          <p:style>
+            <a:lnRef idx="2">
+              <a:schemeClr val="accent1"/>
+            </a:lnRef>
+            <a:fillRef idx="0">
+              <a:schemeClr val="accent1"/>
+            </a:fillRef>
+            <a:effectRef idx="1">
+              <a:schemeClr val="accent1"/>
+            </a:effectRef>
+            <a:fontRef idx="minor">
+              <a:schemeClr val="tx1"/>
+            </a:fontRef>
+          </p:style>
+        </p:cxnSp>
+        <p:cxnSp>
+          <p:nvCxnSpPr>
+            <p:cNvPr id="96" name="Straight Connector 95"/>
+            <p:cNvCxnSpPr/>
+            <p:nvPr/>
+          </p:nvCxnSpPr>
+          <p:spPr>
+            <a:xfrm>
+              <a:off x="4053128" y="4833148"/>
+              <a:ext cx="0" cy="301163"/>
+            </a:xfrm>
+            <a:prstGeom prst="line">
+              <a:avLst/>
+            </a:prstGeom>
+          </p:spPr>
+          <p:style>
+            <a:lnRef idx="2">
+              <a:schemeClr val="accent1"/>
+            </a:lnRef>
+            <a:fillRef idx="0">
+              <a:schemeClr val="accent1"/>
+            </a:fillRef>
+            <a:effectRef idx="1">
+              <a:schemeClr val="accent1"/>
+            </a:effectRef>
+            <a:fontRef idx="minor">
+              <a:schemeClr val="tx1"/>
+            </a:fontRef>
+          </p:style>
+        </p:cxnSp>
+        <p:cxnSp>
+          <p:nvCxnSpPr>
+            <p:cNvPr id="98" name="Straight Connector 97"/>
+            <p:cNvCxnSpPr/>
+            <p:nvPr/>
+          </p:nvCxnSpPr>
+          <p:spPr>
+            <a:xfrm>
+              <a:off x="4057844" y="5243793"/>
+              <a:ext cx="0" cy="301163"/>
+            </a:xfrm>
+            <a:prstGeom prst="line">
+              <a:avLst/>
+            </a:prstGeom>
+          </p:spPr>
+          <p:style>
+            <a:lnRef idx="2">
+              <a:schemeClr val="accent1"/>
+            </a:lnRef>
+            <a:fillRef idx="0">
+              <a:schemeClr val="accent1"/>
+            </a:fillRef>
+            <a:effectRef idx="1">
+              <a:schemeClr val="accent1"/>
+            </a:effectRef>
+            <a:fontRef idx="minor">
+              <a:schemeClr val="tx1"/>
+            </a:fontRef>
+          </p:style>
+        </p:cxnSp>
+        <p:cxnSp>
+          <p:nvCxnSpPr>
+            <p:cNvPr id="99" name="Straight Connector 98"/>
+            <p:cNvCxnSpPr/>
+            <p:nvPr/>
+          </p:nvCxnSpPr>
+          <p:spPr>
+            <a:xfrm>
+              <a:off x="4053128" y="5658073"/>
+              <a:ext cx="0" cy="301163"/>
+            </a:xfrm>
+            <a:prstGeom prst="line">
+              <a:avLst/>
+            </a:prstGeom>
+          </p:spPr>
+          <p:style>
+            <a:lnRef idx="2">
+              <a:schemeClr val="accent1"/>
+            </a:lnRef>
+            <a:fillRef idx="0">
+              <a:schemeClr val="accent1"/>
+            </a:fillRef>
+            <a:effectRef idx="1">
+              <a:schemeClr val="accent1"/>
+            </a:effectRef>
+            <a:fontRef idx="minor">
+              <a:schemeClr val="tx1"/>
+            </a:fontRef>
+          </p:style>
+        </p:cxnSp>
+        <p:cxnSp>
+          <p:nvCxnSpPr>
+            <p:cNvPr id="101" name="Straight Connector 100"/>
+            <p:cNvCxnSpPr/>
+            <p:nvPr/>
+          </p:nvCxnSpPr>
+          <p:spPr>
+            <a:xfrm>
+              <a:off x="4053128" y="6063987"/>
+              <a:ext cx="0" cy="301163"/>
+            </a:xfrm>
+            <a:prstGeom prst="line">
+              <a:avLst/>
+            </a:prstGeom>
+          </p:spPr>
+          <p:style>
+            <a:lnRef idx="2">
+              <a:schemeClr val="accent1"/>
+            </a:lnRef>
+            <a:fillRef idx="0">
+              <a:schemeClr val="accent1"/>
+            </a:fillRef>
+            <a:effectRef idx="1">
+              <a:schemeClr val="accent1"/>
+            </a:effectRef>
+            <a:fontRef idx="minor">
+              <a:schemeClr val="tx1"/>
+            </a:fontRef>
+          </p:style>
+        </p:cxnSp>
+      </p:grpSp>
+      <p:cxnSp>
+        <p:nvCxnSpPr>
+          <p:cNvPr id="102" name="Straight Arrow Connector 101"/>
+          <p:cNvCxnSpPr/>
+          <p:nvPr/>
+        </p:nvCxnSpPr>
+        <p:spPr>
+          <a:xfrm flipH="1">
+            <a:off x="1627284" y="6160849"/>
+            <a:ext cx="414268" cy="0"/>
+          </a:xfrm>
+          <a:prstGeom prst="straightConnector1">
+            <a:avLst/>
+          </a:prstGeom>
+          <a:ln>
+            <a:tailEnd type="arrow"/>
+          </a:ln>
+        </p:spPr>
+        <p:style>
+          <a:lnRef idx="2">
+            <a:schemeClr val="accent1"/>
+          </a:lnRef>
+          <a:fillRef idx="0">
+            <a:schemeClr val="accent1"/>
+          </a:fillRef>
+          <a:effectRef idx="1">
+            <a:schemeClr val="accent1"/>
+          </a:effectRef>
+          <a:fontRef idx="minor">
+            <a:schemeClr val="tx1"/>
+          </a:fontRef>
+        </p:style>
+      </p:cxnSp>
+      <p:cxnSp>
+        <p:nvCxnSpPr>
+          <p:cNvPr id="104" name="Straight Arrow Connector 103"/>
+          <p:cNvCxnSpPr/>
+          <p:nvPr/>
+        </p:nvCxnSpPr>
+        <p:spPr>
+          <a:xfrm>
+            <a:off x="1607170" y="4222825"/>
+            <a:ext cx="5428981" cy="39282"/>
+          </a:xfrm>
+          <a:prstGeom prst="straightConnector1">
+            <a:avLst/>
+          </a:prstGeom>
+          <a:ln>
+            <a:tailEnd type="arrow"/>
+          </a:ln>
+        </p:spPr>
+        <p:style>
+          <a:lnRef idx="2">
+            <a:schemeClr val="accent1"/>
+          </a:lnRef>
+          <a:fillRef idx="0">
+            <a:schemeClr val="accent1"/>
+          </a:fillRef>
+          <a:effectRef idx="1">
+            <a:schemeClr val="accent1"/>
+          </a:effectRef>
+          <a:fontRef idx="minor">
+            <a:schemeClr val="tx1"/>
+          </a:fontRef>
+        </p:style>
+      </p:cxnSp>
+      <p:sp>
+        <p:nvSpPr>
+          <p:cNvPr id="105" name="TextBox 104"/>
+          <p:cNvSpPr txBox="1"/>
+          <p:nvPr/>
+        </p:nvSpPr>
+        <p:spPr>
+          <a:xfrm>
+            <a:off x="2078397" y="3829786"/>
+            <a:ext cx="4349420" cy="369332"/>
+          </a:xfrm>
+          <a:prstGeom prst="rect">
+            <a:avLst/>
+          </a:prstGeom>
+          <a:noFill/>
+        </p:spPr>
+        <p:txBody>
+          <a:bodyPr wrap="square" rtlCol="0">
+            <a:spAutoFit/>
+          </a:bodyPr>
+          <a:lstStyle/>
+          <a:p>
+            <a:r>
+              <a:rPr lang="en-US" dirty="0" err="1" smtClean="0"/>
+              <a:t>editPathCancel</a:t>
+            </a:r>
+            <a:r>
+              <a:rPr lang="en-US" dirty="0" smtClean="0"/>
+              <a:t>(</a:t>
+            </a:r>
+            <a:r>
+              <a:rPr lang="en-US" dirty="0" smtClean="0"/>
+              <a:t>)</a:t>
+            </a:r>
+            <a:endParaRPr lang="en-US" dirty="0"/>
+          </a:p>
+        </p:txBody>
+      </p:sp>
+      <p:sp>
+        <p:nvSpPr>
+          <p:cNvPr id="107" name="Rectangle 106"/>
+          <p:cNvSpPr/>
+          <p:nvPr/>
+        </p:nvSpPr>
+        <p:spPr>
+          <a:xfrm>
+            <a:off x="773030" y="5068049"/>
+            <a:ext cx="7096542" cy="1485916"/>
+          </a:xfrm>
+          <a:prstGeom prst="rect">
+            <a:avLst/>
+          </a:prstGeom>
+          <a:gradFill flip="none" rotWithShape="1">
+            <a:gsLst>
+              <a:gs pos="0">
+                <a:schemeClr val="accent1">
+                  <a:tint val="100000"/>
+                  <a:shade val="100000"/>
+                  <a:satMod val="130000"/>
+                  <a:alpha val="0"/>
+                </a:schemeClr>
+              </a:gs>
+              <a:gs pos="100000">
+                <a:schemeClr val="accent1">
+                  <a:tint val="50000"/>
+                  <a:shade val="100000"/>
+                  <a:satMod val="350000"/>
+                  <a:alpha val="0"/>
+                </a:schemeClr>
+              </a:gs>
+            </a:gsLst>
+            <a:lin ang="16200000" scaled="0"/>
+            <a:tileRect/>
+          </a:gradFill>
+        </p:spPr>
+        <p:style>
+          <a:lnRef idx="1">
+            <a:schemeClr val="accent1"/>
+          </a:lnRef>
+          <a:fillRef idx="3">
+            <a:schemeClr val="accent1"/>
+          </a:fillRef>
+          <a:effectRef idx="2">
+            <a:schemeClr val="accent1"/>
+          </a:effectRef>
+          <a:fontRef idx="minor">
+            <a:schemeClr val="lt1"/>
+          </a:fontRef>
+        </p:style>
+        <p:txBody>
+          <a:bodyPr rtlCol="0" anchor="ctr"/>
+          <a:lstStyle/>
+          <a:p>
+            <a:pPr algn="ctr"/>
+            <a:endParaRPr lang="en-US">
+              <a:ln>
+                <a:solidFill>
+                  <a:srgbClr val="000000"/>
+                </a:solidFill>
+              </a:ln>
+            </a:endParaRPr>
+          </a:p>
+        </p:txBody>
+      </p:sp>
+      <p:sp>
+        <p:nvSpPr>
+          <p:cNvPr id="108" name="TextBox 107"/>
+          <p:cNvSpPr txBox="1"/>
+          <p:nvPr/>
+        </p:nvSpPr>
+        <p:spPr>
+          <a:xfrm>
+            <a:off x="773030" y="5069867"/>
+            <a:ext cx="602373" cy="369332"/>
+          </a:xfrm>
+          <a:prstGeom prst="rect">
+            <a:avLst/>
+          </a:prstGeom>
+          <a:noFill/>
+        </p:spPr>
+        <p:txBody>
+          <a:bodyPr wrap="none" rtlCol="0">
+            <a:spAutoFit/>
+          </a:bodyPr>
+          <a:lstStyle/>
+          <a:p>
+            <a:r>
+              <a:rPr lang="en-US" dirty="0" smtClean="0"/>
+              <a:t>loop</a:t>
+            </a:r>
+            <a:endParaRPr lang="en-US" dirty="0"/>
+          </a:p>
+        </p:txBody>
+      </p:sp>
+      <p:cxnSp>
+        <p:nvCxnSpPr>
+          <p:cNvPr id="109" name="Straight Connector 108"/>
+          <p:cNvCxnSpPr/>
+          <p:nvPr/>
+        </p:nvCxnSpPr>
+        <p:spPr>
+          <a:xfrm>
+            <a:off x="773030" y="5549617"/>
+            <a:ext cx="392791" cy="0"/>
+          </a:xfrm>
+          <a:prstGeom prst="line">
+            <a:avLst/>
+          </a:prstGeom>
+        </p:spPr>
+        <p:style>
+          <a:lnRef idx="2">
+            <a:schemeClr val="accent1"/>
+          </a:lnRef>
+          <a:fillRef idx="0">
+            <a:schemeClr val="accent1"/>
+          </a:fillRef>
+          <a:effectRef idx="1">
+            <a:schemeClr val="accent1"/>
+          </a:effectRef>
+          <a:fontRef idx="minor">
+            <a:schemeClr val="tx1"/>
+          </a:fontRef>
+        </p:style>
+      </p:cxnSp>
+      <p:cxnSp>
+        <p:nvCxnSpPr>
+          <p:cNvPr id="110" name="Straight Connector 109"/>
+          <p:cNvCxnSpPr/>
+          <p:nvPr/>
+        </p:nvCxnSpPr>
+        <p:spPr>
+          <a:xfrm flipV="1">
+            <a:off x="1165821" y="5439199"/>
+            <a:ext cx="209582" cy="110418"/>
+          </a:xfrm>
+          <a:prstGeom prst="line">
+            <a:avLst/>
+          </a:prstGeom>
+        </p:spPr>
+        <p:style>
+          <a:lnRef idx="2">
+            <a:schemeClr val="accent1"/>
+          </a:lnRef>
+          <a:fillRef idx="0">
+            <a:schemeClr val="accent1"/>
+          </a:fillRef>
+          <a:effectRef idx="1">
+            <a:schemeClr val="accent1"/>
+          </a:effectRef>
+          <a:fontRef idx="minor">
+            <a:schemeClr val="tx1"/>
+          </a:fontRef>
+        </p:style>
+      </p:cxnSp>
+      <p:cxnSp>
+        <p:nvCxnSpPr>
+          <p:cNvPr id="111" name="Straight Connector 110"/>
+          <p:cNvCxnSpPr/>
+          <p:nvPr/>
+        </p:nvCxnSpPr>
+        <p:spPr>
+          <a:xfrm flipV="1">
+            <a:off x="1375403" y="5068049"/>
+            <a:ext cx="0" cy="371150"/>
+          </a:xfrm>
+          <a:prstGeom prst="line">
+            <a:avLst/>
+          </a:prstGeom>
+        </p:spPr>
+        <p:style>
+          <a:lnRef idx="2">
+            <a:schemeClr val="accent1"/>
+          </a:lnRef>
+          <a:fillRef idx="0">
+            <a:schemeClr val="accent1"/>
+          </a:fillRef>
+          <a:effectRef idx="1">
+            <a:schemeClr val="accent1"/>
+          </a:effectRef>
+          <a:fontRef idx="minor">
+            <a:schemeClr val="tx1"/>
+          </a:fontRef>
+        </p:style>
+      </p:cxnSp>
+      <p:sp>
+        <p:nvSpPr>
+          <p:cNvPr id="112" name="TextBox 111"/>
+          <p:cNvSpPr txBox="1"/>
+          <p:nvPr/>
+        </p:nvSpPr>
+        <p:spPr>
+          <a:xfrm>
+            <a:off x="1693846" y="5165372"/>
+            <a:ext cx="3476620" cy="369332"/>
+          </a:xfrm>
+          <a:prstGeom prst="rect">
+            <a:avLst/>
+          </a:prstGeom>
+          <a:noFill/>
+        </p:spPr>
+        <p:txBody>
+          <a:bodyPr wrap="none" rtlCol="0">
+            <a:spAutoFit/>
+          </a:bodyPr>
+          <a:lstStyle/>
+          <a:p>
+            <a:r>
+              <a:rPr lang="en-US" dirty="0" smtClean="0"/>
+              <a:t>[each </a:t>
+            </a:r>
+            <a:r>
+              <a:rPr lang="en-US" dirty="0" smtClean="0"/>
+              <a:t>travelled road </a:t>
+            </a:r>
+            <a:r>
+              <a:rPr lang="en-US" dirty="0" smtClean="0"/>
+              <a:t>for given user]</a:t>
+            </a:r>
+            <a:endParaRPr lang="en-US" dirty="0"/>
+          </a:p>
+        </p:txBody>
+      </p:sp>
+      <p:sp>
+        <p:nvSpPr>
+          <p:cNvPr id="113" name="TextBox 112"/>
+          <p:cNvSpPr txBox="1"/>
+          <p:nvPr/>
+        </p:nvSpPr>
+        <p:spPr>
+          <a:xfrm>
+            <a:off x="2145817" y="5515678"/>
+            <a:ext cx="4388946" cy="646331"/>
+          </a:xfrm>
+          <a:prstGeom prst="rect">
+            <a:avLst/>
+          </a:prstGeom>
+          <a:noFill/>
+        </p:spPr>
+        <p:txBody>
+          <a:bodyPr wrap="square" rtlCol="0">
+            <a:spAutoFit/>
+          </a:bodyPr>
+          <a:lstStyle/>
+          <a:p>
+            <a:r>
+              <a:rPr lang="en-US" dirty="0" smtClean="0"/>
+              <a:t>Returns road, </a:t>
+            </a:r>
+            <a:r>
+              <a:rPr lang="en-US" dirty="0" err="1"/>
+              <a:t>d</a:t>
+            </a:r>
+            <a:r>
+              <a:rPr lang="en-US" dirty="0" err="1" smtClean="0"/>
+              <a:t>aysString</a:t>
+            </a:r>
+            <a:r>
+              <a:rPr lang="en-US" dirty="0" smtClean="0"/>
+              <a:t>,  </a:t>
+            </a:r>
+            <a:r>
+              <a:rPr lang="en-US" dirty="0" err="1" smtClean="0"/>
+              <a:t>mileStart</a:t>
+            </a:r>
+            <a:r>
+              <a:rPr lang="en-US" dirty="0" smtClean="0"/>
+              <a:t>, </a:t>
+            </a:r>
+            <a:r>
+              <a:rPr lang="en-US" dirty="0" err="1" smtClean="0"/>
+              <a:t>mileEnd</a:t>
+            </a:r>
+            <a:r>
+              <a:rPr lang="en-US" dirty="0" smtClean="0"/>
+              <a:t>, </a:t>
+            </a:r>
+            <a:r>
+              <a:rPr lang="en-US" dirty="0" err="1" smtClean="0"/>
+              <a:t>timeStart</a:t>
+            </a:r>
+            <a:r>
+              <a:rPr lang="en-US" dirty="0" smtClean="0"/>
+              <a:t>, </a:t>
+            </a:r>
+            <a:r>
+              <a:rPr lang="en-US" dirty="0" err="1" smtClean="0"/>
+              <a:t>timeEnd</a:t>
+            </a:r>
+            <a:r>
+              <a:rPr lang="en-US" dirty="0" smtClean="0"/>
+              <a:t>, </a:t>
+            </a:r>
+            <a:r>
+              <a:rPr lang="en-US" dirty="0" err="1" smtClean="0"/>
+              <a:t>roadId</a:t>
+            </a:r>
+            <a:r>
+              <a:rPr lang="en-US" dirty="0" smtClean="0"/>
+              <a:t>  </a:t>
+            </a:r>
+            <a:endParaRPr lang="en-US" dirty="0"/>
+          </a:p>
+        </p:txBody>
+      </p:sp>
+    </p:spTree>
+    <p:extLst>
+      <p:ext uri="{BB962C8B-B14F-4D97-AF65-F5344CB8AC3E}">
+        <p14:creationId xmlns:p14="http://schemas.microsoft.com/office/powerpoint/2010/main" val="2910431239"/>
+      </p:ext>
+    </p:extLst>
+  </p:cSld>
+  <p:clrMapOvr>
+    <a:masterClrMapping/>
+  </p:clrMapOvr>
+  <p:timing>
+    <p:tnLst>
+      <p:par>
+        <p:cTn xmlns:p14="http://schemas.microsoft.com/office/powerpoint/2010/main" id="1" dur="indefinite" restart="never" nodeType="tmRoot"/>
+      </p:par>
+    </p:tnLst>
+  </p:timing>
+</p:sld>
+</file>
+
+<file path=ppt/slides/slide14.xml><?xml version="1.0" encoding="utf-8"?>
+<p:sld xmlns:a="http://schemas.openxmlformats.org/drawingml/2006/main" xmlns:r="http://schemas.openxmlformats.org/officeDocument/2006/relationships" xmlns:p="http://schemas.openxmlformats.org/presentationml/2006/main">
+  <p:cSld>
+    <p:spTree>
+      <p:nvGrpSpPr>
+        <p:cNvPr id="1" name=""/>
+        <p:cNvGrpSpPr/>
+        <p:nvPr/>
+      </p:nvGrpSpPr>
+      <p:grpSpPr>
+        <a:xfrm>
+          <a:off x="0" y="0"/>
+          <a:ext cx="0" cy="0"/>
+          <a:chOff x="0" y="0"/>
+          <a:chExt cx="0" cy="0"/>
+        </a:xfrm>
+      </p:grpSpPr>
+      <p:sp>
+        <p:nvSpPr>
           <p:cNvPr id="21" name="TextBox 20"/>
           <p:cNvSpPr txBox="1"/>
           <p:nvPr/>
@@ -7058,7 +14470,7 @@
 </p:sld>
 </file>
 
-<file path=ppt/slides/slide12.xml><?xml version="1.0" encoding="utf-8"?>
+<file path=ppt/slides/slide15.xml><?xml version="1.0" encoding="utf-8"?>
 <p:sld xmlns:a="http://schemas.openxmlformats.org/drawingml/2006/main" xmlns:r="http://schemas.openxmlformats.org/officeDocument/2006/relationships" xmlns:p="http://schemas.openxmlformats.org/presentationml/2006/main">
   <p:cSld>
     <p:spTree>
@@ -20001,6 +27413,230 @@
             <a:r>
               <a:rPr lang="en-US" dirty="0" smtClean="0"/>
               <a:t>  </a:t>
+            </a:r>
+            <a:endParaRPr lang="en-US" dirty="0"/>
+          </a:p>
+        </p:txBody>
+      </p:sp>
+      <p:sp>
+        <p:nvSpPr>
+          <p:cNvPr id="96" name="Rectangle 95"/>
+          <p:cNvSpPr/>
+          <p:nvPr/>
+        </p:nvSpPr>
+        <p:spPr>
+          <a:xfrm>
+            <a:off x="666083" y="3830766"/>
+            <a:ext cx="7096542" cy="2064130"/>
+          </a:xfrm>
+          <a:prstGeom prst="rect">
+            <a:avLst/>
+          </a:prstGeom>
+          <a:gradFill flip="none" rotWithShape="1">
+            <a:gsLst>
+              <a:gs pos="0">
+                <a:schemeClr val="accent1">
+                  <a:tint val="100000"/>
+                  <a:shade val="100000"/>
+                  <a:satMod val="130000"/>
+                  <a:alpha val="0"/>
+                </a:schemeClr>
+              </a:gs>
+              <a:gs pos="100000">
+                <a:schemeClr val="accent1">
+                  <a:tint val="50000"/>
+                  <a:shade val="100000"/>
+                  <a:satMod val="350000"/>
+                  <a:alpha val="0"/>
+                </a:schemeClr>
+              </a:gs>
+            </a:gsLst>
+            <a:lin ang="16200000" scaled="0"/>
+            <a:tileRect/>
+          </a:gradFill>
+        </p:spPr>
+        <p:style>
+          <a:lnRef idx="1">
+            <a:schemeClr val="accent1"/>
+          </a:lnRef>
+          <a:fillRef idx="3">
+            <a:schemeClr val="accent1"/>
+          </a:fillRef>
+          <a:effectRef idx="2">
+            <a:schemeClr val="accent1"/>
+          </a:effectRef>
+          <a:fontRef idx="minor">
+            <a:schemeClr val="lt1"/>
+          </a:fontRef>
+        </p:style>
+        <p:txBody>
+          <a:bodyPr rtlCol="0" anchor="ctr"/>
+          <a:lstStyle/>
+          <a:p>
+            <a:pPr algn="ctr"/>
+            <a:endParaRPr lang="en-US">
+              <a:ln>
+                <a:solidFill>
+                  <a:srgbClr val="000000"/>
+                </a:solidFill>
+              </a:ln>
+            </a:endParaRPr>
+          </a:p>
+        </p:txBody>
+      </p:sp>
+      <p:sp>
+        <p:nvSpPr>
+          <p:cNvPr id="99" name="TextBox 98"/>
+          <p:cNvSpPr txBox="1"/>
+          <p:nvPr/>
+        </p:nvSpPr>
+        <p:spPr>
+          <a:xfrm>
+            <a:off x="666083" y="3832584"/>
+            <a:ext cx="602373" cy="369332"/>
+          </a:xfrm>
+          <a:prstGeom prst="rect">
+            <a:avLst/>
+          </a:prstGeom>
+          <a:noFill/>
+        </p:spPr>
+        <p:txBody>
+          <a:bodyPr wrap="none" rtlCol="0">
+            <a:spAutoFit/>
+          </a:bodyPr>
+          <a:lstStyle/>
+          <a:p>
+            <a:r>
+              <a:rPr lang="en-US" dirty="0" smtClean="0"/>
+              <a:t>loop</a:t>
+            </a:r>
+            <a:endParaRPr lang="en-US" dirty="0"/>
+          </a:p>
+        </p:txBody>
+      </p:sp>
+      <p:cxnSp>
+        <p:nvCxnSpPr>
+          <p:cNvPr id="101" name="Straight Connector 100"/>
+          <p:cNvCxnSpPr/>
+          <p:nvPr/>
+        </p:nvCxnSpPr>
+        <p:spPr>
+          <a:xfrm>
+            <a:off x="666083" y="4312334"/>
+            <a:ext cx="392791" cy="0"/>
+          </a:xfrm>
+          <a:prstGeom prst="line">
+            <a:avLst/>
+          </a:prstGeom>
+        </p:spPr>
+        <p:style>
+          <a:lnRef idx="2">
+            <a:schemeClr val="accent1"/>
+          </a:lnRef>
+          <a:fillRef idx="0">
+            <a:schemeClr val="accent1"/>
+          </a:fillRef>
+          <a:effectRef idx="1">
+            <a:schemeClr val="accent1"/>
+          </a:effectRef>
+          <a:fontRef idx="minor">
+            <a:schemeClr val="tx1"/>
+          </a:fontRef>
+        </p:style>
+      </p:cxnSp>
+      <p:cxnSp>
+        <p:nvCxnSpPr>
+          <p:cNvPr id="107" name="Straight Connector 106"/>
+          <p:cNvCxnSpPr/>
+          <p:nvPr/>
+        </p:nvCxnSpPr>
+        <p:spPr>
+          <a:xfrm flipV="1">
+            <a:off x="1058874" y="4201916"/>
+            <a:ext cx="209582" cy="110418"/>
+          </a:xfrm>
+          <a:prstGeom prst="line">
+            <a:avLst/>
+          </a:prstGeom>
+        </p:spPr>
+        <p:style>
+          <a:lnRef idx="2">
+            <a:schemeClr val="accent1"/>
+          </a:lnRef>
+          <a:fillRef idx="0">
+            <a:schemeClr val="accent1"/>
+          </a:fillRef>
+          <a:effectRef idx="1">
+            <a:schemeClr val="accent1"/>
+          </a:effectRef>
+          <a:fontRef idx="minor">
+            <a:schemeClr val="tx1"/>
+          </a:fontRef>
+        </p:style>
+      </p:cxnSp>
+      <p:cxnSp>
+        <p:nvCxnSpPr>
+          <p:cNvPr id="108" name="Straight Connector 107"/>
+          <p:cNvCxnSpPr/>
+          <p:nvPr/>
+        </p:nvCxnSpPr>
+        <p:spPr>
+          <a:xfrm flipV="1">
+            <a:off x="1268456" y="3830766"/>
+            <a:ext cx="0" cy="371150"/>
+          </a:xfrm>
+          <a:prstGeom prst="line">
+            <a:avLst/>
+          </a:prstGeom>
+        </p:spPr>
+        <p:style>
+          <a:lnRef idx="2">
+            <a:schemeClr val="accent1"/>
+          </a:lnRef>
+          <a:fillRef idx="0">
+            <a:schemeClr val="accent1"/>
+          </a:fillRef>
+          <a:effectRef idx="1">
+            <a:schemeClr val="accent1"/>
+          </a:effectRef>
+          <a:fontRef idx="minor">
+            <a:schemeClr val="tx1"/>
+          </a:fontRef>
+        </p:style>
+      </p:cxnSp>
+      <p:sp>
+        <p:nvSpPr>
+          <p:cNvPr id="109" name="TextBox 108"/>
+          <p:cNvSpPr txBox="1"/>
+          <p:nvPr/>
+        </p:nvSpPr>
+        <p:spPr>
+          <a:xfrm>
+            <a:off x="1586899" y="3928089"/>
+            <a:ext cx="3476620" cy="369332"/>
+          </a:xfrm>
+          <a:prstGeom prst="rect">
+            <a:avLst/>
+          </a:prstGeom>
+          <a:noFill/>
+        </p:spPr>
+        <p:txBody>
+          <a:bodyPr wrap="none" rtlCol="0">
+            <a:spAutoFit/>
+          </a:bodyPr>
+          <a:lstStyle/>
+          <a:p>
+            <a:r>
+              <a:rPr lang="en-US" dirty="0" smtClean="0"/>
+              <a:t>[each </a:t>
+            </a:r>
+            <a:r>
+              <a:rPr lang="en-US" dirty="0" smtClean="0"/>
+              <a:t>travelled road </a:t>
+            </a:r>
+            <a:r>
+              <a:rPr lang="en-US" dirty="0" smtClean="0"/>
+              <a:t>for given user]</a:t>
             </a:r>
             <a:endParaRPr lang="en-US" dirty="0"/>
           </a:p>

--- a/deliverables/iteration2/other/DomainModel_SSD_ClassDiagrams.pptx
+++ b/deliverables/iteration2/other/DomainModel_SSD_ClassDiagrams.pptx
@@ -20,6 +20,16 @@
     <p:sldId id="270" r:id="rId14"/>
     <p:sldId id="262" r:id="rId15"/>
     <p:sldId id="263" r:id="rId16"/>
+    <p:sldId id="276" r:id="rId17"/>
+    <p:sldId id="271" r:id="rId18"/>
+    <p:sldId id="279" r:id="rId19"/>
+    <p:sldId id="272" r:id="rId20"/>
+    <p:sldId id="273" r:id="rId21"/>
+    <p:sldId id="280" r:id="rId22"/>
+    <p:sldId id="277" r:id="rId23"/>
+    <p:sldId id="278" r:id="rId24"/>
+    <p:sldId id="275" r:id="rId25"/>
+    <p:sldId id="274" r:id="rId26"/>
   </p:sldIdLst>
   <p:sldSz cx="9144000" cy="6858000" type="screen4x3"/>
   <p:notesSz cx="6858000" cy="9144000"/>
@@ -302,7 +312,7 @@
           <a:p>
             <a:fld id="{88B93DA5-74C6-C840-9AC0-21E7E652D512}" type="datetimeFigureOut">
               <a:rPr lang="en-US" smtClean="0"/>
-              <a:t>10/28/14</a:t>
+              <a:t>10/29/14</a:t>
             </a:fld>
             <a:endParaRPr lang="en-US"/>
           </a:p>
@@ -472,7 +482,7 @@
           <a:p>
             <a:fld id="{88B93DA5-74C6-C840-9AC0-21E7E652D512}" type="datetimeFigureOut">
               <a:rPr lang="en-US" smtClean="0"/>
-              <a:t>10/28/14</a:t>
+              <a:t>10/29/14</a:t>
             </a:fld>
             <a:endParaRPr lang="en-US"/>
           </a:p>
@@ -652,7 +662,7 @@
           <a:p>
             <a:fld id="{88B93DA5-74C6-C840-9AC0-21E7E652D512}" type="datetimeFigureOut">
               <a:rPr lang="en-US" smtClean="0"/>
-              <a:t>10/28/14</a:t>
+              <a:t>10/29/14</a:t>
             </a:fld>
             <a:endParaRPr lang="en-US"/>
           </a:p>
@@ -822,7 +832,7 @@
           <a:p>
             <a:fld id="{88B93DA5-74C6-C840-9AC0-21E7E652D512}" type="datetimeFigureOut">
               <a:rPr lang="en-US" smtClean="0"/>
-              <a:t>10/28/14</a:t>
+              <a:t>10/29/14</a:t>
             </a:fld>
             <a:endParaRPr lang="en-US"/>
           </a:p>
@@ -1068,7 +1078,7 @@
           <a:p>
             <a:fld id="{88B93DA5-74C6-C840-9AC0-21E7E652D512}" type="datetimeFigureOut">
               <a:rPr lang="en-US" smtClean="0"/>
-              <a:t>10/28/14</a:t>
+              <a:t>10/29/14</a:t>
             </a:fld>
             <a:endParaRPr lang="en-US"/>
           </a:p>
@@ -1356,7 +1366,7 @@
           <a:p>
             <a:fld id="{88B93DA5-74C6-C840-9AC0-21E7E652D512}" type="datetimeFigureOut">
               <a:rPr lang="en-US" smtClean="0"/>
-              <a:t>10/28/14</a:t>
+              <a:t>10/29/14</a:t>
             </a:fld>
             <a:endParaRPr lang="en-US"/>
           </a:p>
@@ -1778,7 +1788,7 @@
           <a:p>
             <a:fld id="{88B93DA5-74C6-C840-9AC0-21E7E652D512}" type="datetimeFigureOut">
               <a:rPr lang="en-US" smtClean="0"/>
-              <a:t>10/28/14</a:t>
+              <a:t>10/29/14</a:t>
             </a:fld>
             <a:endParaRPr lang="en-US"/>
           </a:p>
@@ -1896,7 +1906,7 @@
           <a:p>
             <a:fld id="{88B93DA5-74C6-C840-9AC0-21E7E652D512}" type="datetimeFigureOut">
               <a:rPr lang="en-US" smtClean="0"/>
-              <a:t>10/28/14</a:t>
+              <a:t>10/29/14</a:t>
             </a:fld>
             <a:endParaRPr lang="en-US"/>
           </a:p>
@@ -1991,7 +2001,7 @@
           <a:p>
             <a:fld id="{88B93DA5-74C6-C840-9AC0-21E7E652D512}" type="datetimeFigureOut">
               <a:rPr lang="en-US" smtClean="0"/>
-              <a:t>10/28/14</a:t>
+              <a:t>10/29/14</a:t>
             </a:fld>
             <a:endParaRPr lang="en-US"/>
           </a:p>
@@ -2268,7 +2278,7 @@
           <a:p>
             <a:fld id="{88B93DA5-74C6-C840-9AC0-21E7E652D512}" type="datetimeFigureOut">
               <a:rPr lang="en-US" smtClean="0"/>
-              <a:t>10/28/14</a:t>
+              <a:t>10/29/14</a:t>
             </a:fld>
             <a:endParaRPr lang="en-US"/>
           </a:p>
@@ -2521,7 +2531,7 @@
           <a:p>
             <a:fld id="{88B93DA5-74C6-C840-9AC0-21E7E652D512}" type="datetimeFigureOut">
               <a:rPr lang="en-US" smtClean="0"/>
-              <a:t>10/28/14</a:t>
+              <a:t>10/29/14</a:t>
             </a:fld>
             <a:endParaRPr lang="en-US"/>
           </a:p>
@@ -2734,7 +2744,7 @@
           <a:p>
             <a:fld id="{88B93DA5-74C6-C840-9AC0-21E7E652D512}" type="datetimeFigureOut">
               <a:rPr lang="en-US" smtClean="0"/>
-              <a:t>10/28/14</a:t>
+              <a:t>10/29/14</a:t>
             </a:fld>
             <a:endParaRPr lang="en-US"/>
           </a:p>
@@ -6859,39 +6869,8 @@
                 </a:effectLst>
                 <a:latin typeface="+mj-lt"/>
               </a:rPr>
-              <a:t>Use Case </a:t>
-            </a:r>
-            <a:r>
-              <a:rPr lang="en-US" sz="2400" b="1" dirty="0" smtClean="0">
-                <a:ln w="1905"/>
-                <a:solidFill>
-                  <a:srgbClr val="558ED5"/>
-                </a:solidFill>
-                <a:effectLst>
-                  <a:innerShdw blurRad="69850" dist="43180" dir="5400000">
-                    <a:srgbClr val="000000">
-                      <a:alpha val="65000"/>
-                    </a:srgbClr>
-                  </a:innerShdw>
-                </a:effectLst>
-                <a:latin typeface="+mj-lt"/>
-              </a:rPr>
-              <a:t>14: View All Travel Paths</a:t>
-            </a:r>
-            <a:endParaRPr lang="en-US" sz="2400" b="1" dirty="0" smtClean="0">
-              <a:ln w="1905"/>
-              <a:solidFill>
-                <a:srgbClr val="558ED5"/>
-              </a:solidFill>
-              <a:effectLst>
-                <a:innerShdw blurRad="69850" dist="43180" dir="5400000">
-                  <a:srgbClr val="000000">
-                    <a:alpha val="65000"/>
-                  </a:srgbClr>
-                </a:innerShdw>
-              </a:effectLst>
-              <a:latin typeface="+mj-lt"/>
-            </a:endParaRPr>
+              <a:t>Use Case 14: View All Travel Paths</a:t>
+            </a:r>
           </a:p>
         </p:txBody>
       </p:sp>
@@ -8547,15 +8526,7 @@
           <a:p>
             <a:r>
               <a:rPr lang="en-US" dirty="0" smtClean="0"/>
-              <a:t>[each </a:t>
-            </a:r>
-            <a:r>
-              <a:rPr lang="en-US" dirty="0" smtClean="0"/>
-              <a:t>travelled road </a:t>
-            </a:r>
-            <a:r>
-              <a:rPr lang="en-US" dirty="0" smtClean="0"/>
-              <a:t>for given user]</a:t>
+              <a:t>[each travelled road for given user]</a:t>
             </a:r>
             <a:endParaRPr lang="en-US" dirty="0"/>
           </a:p>
@@ -8741,39 +8712,8 @@
                 </a:effectLst>
                 <a:latin typeface="+mj-lt"/>
               </a:rPr>
-              <a:t>Use Case </a:t>
-            </a:r>
-            <a:r>
-              <a:rPr lang="en-US" sz="2400" b="1" dirty="0" smtClean="0">
-                <a:ln w="1905"/>
-                <a:solidFill>
-                  <a:srgbClr val="558ED5"/>
-                </a:solidFill>
-                <a:effectLst>
-                  <a:innerShdw blurRad="69850" dist="43180" dir="5400000">
-                    <a:srgbClr val="000000">
-                      <a:alpha val="65000"/>
-                    </a:srgbClr>
-                  </a:innerShdw>
-                </a:effectLst>
-                <a:latin typeface="+mj-lt"/>
-              </a:rPr>
-              <a:t>15: Edit Travel Path</a:t>
-            </a:r>
-            <a:endParaRPr lang="en-US" sz="2400" b="1" dirty="0" smtClean="0">
-              <a:ln w="1905"/>
-              <a:solidFill>
-                <a:srgbClr val="558ED5"/>
-              </a:solidFill>
-              <a:effectLst>
-                <a:innerShdw blurRad="69850" dist="43180" dir="5400000">
-                  <a:srgbClr val="000000">
-                    <a:alpha val="65000"/>
-                  </a:srgbClr>
-                </a:innerShdw>
-              </a:effectLst>
-              <a:latin typeface="+mj-lt"/>
-            </a:endParaRPr>
+              <a:t>Use Case 15: Edit Travel Path</a:t>
+            </a:r>
           </a:p>
         </p:txBody>
       </p:sp>
@@ -11050,15 +10990,7 @@
           <a:p>
             <a:r>
               <a:rPr lang="en-US" dirty="0" smtClean="0"/>
-              <a:t>[each </a:t>
-            </a:r>
-            <a:r>
-              <a:rPr lang="en-US" dirty="0" smtClean="0"/>
-              <a:t>travelled road </a:t>
-            </a:r>
-            <a:r>
-              <a:rPr lang="en-US" dirty="0" smtClean="0"/>
-              <a:t>for given user]</a:t>
+              <a:t>[each travelled road for given user]</a:t>
             </a:r>
             <a:endParaRPr lang="en-US" dirty="0"/>
           </a:p>
@@ -11244,39 +11176,8 @@
                 </a:effectLst>
                 <a:latin typeface="+mj-lt"/>
               </a:rPr>
-              <a:t>Use Case </a:t>
-            </a:r>
-            <a:r>
-              <a:rPr lang="en-US" sz="2400" b="1" dirty="0" smtClean="0">
-                <a:ln w="1905"/>
-                <a:solidFill>
-                  <a:srgbClr val="558ED5"/>
-                </a:solidFill>
-                <a:effectLst>
-                  <a:innerShdw blurRad="69850" dist="43180" dir="5400000">
-                    <a:srgbClr val="000000">
-                      <a:alpha val="65000"/>
-                    </a:srgbClr>
-                  </a:innerShdw>
-                </a:effectLst>
-                <a:latin typeface="+mj-lt"/>
-              </a:rPr>
-              <a:t>15: Edit Travel Path (Alternate Path)</a:t>
-            </a:r>
-            <a:endParaRPr lang="en-US" sz="2400" b="1" dirty="0" smtClean="0">
-              <a:ln w="1905"/>
-              <a:solidFill>
-                <a:srgbClr val="558ED5"/>
-              </a:solidFill>
-              <a:effectLst>
-                <a:innerShdw blurRad="69850" dist="43180" dir="5400000">
-                  <a:srgbClr val="000000">
-                    <a:alpha val="65000"/>
-                  </a:srgbClr>
-                </a:innerShdw>
-              </a:effectLst>
-              <a:latin typeface="+mj-lt"/>
-            </a:endParaRPr>
+              <a:t>Use Case 15: Edit Travel Path (Alternate Path)</a:t>
+            </a:r>
           </a:p>
         </p:txBody>
       </p:sp>
@@ -13285,11 +13186,7 @@
             </a:r>
             <a:r>
               <a:rPr lang="en-US" dirty="0" smtClean="0"/>
-              <a:t>(</a:t>
-            </a:r>
-            <a:r>
-              <a:rPr lang="en-US" dirty="0" smtClean="0"/>
-              <a:t>)</a:t>
+              <a:t>()</a:t>
             </a:r>
             <a:endParaRPr lang="en-US" dirty="0"/>
           </a:p>
@@ -13505,15 +13402,7 @@
           <a:p>
             <a:r>
               <a:rPr lang="en-US" dirty="0" smtClean="0"/>
-              <a:t>[each </a:t>
-            </a:r>
-            <a:r>
-              <a:rPr lang="en-US" dirty="0" smtClean="0"/>
-              <a:t>travelled road </a:t>
-            </a:r>
-            <a:r>
-              <a:rPr lang="en-US" dirty="0" smtClean="0"/>
-              <a:t>for given user]</a:t>
+              <a:t>[each travelled road for given user]</a:t>
             </a:r>
             <a:endParaRPr lang="en-US" dirty="0"/>
           </a:p>
@@ -15190,6 +15079,1850 @@
 </p:sld>
 </file>
 
+<file path=ppt/slides/slide16.xml><?xml version="1.0" encoding="utf-8"?>
+<p:sld xmlns:a="http://schemas.openxmlformats.org/drawingml/2006/main" xmlns:r="http://schemas.openxmlformats.org/officeDocument/2006/relationships" xmlns:p="http://schemas.openxmlformats.org/presentationml/2006/main">
+  <p:cSld>
+    <p:spTree>
+      <p:nvGrpSpPr>
+        <p:cNvPr id="1" name=""/>
+        <p:cNvGrpSpPr/>
+        <p:nvPr/>
+      </p:nvGrpSpPr>
+      <p:grpSpPr>
+        <a:xfrm>
+          <a:off x="0" y="0"/>
+          <a:ext cx="0" cy="0"/>
+          <a:chOff x="0" y="0"/>
+          <a:chExt cx="0" cy="0"/>
+        </a:xfrm>
+      </p:grpSpPr>
+      <p:sp>
+        <p:nvSpPr>
+          <p:cNvPr id="62" name="TextBox 61"/>
+          <p:cNvSpPr txBox="1"/>
+          <p:nvPr/>
+        </p:nvSpPr>
+        <p:spPr>
+          <a:xfrm>
+            <a:off x="2657930" y="408211"/>
+            <a:ext cx="3525740" cy="1200328"/>
+          </a:xfrm>
+          <a:prstGeom prst="rect">
+            <a:avLst/>
+          </a:prstGeom>
+          <a:noFill/>
+          <a:ln>
+            <a:noFill/>
+          </a:ln>
+        </p:spPr>
+        <p:txBody>
+          <a:bodyPr wrap="square" rtlCol="0">
+            <a:spAutoFit/>
+          </a:bodyPr>
+          <a:lstStyle/>
+          <a:p>
+            <a:pPr algn="ctr"/>
+            <a:r>
+              <a:rPr lang="en-US" sz="2400" b="1" dirty="0" smtClean="0">
+                <a:ln w="1905"/>
+                <a:solidFill>
+                  <a:srgbClr val="558ED5"/>
+                </a:solidFill>
+                <a:effectLst>
+                  <a:innerShdw blurRad="69850" dist="43180" dir="5400000">
+                    <a:srgbClr val="000000">
+                      <a:alpha val="65000"/>
+                    </a:srgbClr>
+                  </a:innerShdw>
+                </a:effectLst>
+                <a:latin typeface="+mj-lt"/>
+              </a:rPr>
+              <a:t>Interaction (Sequence) Diagram – Use Case 1: Sign Up</a:t>
+            </a:r>
+            <a:endParaRPr lang="en-US" sz="2400" b="1" dirty="0" smtClean="0">
+              <a:ln w="1905"/>
+              <a:solidFill>
+                <a:srgbClr val="558ED5"/>
+              </a:solidFill>
+              <a:effectLst>
+                <a:innerShdw blurRad="69850" dist="43180" dir="5400000">
+                  <a:srgbClr val="000000">
+                    <a:alpha val="65000"/>
+                  </a:srgbClr>
+                </a:innerShdw>
+              </a:effectLst>
+              <a:latin typeface="+mj-lt"/>
+            </a:endParaRPr>
+          </a:p>
+        </p:txBody>
+      </p:sp>
+      <p:sp>
+        <p:nvSpPr>
+          <p:cNvPr id="2" name="Rectangle 1"/>
+          <p:cNvSpPr/>
+          <p:nvPr/>
+        </p:nvSpPr>
+        <p:spPr>
+          <a:xfrm>
+            <a:off x="4694589" y="2695872"/>
+            <a:ext cx="407332" cy="2815689"/>
+          </a:xfrm>
+          <a:prstGeom prst="rect">
+            <a:avLst/>
+          </a:prstGeom>
+        </p:spPr>
+        <p:style>
+          <a:lnRef idx="1">
+            <a:schemeClr val="accent1"/>
+          </a:lnRef>
+          <a:fillRef idx="3">
+            <a:schemeClr val="accent1"/>
+          </a:fillRef>
+          <a:effectRef idx="2">
+            <a:schemeClr val="accent1"/>
+          </a:effectRef>
+          <a:fontRef idx="minor">
+            <a:schemeClr val="lt1"/>
+          </a:fontRef>
+        </p:style>
+        <p:txBody>
+          <a:bodyPr rtlCol="0" anchor="ctr"/>
+          <a:lstStyle/>
+          <a:p>
+            <a:pPr algn="ctr"/>
+            <a:endParaRPr lang="en-US"/>
+          </a:p>
+        </p:txBody>
+      </p:sp>
+      <p:sp>
+        <p:nvSpPr>
+          <p:cNvPr id="4" name="TextBox 3"/>
+          <p:cNvSpPr txBox="1"/>
+          <p:nvPr/>
+        </p:nvSpPr>
+        <p:spPr>
+          <a:xfrm>
+            <a:off x="4120578" y="2281456"/>
+            <a:ext cx="1544012" cy="369332"/>
+          </a:xfrm>
+          <a:prstGeom prst="rect">
+            <a:avLst/>
+          </a:prstGeom>
+          <a:noFill/>
+        </p:spPr>
+        <p:txBody>
+          <a:bodyPr wrap="none" rtlCol="0">
+            <a:spAutoFit/>
+          </a:bodyPr>
+          <a:lstStyle/>
+          <a:p>
+            <a:r>
+              <a:rPr lang="en-US" dirty="0" err="1" smtClean="0"/>
+              <a:t>AccountsEntry</a:t>
+            </a:r>
+            <a:endParaRPr lang="en-US" dirty="0"/>
+          </a:p>
+        </p:txBody>
+      </p:sp>
+      <p:cxnSp>
+        <p:nvCxnSpPr>
+          <p:cNvPr id="19" name="Straight Arrow Connector 18"/>
+          <p:cNvCxnSpPr/>
+          <p:nvPr/>
+        </p:nvCxnSpPr>
+        <p:spPr>
+          <a:xfrm>
+            <a:off x="982388" y="3989891"/>
+            <a:ext cx="3712201" cy="0"/>
+          </a:xfrm>
+          <a:prstGeom prst="straightConnector1">
+            <a:avLst/>
+          </a:prstGeom>
+          <a:ln>
+            <a:tailEnd type="arrow"/>
+          </a:ln>
+        </p:spPr>
+        <p:style>
+          <a:lnRef idx="2">
+            <a:schemeClr val="accent1"/>
+          </a:lnRef>
+          <a:fillRef idx="0">
+            <a:schemeClr val="accent1"/>
+          </a:fillRef>
+          <a:effectRef idx="1">
+            <a:schemeClr val="accent1"/>
+          </a:effectRef>
+          <a:fontRef idx="minor">
+            <a:schemeClr val="tx1"/>
+          </a:fontRef>
+        </p:style>
+      </p:cxnSp>
+      <p:sp>
+        <p:nvSpPr>
+          <p:cNvPr id="22" name="TextBox 21"/>
+          <p:cNvSpPr txBox="1"/>
+          <p:nvPr/>
+        </p:nvSpPr>
+        <p:spPr>
+          <a:xfrm>
+            <a:off x="1357920" y="3620559"/>
+            <a:ext cx="2493666" cy="369332"/>
+          </a:xfrm>
+          <a:prstGeom prst="rect">
+            <a:avLst/>
+          </a:prstGeom>
+          <a:noFill/>
+        </p:spPr>
+        <p:txBody>
+          <a:bodyPr wrap="none" rtlCol="0">
+            <a:spAutoFit/>
+          </a:bodyPr>
+          <a:lstStyle/>
+          <a:p>
+            <a:r>
+              <a:rPr lang="en-US" dirty="0" err="1" smtClean="0"/>
+              <a:t>signUp</a:t>
+            </a:r>
+            <a:r>
+              <a:rPr lang="en-US" dirty="0" smtClean="0"/>
+              <a:t>(email, password)</a:t>
+            </a:r>
+            <a:endParaRPr lang="en-US" dirty="0"/>
+          </a:p>
+        </p:txBody>
+      </p:sp>
+    </p:spTree>
+    <p:extLst>
+      <p:ext uri="{BB962C8B-B14F-4D97-AF65-F5344CB8AC3E}">
+        <p14:creationId xmlns:p14="http://schemas.microsoft.com/office/powerpoint/2010/main" val="4097655698"/>
+      </p:ext>
+    </p:extLst>
+  </p:cSld>
+  <p:clrMapOvr>
+    <a:masterClrMapping/>
+  </p:clrMapOvr>
+  <p:timing>
+    <p:tnLst>
+      <p:par>
+        <p:cTn xmlns:p14="http://schemas.microsoft.com/office/powerpoint/2010/main" id="1" dur="indefinite" restart="never" nodeType="tmRoot"/>
+      </p:par>
+    </p:tnLst>
+  </p:timing>
+</p:sld>
+</file>
+
+<file path=ppt/slides/slide17.xml><?xml version="1.0" encoding="utf-8"?>
+<p:sld xmlns:a="http://schemas.openxmlformats.org/drawingml/2006/main" xmlns:r="http://schemas.openxmlformats.org/officeDocument/2006/relationships" xmlns:p="http://schemas.openxmlformats.org/presentationml/2006/main">
+  <p:cSld>
+    <p:spTree>
+      <p:nvGrpSpPr>
+        <p:cNvPr id="1" name=""/>
+        <p:cNvGrpSpPr/>
+        <p:nvPr/>
+      </p:nvGrpSpPr>
+      <p:grpSpPr>
+        <a:xfrm>
+          <a:off x="0" y="0"/>
+          <a:ext cx="0" cy="0"/>
+          <a:chOff x="0" y="0"/>
+          <a:chExt cx="0" cy="0"/>
+        </a:xfrm>
+      </p:grpSpPr>
+      <p:sp>
+        <p:nvSpPr>
+          <p:cNvPr id="62" name="TextBox 61"/>
+          <p:cNvSpPr txBox="1"/>
+          <p:nvPr/>
+        </p:nvSpPr>
+        <p:spPr>
+          <a:xfrm>
+            <a:off x="2657930" y="408211"/>
+            <a:ext cx="3525740" cy="1200328"/>
+          </a:xfrm>
+          <a:prstGeom prst="rect">
+            <a:avLst/>
+          </a:prstGeom>
+          <a:noFill/>
+          <a:ln>
+            <a:noFill/>
+          </a:ln>
+        </p:spPr>
+        <p:txBody>
+          <a:bodyPr wrap="square" rtlCol="0">
+            <a:spAutoFit/>
+          </a:bodyPr>
+          <a:lstStyle/>
+          <a:p>
+            <a:pPr algn="ctr"/>
+            <a:r>
+              <a:rPr lang="en-US" sz="2400" b="1" dirty="0" smtClean="0">
+                <a:ln w="1905"/>
+                <a:solidFill>
+                  <a:srgbClr val="558ED5"/>
+                </a:solidFill>
+                <a:effectLst>
+                  <a:innerShdw blurRad="69850" dist="43180" dir="5400000">
+                    <a:srgbClr val="000000">
+                      <a:alpha val="65000"/>
+                    </a:srgbClr>
+                  </a:innerShdw>
+                </a:effectLst>
+                <a:latin typeface="+mj-lt"/>
+              </a:rPr>
+              <a:t>Interaction (Sequence) Diagram – Use Case 2: Update Data by System</a:t>
+            </a:r>
+            <a:endParaRPr lang="en-US" sz="2400" b="1" dirty="0" smtClean="0">
+              <a:ln w="1905"/>
+              <a:solidFill>
+                <a:srgbClr val="558ED5"/>
+              </a:solidFill>
+              <a:effectLst>
+                <a:innerShdw blurRad="69850" dist="43180" dir="5400000">
+                  <a:srgbClr val="000000">
+                    <a:alpha val="65000"/>
+                  </a:srgbClr>
+                </a:innerShdw>
+              </a:effectLst>
+              <a:latin typeface="+mj-lt"/>
+            </a:endParaRPr>
+          </a:p>
+        </p:txBody>
+      </p:sp>
+      <p:sp>
+        <p:nvSpPr>
+          <p:cNvPr id="2" name="Rectangle 1"/>
+          <p:cNvSpPr/>
+          <p:nvPr/>
+        </p:nvSpPr>
+        <p:spPr>
+          <a:xfrm>
+            <a:off x="2657930" y="2995414"/>
+            <a:ext cx="407332" cy="2815689"/>
+          </a:xfrm>
+          <a:prstGeom prst="rect">
+            <a:avLst/>
+          </a:prstGeom>
+        </p:spPr>
+        <p:style>
+          <a:lnRef idx="1">
+            <a:schemeClr val="accent1"/>
+          </a:lnRef>
+          <a:fillRef idx="3">
+            <a:schemeClr val="accent1"/>
+          </a:fillRef>
+          <a:effectRef idx="2">
+            <a:schemeClr val="accent1"/>
+          </a:effectRef>
+          <a:fontRef idx="minor">
+            <a:schemeClr val="lt1"/>
+          </a:fontRef>
+        </p:style>
+        <p:txBody>
+          <a:bodyPr rtlCol="0" anchor="ctr"/>
+          <a:lstStyle/>
+          <a:p>
+            <a:pPr algn="ctr"/>
+            <a:endParaRPr lang="en-US"/>
+          </a:p>
+        </p:txBody>
+      </p:sp>
+      <p:sp>
+        <p:nvSpPr>
+          <p:cNvPr id="4" name="TextBox 3"/>
+          <p:cNvSpPr txBox="1"/>
+          <p:nvPr/>
+        </p:nvSpPr>
+        <p:spPr>
+          <a:xfrm>
+            <a:off x="2109586" y="2580998"/>
+            <a:ext cx="1415772" cy="369332"/>
+          </a:xfrm>
+          <a:prstGeom prst="rect">
+            <a:avLst/>
+          </a:prstGeom>
+          <a:noFill/>
+        </p:spPr>
+        <p:txBody>
+          <a:bodyPr wrap="none" rtlCol="0">
+            <a:spAutoFit/>
+          </a:bodyPr>
+          <a:lstStyle/>
+          <a:p>
+            <a:r>
+              <a:rPr lang="en-US" dirty="0" smtClean="0"/>
+              <a:t>Road Activity</a:t>
+            </a:r>
+            <a:endParaRPr lang="en-US" dirty="0"/>
+          </a:p>
+        </p:txBody>
+      </p:sp>
+      <p:sp>
+        <p:nvSpPr>
+          <p:cNvPr id="83" name="Rectangle 82"/>
+          <p:cNvSpPr/>
+          <p:nvPr/>
+        </p:nvSpPr>
+        <p:spPr>
+          <a:xfrm>
+            <a:off x="162032" y="3198911"/>
+            <a:ext cx="2181611" cy="1569788"/>
+          </a:xfrm>
+          <a:prstGeom prst="rect">
+            <a:avLst/>
+          </a:prstGeom>
+          <a:gradFill flip="none" rotWithShape="1">
+            <a:gsLst>
+              <a:gs pos="0">
+                <a:schemeClr val="accent1">
+                  <a:tint val="100000"/>
+                  <a:shade val="100000"/>
+                  <a:satMod val="130000"/>
+                  <a:alpha val="0"/>
+                </a:schemeClr>
+              </a:gs>
+              <a:gs pos="100000">
+                <a:schemeClr val="accent1">
+                  <a:tint val="50000"/>
+                  <a:shade val="100000"/>
+                  <a:satMod val="350000"/>
+                  <a:alpha val="0"/>
+                </a:schemeClr>
+              </a:gs>
+            </a:gsLst>
+            <a:lin ang="16200000" scaled="0"/>
+            <a:tileRect/>
+          </a:gradFill>
+        </p:spPr>
+        <p:style>
+          <a:lnRef idx="1">
+            <a:schemeClr val="accent1"/>
+          </a:lnRef>
+          <a:fillRef idx="3">
+            <a:schemeClr val="accent1"/>
+          </a:fillRef>
+          <a:effectRef idx="2">
+            <a:schemeClr val="accent1"/>
+          </a:effectRef>
+          <a:fontRef idx="minor">
+            <a:schemeClr val="lt1"/>
+          </a:fontRef>
+        </p:style>
+        <p:txBody>
+          <a:bodyPr rtlCol="0" anchor="ctr"/>
+          <a:lstStyle/>
+          <a:p>
+            <a:pPr algn="ctr"/>
+            <a:endParaRPr lang="en-US">
+              <a:ln>
+                <a:solidFill>
+                  <a:srgbClr val="000000"/>
+                </a:solidFill>
+              </a:ln>
+            </a:endParaRPr>
+          </a:p>
+        </p:txBody>
+      </p:sp>
+      <p:sp>
+        <p:nvSpPr>
+          <p:cNvPr id="84" name="TextBox 83"/>
+          <p:cNvSpPr txBox="1"/>
+          <p:nvPr/>
+        </p:nvSpPr>
+        <p:spPr>
+          <a:xfrm>
+            <a:off x="162033" y="3200729"/>
+            <a:ext cx="129632" cy="369332"/>
+          </a:xfrm>
+          <a:prstGeom prst="rect">
+            <a:avLst/>
+          </a:prstGeom>
+          <a:noFill/>
+        </p:spPr>
+        <p:txBody>
+          <a:bodyPr wrap="square" rtlCol="0">
+            <a:spAutoFit/>
+          </a:bodyPr>
+          <a:lstStyle/>
+          <a:p>
+            <a:r>
+              <a:rPr lang="en-US" dirty="0" smtClean="0"/>
+              <a:t>loop</a:t>
+            </a:r>
+            <a:endParaRPr lang="en-US" dirty="0"/>
+          </a:p>
+        </p:txBody>
+      </p:sp>
+      <p:cxnSp>
+        <p:nvCxnSpPr>
+          <p:cNvPr id="115" name="Straight Connector 114"/>
+          <p:cNvCxnSpPr/>
+          <p:nvPr/>
+        </p:nvCxnSpPr>
+        <p:spPr>
+          <a:xfrm>
+            <a:off x="170657" y="3682297"/>
+            <a:ext cx="392791" cy="0"/>
+          </a:xfrm>
+          <a:prstGeom prst="line">
+            <a:avLst/>
+          </a:prstGeom>
+        </p:spPr>
+        <p:style>
+          <a:lnRef idx="2">
+            <a:schemeClr val="accent1"/>
+          </a:lnRef>
+          <a:fillRef idx="0">
+            <a:schemeClr val="accent1"/>
+          </a:fillRef>
+          <a:effectRef idx="1">
+            <a:schemeClr val="accent1"/>
+          </a:effectRef>
+          <a:fontRef idx="minor">
+            <a:schemeClr val="tx1"/>
+          </a:fontRef>
+        </p:style>
+      </p:cxnSp>
+      <p:cxnSp>
+        <p:nvCxnSpPr>
+          <p:cNvPr id="116" name="Straight Connector 115"/>
+          <p:cNvCxnSpPr/>
+          <p:nvPr/>
+        </p:nvCxnSpPr>
+        <p:spPr>
+          <a:xfrm flipV="1">
+            <a:off x="563448" y="3571879"/>
+            <a:ext cx="209582" cy="110418"/>
+          </a:xfrm>
+          <a:prstGeom prst="line">
+            <a:avLst/>
+          </a:prstGeom>
+        </p:spPr>
+        <p:style>
+          <a:lnRef idx="2">
+            <a:schemeClr val="accent1"/>
+          </a:lnRef>
+          <a:fillRef idx="0">
+            <a:schemeClr val="accent1"/>
+          </a:fillRef>
+          <a:effectRef idx="1">
+            <a:schemeClr val="accent1"/>
+          </a:effectRef>
+          <a:fontRef idx="minor">
+            <a:schemeClr val="tx1"/>
+          </a:fontRef>
+        </p:style>
+      </p:cxnSp>
+      <p:cxnSp>
+        <p:nvCxnSpPr>
+          <p:cNvPr id="117" name="Straight Connector 116"/>
+          <p:cNvCxnSpPr/>
+          <p:nvPr/>
+        </p:nvCxnSpPr>
+        <p:spPr>
+          <a:xfrm flipV="1">
+            <a:off x="773030" y="3200729"/>
+            <a:ext cx="0" cy="371150"/>
+          </a:xfrm>
+          <a:prstGeom prst="line">
+            <a:avLst/>
+          </a:prstGeom>
+        </p:spPr>
+        <p:style>
+          <a:lnRef idx="2">
+            <a:schemeClr val="accent1"/>
+          </a:lnRef>
+          <a:fillRef idx="0">
+            <a:schemeClr val="accent1"/>
+          </a:fillRef>
+          <a:effectRef idx="1">
+            <a:schemeClr val="accent1"/>
+          </a:effectRef>
+          <a:fontRef idx="minor">
+            <a:schemeClr val="tx1"/>
+          </a:fontRef>
+        </p:style>
+      </p:cxnSp>
+      <p:cxnSp>
+        <p:nvCxnSpPr>
+          <p:cNvPr id="19" name="Straight Arrow Connector 18"/>
+          <p:cNvCxnSpPr/>
+          <p:nvPr/>
+        </p:nvCxnSpPr>
+        <p:spPr>
+          <a:xfrm>
+            <a:off x="383371" y="4289433"/>
+            <a:ext cx="2274559" cy="0"/>
+          </a:xfrm>
+          <a:prstGeom prst="straightConnector1">
+            <a:avLst/>
+          </a:prstGeom>
+          <a:ln>
+            <a:tailEnd type="arrow"/>
+          </a:ln>
+        </p:spPr>
+        <p:style>
+          <a:lnRef idx="2">
+            <a:schemeClr val="accent1"/>
+          </a:lnRef>
+          <a:fillRef idx="0">
+            <a:schemeClr val="accent1"/>
+          </a:fillRef>
+          <a:effectRef idx="1">
+            <a:schemeClr val="accent1"/>
+          </a:effectRef>
+          <a:fontRef idx="minor">
+            <a:schemeClr val="tx1"/>
+          </a:fontRef>
+        </p:style>
+      </p:cxnSp>
+      <p:sp>
+        <p:nvSpPr>
+          <p:cNvPr id="21" name="TextBox 20"/>
+          <p:cNvSpPr txBox="1"/>
+          <p:nvPr/>
+        </p:nvSpPr>
+        <p:spPr>
+          <a:xfrm>
+            <a:off x="922487" y="3385395"/>
+            <a:ext cx="907370" cy="369332"/>
+          </a:xfrm>
+          <a:prstGeom prst="rect">
+            <a:avLst/>
+          </a:prstGeom>
+          <a:noFill/>
+        </p:spPr>
+        <p:txBody>
+          <a:bodyPr wrap="none" rtlCol="0">
+            <a:spAutoFit/>
+          </a:bodyPr>
+          <a:lstStyle/>
+          <a:p>
+            <a:r>
+              <a:rPr lang="en-US" dirty="0" smtClean="0"/>
+              <a:t>Forever</a:t>
+            </a:r>
+            <a:endParaRPr lang="en-US" dirty="0"/>
+          </a:p>
+        </p:txBody>
+      </p:sp>
+      <p:sp>
+        <p:nvSpPr>
+          <p:cNvPr id="22" name="TextBox 21"/>
+          <p:cNvSpPr txBox="1"/>
+          <p:nvPr/>
+        </p:nvSpPr>
+        <p:spPr>
+          <a:xfrm>
+            <a:off x="135925" y="3920101"/>
+            <a:ext cx="2207718" cy="369332"/>
+          </a:xfrm>
+          <a:prstGeom prst="rect">
+            <a:avLst/>
+          </a:prstGeom>
+          <a:noFill/>
+        </p:spPr>
+        <p:txBody>
+          <a:bodyPr wrap="none" rtlCol="0">
+            <a:spAutoFit/>
+          </a:bodyPr>
+          <a:lstStyle/>
+          <a:p>
+            <a:r>
+              <a:rPr lang="en-US" dirty="0" err="1" smtClean="0"/>
+              <a:t>SystemRequestData</a:t>
+            </a:r>
+            <a:r>
+              <a:rPr lang="en-US" dirty="0" smtClean="0"/>
+              <a:t>()</a:t>
+            </a:r>
+            <a:endParaRPr lang="en-US" dirty="0"/>
+          </a:p>
+        </p:txBody>
+      </p:sp>
+      <p:sp>
+        <p:nvSpPr>
+          <p:cNvPr id="23" name="TextBox 22"/>
+          <p:cNvSpPr txBox="1"/>
+          <p:nvPr/>
+        </p:nvSpPr>
+        <p:spPr>
+          <a:xfrm>
+            <a:off x="383371" y="5391745"/>
+            <a:ext cx="1916856" cy="646331"/>
+          </a:xfrm>
+          <a:prstGeom prst="rect">
+            <a:avLst/>
+          </a:prstGeom>
+          <a:noFill/>
+        </p:spPr>
+        <p:txBody>
+          <a:bodyPr wrap="square" rtlCol="0">
+            <a:spAutoFit/>
+          </a:bodyPr>
+          <a:lstStyle/>
+          <a:p>
+            <a:r>
+              <a:rPr lang="en-US" dirty="0" smtClean="0"/>
+              <a:t>System runs every 5 minutes</a:t>
+            </a:r>
+            <a:endParaRPr lang="en-US" dirty="0"/>
+          </a:p>
+        </p:txBody>
+      </p:sp>
+      <p:cxnSp>
+        <p:nvCxnSpPr>
+          <p:cNvPr id="25" name="Straight Connector 24"/>
+          <p:cNvCxnSpPr/>
+          <p:nvPr/>
+        </p:nvCxnSpPr>
+        <p:spPr>
+          <a:xfrm flipH="1" flipV="1">
+            <a:off x="563448" y="4768699"/>
+            <a:ext cx="209582" cy="623046"/>
+          </a:xfrm>
+          <a:prstGeom prst="line">
+            <a:avLst/>
+          </a:prstGeom>
+        </p:spPr>
+        <p:style>
+          <a:lnRef idx="2">
+            <a:schemeClr val="accent1"/>
+          </a:lnRef>
+          <a:fillRef idx="0">
+            <a:schemeClr val="accent1"/>
+          </a:fillRef>
+          <a:effectRef idx="1">
+            <a:schemeClr val="accent1"/>
+          </a:effectRef>
+          <a:fontRef idx="minor">
+            <a:schemeClr val="tx1"/>
+          </a:fontRef>
+        </p:style>
+      </p:cxnSp>
+      <p:sp>
+        <p:nvSpPr>
+          <p:cNvPr id="118" name="Rectangle 117"/>
+          <p:cNvSpPr/>
+          <p:nvPr/>
+        </p:nvSpPr>
+        <p:spPr>
+          <a:xfrm>
+            <a:off x="5980004" y="2576056"/>
+            <a:ext cx="407332" cy="2815689"/>
+          </a:xfrm>
+          <a:prstGeom prst="rect">
+            <a:avLst/>
+          </a:prstGeom>
+        </p:spPr>
+        <p:style>
+          <a:lnRef idx="1">
+            <a:schemeClr val="accent1"/>
+          </a:lnRef>
+          <a:fillRef idx="3">
+            <a:schemeClr val="accent1"/>
+          </a:fillRef>
+          <a:effectRef idx="2">
+            <a:schemeClr val="accent1"/>
+          </a:effectRef>
+          <a:fontRef idx="minor">
+            <a:schemeClr val="lt1"/>
+          </a:fontRef>
+        </p:style>
+        <p:txBody>
+          <a:bodyPr rtlCol="0" anchor="ctr"/>
+          <a:lstStyle/>
+          <a:p>
+            <a:pPr algn="ctr"/>
+            <a:endParaRPr lang="en-US"/>
+          </a:p>
+        </p:txBody>
+      </p:sp>
+      <p:sp>
+        <p:nvSpPr>
+          <p:cNvPr id="119" name="TextBox 118"/>
+          <p:cNvSpPr txBox="1"/>
+          <p:nvPr/>
+        </p:nvSpPr>
+        <p:spPr>
+          <a:xfrm>
+            <a:off x="5431660" y="2206724"/>
+            <a:ext cx="1505540" cy="369332"/>
+          </a:xfrm>
+          <a:prstGeom prst="rect">
+            <a:avLst/>
+          </a:prstGeom>
+          <a:noFill/>
+        </p:spPr>
+        <p:txBody>
+          <a:bodyPr wrap="none" rtlCol="0">
+            <a:spAutoFit/>
+          </a:bodyPr>
+          <a:lstStyle/>
+          <a:p>
+            <a:r>
+              <a:rPr lang="en-US" dirty="0" smtClean="0"/>
+              <a:t>ODOT/</a:t>
+            </a:r>
+            <a:r>
+              <a:rPr lang="en-US" dirty="0" err="1" smtClean="0"/>
+              <a:t>Artimis</a:t>
+            </a:r>
+            <a:endParaRPr lang="en-US" dirty="0"/>
+          </a:p>
+        </p:txBody>
+      </p:sp>
+      <p:cxnSp>
+        <p:nvCxnSpPr>
+          <p:cNvPr id="120" name="Straight Arrow Connector 119"/>
+          <p:cNvCxnSpPr/>
+          <p:nvPr/>
+        </p:nvCxnSpPr>
+        <p:spPr>
+          <a:xfrm>
+            <a:off x="3065262" y="3558080"/>
+            <a:ext cx="2914742" cy="0"/>
+          </a:xfrm>
+          <a:prstGeom prst="straightConnector1">
+            <a:avLst/>
+          </a:prstGeom>
+          <a:ln>
+            <a:tailEnd type="arrow"/>
+          </a:ln>
+        </p:spPr>
+        <p:style>
+          <a:lnRef idx="2">
+            <a:schemeClr val="accent1"/>
+          </a:lnRef>
+          <a:fillRef idx="0">
+            <a:schemeClr val="accent1"/>
+          </a:fillRef>
+          <a:effectRef idx="1">
+            <a:schemeClr val="accent1"/>
+          </a:effectRef>
+          <a:fontRef idx="minor">
+            <a:schemeClr val="tx1"/>
+          </a:fontRef>
+        </p:style>
+      </p:cxnSp>
+      <p:sp>
+        <p:nvSpPr>
+          <p:cNvPr id="121" name="TextBox 120"/>
+          <p:cNvSpPr txBox="1"/>
+          <p:nvPr/>
+        </p:nvSpPr>
+        <p:spPr>
+          <a:xfrm>
+            <a:off x="3580348" y="3168463"/>
+            <a:ext cx="1408484" cy="369332"/>
+          </a:xfrm>
+          <a:prstGeom prst="rect">
+            <a:avLst/>
+          </a:prstGeom>
+          <a:noFill/>
+        </p:spPr>
+        <p:txBody>
+          <a:bodyPr wrap="none" rtlCol="0">
+            <a:spAutoFit/>
+          </a:bodyPr>
+          <a:lstStyle/>
+          <a:p>
+            <a:r>
+              <a:rPr lang="en-US" dirty="0" err="1" smtClean="0"/>
+              <a:t>ImportData</a:t>
+            </a:r>
+            <a:r>
+              <a:rPr lang="en-US" dirty="0" smtClean="0"/>
+              <a:t>()</a:t>
+            </a:r>
+            <a:endParaRPr lang="en-US" dirty="0"/>
+          </a:p>
+        </p:txBody>
+      </p:sp>
+      <p:cxnSp>
+        <p:nvCxnSpPr>
+          <p:cNvPr id="37" name="Straight Arrow Connector 36"/>
+          <p:cNvCxnSpPr/>
+          <p:nvPr/>
+        </p:nvCxnSpPr>
+        <p:spPr>
+          <a:xfrm flipH="1">
+            <a:off x="3065262" y="5152112"/>
+            <a:ext cx="2914742" cy="0"/>
+          </a:xfrm>
+          <a:prstGeom prst="straightConnector1">
+            <a:avLst/>
+          </a:prstGeom>
+          <a:ln>
+            <a:tailEnd type="arrow"/>
+          </a:ln>
+        </p:spPr>
+        <p:style>
+          <a:lnRef idx="2">
+            <a:schemeClr val="accent1"/>
+          </a:lnRef>
+          <a:fillRef idx="0">
+            <a:schemeClr val="accent1"/>
+          </a:fillRef>
+          <a:effectRef idx="1">
+            <a:schemeClr val="accent1"/>
+          </a:effectRef>
+          <a:fontRef idx="minor">
+            <a:schemeClr val="tx1"/>
+          </a:fontRef>
+        </p:style>
+      </p:cxnSp>
+      <p:sp>
+        <p:nvSpPr>
+          <p:cNvPr id="127" name="TextBox 126"/>
+          <p:cNvSpPr txBox="1"/>
+          <p:nvPr/>
+        </p:nvSpPr>
+        <p:spPr>
+          <a:xfrm>
+            <a:off x="3816611" y="4765857"/>
+            <a:ext cx="1390124" cy="369332"/>
+          </a:xfrm>
+          <a:prstGeom prst="rect">
+            <a:avLst/>
+          </a:prstGeom>
+          <a:noFill/>
+        </p:spPr>
+        <p:txBody>
+          <a:bodyPr wrap="none" rtlCol="0">
+            <a:spAutoFit/>
+          </a:bodyPr>
+          <a:lstStyle/>
+          <a:p>
+            <a:r>
+              <a:rPr lang="en-US" dirty="0" smtClean="0"/>
+              <a:t>Returns XML</a:t>
+            </a:r>
+            <a:endParaRPr lang="en-US" dirty="0"/>
+          </a:p>
+        </p:txBody>
+      </p:sp>
+    </p:spTree>
+    <p:extLst>
+      <p:ext uri="{BB962C8B-B14F-4D97-AF65-F5344CB8AC3E}">
+        <p14:creationId xmlns:p14="http://schemas.microsoft.com/office/powerpoint/2010/main" val="1833645551"/>
+      </p:ext>
+    </p:extLst>
+  </p:cSld>
+  <p:clrMapOvr>
+    <a:masterClrMapping/>
+  </p:clrMapOvr>
+  <p:timing>
+    <p:tnLst>
+      <p:par>
+        <p:cTn xmlns:p14="http://schemas.microsoft.com/office/powerpoint/2010/main" id="1" dur="indefinite" restart="never" nodeType="tmRoot"/>
+      </p:par>
+    </p:tnLst>
+  </p:timing>
+</p:sld>
+</file>
+
+<file path=ppt/slides/slide18.xml><?xml version="1.0" encoding="utf-8"?>
+<p:sld xmlns:a="http://schemas.openxmlformats.org/drawingml/2006/main" xmlns:r="http://schemas.openxmlformats.org/officeDocument/2006/relationships" xmlns:p="http://schemas.openxmlformats.org/presentationml/2006/main">
+  <p:cSld>
+    <p:spTree>
+      <p:nvGrpSpPr>
+        <p:cNvPr id="1" name=""/>
+        <p:cNvGrpSpPr/>
+        <p:nvPr/>
+      </p:nvGrpSpPr>
+      <p:grpSpPr>
+        <a:xfrm>
+          <a:off x="0" y="0"/>
+          <a:ext cx="0" cy="0"/>
+          <a:chOff x="0" y="0"/>
+          <a:chExt cx="0" cy="0"/>
+        </a:xfrm>
+      </p:grpSpPr>
+      <p:sp>
+        <p:nvSpPr>
+          <p:cNvPr id="62" name="TextBox 61"/>
+          <p:cNvSpPr txBox="1"/>
+          <p:nvPr/>
+        </p:nvSpPr>
+        <p:spPr>
+          <a:xfrm>
+            <a:off x="2657930" y="408211"/>
+            <a:ext cx="3525740" cy="1200328"/>
+          </a:xfrm>
+          <a:prstGeom prst="rect">
+            <a:avLst/>
+          </a:prstGeom>
+          <a:noFill/>
+          <a:ln>
+            <a:noFill/>
+          </a:ln>
+        </p:spPr>
+        <p:txBody>
+          <a:bodyPr wrap="square" rtlCol="0">
+            <a:spAutoFit/>
+          </a:bodyPr>
+          <a:lstStyle/>
+          <a:p>
+            <a:pPr algn="ctr"/>
+            <a:r>
+              <a:rPr lang="en-US" sz="2400" b="1" dirty="0" smtClean="0">
+                <a:ln w="1905"/>
+                <a:solidFill>
+                  <a:srgbClr val="558ED5"/>
+                </a:solidFill>
+                <a:effectLst>
+                  <a:innerShdw blurRad="69850" dist="43180" dir="5400000">
+                    <a:srgbClr val="000000">
+                      <a:alpha val="65000"/>
+                    </a:srgbClr>
+                  </a:innerShdw>
+                </a:effectLst>
+                <a:latin typeface="+mj-lt"/>
+              </a:rPr>
+              <a:t>Interaction (Sequence) Diagram – Use Case 3: Update Data by User</a:t>
+            </a:r>
+            <a:endParaRPr lang="en-US" sz="2400" b="1" dirty="0" smtClean="0">
+              <a:ln w="1905"/>
+              <a:solidFill>
+                <a:srgbClr val="558ED5"/>
+              </a:solidFill>
+              <a:effectLst>
+                <a:innerShdw blurRad="69850" dist="43180" dir="5400000">
+                  <a:srgbClr val="000000">
+                    <a:alpha val="65000"/>
+                  </a:srgbClr>
+                </a:innerShdw>
+              </a:effectLst>
+              <a:latin typeface="+mj-lt"/>
+            </a:endParaRPr>
+          </a:p>
+        </p:txBody>
+      </p:sp>
+      <p:sp>
+        <p:nvSpPr>
+          <p:cNvPr id="2" name="Rectangle 1"/>
+          <p:cNvSpPr/>
+          <p:nvPr/>
+        </p:nvSpPr>
+        <p:spPr>
+          <a:xfrm>
+            <a:off x="2657930" y="2995414"/>
+            <a:ext cx="407332" cy="2815689"/>
+          </a:xfrm>
+          <a:prstGeom prst="rect">
+            <a:avLst/>
+          </a:prstGeom>
+        </p:spPr>
+        <p:style>
+          <a:lnRef idx="1">
+            <a:schemeClr val="accent1"/>
+          </a:lnRef>
+          <a:fillRef idx="3">
+            <a:schemeClr val="accent1"/>
+          </a:fillRef>
+          <a:effectRef idx="2">
+            <a:schemeClr val="accent1"/>
+          </a:effectRef>
+          <a:fontRef idx="minor">
+            <a:schemeClr val="lt1"/>
+          </a:fontRef>
+        </p:style>
+        <p:txBody>
+          <a:bodyPr rtlCol="0" anchor="ctr"/>
+          <a:lstStyle/>
+          <a:p>
+            <a:pPr algn="ctr"/>
+            <a:endParaRPr lang="en-US"/>
+          </a:p>
+        </p:txBody>
+      </p:sp>
+      <p:sp>
+        <p:nvSpPr>
+          <p:cNvPr id="4" name="TextBox 3"/>
+          <p:cNvSpPr txBox="1"/>
+          <p:nvPr/>
+        </p:nvSpPr>
+        <p:spPr>
+          <a:xfrm>
+            <a:off x="2109586" y="2580998"/>
+            <a:ext cx="1415772" cy="369332"/>
+          </a:xfrm>
+          <a:prstGeom prst="rect">
+            <a:avLst/>
+          </a:prstGeom>
+          <a:noFill/>
+        </p:spPr>
+        <p:txBody>
+          <a:bodyPr wrap="none" rtlCol="0">
+            <a:spAutoFit/>
+          </a:bodyPr>
+          <a:lstStyle/>
+          <a:p>
+            <a:r>
+              <a:rPr lang="en-US" dirty="0" smtClean="0"/>
+              <a:t>Road Activity</a:t>
+            </a:r>
+            <a:endParaRPr lang="en-US" dirty="0"/>
+          </a:p>
+        </p:txBody>
+      </p:sp>
+      <p:cxnSp>
+        <p:nvCxnSpPr>
+          <p:cNvPr id="19" name="Straight Arrow Connector 18"/>
+          <p:cNvCxnSpPr/>
+          <p:nvPr/>
+        </p:nvCxnSpPr>
+        <p:spPr>
+          <a:xfrm>
+            <a:off x="383371" y="4289433"/>
+            <a:ext cx="2274559" cy="0"/>
+          </a:xfrm>
+          <a:prstGeom prst="straightConnector1">
+            <a:avLst/>
+          </a:prstGeom>
+          <a:ln>
+            <a:tailEnd type="arrow"/>
+          </a:ln>
+        </p:spPr>
+        <p:style>
+          <a:lnRef idx="2">
+            <a:schemeClr val="accent1"/>
+          </a:lnRef>
+          <a:fillRef idx="0">
+            <a:schemeClr val="accent1"/>
+          </a:fillRef>
+          <a:effectRef idx="1">
+            <a:schemeClr val="accent1"/>
+          </a:effectRef>
+          <a:fontRef idx="minor">
+            <a:schemeClr val="tx1"/>
+          </a:fontRef>
+        </p:style>
+      </p:cxnSp>
+      <p:sp>
+        <p:nvSpPr>
+          <p:cNvPr id="22" name="TextBox 21"/>
+          <p:cNvSpPr txBox="1"/>
+          <p:nvPr/>
+        </p:nvSpPr>
+        <p:spPr>
+          <a:xfrm>
+            <a:off x="383371" y="3920101"/>
+            <a:ext cx="1842196" cy="369332"/>
+          </a:xfrm>
+          <a:prstGeom prst="rect">
+            <a:avLst/>
+          </a:prstGeom>
+          <a:noFill/>
+        </p:spPr>
+        <p:txBody>
+          <a:bodyPr wrap="none" rtlCol="0">
+            <a:spAutoFit/>
+          </a:bodyPr>
+          <a:lstStyle/>
+          <a:p>
+            <a:r>
+              <a:rPr lang="en-US" dirty="0" err="1" smtClean="0"/>
+              <a:t>UserImportData</a:t>
+            </a:r>
+            <a:r>
+              <a:rPr lang="en-US" dirty="0" smtClean="0"/>
+              <a:t>()</a:t>
+            </a:r>
+            <a:endParaRPr lang="en-US" dirty="0"/>
+          </a:p>
+        </p:txBody>
+      </p:sp>
+      <p:sp>
+        <p:nvSpPr>
+          <p:cNvPr id="118" name="Rectangle 117"/>
+          <p:cNvSpPr/>
+          <p:nvPr/>
+        </p:nvSpPr>
+        <p:spPr>
+          <a:xfrm>
+            <a:off x="5980004" y="2576056"/>
+            <a:ext cx="407332" cy="2815689"/>
+          </a:xfrm>
+          <a:prstGeom prst="rect">
+            <a:avLst/>
+          </a:prstGeom>
+        </p:spPr>
+        <p:style>
+          <a:lnRef idx="1">
+            <a:schemeClr val="accent1"/>
+          </a:lnRef>
+          <a:fillRef idx="3">
+            <a:schemeClr val="accent1"/>
+          </a:fillRef>
+          <a:effectRef idx="2">
+            <a:schemeClr val="accent1"/>
+          </a:effectRef>
+          <a:fontRef idx="minor">
+            <a:schemeClr val="lt1"/>
+          </a:fontRef>
+        </p:style>
+        <p:txBody>
+          <a:bodyPr rtlCol="0" anchor="ctr"/>
+          <a:lstStyle/>
+          <a:p>
+            <a:pPr algn="ctr"/>
+            <a:endParaRPr lang="en-US"/>
+          </a:p>
+        </p:txBody>
+      </p:sp>
+      <p:sp>
+        <p:nvSpPr>
+          <p:cNvPr id="119" name="TextBox 118"/>
+          <p:cNvSpPr txBox="1"/>
+          <p:nvPr/>
+        </p:nvSpPr>
+        <p:spPr>
+          <a:xfrm>
+            <a:off x="5431660" y="2206724"/>
+            <a:ext cx="1505540" cy="369332"/>
+          </a:xfrm>
+          <a:prstGeom prst="rect">
+            <a:avLst/>
+          </a:prstGeom>
+          <a:noFill/>
+        </p:spPr>
+        <p:txBody>
+          <a:bodyPr wrap="none" rtlCol="0">
+            <a:spAutoFit/>
+          </a:bodyPr>
+          <a:lstStyle/>
+          <a:p>
+            <a:r>
+              <a:rPr lang="en-US" dirty="0" smtClean="0"/>
+              <a:t>ODOT/</a:t>
+            </a:r>
+            <a:r>
+              <a:rPr lang="en-US" dirty="0" err="1" smtClean="0"/>
+              <a:t>Artimis</a:t>
+            </a:r>
+            <a:endParaRPr lang="en-US" dirty="0"/>
+          </a:p>
+        </p:txBody>
+      </p:sp>
+      <p:cxnSp>
+        <p:nvCxnSpPr>
+          <p:cNvPr id="120" name="Straight Arrow Connector 119"/>
+          <p:cNvCxnSpPr/>
+          <p:nvPr/>
+        </p:nvCxnSpPr>
+        <p:spPr>
+          <a:xfrm>
+            <a:off x="3065262" y="3558080"/>
+            <a:ext cx="2914742" cy="0"/>
+          </a:xfrm>
+          <a:prstGeom prst="straightConnector1">
+            <a:avLst/>
+          </a:prstGeom>
+          <a:ln>
+            <a:tailEnd type="arrow"/>
+          </a:ln>
+        </p:spPr>
+        <p:style>
+          <a:lnRef idx="2">
+            <a:schemeClr val="accent1"/>
+          </a:lnRef>
+          <a:fillRef idx="0">
+            <a:schemeClr val="accent1"/>
+          </a:fillRef>
+          <a:effectRef idx="1">
+            <a:schemeClr val="accent1"/>
+          </a:effectRef>
+          <a:fontRef idx="minor">
+            <a:schemeClr val="tx1"/>
+          </a:fontRef>
+        </p:style>
+      </p:cxnSp>
+      <p:sp>
+        <p:nvSpPr>
+          <p:cNvPr id="121" name="TextBox 120"/>
+          <p:cNvSpPr txBox="1"/>
+          <p:nvPr/>
+        </p:nvSpPr>
+        <p:spPr>
+          <a:xfrm>
+            <a:off x="3580348" y="3168463"/>
+            <a:ext cx="1408484" cy="369332"/>
+          </a:xfrm>
+          <a:prstGeom prst="rect">
+            <a:avLst/>
+          </a:prstGeom>
+          <a:noFill/>
+        </p:spPr>
+        <p:txBody>
+          <a:bodyPr wrap="none" rtlCol="0">
+            <a:spAutoFit/>
+          </a:bodyPr>
+          <a:lstStyle/>
+          <a:p>
+            <a:r>
+              <a:rPr lang="en-US" dirty="0" err="1" smtClean="0"/>
+              <a:t>ImportData</a:t>
+            </a:r>
+            <a:r>
+              <a:rPr lang="en-US" dirty="0" smtClean="0"/>
+              <a:t>()</a:t>
+            </a:r>
+            <a:endParaRPr lang="en-US" dirty="0"/>
+          </a:p>
+        </p:txBody>
+      </p:sp>
+      <p:cxnSp>
+        <p:nvCxnSpPr>
+          <p:cNvPr id="37" name="Straight Arrow Connector 36"/>
+          <p:cNvCxnSpPr/>
+          <p:nvPr/>
+        </p:nvCxnSpPr>
+        <p:spPr>
+          <a:xfrm flipH="1">
+            <a:off x="3065262" y="5152112"/>
+            <a:ext cx="2914742" cy="0"/>
+          </a:xfrm>
+          <a:prstGeom prst="straightConnector1">
+            <a:avLst/>
+          </a:prstGeom>
+          <a:ln>
+            <a:tailEnd type="arrow"/>
+          </a:ln>
+        </p:spPr>
+        <p:style>
+          <a:lnRef idx="2">
+            <a:schemeClr val="accent1"/>
+          </a:lnRef>
+          <a:fillRef idx="0">
+            <a:schemeClr val="accent1"/>
+          </a:fillRef>
+          <a:effectRef idx="1">
+            <a:schemeClr val="accent1"/>
+          </a:effectRef>
+          <a:fontRef idx="minor">
+            <a:schemeClr val="tx1"/>
+          </a:fontRef>
+        </p:style>
+      </p:cxnSp>
+      <p:sp>
+        <p:nvSpPr>
+          <p:cNvPr id="127" name="TextBox 126"/>
+          <p:cNvSpPr txBox="1"/>
+          <p:nvPr/>
+        </p:nvSpPr>
+        <p:spPr>
+          <a:xfrm>
+            <a:off x="3816611" y="4765857"/>
+            <a:ext cx="1390124" cy="369332"/>
+          </a:xfrm>
+          <a:prstGeom prst="rect">
+            <a:avLst/>
+          </a:prstGeom>
+          <a:noFill/>
+        </p:spPr>
+        <p:txBody>
+          <a:bodyPr wrap="none" rtlCol="0">
+            <a:spAutoFit/>
+          </a:bodyPr>
+          <a:lstStyle/>
+          <a:p>
+            <a:r>
+              <a:rPr lang="en-US" dirty="0" smtClean="0"/>
+              <a:t>Returns XML</a:t>
+            </a:r>
+            <a:endParaRPr lang="en-US" dirty="0"/>
+          </a:p>
+        </p:txBody>
+      </p:sp>
+    </p:spTree>
+    <p:extLst>
+      <p:ext uri="{BB962C8B-B14F-4D97-AF65-F5344CB8AC3E}">
+        <p14:creationId xmlns:p14="http://schemas.microsoft.com/office/powerpoint/2010/main" val="3118388067"/>
+      </p:ext>
+    </p:extLst>
+  </p:cSld>
+  <p:clrMapOvr>
+    <a:masterClrMapping/>
+  </p:clrMapOvr>
+  <p:timing>
+    <p:tnLst>
+      <p:par>
+        <p:cTn xmlns:p14="http://schemas.microsoft.com/office/powerpoint/2010/main" id="1" dur="indefinite" restart="never" nodeType="tmRoot"/>
+      </p:par>
+    </p:tnLst>
+  </p:timing>
+</p:sld>
+</file>
+
+<file path=ppt/slides/slide19.xml><?xml version="1.0" encoding="utf-8"?>
+<p:sld xmlns:a="http://schemas.openxmlformats.org/drawingml/2006/main" xmlns:r="http://schemas.openxmlformats.org/officeDocument/2006/relationships" xmlns:p="http://schemas.openxmlformats.org/presentationml/2006/main">
+  <p:cSld>
+    <p:spTree>
+      <p:nvGrpSpPr>
+        <p:cNvPr id="1" name=""/>
+        <p:cNvGrpSpPr/>
+        <p:nvPr/>
+      </p:nvGrpSpPr>
+      <p:grpSpPr>
+        <a:xfrm>
+          <a:off x="0" y="0"/>
+          <a:ext cx="0" cy="0"/>
+          <a:chOff x="0" y="0"/>
+          <a:chExt cx="0" cy="0"/>
+        </a:xfrm>
+      </p:grpSpPr>
+      <p:sp>
+        <p:nvSpPr>
+          <p:cNvPr id="62" name="TextBox 61"/>
+          <p:cNvSpPr txBox="1"/>
+          <p:nvPr/>
+        </p:nvSpPr>
+        <p:spPr>
+          <a:xfrm>
+            <a:off x="2657930" y="408211"/>
+            <a:ext cx="3525740" cy="1200328"/>
+          </a:xfrm>
+          <a:prstGeom prst="rect">
+            <a:avLst/>
+          </a:prstGeom>
+          <a:noFill/>
+          <a:ln>
+            <a:noFill/>
+          </a:ln>
+        </p:spPr>
+        <p:txBody>
+          <a:bodyPr wrap="square" rtlCol="0">
+            <a:spAutoFit/>
+          </a:bodyPr>
+          <a:lstStyle/>
+          <a:p>
+            <a:pPr algn="ctr"/>
+            <a:r>
+              <a:rPr lang="en-US" sz="2400" b="1" dirty="0" smtClean="0">
+                <a:ln w="1905"/>
+                <a:solidFill>
+                  <a:srgbClr val="558ED5"/>
+                </a:solidFill>
+                <a:effectLst>
+                  <a:innerShdw blurRad="69850" dist="43180" dir="5400000">
+                    <a:srgbClr val="000000">
+                      <a:alpha val="65000"/>
+                    </a:srgbClr>
+                  </a:innerShdw>
+                </a:effectLst>
+                <a:latin typeface="+mj-lt"/>
+              </a:rPr>
+              <a:t>Interaction (Sequence) Diagram – Use Case 4: Analyze Road Activity</a:t>
+            </a:r>
+            <a:endParaRPr lang="en-US" sz="2400" b="1" dirty="0" smtClean="0">
+              <a:ln w="1905"/>
+              <a:solidFill>
+                <a:srgbClr val="558ED5"/>
+              </a:solidFill>
+              <a:effectLst>
+                <a:innerShdw blurRad="69850" dist="43180" dir="5400000">
+                  <a:srgbClr val="000000">
+                    <a:alpha val="65000"/>
+                  </a:srgbClr>
+                </a:innerShdw>
+              </a:effectLst>
+              <a:latin typeface="+mj-lt"/>
+            </a:endParaRPr>
+          </a:p>
+        </p:txBody>
+      </p:sp>
+      <p:sp>
+        <p:nvSpPr>
+          <p:cNvPr id="2" name="Rectangle 1"/>
+          <p:cNvSpPr/>
+          <p:nvPr/>
+        </p:nvSpPr>
+        <p:spPr>
+          <a:xfrm>
+            <a:off x="2657930" y="2995414"/>
+            <a:ext cx="407332" cy="2815689"/>
+          </a:xfrm>
+          <a:prstGeom prst="rect">
+            <a:avLst/>
+          </a:prstGeom>
+        </p:spPr>
+        <p:style>
+          <a:lnRef idx="1">
+            <a:schemeClr val="accent1"/>
+          </a:lnRef>
+          <a:fillRef idx="3">
+            <a:schemeClr val="accent1"/>
+          </a:fillRef>
+          <a:effectRef idx="2">
+            <a:schemeClr val="accent1"/>
+          </a:effectRef>
+          <a:fontRef idx="minor">
+            <a:schemeClr val="lt1"/>
+          </a:fontRef>
+        </p:style>
+        <p:txBody>
+          <a:bodyPr rtlCol="0" anchor="ctr"/>
+          <a:lstStyle/>
+          <a:p>
+            <a:pPr algn="ctr"/>
+            <a:endParaRPr lang="en-US"/>
+          </a:p>
+        </p:txBody>
+      </p:sp>
+      <p:sp>
+        <p:nvSpPr>
+          <p:cNvPr id="4" name="TextBox 3"/>
+          <p:cNvSpPr txBox="1"/>
+          <p:nvPr/>
+        </p:nvSpPr>
+        <p:spPr>
+          <a:xfrm>
+            <a:off x="2109586" y="2580998"/>
+            <a:ext cx="2198038" cy="369332"/>
+          </a:xfrm>
+          <a:prstGeom prst="rect">
+            <a:avLst/>
+          </a:prstGeom>
+          <a:noFill/>
+        </p:spPr>
+        <p:txBody>
+          <a:bodyPr wrap="none" rtlCol="0">
+            <a:spAutoFit/>
+          </a:bodyPr>
+          <a:lstStyle/>
+          <a:p>
+            <a:r>
+              <a:rPr lang="en-US" dirty="0" smtClean="0"/>
+              <a:t>Analyze Road Activity</a:t>
+            </a:r>
+            <a:endParaRPr lang="en-US" dirty="0"/>
+          </a:p>
+        </p:txBody>
+      </p:sp>
+      <p:cxnSp>
+        <p:nvCxnSpPr>
+          <p:cNvPr id="19" name="Straight Arrow Connector 18"/>
+          <p:cNvCxnSpPr/>
+          <p:nvPr/>
+        </p:nvCxnSpPr>
+        <p:spPr>
+          <a:xfrm>
+            <a:off x="383371" y="4289433"/>
+            <a:ext cx="2274559" cy="0"/>
+          </a:xfrm>
+          <a:prstGeom prst="straightConnector1">
+            <a:avLst/>
+          </a:prstGeom>
+          <a:ln>
+            <a:tailEnd type="arrow"/>
+          </a:ln>
+        </p:spPr>
+        <p:style>
+          <a:lnRef idx="2">
+            <a:schemeClr val="accent1"/>
+          </a:lnRef>
+          <a:fillRef idx="0">
+            <a:schemeClr val="accent1"/>
+          </a:fillRef>
+          <a:effectRef idx="1">
+            <a:schemeClr val="accent1"/>
+          </a:effectRef>
+          <a:fontRef idx="minor">
+            <a:schemeClr val="tx1"/>
+          </a:fontRef>
+        </p:style>
+      </p:cxnSp>
+      <p:sp>
+        <p:nvSpPr>
+          <p:cNvPr id="22" name="TextBox 21"/>
+          <p:cNvSpPr txBox="1"/>
+          <p:nvPr/>
+        </p:nvSpPr>
+        <p:spPr>
+          <a:xfrm>
+            <a:off x="135925" y="3920101"/>
+            <a:ext cx="1903085" cy="369332"/>
+          </a:xfrm>
+          <a:prstGeom prst="rect">
+            <a:avLst/>
+          </a:prstGeom>
+          <a:noFill/>
+        </p:spPr>
+        <p:txBody>
+          <a:bodyPr wrap="none" rtlCol="0">
+            <a:spAutoFit/>
+          </a:bodyPr>
+          <a:lstStyle/>
+          <a:p>
+            <a:r>
+              <a:rPr lang="en-US" dirty="0" smtClean="0"/>
+              <a:t>User selects filters</a:t>
+            </a:r>
+            <a:endParaRPr lang="en-US" dirty="0"/>
+          </a:p>
+        </p:txBody>
+      </p:sp>
+      <p:sp>
+        <p:nvSpPr>
+          <p:cNvPr id="118" name="Rectangle 117"/>
+          <p:cNvSpPr/>
+          <p:nvPr/>
+        </p:nvSpPr>
+        <p:spPr>
+          <a:xfrm>
+            <a:off x="7297842" y="2580998"/>
+            <a:ext cx="407332" cy="2815689"/>
+          </a:xfrm>
+          <a:prstGeom prst="rect">
+            <a:avLst/>
+          </a:prstGeom>
+        </p:spPr>
+        <p:style>
+          <a:lnRef idx="1">
+            <a:schemeClr val="accent1"/>
+          </a:lnRef>
+          <a:fillRef idx="3">
+            <a:schemeClr val="accent1"/>
+          </a:fillRef>
+          <a:effectRef idx="2">
+            <a:schemeClr val="accent1"/>
+          </a:effectRef>
+          <a:fontRef idx="minor">
+            <a:schemeClr val="lt1"/>
+          </a:fontRef>
+        </p:style>
+        <p:txBody>
+          <a:bodyPr rtlCol="0" anchor="ctr"/>
+          <a:lstStyle/>
+          <a:p>
+            <a:pPr algn="ctr"/>
+            <a:endParaRPr lang="en-US"/>
+          </a:p>
+        </p:txBody>
+      </p:sp>
+      <p:sp>
+        <p:nvSpPr>
+          <p:cNvPr id="119" name="TextBox 118"/>
+          <p:cNvSpPr txBox="1"/>
+          <p:nvPr/>
+        </p:nvSpPr>
+        <p:spPr>
+          <a:xfrm>
+            <a:off x="6701577" y="2206724"/>
+            <a:ext cx="1415772" cy="369332"/>
+          </a:xfrm>
+          <a:prstGeom prst="rect">
+            <a:avLst/>
+          </a:prstGeom>
+          <a:noFill/>
+        </p:spPr>
+        <p:txBody>
+          <a:bodyPr wrap="none" rtlCol="0">
+            <a:spAutoFit/>
+          </a:bodyPr>
+          <a:lstStyle/>
+          <a:p>
+            <a:r>
+              <a:rPr lang="en-US" dirty="0" smtClean="0"/>
+              <a:t>Road Activity</a:t>
+            </a:r>
+            <a:endParaRPr lang="en-US" dirty="0"/>
+          </a:p>
+        </p:txBody>
+      </p:sp>
+      <p:cxnSp>
+        <p:nvCxnSpPr>
+          <p:cNvPr id="120" name="Straight Arrow Connector 119"/>
+          <p:cNvCxnSpPr/>
+          <p:nvPr/>
+        </p:nvCxnSpPr>
+        <p:spPr>
+          <a:xfrm flipV="1">
+            <a:off x="3065262" y="3537795"/>
+            <a:ext cx="4232580" cy="20286"/>
+          </a:xfrm>
+          <a:prstGeom prst="straightConnector1">
+            <a:avLst/>
+          </a:prstGeom>
+          <a:ln>
+            <a:tailEnd type="arrow"/>
+          </a:ln>
+        </p:spPr>
+        <p:style>
+          <a:lnRef idx="2">
+            <a:schemeClr val="accent1"/>
+          </a:lnRef>
+          <a:fillRef idx="0">
+            <a:schemeClr val="accent1"/>
+          </a:fillRef>
+          <a:effectRef idx="1">
+            <a:schemeClr val="accent1"/>
+          </a:effectRef>
+          <a:fontRef idx="minor">
+            <a:schemeClr val="tx1"/>
+          </a:fontRef>
+        </p:style>
+      </p:cxnSp>
+      <p:sp>
+        <p:nvSpPr>
+          <p:cNvPr id="121" name="TextBox 120"/>
+          <p:cNvSpPr txBox="1"/>
+          <p:nvPr/>
+        </p:nvSpPr>
+        <p:spPr>
+          <a:xfrm>
+            <a:off x="3161036" y="3076130"/>
+            <a:ext cx="4087965" cy="923330"/>
+          </a:xfrm>
+          <a:prstGeom prst="rect">
+            <a:avLst/>
+          </a:prstGeom>
+          <a:noFill/>
+        </p:spPr>
+        <p:txBody>
+          <a:bodyPr wrap="none" rtlCol="0">
+            <a:spAutoFit/>
+          </a:bodyPr>
+          <a:lstStyle/>
+          <a:p>
+            <a:r>
+              <a:rPr lang="en-US" dirty="0" err="1" smtClean="0"/>
+              <a:t>filterRoadActivity</a:t>
+            </a:r>
+            <a:r>
+              <a:rPr lang="en-US" dirty="0" smtClean="0"/>
+              <a:t> =</a:t>
+            </a:r>
+          </a:p>
+          <a:p>
+            <a:endParaRPr lang="en-US" dirty="0"/>
+          </a:p>
+          <a:p>
+            <a:r>
+              <a:rPr lang="en-US" dirty="0" smtClean="0"/>
+              <a:t>  filter(</a:t>
+            </a:r>
+            <a:r>
+              <a:rPr lang="en-US" dirty="0" err="1" smtClean="0"/>
+              <a:t>categoryType</a:t>
+            </a:r>
+            <a:r>
+              <a:rPr lang="en-US" dirty="0" smtClean="0"/>
+              <a:t>, </a:t>
+            </a:r>
+            <a:r>
+              <a:rPr lang="en-US" dirty="0" err="1" smtClean="0"/>
+              <a:t>startTime</a:t>
+            </a:r>
+            <a:r>
+              <a:rPr lang="en-US" dirty="0" smtClean="0"/>
+              <a:t>, </a:t>
+            </a:r>
+            <a:r>
+              <a:rPr lang="en-US" dirty="0" err="1" smtClean="0"/>
+              <a:t>endTime</a:t>
+            </a:r>
+            <a:r>
+              <a:rPr lang="en-US" dirty="0" smtClean="0"/>
+              <a:t>)</a:t>
+            </a:r>
+            <a:endParaRPr lang="en-US" dirty="0"/>
+          </a:p>
+        </p:txBody>
+      </p:sp>
+      <p:cxnSp>
+        <p:nvCxnSpPr>
+          <p:cNvPr id="37" name="Straight Arrow Connector 36"/>
+          <p:cNvCxnSpPr/>
+          <p:nvPr/>
+        </p:nvCxnSpPr>
+        <p:spPr>
+          <a:xfrm flipH="1">
+            <a:off x="3065262" y="5135189"/>
+            <a:ext cx="4232580" cy="16923"/>
+          </a:xfrm>
+          <a:prstGeom prst="straightConnector1">
+            <a:avLst/>
+          </a:prstGeom>
+          <a:ln>
+            <a:tailEnd type="arrow"/>
+          </a:ln>
+        </p:spPr>
+        <p:style>
+          <a:lnRef idx="2">
+            <a:schemeClr val="accent1"/>
+          </a:lnRef>
+          <a:fillRef idx="0">
+            <a:schemeClr val="accent1"/>
+          </a:fillRef>
+          <a:effectRef idx="1">
+            <a:schemeClr val="accent1"/>
+          </a:effectRef>
+          <a:fontRef idx="minor">
+            <a:schemeClr val="tx1"/>
+          </a:fontRef>
+        </p:style>
+      </p:cxnSp>
+      <p:sp>
+        <p:nvSpPr>
+          <p:cNvPr id="127" name="TextBox 126"/>
+          <p:cNvSpPr txBox="1"/>
+          <p:nvPr/>
+        </p:nvSpPr>
+        <p:spPr>
+          <a:xfrm>
+            <a:off x="3527307" y="4690447"/>
+            <a:ext cx="2380054" cy="923330"/>
+          </a:xfrm>
+          <a:prstGeom prst="rect">
+            <a:avLst/>
+          </a:prstGeom>
+          <a:noFill/>
+        </p:spPr>
+        <p:txBody>
+          <a:bodyPr wrap="none" rtlCol="0">
+            <a:spAutoFit/>
+          </a:bodyPr>
+          <a:lstStyle/>
+          <a:p>
+            <a:r>
+              <a:rPr lang="en-US" dirty="0" smtClean="0"/>
+              <a:t>Returns road activity </a:t>
+            </a:r>
+          </a:p>
+          <a:p>
+            <a:endParaRPr lang="en-US" dirty="0"/>
+          </a:p>
+          <a:p>
+            <a:r>
+              <a:rPr lang="en-US" dirty="0" smtClean="0"/>
+              <a:t>corresponding to filters</a:t>
+            </a:r>
+            <a:endParaRPr lang="en-US" dirty="0"/>
+          </a:p>
+        </p:txBody>
+      </p:sp>
+    </p:spTree>
+    <p:extLst>
+      <p:ext uri="{BB962C8B-B14F-4D97-AF65-F5344CB8AC3E}">
+        <p14:creationId xmlns:p14="http://schemas.microsoft.com/office/powerpoint/2010/main" val="2159684179"/>
+      </p:ext>
+    </p:extLst>
+  </p:cSld>
+  <p:clrMapOvr>
+    <a:masterClrMapping/>
+  </p:clrMapOvr>
+  <p:timing>
+    <p:tnLst>
+      <p:par>
+        <p:cTn xmlns:p14="http://schemas.microsoft.com/office/powerpoint/2010/main" id="1" dur="indefinite" restart="never" nodeType="tmRoot"/>
+      </p:par>
+    </p:tnLst>
+  </p:timing>
+</p:sld>
+</file>
+
 <file path=ppt/slides/slide2.xml><?xml version="1.0" encoding="utf-8"?>
 <p:sld xmlns:a="http://schemas.openxmlformats.org/drawingml/2006/main" xmlns:r="http://schemas.openxmlformats.org/officeDocument/2006/relationships" xmlns:p="http://schemas.openxmlformats.org/presentationml/2006/main">
   <p:cSld>
@@ -17250,6 +18983,2339 @@
     <p:extLst>
       <p:ext uri="{BB962C8B-B14F-4D97-AF65-F5344CB8AC3E}">
         <p14:creationId xmlns:p14="http://schemas.microsoft.com/office/powerpoint/2010/main" val="4096797434"/>
+      </p:ext>
+    </p:extLst>
+  </p:cSld>
+  <p:clrMapOvr>
+    <a:masterClrMapping/>
+  </p:clrMapOvr>
+  <p:timing>
+    <p:tnLst>
+      <p:par>
+        <p:cTn xmlns:p14="http://schemas.microsoft.com/office/powerpoint/2010/main" id="1" dur="indefinite" restart="never" nodeType="tmRoot"/>
+      </p:par>
+    </p:tnLst>
+  </p:timing>
+</p:sld>
+</file>
+
+<file path=ppt/slides/slide20.xml><?xml version="1.0" encoding="utf-8"?>
+<p:sld xmlns:a="http://schemas.openxmlformats.org/drawingml/2006/main" xmlns:r="http://schemas.openxmlformats.org/officeDocument/2006/relationships" xmlns:p="http://schemas.openxmlformats.org/presentationml/2006/main">
+  <p:cSld>
+    <p:spTree>
+      <p:nvGrpSpPr>
+        <p:cNvPr id="1" name=""/>
+        <p:cNvGrpSpPr/>
+        <p:nvPr/>
+      </p:nvGrpSpPr>
+      <p:grpSpPr>
+        <a:xfrm>
+          <a:off x="0" y="0"/>
+          <a:ext cx="0" cy="0"/>
+          <a:chOff x="0" y="0"/>
+          <a:chExt cx="0" cy="0"/>
+        </a:xfrm>
+      </p:grpSpPr>
+      <p:sp>
+        <p:nvSpPr>
+          <p:cNvPr id="62" name="TextBox 61"/>
+          <p:cNvSpPr txBox="1"/>
+          <p:nvPr/>
+        </p:nvSpPr>
+        <p:spPr>
+          <a:xfrm>
+            <a:off x="2657930" y="408211"/>
+            <a:ext cx="3525740" cy="1200328"/>
+          </a:xfrm>
+          <a:prstGeom prst="rect">
+            <a:avLst/>
+          </a:prstGeom>
+          <a:noFill/>
+          <a:ln>
+            <a:noFill/>
+          </a:ln>
+        </p:spPr>
+        <p:txBody>
+          <a:bodyPr wrap="square" rtlCol="0">
+            <a:spAutoFit/>
+          </a:bodyPr>
+          <a:lstStyle/>
+          <a:p>
+            <a:pPr algn="ctr"/>
+            <a:r>
+              <a:rPr lang="en-US" sz="2400" b="1" dirty="0" smtClean="0">
+                <a:ln w="1905"/>
+                <a:solidFill>
+                  <a:srgbClr val="558ED5"/>
+                </a:solidFill>
+                <a:effectLst>
+                  <a:innerShdw blurRad="69850" dist="43180" dir="5400000">
+                    <a:srgbClr val="000000">
+                      <a:alpha val="65000"/>
+                    </a:srgbClr>
+                  </a:innerShdw>
+                </a:effectLst>
+                <a:latin typeface="+mj-lt"/>
+              </a:rPr>
+              <a:t>Interaction (Sequence) Diagram – Use Case 5: Enter Roads Travelled</a:t>
+            </a:r>
+            <a:endParaRPr lang="en-US" sz="2400" b="1" dirty="0" smtClean="0">
+              <a:ln w="1905"/>
+              <a:solidFill>
+                <a:srgbClr val="558ED5"/>
+              </a:solidFill>
+              <a:effectLst>
+                <a:innerShdw blurRad="69850" dist="43180" dir="5400000">
+                  <a:srgbClr val="000000">
+                    <a:alpha val="65000"/>
+                  </a:srgbClr>
+                </a:innerShdw>
+              </a:effectLst>
+              <a:latin typeface="+mj-lt"/>
+            </a:endParaRPr>
+          </a:p>
+        </p:txBody>
+      </p:sp>
+      <p:sp>
+        <p:nvSpPr>
+          <p:cNvPr id="2" name="Rectangle 1"/>
+          <p:cNvSpPr/>
+          <p:nvPr/>
+        </p:nvSpPr>
+        <p:spPr>
+          <a:xfrm>
+            <a:off x="573349" y="2150236"/>
+            <a:ext cx="407332" cy="3960408"/>
+          </a:xfrm>
+          <a:prstGeom prst="rect">
+            <a:avLst/>
+          </a:prstGeom>
+        </p:spPr>
+        <p:style>
+          <a:lnRef idx="1">
+            <a:schemeClr val="accent1"/>
+          </a:lnRef>
+          <a:fillRef idx="3">
+            <a:schemeClr val="accent1"/>
+          </a:fillRef>
+          <a:effectRef idx="2">
+            <a:schemeClr val="accent1"/>
+          </a:effectRef>
+          <a:fontRef idx="minor">
+            <a:schemeClr val="lt1"/>
+          </a:fontRef>
+        </p:style>
+        <p:txBody>
+          <a:bodyPr rtlCol="0" anchor="ctr"/>
+          <a:lstStyle/>
+          <a:p>
+            <a:pPr algn="ctr"/>
+            <a:endParaRPr lang="en-US"/>
+          </a:p>
+        </p:txBody>
+      </p:sp>
+      <p:sp>
+        <p:nvSpPr>
+          <p:cNvPr id="4" name="TextBox 3"/>
+          <p:cNvSpPr txBox="1"/>
+          <p:nvPr/>
+        </p:nvSpPr>
+        <p:spPr>
+          <a:xfrm>
+            <a:off x="163748" y="1735820"/>
+            <a:ext cx="1278978" cy="369332"/>
+          </a:xfrm>
+          <a:prstGeom prst="rect">
+            <a:avLst/>
+          </a:prstGeom>
+          <a:noFill/>
+        </p:spPr>
+        <p:txBody>
+          <a:bodyPr wrap="none" rtlCol="0">
+            <a:spAutoFit/>
+          </a:bodyPr>
+          <a:lstStyle/>
+          <a:p>
+            <a:r>
+              <a:rPr lang="en-US" dirty="0" err="1" smtClean="0"/>
+              <a:t>TravelPaths</a:t>
+            </a:r>
+            <a:endParaRPr lang="en-US" dirty="0"/>
+          </a:p>
+        </p:txBody>
+      </p:sp>
+      <p:sp>
+        <p:nvSpPr>
+          <p:cNvPr id="118" name="Rectangle 117"/>
+          <p:cNvSpPr/>
+          <p:nvPr/>
+        </p:nvSpPr>
+        <p:spPr>
+          <a:xfrm>
+            <a:off x="5368903" y="2206724"/>
+            <a:ext cx="407332" cy="1132797"/>
+          </a:xfrm>
+          <a:prstGeom prst="rect">
+            <a:avLst/>
+          </a:prstGeom>
+        </p:spPr>
+        <p:style>
+          <a:lnRef idx="1">
+            <a:schemeClr val="accent1"/>
+          </a:lnRef>
+          <a:fillRef idx="3">
+            <a:schemeClr val="accent1"/>
+          </a:fillRef>
+          <a:effectRef idx="2">
+            <a:schemeClr val="accent1"/>
+          </a:effectRef>
+          <a:fontRef idx="minor">
+            <a:schemeClr val="lt1"/>
+          </a:fontRef>
+        </p:style>
+        <p:txBody>
+          <a:bodyPr rtlCol="0" anchor="ctr"/>
+          <a:lstStyle/>
+          <a:p>
+            <a:pPr algn="ctr"/>
+            <a:endParaRPr lang="en-US"/>
+          </a:p>
+        </p:txBody>
+      </p:sp>
+      <p:sp>
+        <p:nvSpPr>
+          <p:cNvPr id="119" name="TextBox 118"/>
+          <p:cNvSpPr txBox="1"/>
+          <p:nvPr/>
+        </p:nvSpPr>
+        <p:spPr>
+          <a:xfrm>
+            <a:off x="4870490" y="1832450"/>
+            <a:ext cx="1313180" cy="369332"/>
+          </a:xfrm>
+          <a:prstGeom prst="rect">
+            <a:avLst/>
+          </a:prstGeom>
+          <a:noFill/>
+        </p:spPr>
+        <p:txBody>
+          <a:bodyPr wrap="none" rtlCol="0">
+            <a:spAutoFit/>
+          </a:bodyPr>
+          <a:lstStyle/>
+          <a:p>
+            <a:r>
+              <a:rPr lang="en-US" dirty="0" err="1" smtClean="0"/>
+              <a:t>RoadNames</a:t>
+            </a:r>
+            <a:endParaRPr lang="en-US" dirty="0"/>
+          </a:p>
+        </p:txBody>
+      </p:sp>
+      <p:cxnSp>
+        <p:nvCxnSpPr>
+          <p:cNvPr id="120" name="Straight Arrow Connector 119"/>
+          <p:cNvCxnSpPr/>
+          <p:nvPr/>
+        </p:nvCxnSpPr>
+        <p:spPr>
+          <a:xfrm>
+            <a:off x="980681" y="2479731"/>
+            <a:ext cx="1990445" cy="0"/>
+          </a:xfrm>
+          <a:prstGeom prst="straightConnector1">
+            <a:avLst/>
+          </a:prstGeom>
+          <a:ln>
+            <a:tailEnd type="arrow"/>
+          </a:ln>
+        </p:spPr>
+        <p:style>
+          <a:lnRef idx="2">
+            <a:schemeClr val="accent1"/>
+          </a:lnRef>
+          <a:fillRef idx="0">
+            <a:schemeClr val="accent1"/>
+          </a:fillRef>
+          <a:effectRef idx="1">
+            <a:schemeClr val="accent1"/>
+          </a:effectRef>
+          <a:fontRef idx="minor">
+            <a:schemeClr val="tx1"/>
+          </a:fontRef>
+        </p:style>
+      </p:cxnSp>
+      <p:sp>
+        <p:nvSpPr>
+          <p:cNvPr id="14" name="Rectangle 13"/>
+          <p:cNvSpPr/>
+          <p:nvPr/>
+        </p:nvSpPr>
+        <p:spPr>
+          <a:xfrm>
+            <a:off x="2971126" y="2150237"/>
+            <a:ext cx="407332" cy="2067306"/>
+          </a:xfrm>
+          <a:prstGeom prst="rect">
+            <a:avLst/>
+          </a:prstGeom>
+        </p:spPr>
+        <p:style>
+          <a:lnRef idx="1">
+            <a:schemeClr val="accent1"/>
+          </a:lnRef>
+          <a:fillRef idx="3">
+            <a:schemeClr val="accent1"/>
+          </a:fillRef>
+          <a:effectRef idx="2">
+            <a:schemeClr val="accent1"/>
+          </a:effectRef>
+          <a:fontRef idx="minor">
+            <a:schemeClr val="lt1"/>
+          </a:fontRef>
+        </p:style>
+        <p:txBody>
+          <a:bodyPr rtlCol="0" anchor="ctr"/>
+          <a:lstStyle/>
+          <a:p>
+            <a:pPr algn="ctr"/>
+            <a:endParaRPr lang="en-US"/>
+          </a:p>
+        </p:txBody>
+      </p:sp>
+      <p:sp>
+        <p:nvSpPr>
+          <p:cNvPr id="15" name="TextBox 14"/>
+          <p:cNvSpPr txBox="1"/>
+          <p:nvPr/>
+        </p:nvSpPr>
+        <p:spPr>
+          <a:xfrm>
+            <a:off x="2374861" y="1775962"/>
+            <a:ext cx="1564814" cy="369332"/>
+          </a:xfrm>
+          <a:prstGeom prst="rect">
+            <a:avLst/>
+          </a:prstGeom>
+          <a:noFill/>
+        </p:spPr>
+        <p:txBody>
+          <a:bodyPr wrap="none" rtlCol="0">
+            <a:spAutoFit/>
+          </a:bodyPr>
+          <a:lstStyle/>
+          <a:p>
+            <a:r>
+              <a:rPr lang="en-US" dirty="0" err="1" smtClean="0"/>
+              <a:t>AddTravelPath</a:t>
+            </a:r>
+            <a:endParaRPr lang="en-US" dirty="0"/>
+          </a:p>
+        </p:txBody>
+      </p:sp>
+      <p:cxnSp>
+        <p:nvCxnSpPr>
+          <p:cNvPr id="16" name="Straight Arrow Connector 15"/>
+          <p:cNvCxnSpPr/>
+          <p:nvPr/>
+        </p:nvCxnSpPr>
+        <p:spPr>
+          <a:xfrm>
+            <a:off x="3378458" y="2763929"/>
+            <a:ext cx="1990445" cy="0"/>
+          </a:xfrm>
+          <a:prstGeom prst="straightConnector1">
+            <a:avLst/>
+          </a:prstGeom>
+          <a:ln>
+            <a:tailEnd type="arrow"/>
+          </a:ln>
+        </p:spPr>
+        <p:style>
+          <a:lnRef idx="2">
+            <a:schemeClr val="accent1"/>
+          </a:lnRef>
+          <a:fillRef idx="0">
+            <a:schemeClr val="accent1"/>
+          </a:fillRef>
+          <a:effectRef idx="1">
+            <a:schemeClr val="accent1"/>
+          </a:effectRef>
+          <a:fontRef idx="minor">
+            <a:schemeClr val="tx1"/>
+          </a:fontRef>
+        </p:style>
+      </p:cxnSp>
+      <p:sp>
+        <p:nvSpPr>
+          <p:cNvPr id="17" name="Rectangle 16"/>
+          <p:cNvSpPr/>
+          <p:nvPr/>
+        </p:nvSpPr>
+        <p:spPr>
+          <a:xfrm>
+            <a:off x="7345660" y="2302636"/>
+            <a:ext cx="407332" cy="3808007"/>
+          </a:xfrm>
+          <a:prstGeom prst="rect">
+            <a:avLst/>
+          </a:prstGeom>
+        </p:spPr>
+        <p:style>
+          <a:lnRef idx="1">
+            <a:schemeClr val="accent1"/>
+          </a:lnRef>
+          <a:fillRef idx="3">
+            <a:schemeClr val="accent1"/>
+          </a:fillRef>
+          <a:effectRef idx="2">
+            <a:schemeClr val="accent1"/>
+          </a:effectRef>
+          <a:fontRef idx="minor">
+            <a:schemeClr val="lt1"/>
+          </a:fontRef>
+        </p:style>
+        <p:txBody>
+          <a:bodyPr rtlCol="0" anchor="ctr"/>
+          <a:lstStyle/>
+          <a:p>
+            <a:pPr algn="ctr"/>
+            <a:endParaRPr lang="en-US"/>
+          </a:p>
+        </p:txBody>
+      </p:sp>
+      <p:sp>
+        <p:nvSpPr>
+          <p:cNvPr id="18" name="TextBox 17"/>
+          <p:cNvSpPr txBox="1"/>
+          <p:nvPr/>
+        </p:nvSpPr>
+        <p:spPr>
+          <a:xfrm>
+            <a:off x="6920837" y="1928362"/>
+            <a:ext cx="1188697" cy="369332"/>
+          </a:xfrm>
+          <a:prstGeom prst="rect">
+            <a:avLst/>
+          </a:prstGeom>
+          <a:noFill/>
+        </p:spPr>
+        <p:txBody>
+          <a:bodyPr wrap="none" rtlCol="0">
+            <a:spAutoFit/>
+          </a:bodyPr>
+          <a:lstStyle/>
+          <a:p>
+            <a:r>
+              <a:rPr lang="en-US" dirty="0" err="1" smtClean="0"/>
+              <a:t>TravelPath</a:t>
+            </a:r>
+            <a:endParaRPr lang="en-US" dirty="0"/>
+          </a:p>
+        </p:txBody>
+      </p:sp>
+      <p:cxnSp>
+        <p:nvCxnSpPr>
+          <p:cNvPr id="23" name="Straight Arrow Connector 22"/>
+          <p:cNvCxnSpPr/>
+          <p:nvPr/>
+        </p:nvCxnSpPr>
+        <p:spPr>
+          <a:xfrm>
+            <a:off x="3378458" y="3946751"/>
+            <a:ext cx="3967202" cy="0"/>
+          </a:xfrm>
+          <a:prstGeom prst="straightConnector1">
+            <a:avLst/>
+          </a:prstGeom>
+          <a:ln>
+            <a:tailEnd type="arrow"/>
+          </a:ln>
+        </p:spPr>
+        <p:style>
+          <a:lnRef idx="2">
+            <a:schemeClr val="accent1"/>
+          </a:lnRef>
+          <a:fillRef idx="0">
+            <a:schemeClr val="accent1"/>
+          </a:fillRef>
+          <a:effectRef idx="1">
+            <a:schemeClr val="accent1"/>
+          </a:effectRef>
+          <a:fontRef idx="minor">
+            <a:schemeClr val="tx1"/>
+          </a:fontRef>
+        </p:style>
+      </p:cxnSp>
+      <p:sp>
+        <p:nvSpPr>
+          <p:cNvPr id="25" name="TextBox 24"/>
+          <p:cNvSpPr txBox="1"/>
+          <p:nvPr/>
+        </p:nvSpPr>
+        <p:spPr>
+          <a:xfrm>
+            <a:off x="980681" y="2479731"/>
+            <a:ext cx="1681808" cy="369332"/>
+          </a:xfrm>
+          <a:prstGeom prst="rect">
+            <a:avLst/>
+          </a:prstGeom>
+          <a:noFill/>
+        </p:spPr>
+        <p:txBody>
+          <a:bodyPr wrap="none" rtlCol="0">
+            <a:spAutoFit/>
+          </a:bodyPr>
+          <a:lstStyle/>
+          <a:p>
+            <a:r>
+              <a:rPr lang="en-US" dirty="0" err="1" smtClean="0"/>
+              <a:t>addTravelPath</a:t>
+            </a:r>
+            <a:r>
+              <a:rPr lang="en-US" dirty="0" smtClean="0"/>
+              <a:t>()</a:t>
+            </a:r>
+            <a:endParaRPr lang="en-US" dirty="0"/>
+          </a:p>
+        </p:txBody>
+      </p:sp>
+      <p:sp>
+        <p:nvSpPr>
+          <p:cNvPr id="26" name="TextBox 25"/>
+          <p:cNvSpPr txBox="1"/>
+          <p:nvPr/>
+        </p:nvSpPr>
+        <p:spPr>
+          <a:xfrm>
+            <a:off x="3593252" y="2394597"/>
+            <a:ext cx="1194670" cy="369332"/>
+          </a:xfrm>
+          <a:prstGeom prst="rect">
+            <a:avLst/>
+          </a:prstGeom>
+          <a:noFill/>
+        </p:spPr>
+        <p:txBody>
+          <a:bodyPr wrap="none" rtlCol="0">
+            <a:spAutoFit/>
+          </a:bodyPr>
+          <a:lstStyle/>
+          <a:p>
+            <a:r>
+              <a:rPr lang="en-US" dirty="0" err="1" smtClean="0"/>
+              <a:t>getRoads</a:t>
+            </a:r>
+            <a:r>
+              <a:rPr lang="en-US" dirty="0" smtClean="0"/>
+              <a:t>()</a:t>
+            </a:r>
+            <a:endParaRPr lang="en-US" dirty="0"/>
+          </a:p>
+        </p:txBody>
+      </p:sp>
+      <p:sp>
+        <p:nvSpPr>
+          <p:cNvPr id="27" name="TextBox 26"/>
+          <p:cNvSpPr txBox="1"/>
+          <p:nvPr/>
+        </p:nvSpPr>
+        <p:spPr>
+          <a:xfrm>
+            <a:off x="3508944" y="3540790"/>
+            <a:ext cx="920332" cy="369332"/>
+          </a:xfrm>
+          <a:prstGeom prst="rect">
+            <a:avLst/>
+          </a:prstGeom>
+          <a:noFill/>
+        </p:spPr>
+        <p:txBody>
+          <a:bodyPr wrap="none" rtlCol="0">
+            <a:spAutoFit/>
+          </a:bodyPr>
+          <a:lstStyle/>
+          <a:p>
+            <a:r>
+              <a:rPr lang="en-US" dirty="0"/>
+              <a:t>c</a:t>
+            </a:r>
+            <a:r>
+              <a:rPr lang="en-US" dirty="0" smtClean="0"/>
+              <a:t>reate()</a:t>
+            </a:r>
+            <a:endParaRPr lang="en-US" dirty="0"/>
+          </a:p>
+        </p:txBody>
+      </p:sp>
+    </p:spTree>
+    <p:extLst>
+      <p:ext uri="{BB962C8B-B14F-4D97-AF65-F5344CB8AC3E}">
+        <p14:creationId xmlns:p14="http://schemas.microsoft.com/office/powerpoint/2010/main" val="772310257"/>
+      </p:ext>
+    </p:extLst>
+  </p:cSld>
+  <p:clrMapOvr>
+    <a:masterClrMapping/>
+  </p:clrMapOvr>
+  <p:timing>
+    <p:tnLst>
+      <p:par>
+        <p:cTn xmlns:p14="http://schemas.microsoft.com/office/powerpoint/2010/main" id="1" dur="indefinite" restart="never" nodeType="tmRoot"/>
+      </p:par>
+    </p:tnLst>
+  </p:timing>
+</p:sld>
+</file>
+
+<file path=ppt/slides/slide21.xml><?xml version="1.0" encoding="utf-8"?>
+<p:sld xmlns:a="http://schemas.openxmlformats.org/drawingml/2006/main" xmlns:r="http://schemas.openxmlformats.org/officeDocument/2006/relationships" xmlns:p="http://schemas.openxmlformats.org/presentationml/2006/main">
+  <p:cSld>
+    <p:spTree>
+      <p:nvGrpSpPr>
+        <p:cNvPr id="1" name=""/>
+        <p:cNvGrpSpPr/>
+        <p:nvPr/>
+      </p:nvGrpSpPr>
+      <p:grpSpPr>
+        <a:xfrm>
+          <a:off x="0" y="0"/>
+          <a:ext cx="0" cy="0"/>
+          <a:chOff x="0" y="0"/>
+          <a:chExt cx="0" cy="0"/>
+        </a:xfrm>
+      </p:grpSpPr>
+      <p:sp>
+        <p:nvSpPr>
+          <p:cNvPr id="62" name="TextBox 61"/>
+          <p:cNvSpPr txBox="1"/>
+          <p:nvPr/>
+        </p:nvSpPr>
+        <p:spPr>
+          <a:xfrm>
+            <a:off x="2657930" y="408211"/>
+            <a:ext cx="3525740" cy="1200328"/>
+          </a:xfrm>
+          <a:prstGeom prst="rect">
+            <a:avLst/>
+          </a:prstGeom>
+          <a:noFill/>
+          <a:ln>
+            <a:noFill/>
+          </a:ln>
+        </p:spPr>
+        <p:txBody>
+          <a:bodyPr wrap="square" rtlCol="0">
+            <a:spAutoFit/>
+          </a:bodyPr>
+          <a:lstStyle/>
+          <a:p>
+            <a:pPr algn="ctr"/>
+            <a:r>
+              <a:rPr lang="en-US" sz="2400" b="1" dirty="0" smtClean="0">
+                <a:ln w="1905"/>
+                <a:solidFill>
+                  <a:srgbClr val="558ED5"/>
+                </a:solidFill>
+                <a:effectLst>
+                  <a:innerShdw blurRad="69850" dist="43180" dir="5400000">
+                    <a:srgbClr val="000000">
+                      <a:alpha val="65000"/>
+                    </a:srgbClr>
+                  </a:innerShdw>
+                </a:effectLst>
+                <a:latin typeface="+mj-lt"/>
+              </a:rPr>
+              <a:t>Interaction (Sequence) Diagram – Use Case 9: Current Road Activities</a:t>
+            </a:r>
+            <a:endParaRPr lang="en-US" sz="2400" b="1" dirty="0" smtClean="0">
+              <a:ln w="1905"/>
+              <a:solidFill>
+                <a:srgbClr val="558ED5"/>
+              </a:solidFill>
+              <a:effectLst>
+                <a:innerShdw blurRad="69850" dist="43180" dir="5400000">
+                  <a:srgbClr val="000000">
+                    <a:alpha val="65000"/>
+                  </a:srgbClr>
+                </a:innerShdw>
+              </a:effectLst>
+              <a:latin typeface="+mj-lt"/>
+            </a:endParaRPr>
+          </a:p>
+        </p:txBody>
+      </p:sp>
+      <p:sp>
+        <p:nvSpPr>
+          <p:cNvPr id="2" name="Rectangle 1"/>
+          <p:cNvSpPr/>
+          <p:nvPr/>
+        </p:nvSpPr>
+        <p:spPr>
+          <a:xfrm>
+            <a:off x="2657930" y="2995414"/>
+            <a:ext cx="407332" cy="2815689"/>
+          </a:xfrm>
+          <a:prstGeom prst="rect">
+            <a:avLst/>
+          </a:prstGeom>
+        </p:spPr>
+        <p:style>
+          <a:lnRef idx="1">
+            <a:schemeClr val="accent1"/>
+          </a:lnRef>
+          <a:fillRef idx="3">
+            <a:schemeClr val="accent1"/>
+          </a:fillRef>
+          <a:effectRef idx="2">
+            <a:schemeClr val="accent1"/>
+          </a:effectRef>
+          <a:fontRef idx="minor">
+            <a:schemeClr val="lt1"/>
+          </a:fontRef>
+        </p:style>
+        <p:txBody>
+          <a:bodyPr rtlCol="0" anchor="ctr"/>
+          <a:lstStyle/>
+          <a:p>
+            <a:pPr algn="ctr"/>
+            <a:endParaRPr lang="en-US"/>
+          </a:p>
+        </p:txBody>
+      </p:sp>
+      <p:sp>
+        <p:nvSpPr>
+          <p:cNvPr id="4" name="TextBox 3"/>
+          <p:cNvSpPr txBox="1"/>
+          <p:nvPr/>
+        </p:nvSpPr>
+        <p:spPr>
+          <a:xfrm>
+            <a:off x="1654333" y="2576056"/>
+            <a:ext cx="2198038" cy="369332"/>
+          </a:xfrm>
+          <a:prstGeom prst="rect">
+            <a:avLst/>
+          </a:prstGeom>
+          <a:noFill/>
+        </p:spPr>
+        <p:txBody>
+          <a:bodyPr wrap="none" rtlCol="0">
+            <a:spAutoFit/>
+          </a:bodyPr>
+          <a:lstStyle/>
+          <a:p>
+            <a:r>
+              <a:rPr lang="en-US" dirty="0" smtClean="0"/>
+              <a:t>Analyze Road Activity</a:t>
+            </a:r>
+            <a:endParaRPr lang="en-US" dirty="0"/>
+          </a:p>
+        </p:txBody>
+      </p:sp>
+      <p:cxnSp>
+        <p:nvCxnSpPr>
+          <p:cNvPr id="19" name="Straight Arrow Connector 18"/>
+          <p:cNvCxnSpPr/>
+          <p:nvPr/>
+        </p:nvCxnSpPr>
+        <p:spPr>
+          <a:xfrm>
+            <a:off x="383371" y="4289433"/>
+            <a:ext cx="2274559" cy="0"/>
+          </a:xfrm>
+          <a:prstGeom prst="straightConnector1">
+            <a:avLst/>
+          </a:prstGeom>
+          <a:ln>
+            <a:tailEnd type="arrow"/>
+          </a:ln>
+        </p:spPr>
+        <p:style>
+          <a:lnRef idx="2">
+            <a:schemeClr val="accent1"/>
+          </a:lnRef>
+          <a:fillRef idx="0">
+            <a:schemeClr val="accent1"/>
+          </a:fillRef>
+          <a:effectRef idx="1">
+            <a:schemeClr val="accent1"/>
+          </a:effectRef>
+          <a:fontRef idx="minor">
+            <a:schemeClr val="tx1"/>
+          </a:fontRef>
+        </p:style>
+      </p:cxnSp>
+      <p:sp>
+        <p:nvSpPr>
+          <p:cNvPr id="22" name="TextBox 21"/>
+          <p:cNvSpPr txBox="1"/>
+          <p:nvPr/>
+        </p:nvSpPr>
+        <p:spPr>
+          <a:xfrm>
+            <a:off x="383371" y="3827768"/>
+            <a:ext cx="2065702" cy="923330"/>
+          </a:xfrm>
+          <a:prstGeom prst="rect">
+            <a:avLst/>
+          </a:prstGeom>
+          <a:noFill/>
+        </p:spPr>
+        <p:txBody>
+          <a:bodyPr wrap="none" rtlCol="0">
+            <a:spAutoFit/>
+          </a:bodyPr>
+          <a:lstStyle/>
+          <a:p>
+            <a:r>
+              <a:rPr lang="en-US" dirty="0" smtClean="0"/>
+              <a:t>Filter(</a:t>
+            </a:r>
+            <a:r>
+              <a:rPr lang="en-US" dirty="0" err="1" smtClean="0"/>
+              <a:t>categoryType</a:t>
+            </a:r>
+            <a:r>
+              <a:rPr lang="en-US" dirty="0" smtClean="0"/>
+              <a:t>,</a:t>
+            </a:r>
+          </a:p>
+          <a:p>
+            <a:endParaRPr lang="en-US" dirty="0"/>
+          </a:p>
+          <a:p>
+            <a:r>
+              <a:rPr lang="en-US" dirty="0" smtClean="0"/>
+              <a:t>today, “”)</a:t>
+            </a:r>
+            <a:endParaRPr lang="en-US" dirty="0"/>
+          </a:p>
+        </p:txBody>
+      </p:sp>
+      <p:sp>
+        <p:nvSpPr>
+          <p:cNvPr id="118" name="Rectangle 117"/>
+          <p:cNvSpPr/>
+          <p:nvPr/>
+        </p:nvSpPr>
+        <p:spPr>
+          <a:xfrm>
+            <a:off x="7297842" y="2580998"/>
+            <a:ext cx="407332" cy="2815689"/>
+          </a:xfrm>
+          <a:prstGeom prst="rect">
+            <a:avLst/>
+          </a:prstGeom>
+        </p:spPr>
+        <p:style>
+          <a:lnRef idx="1">
+            <a:schemeClr val="accent1"/>
+          </a:lnRef>
+          <a:fillRef idx="3">
+            <a:schemeClr val="accent1"/>
+          </a:fillRef>
+          <a:effectRef idx="2">
+            <a:schemeClr val="accent1"/>
+          </a:effectRef>
+          <a:fontRef idx="minor">
+            <a:schemeClr val="lt1"/>
+          </a:fontRef>
+        </p:style>
+        <p:txBody>
+          <a:bodyPr rtlCol="0" anchor="ctr"/>
+          <a:lstStyle/>
+          <a:p>
+            <a:pPr algn="ctr"/>
+            <a:endParaRPr lang="en-US"/>
+          </a:p>
+        </p:txBody>
+      </p:sp>
+      <p:sp>
+        <p:nvSpPr>
+          <p:cNvPr id="119" name="TextBox 118"/>
+          <p:cNvSpPr txBox="1"/>
+          <p:nvPr/>
+        </p:nvSpPr>
+        <p:spPr>
+          <a:xfrm>
+            <a:off x="6701577" y="2206724"/>
+            <a:ext cx="1415772" cy="369332"/>
+          </a:xfrm>
+          <a:prstGeom prst="rect">
+            <a:avLst/>
+          </a:prstGeom>
+          <a:noFill/>
+        </p:spPr>
+        <p:txBody>
+          <a:bodyPr wrap="none" rtlCol="0">
+            <a:spAutoFit/>
+          </a:bodyPr>
+          <a:lstStyle/>
+          <a:p>
+            <a:r>
+              <a:rPr lang="en-US" dirty="0" smtClean="0"/>
+              <a:t>Road Activity</a:t>
+            </a:r>
+            <a:endParaRPr lang="en-US" dirty="0"/>
+          </a:p>
+        </p:txBody>
+      </p:sp>
+      <p:cxnSp>
+        <p:nvCxnSpPr>
+          <p:cNvPr id="120" name="Straight Arrow Connector 119"/>
+          <p:cNvCxnSpPr/>
+          <p:nvPr/>
+        </p:nvCxnSpPr>
+        <p:spPr>
+          <a:xfrm flipV="1">
+            <a:off x="3065262" y="3537795"/>
+            <a:ext cx="4232580" cy="20286"/>
+          </a:xfrm>
+          <a:prstGeom prst="straightConnector1">
+            <a:avLst/>
+          </a:prstGeom>
+          <a:ln>
+            <a:tailEnd type="arrow"/>
+          </a:ln>
+        </p:spPr>
+        <p:style>
+          <a:lnRef idx="2">
+            <a:schemeClr val="accent1"/>
+          </a:lnRef>
+          <a:fillRef idx="0">
+            <a:schemeClr val="accent1"/>
+          </a:fillRef>
+          <a:effectRef idx="1">
+            <a:schemeClr val="accent1"/>
+          </a:effectRef>
+          <a:fontRef idx="minor">
+            <a:schemeClr val="tx1"/>
+          </a:fontRef>
+        </p:style>
+      </p:cxnSp>
+      <p:sp>
+        <p:nvSpPr>
+          <p:cNvPr id="121" name="TextBox 120"/>
+          <p:cNvSpPr txBox="1"/>
+          <p:nvPr/>
+        </p:nvSpPr>
+        <p:spPr>
+          <a:xfrm>
+            <a:off x="3161036" y="3076130"/>
+            <a:ext cx="4087965" cy="923330"/>
+          </a:xfrm>
+          <a:prstGeom prst="rect">
+            <a:avLst/>
+          </a:prstGeom>
+          <a:noFill/>
+        </p:spPr>
+        <p:txBody>
+          <a:bodyPr wrap="none" rtlCol="0">
+            <a:spAutoFit/>
+          </a:bodyPr>
+          <a:lstStyle/>
+          <a:p>
+            <a:r>
+              <a:rPr lang="en-US" dirty="0" err="1" smtClean="0"/>
+              <a:t>filterRoadActivity</a:t>
+            </a:r>
+            <a:r>
+              <a:rPr lang="en-US" dirty="0" smtClean="0"/>
+              <a:t> =</a:t>
+            </a:r>
+          </a:p>
+          <a:p>
+            <a:endParaRPr lang="en-US" dirty="0"/>
+          </a:p>
+          <a:p>
+            <a:r>
+              <a:rPr lang="en-US" dirty="0" smtClean="0"/>
+              <a:t>  filter(</a:t>
+            </a:r>
+            <a:r>
+              <a:rPr lang="en-US" dirty="0" err="1" smtClean="0"/>
+              <a:t>categoryType</a:t>
+            </a:r>
+            <a:r>
+              <a:rPr lang="en-US" dirty="0" smtClean="0"/>
+              <a:t>, </a:t>
+            </a:r>
+            <a:r>
+              <a:rPr lang="en-US" dirty="0" err="1" smtClean="0"/>
+              <a:t>startTime</a:t>
+            </a:r>
+            <a:r>
+              <a:rPr lang="en-US" dirty="0" smtClean="0"/>
+              <a:t>, </a:t>
+            </a:r>
+            <a:r>
+              <a:rPr lang="en-US" dirty="0" err="1" smtClean="0"/>
+              <a:t>endTime</a:t>
+            </a:r>
+            <a:r>
+              <a:rPr lang="en-US" dirty="0" smtClean="0"/>
+              <a:t>)</a:t>
+            </a:r>
+            <a:endParaRPr lang="en-US" dirty="0"/>
+          </a:p>
+        </p:txBody>
+      </p:sp>
+      <p:cxnSp>
+        <p:nvCxnSpPr>
+          <p:cNvPr id="37" name="Straight Arrow Connector 36"/>
+          <p:cNvCxnSpPr/>
+          <p:nvPr/>
+        </p:nvCxnSpPr>
+        <p:spPr>
+          <a:xfrm flipH="1">
+            <a:off x="3065262" y="5135189"/>
+            <a:ext cx="4232580" cy="16923"/>
+          </a:xfrm>
+          <a:prstGeom prst="straightConnector1">
+            <a:avLst/>
+          </a:prstGeom>
+          <a:ln>
+            <a:tailEnd type="arrow"/>
+          </a:ln>
+        </p:spPr>
+        <p:style>
+          <a:lnRef idx="2">
+            <a:schemeClr val="accent1"/>
+          </a:lnRef>
+          <a:fillRef idx="0">
+            <a:schemeClr val="accent1"/>
+          </a:fillRef>
+          <a:effectRef idx="1">
+            <a:schemeClr val="accent1"/>
+          </a:effectRef>
+          <a:fontRef idx="minor">
+            <a:schemeClr val="tx1"/>
+          </a:fontRef>
+        </p:style>
+      </p:cxnSp>
+      <p:sp>
+        <p:nvSpPr>
+          <p:cNvPr id="127" name="TextBox 126"/>
+          <p:cNvSpPr txBox="1"/>
+          <p:nvPr/>
+        </p:nvSpPr>
+        <p:spPr>
+          <a:xfrm>
+            <a:off x="3527307" y="4690447"/>
+            <a:ext cx="2380054" cy="923330"/>
+          </a:xfrm>
+          <a:prstGeom prst="rect">
+            <a:avLst/>
+          </a:prstGeom>
+          <a:noFill/>
+        </p:spPr>
+        <p:txBody>
+          <a:bodyPr wrap="none" rtlCol="0">
+            <a:spAutoFit/>
+          </a:bodyPr>
+          <a:lstStyle/>
+          <a:p>
+            <a:r>
+              <a:rPr lang="en-US" dirty="0" smtClean="0"/>
+              <a:t>Returns road activity </a:t>
+            </a:r>
+          </a:p>
+          <a:p>
+            <a:endParaRPr lang="en-US" dirty="0"/>
+          </a:p>
+          <a:p>
+            <a:r>
+              <a:rPr lang="en-US" dirty="0" smtClean="0"/>
+              <a:t>corresponding to filters</a:t>
+            </a:r>
+            <a:endParaRPr lang="en-US" dirty="0"/>
+          </a:p>
+        </p:txBody>
+      </p:sp>
+    </p:spTree>
+    <p:extLst>
+      <p:ext uri="{BB962C8B-B14F-4D97-AF65-F5344CB8AC3E}">
+        <p14:creationId xmlns:p14="http://schemas.microsoft.com/office/powerpoint/2010/main" val="3525472279"/>
+      </p:ext>
+    </p:extLst>
+  </p:cSld>
+  <p:clrMapOvr>
+    <a:masterClrMapping/>
+  </p:clrMapOvr>
+  <p:timing>
+    <p:tnLst>
+      <p:par>
+        <p:cTn xmlns:p14="http://schemas.microsoft.com/office/powerpoint/2010/main" id="1" dur="indefinite" restart="never" nodeType="tmRoot"/>
+      </p:par>
+    </p:tnLst>
+  </p:timing>
+</p:sld>
+</file>
+
+<file path=ppt/slides/slide22.xml><?xml version="1.0" encoding="utf-8"?>
+<p:sld xmlns:a="http://schemas.openxmlformats.org/drawingml/2006/main" xmlns:r="http://schemas.openxmlformats.org/officeDocument/2006/relationships" xmlns:p="http://schemas.openxmlformats.org/presentationml/2006/main">
+  <p:cSld>
+    <p:spTree>
+      <p:nvGrpSpPr>
+        <p:cNvPr id="1" name=""/>
+        <p:cNvGrpSpPr/>
+        <p:nvPr/>
+      </p:nvGrpSpPr>
+      <p:grpSpPr>
+        <a:xfrm>
+          <a:off x="0" y="0"/>
+          <a:ext cx="0" cy="0"/>
+          <a:chOff x="0" y="0"/>
+          <a:chExt cx="0" cy="0"/>
+        </a:xfrm>
+      </p:grpSpPr>
+      <p:sp>
+        <p:nvSpPr>
+          <p:cNvPr id="62" name="TextBox 61"/>
+          <p:cNvSpPr txBox="1"/>
+          <p:nvPr/>
+        </p:nvSpPr>
+        <p:spPr>
+          <a:xfrm>
+            <a:off x="2657930" y="408211"/>
+            <a:ext cx="3525740" cy="1200328"/>
+          </a:xfrm>
+          <a:prstGeom prst="rect">
+            <a:avLst/>
+          </a:prstGeom>
+          <a:noFill/>
+          <a:ln>
+            <a:noFill/>
+          </a:ln>
+        </p:spPr>
+        <p:txBody>
+          <a:bodyPr wrap="square" rtlCol="0">
+            <a:spAutoFit/>
+          </a:bodyPr>
+          <a:lstStyle/>
+          <a:p>
+            <a:pPr algn="ctr"/>
+            <a:r>
+              <a:rPr lang="en-US" sz="2400" b="1" dirty="0" smtClean="0">
+                <a:ln w="1905"/>
+                <a:solidFill>
+                  <a:srgbClr val="558ED5"/>
+                </a:solidFill>
+                <a:effectLst>
+                  <a:innerShdw blurRad="69850" dist="43180" dir="5400000">
+                    <a:srgbClr val="000000">
+                      <a:alpha val="65000"/>
+                    </a:srgbClr>
+                  </a:innerShdw>
+                </a:effectLst>
+                <a:latin typeface="+mj-lt"/>
+              </a:rPr>
+              <a:t>Interaction (Sequence) Diagram – Use Case 10: Sign In</a:t>
+            </a:r>
+            <a:endParaRPr lang="en-US" sz="2400" b="1" dirty="0" smtClean="0">
+              <a:ln w="1905"/>
+              <a:solidFill>
+                <a:srgbClr val="558ED5"/>
+              </a:solidFill>
+              <a:effectLst>
+                <a:innerShdw blurRad="69850" dist="43180" dir="5400000">
+                  <a:srgbClr val="000000">
+                    <a:alpha val="65000"/>
+                  </a:srgbClr>
+                </a:innerShdw>
+              </a:effectLst>
+              <a:latin typeface="+mj-lt"/>
+            </a:endParaRPr>
+          </a:p>
+        </p:txBody>
+      </p:sp>
+      <p:sp>
+        <p:nvSpPr>
+          <p:cNvPr id="2" name="Rectangle 1"/>
+          <p:cNvSpPr/>
+          <p:nvPr/>
+        </p:nvSpPr>
+        <p:spPr>
+          <a:xfrm>
+            <a:off x="4694589" y="2695872"/>
+            <a:ext cx="407332" cy="2815689"/>
+          </a:xfrm>
+          <a:prstGeom prst="rect">
+            <a:avLst/>
+          </a:prstGeom>
+        </p:spPr>
+        <p:style>
+          <a:lnRef idx="1">
+            <a:schemeClr val="accent1"/>
+          </a:lnRef>
+          <a:fillRef idx="3">
+            <a:schemeClr val="accent1"/>
+          </a:fillRef>
+          <a:effectRef idx="2">
+            <a:schemeClr val="accent1"/>
+          </a:effectRef>
+          <a:fontRef idx="minor">
+            <a:schemeClr val="lt1"/>
+          </a:fontRef>
+        </p:style>
+        <p:txBody>
+          <a:bodyPr rtlCol="0" anchor="ctr"/>
+          <a:lstStyle/>
+          <a:p>
+            <a:pPr algn="ctr"/>
+            <a:endParaRPr lang="en-US"/>
+          </a:p>
+        </p:txBody>
+      </p:sp>
+      <p:sp>
+        <p:nvSpPr>
+          <p:cNvPr id="4" name="TextBox 3"/>
+          <p:cNvSpPr txBox="1"/>
+          <p:nvPr/>
+        </p:nvSpPr>
+        <p:spPr>
+          <a:xfrm>
+            <a:off x="4120578" y="2281456"/>
+            <a:ext cx="1544012" cy="369332"/>
+          </a:xfrm>
+          <a:prstGeom prst="rect">
+            <a:avLst/>
+          </a:prstGeom>
+          <a:noFill/>
+        </p:spPr>
+        <p:txBody>
+          <a:bodyPr wrap="none" rtlCol="0">
+            <a:spAutoFit/>
+          </a:bodyPr>
+          <a:lstStyle/>
+          <a:p>
+            <a:r>
+              <a:rPr lang="en-US" dirty="0" err="1" smtClean="0"/>
+              <a:t>AccountsEntry</a:t>
+            </a:r>
+            <a:endParaRPr lang="en-US" dirty="0"/>
+          </a:p>
+        </p:txBody>
+      </p:sp>
+      <p:cxnSp>
+        <p:nvCxnSpPr>
+          <p:cNvPr id="19" name="Straight Arrow Connector 18"/>
+          <p:cNvCxnSpPr/>
+          <p:nvPr/>
+        </p:nvCxnSpPr>
+        <p:spPr>
+          <a:xfrm>
+            <a:off x="982388" y="3989891"/>
+            <a:ext cx="3712201" cy="0"/>
+          </a:xfrm>
+          <a:prstGeom prst="straightConnector1">
+            <a:avLst/>
+          </a:prstGeom>
+          <a:ln>
+            <a:tailEnd type="arrow"/>
+          </a:ln>
+        </p:spPr>
+        <p:style>
+          <a:lnRef idx="2">
+            <a:schemeClr val="accent1"/>
+          </a:lnRef>
+          <a:fillRef idx="0">
+            <a:schemeClr val="accent1"/>
+          </a:fillRef>
+          <a:effectRef idx="1">
+            <a:schemeClr val="accent1"/>
+          </a:effectRef>
+          <a:fontRef idx="minor">
+            <a:schemeClr val="tx1"/>
+          </a:fontRef>
+        </p:style>
+      </p:cxnSp>
+      <p:sp>
+        <p:nvSpPr>
+          <p:cNvPr id="22" name="TextBox 21"/>
+          <p:cNvSpPr txBox="1"/>
+          <p:nvPr/>
+        </p:nvSpPr>
+        <p:spPr>
+          <a:xfrm>
+            <a:off x="1357920" y="3620559"/>
+            <a:ext cx="2403723" cy="369332"/>
+          </a:xfrm>
+          <a:prstGeom prst="rect">
+            <a:avLst/>
+          </a:prstGeom>
+          <a:noFill/>
+        </p:spPr>
+        <p:txBody>
+          <a:bodyPr wrap="none" rtlCol="0">
+            <a:spAutoFit/>
+          </a:bodyPr>
+          <a:lstStyle/>
+          <a:p>
+            <a:r>
+              <a:rPr lang="en-US" dirty="0" err="1" smtClean="0"/>
+              <a:t>signIn</a:t>
+            </a:r>
+            <a:r>
+              <a:rPr lang="en-US" dirty="0" smtClean="0"/>
+              <a:t>(email, password)</a:t>
+            </a:r>
+            <a:endParaRPr lang="en-US" dirty="0"/>
+          </a:p>
+        </p:txBody>
+      </p:sp>
+    </p:spTree>
+    <p:extLst>
+      <p:ext uri="{BB962C8B-B14F-4D97-AF65-F5344CB8AC3E}">
+        <p14:creationId xmlns:p14="http://schemas.microsoft.com/office/powerpoint/2010/main" val="2514939252"/>
+      </p:ext>
+    </p:extLst>
+  </p:cSld>
+  <p:clrMapOvr>
+    <a:masterClrMapping/>
+  </p:clrMapOvr>
+  <p:timing>
+    <p:tnLst>
+      <p:par>
+        <p:cTn xmlns:p14="http://schemas.microsoft.com/office/powerpoint/2010/main" id="1" dur="indefinite" restart="never" nodeType="tmRoot"/>
+      </p:par>
+    </p:tnLst>
+  </p:timing>
+</p:sld>
+</file>
+
+<file path=ppt/slides/slide23.xml><?xml version="1.0" encoding="utf-8"?>
+<p:sld xmlns:a="http://schemas.openxmlformats.org/drawingml/2006/main" xmlns:r="http://schemas.openxmlformats.org/officeDocument/2006/relationships" xmlns:p="http://schemas.openxmlformats.org/presentationml/2006/main">
+  <p:cSld>
+    <p:spTree>
+      <p:nvGrpSpPr>
+        <p:cNvPr id="1" name=""/>
+        <p:cNvGrpSpPr/>
+        <p:nvPr/>
+      </p:nvGrpSpPr>
+      <p:grpSpPr>
+        <a:xfrm>
+          <a:off x="0" y="0"/>
+          <a:ext cx="0" cy="0"/>
+          <a:chOff x="0" y="0"/>
+          <a:chExt cx="0" cy="0"/>
+        </a:xfrm>
+      </p:grpSpPr>
+      <p:sp>
+        <p:nvSpPr>
+          <p:cNvPr id="62" name="TextBox 61"/>
+          <p:cNvSpPr txBox="1"/>
+          <p:nvPr/>
+        </p:nvSpPr>
+        <p:spPr>
+          <a:xfrm>
+            <a:off x="2657930" y="408211"/>
+            <a:ext cx="3525740" cy="1200328"/>
+          </a:xfrm>
+          <a:prstGeom prst="rect">
+            <a:avLst/>
+          </a:prstGeom>
+          <a:noFill/>
+          <a:ln>
+            <a:noFill/>
+          </a:ln>
+        </p:spPr>
+        <p:txBody>
+          <a:bodyPr wrap="square" rtlCol="0">
+            <a:spAutoFit/>
+          </a:bodyPr>
+          <a:lstStyle/>
+          <a:p>
+            <a:pPr algn="ctr"/>
+            <a:r>
+              <a:rPr lang="en-US" sz="2400" b="1" dirty="0" smtClean="0">
+                <a:ln w="1905"/>
+                <a:solidFill>
+                  <a:srgbClr val="558ED5"/>
+                </a:solidFill>
+                <a:effectLst>
+                  <a:innerShdw blurRad="69850" dist="43180" dir="5400000">
+                    <a:srgbClr val="000000">
+                      <a:alpha val="65000"/>
+                    </a:srgbClr>
+                  </a:innerShdw>
+                </a:effectLst>
+                <a:latin typeface="+mj-lt"/>
+              </a:rPr>
+              <a:t>Interaction (Sequence) Diagram – Use Case 11: Sign Out</a:t>
+            </a:r>
+            <a:endParaRPr lang="en-US" sz="2400" b="1" dirty="0" smtClean="0">
+              <a:ln w="1905"/>
+              <a:solidFill>
+                <a:srgbClr val="558ED5"/>
+              </a:solidFill>
+              <a:effectLst>
+                <a:innerShdw blurRad="69850" dist="43180" dir="5400000">
+                  <a:srgbClr val="000000">
+                    <a:alpha val="65000"/>
+                  </a:srgbClr>
+                </a:innerShdw>
+              </a:effectLst>
+              <a:latin typeface="+mj-lt"/>
+            </a:endParaRPr>
+          </a:p>
+        </p:txBody>
+      </p:sp>
+      <p:sp>
+        <p:nvSpPr>
+          <p:cNvPr id="2" name="Rectangle 1"/>
+          <p:cNvSpPr/>
+          <p:nvPr/>
+        </p:nvSpPr>
+        <p:spPr>
+          <a:xfrm>
+            <a:off x="4694589" y="2695872"/>
+            <a:ext cx="407332" cy="2815689"/>
+          </a:xfrm>
+          <a:prstGeom prst="rect">
+            <a:avLst/>
+          </a:prstGeom>
+        </p:spPr>
+        <p:style>
+          <a:lnRef idx="1">
+            <a:schemeClr val="accent1"/>
+          </a:lnRef>
+          <a:fillRef idx="3">
+            <a:schemeClr val="accent1"/>
+          </a:fillRef>
+          <a:effectRef idx="2">
+            <a:schemeClr val="accent1"/>
+          </a:effectRef>
+          <a:fontRef idx="minor">
+            <a:schemeClr val="lt1"/>
+          </a:fontRef>
+        </p:style>
+        <p:txBody>
+          <a:bodyPr rtlCol="0" anchor="ctr"/>
+          <a:lstStyle/>
+          <a:p>
+            <a:pPr algn="ctr"/>
+            <a:endParaRPr lang="en-US"/>
+          </a:p>
+        </p:txBody>
+      </p:sp>
+      <p:sp>
+        <p:nvSpPr>
+          <p:cNvPr id="4" name="TextBox 3"/>
+          <p:cNvSpPr txBox="1"/>
+          <p:nvPr/>
+        </p:nvSpPr>
+        <p:spPr>
+          <a:xfrm>
+            <a:off x="4120578" y="2281456"/>
+            <a:ext cx="1544012" cy="369332"/>
+          </a:xfrm>
+          <a:prstGeom prst="rect">
+            <a:avLst/>
+          </a:prstGeom>
+          <a:noFill/>
+        </p:spPr>
+        <p:txBody>
+          <a:bodyPr wrap="none" rtlCol="0">
+            <a:spAutoFit/>
+          </a:bodyPr>
+          <a:lstStyle/>
+          <a:p>
+            <a:r>
+              <a:rPr lang="en-US" dirty="0" err="1" smtClean="0"/>
+              <a:t>AccountsEntry</a:t>
+            </a:r>
+            <a:endParaRPr lang="en-US" dirty="0"/>
+          </a:p>
+        </p:txBody>
+      </p:sp>
+      <p:cxnSp>
+        <p:nvCxnSpPr>
+          <p:cNvPr id="19" name="Straight Arrow Connector 18"/>
+          <p:cNvCxnSpPr/>
+          <p:nvPr/>
+        </p:nvCxnSpPr>
+        <p:spPr>
+          <a:xfrm>
+            <a:off x="982388" y="3989891"/>
+            <a:ext cx="3712201" cy="0"/>
+          </a:xfrm>
+          <a:prstGeom prst="straightConnector1">
+            <a:avLst/>
+          </a:prstGeom>
+          <a:ln>
+            <a:tailEnd type="arrow"/>
+          </a:ln>
+        </p:spPr>
+        <p:style>
+          <a:lnRef idx="2">
+            <a:schemeClr val="accent1"/>
+          </a:lnRef>
+          <a:fillRef idx="0">
+            <a:schemeClr val="accent1"/>
+          </a:fillRef>
+          <a:effectRef idx="1">
+            <a:schemeClr val="accent1"/>
+          </a:effectRef>
+          <a:fontRef idx="minor">
+            <a:schemeClr val="tx1"/>
+          </a:fontRef>
+        </p:style>
+      </p:cxnSp>
+      <p:sp>
+        <p:nvSpPr>
+          <p:cNvPr id="22" name="TextBox 21"/>
+          <p:cNvSpPr txBox="1"/>
+          <p:nvPr/>
+        </p:nvSpPr>
+        <p:spPr>
+          <a:xfrm>
+            <a:off x="2099413" y="3620559"/>
+            <a:ext cx="1565039" cy="369332"/>
+          </a:xfrm>
+          <a:prstGeom prst="rect">
+            <a:avLst/>
+          </a:prstGeom>
+          <a:noFill/>
+        </p:spPr>
+        <p:txBody>
+          <a:bodyPr wrap="none" rtlCol="0">
+            <a:spAutoFit/>
+          </a:bodyPr>
+          <a:lstStyle/>
+          <a:p>
+            <a:r>
+              <a:rPr lang="en-US" dirty="0" err="1" smtClean="0"/>
+              <a:t>signOut</a:t>
+            </a:r>
+            <a:r>
+              <a:rPr lang="en-US" dirty="0" smtClean="0"/>
+              <a:t>(email)</a:t>
+            </a:r>
+            <a:endParaRPr lang="en-US" dirty="0"/>
+          </a:p>
+        </p:txBody>
+      </p:sp>
+    </p:spTree>
+    <p:extLst>
+      <p:ext uri="{BB962C8B-B14F-4D97-AF65-F5344CB8AC3E}">
+        <p14:creationId xmlns:p14="http://schemas.microsoft.com/office/powerpoint/2010/main" val="2514939252"/>
+      </p:ext>
+    </p:extLst>
+  </p:cSld>
+  <p:clrMapOvr>
+    <a:masterClrMapping/>
+  </p:clrMapOvr>
+  <p:timing>
+    <p:tnLst>
+      <p:par>
+        <p:cTn xmlns:p14="http://schemas.microsoft.com/office/powerpoint/2010/main" id="1" dur="indefinite" restart="never" nodeType="tmRoot"/>
+      </p:par>
+    </p:tnLst>
+  </p:timing>
+</p:sld>
+</file>
+
+<file path=ppt/slides/slide24.xml><?xml version="1.0" encoding="utf-8"?>
+<p:sld xmlns:a="http://schemas.openxmlformats.org/drawingml/2006/main" xmlns:r="http://schemas.openxmlformats.org/officeDocument/2006/relationships" xmlns:p="http://schemas.openxmlformats.org/presentationml/2006/main">
+  <p:cSld>
+    <p:spTree>
+      <p:nvGrpSpPr>
+        <p:cNvPr id="1" name=""/>
+        <p:cNvGrpSpPr/>
+        <p:nvPr/>
+      </p:nvGrpSpPr>
+      <p:grpSpPr>
+        <a:xfrm>
+          <a:off x="0" y="0"/>
+          <a:ext cx="0" cy="0"/>
+          <a:chOff x="0" y="0"/>
+          <a:chExt cx="0" cy="0"/>
+        </a:xfrm>
+      </p:grpSpPr>
+      <p:sp>
+        <p:nvSpPr>
+          <p:cNvPr id="62" name="TextBox 61"/>
+          <p:cNvSpPr txBox="1"/>
+          <p:nvPr/>
+        </p:nvSpPr>
+        <p:spPr>
+          <a:xfrm>
+            <a:off x="2657930" y="408211"/>
+            <a:ext cx="3525740" cy="1200328"/>
+          </a:xfrm>
+          <a:prstGeom prst="rect">
+            <a:avLst/>
+          </a:prstGeom>
+          <a:noFill/>
+          <a:ln>
+            <a:noFill/>
+          </a:ln>
+        </p:spPr>
+        <p:txBody>
+          <a:bodyPr wrap="square" rtlCol="0">
+            <a:spAutoFit/>
+          </a:bodyPr>
+          <a:lstStyle/>
+          <a:p>
+            <a:pPr algn="ctr"/>
+            <a:r>
+              <a:rPr lang="en-US" sz="2400" b="1" dirty="0" smtClean="0">
+                <a:ln w="1905"/>
+                <a:solidFill>
+                  <a:srgbClr val="558ED5"/>
+                </a:solidFill>
+                <a:effectLst>
+                  <a:innerShdw blurRad="69850" dist="43180" dir="5400000">
+                    <a:srgbClr val="000000">
+                      <a:alpha val="65000"/>
+                    </a:srgbClr>
+                  </a:innerShdw>
+                </a:effectLst>
+                <a:latin typeface="+mj-lt"/>
+              </a:rPr>
+              <a:t>Interaction (Sequence) Diagram – Use Case 14: View All Travel Paths</a:t>
+            </a:r>
+            <a:endParaRPr lang="en-US" sz="2400" b="1" dirty="0" smtClean="0">
+              <a:ln w="1905"/>
+              <a:solidFill>
+                <a:srgbClr val="558ED5"/>
+              </a:solidFill>
+              <a:effectLst>
+                <a:innerShdw blurRad="69850" dist="43180" dir="5400000">
+                  <a:srgbClr val="000000">
+                    <a:alpha val="65000"/>
+                  </a:srgbClr>
+                </a:innerShdw>
+              </a:effectLst>
+              <a:latin typeface="+mj-lt"/>
+            </a:endParaRPr>
+          </a:p>
+        </p:txBody>
+      </p:sp>
+      <p:sp>
+        <p:nvSpPr>
+          <p:cNvPr id="2" name="Rectangle 1"/>
+          <p:cNvSpPr/>
+          <p:nvPr/>
+        </p:nvSpPr>
+        <p:spPr>
+          <a:xfrm>
+            <a:off x="4694589" y="2695872"/>
+            <a:ext cx="407332" cy="2815689"/>
+          </a:xfrm>
+          <a:prstGeom prst="rect">
+            <a:avLst/>
+          </a:prstGeom>
+        </p:spPr>
+        <p:style>
+          <a:lnRef idx="1">
+            <a:schemeClr val="accent1"/>
+          </a:lnRef>
+          <a:fillRef idx="3">
+            <a:schemeClr val="accent1"/>
+          </a:fillRef>
+          <a:effectRef idx="2">
+            <a:schemeClr val="accent1"/>
+          </a:effectRef>
+          <a:fontRef idx="minor">
+            <a:schemeClr val="lt1"/>
+          </a:fontRef>
+        </p:style>
+        <p:txBody>
+          <a:bodyPr rtlCol="0" anchor="ctr"/>
+          <a:lstStyle/>
+          <a:p>
+            <a:pPr algn="ctr"/>
+            <a:endParaRPr lang="en-US"/>
+          </a:p>
+        </p:txBody>
+      </p:sp>
+      <p:sp>
+        <p:nvSpPr>
+          <p:cNvPr id="4" name="TextBox 3"/>
+          <p:cNvSpPr txBox="1"/>
+          <p:nvPr/>
+        </p:nvSpPr>
+        <p:spPr>
+          <a:xfrm>
+            <a:off x="4228401" y="2281456"/>
+            <a:ext cx="1278978" cy="369332"/>
+          </a:xfrm>
+          <a:prstGeom prst="rect">
+            <a:avLst/>
+          </a:prstGeom>
+          <a:noFill/>
+        </p:spPr>
+        <p:txBody>
+          <a:bodyPr wrap="none" rtlCol="0">
+            <a:spAutoFit/>
+          </a:bodyPr>
+          <a:lstStyle/>
+          <a:p>
+            <a:r>
+              <a:rPr lang="en-US" dirty="0" err="1" smtClean="0"/>
+              <a:t>TravelPaths</a:t>
+            </a:r>
+            <a:endParaRPr lang="en-US" dirty="0"/>
+          </a:p>
+        </p:txBody>
+      </p:sp>
+      <p:cxnSp>
+        <p:nvCxnSpPr>
+          <p:cNvPr id="19" name="Straight Arrow Connector 18"/>
+          <p:cNvCxnSpPr/>
+          <p:nvPr/>
+        </p:nvCxnSpPr>
+        <p:spPr>
+          <a:xfrm>
+            <a:off x="2420030" y="3989891"/>
+            <a:ext cx="2274559" cy="0"/>
+          </a:xfrm>
+          <a:prstGeom prst="straightConnector1">
+            <a:avLst/>
+          </a:prstGeom>
+          <a:ln>
+            <a:tailEnd type="arrow"/>
+          </a:ln>
+        </p:spPr>
+        <p:style>
+          <a:lnRef idx="2">
+            <a:schemeClr val="accent1"/>
+          </a:lnRef>
+          <a:fillRef idx="0">
+            <a:schemeClr val="accent1"/>
+          </a:fillRef>
+          <a:effectRef idx="1">
+            <a:schemeClr val="accent1"/>
+          </a:effectRef>
+          <a:fontRef idx="minor">
+            <a:schemeClr val="tx1"/>
+          </a:fontRef>
+        </p:style>
+      </p:cxnSp>
+      <p:sp>
+        <p:nvSpPr>
+          <p:cNvPr id="22" name="TextBox 21"/>
+          <p:cNvSpPr txBox="1"/>
+          <p:nvPr/>
+        </p:nvSpPr>
+        <p:spPr>
+          <a:xfrm>
+            <a:off x="2555955" y="3622659"/>
+            <a:ext cx="1882772" cy="369332"/>
+          </a:xfrm>
+          <a:prstGeom prst="rect">
+            <a:avLst/>
+          </a:prstGeom>
+          <a:noFill/>
+        </p:spPr>
+        <p:txBody>
+          <a:bodyPr wrap="none" rtlCol="0">
+            <a:spAutoFit/>
+          </a:bodyPr>
+          <a:lstStyle/>
+          <a:p>
+            <a:r>
+              <a:rPr lang="en-US" dirty="0" err="1" smtClean="0"/>
+              <a:t>ViewTravelPaths</a:t>
+            </a:r>
+            <a:r>
+              <a:rPr lang="en-US" dirty="0" smtClean="0"/>
+              <a:t>()</a:t>
+            </a:r>
+            <a:endParaRPr lang="en-US" dirty="0"/>
+          </a:p>
+        </p:txBody>
+      </p:sp>
+    </p:spTree>
+    <p:extLst>
+      <p:ext uri="{BB962C8B-B14F-4D97-AF65-F5344CB8AC3E}">
+        <p14:creationId xmlns:p14="http://schemas.microsoft.com/office/powerpoint/2010/main" val="1452243622"/>
+      </p:ext>
+    </p:extLst>
+  </p:cSld>
+  <p:clrMapOvr>
+    <a:masterClrMapping/>
+  </p:clrMapOvr>
+  <p:timing>
+    <p:tnLst>
+      <p:par>
+        <p:cTn xmlns:p14="http://schemas.microsoft.com/office/powerpoint/2010/main" id="1" dur="indefinite" restart="never" nodeType="tmRoot"/>
+      </p:par>
+    </p:tnLst>
+  </p:timing>
+</p:sld>
+</file>
+
+<file path=ppt/slides/slide25.xml><?xml version="1.0" encoding="utf-8"?>
+<p:sld xmlns:a="http://schemas.openxmlformats.org/drawingml/2006/main" xmlns:r="http://schemas.openxmlformats.org/officeDocument/2006/relationships" xmlns:p="http://schemas.openxmlformats.org/presentationml/2006/main">
+  <p:cSld>
+    <p:spTree>
+      <p:nvGrpSpPr>
+        <p:cNvPr id="1" name=""/>
+        <p:cNvGrpSpPr/>
+        <p:nvPr/>
+      </p:nvGrpSpPr>
+      <p:grpSpPr>
+        <a:xfrm>
+          <a:off x="0" y="0"/>
+          <a:ext cx="0" cy="0"/>
+          <a:chOff x="0" y="0"/>
+          <a:chExt cx="0" cy="0"/>
+        </a:xfrm>
+      </p:grpSpPr>
+      <p:sp>
+        <p:nvSpPr>
+          <p:cNvPr id="62" name="TextBox 61"/>
+          <p:cNvSpPr txBox="1"/>
+          <p:nvPr/>
+        </p:nvSpPr>
+        <p:spPr>
+          <a:xfrm>
+            <a:off x="2657930" y="408211"/>
+            <a:ext cx="3525740" cy="1200328"/>
+          </a:xfrm>
+          <a:prstGeom prst="rect">
+            <a:avLst/>
+          </a:prstGeom>
+          <a:noFill/>
+          <a:ln>
+            <a:noFill/>
+          </a:ln>
+        </p:spPr>
+        <p:txBody>
+          <a:bodyPr wrap="square" rtlCol="0">
+            <a:spAutoFit/>
+          </a:bodyPr>
+          <a:lstStyle/>
+          <a:p>
+            <a:pPr algn="ctr"/>
+            <a:r>
+              <a:rPr lang="en-US" sz="2400" b="1" dirty="0" smtClean="0">
+                <a:ln w="1905"/>
+                <a:solidFill>
+                  <a:srgbClr val="558ED5"/>
+                </a:solidFill>
+                <a:effectLst>
+                  <a:innerShdw blurRad="69850" dist="43180" dir="5400000">
+                    <a:srgbClr val="000000">
+                      <a:alpha val="65000"/>
+                    </a:srgbClr>
+                  </a:innerShdw>
+                </a:effectLst>
+                <a:latin typeface="+mj-lt"/>
+              </a:rPr>
+              <a:t>Interaction (Sequence) Diagram – Use Case 15: Edit Roads Travelled</a:t>
+            </a:r>
+            <a:endParaRPr lang="en-US" sz="2400" b="1" dirty="0" smtClean="0">
+              <a:ln w="1905"/>
+              <a:solidFill>
+                <a:srgbClr val="558ED5"/>
+              </a:solidFill>
+              <a:effectLst>
+                <a:innerShdw blurRad="69850" dist="43180" dir="5400000">
+                  <a:srgbClr val="000000">
+                    <a:alpha val="65000"/>
+                  </a:srgbClr>
+                </a:innerShdw>
+              </a:effectLst>
+              <a:latin typeface="+mj-lt"/>
+            </a:endParaRPr>
+          </a:p>
+        </p:txBody>
+      </p:sp>
+      <p:sp>
+        <p:nvSpPr>
+          <p:cNvPr id="2" name="Rectangle 1"/>
+          <p:cNvSpPr/>
+          <p:nvPr/>
+        </p:nvSpPr>
+        <p:spPr>
+          <a:xfrm>
+            <a:off x="573349" y="2150236"/>
+            <a:ext cx="407332" cy="3960408"/>
+          </a:xfrm>
+          <a:prstGeom prst="rect">
+            <a:avLst/>
+          </a:prstGeom>
+        </p:spPr>
+        <p:style>
+          <a:lnRef idx="1">
+            <a:schemeClr val="accent1"/>
+          </a:lnRef>
+          <a:fillRef idx="3">
+            <a:schemeClr val="accent1"/>
+          </a:fillRef>
+          <a:effectRef idx="2">
+            <a:schemeClr val="accent1"/>
+          </a:effectRef>
+          <a:fontRef idx="minor">
+            <a:schemeClr val="lt1"/>
+          </a:fontRef>
+        </p:style>
+        <p:txBody>
+          <a:bodyPr rtlCol="0" anchor="ctr"/>
+          <a:lstStyle/>
+          <a:p>
+            <a:pPr algn="ctr"/>
+            <a:endParaRPr lang="en-US"/>
+          </a:p>
+        </p:txBody>
+      </p:sp>
+      <p:sp>
+        <p:nvSpPr>
+          <p:cNvPr id="4" name="TextBox 3"/>
+          <p:cNvSpPr txBox="1"/>
+          <p:nvPr/>
+        </p:nvSpPr>
+        <p:spPr>
+          <a:xfrm>
+            <a:off x="163748" y="1735820"/>
+            <a:ext cx="1278978" cy="369332"/>
+          </a:xfrm>
+          <a:prstGeom prst="rect">
+            <a:avLst/>
+          </a:prstGeom>
+          <a:noFill/>
+        </p:spPr>
+        <p:txBody>
+          <a:bodyPr wrap="none" rtlCol="0">
+            <a:spAutoFit/>
+          </a:bodyPr>
+          <a:lstStyle/>
+          <a:p>
+            <a:r>
+              <a:rPr lang="en-US" dirty="0" err="1" smtClean="0"/>
+              <a:t>TravelPaths</a:t>
+            </a:r>
+            <a:endParaRPr lang="en-US" dirty="0"/>
+          </a:p>
+        </p:txBody>
+      </p:sp>
+      <p:sp>
+        <p:nvSpPr>
+          <p:cNvPr id="118" name="Rectangle 117"/>
+          <p:cNvSpPr/>
+          <p:nvPr/>
+        </p:nvSpPr>
+        <p:spPr>
+          <a:xfrm>
+            <a:off x="5368903" y="2206724"/>
+            <a:ext cx="407332" cy="1132797"/>
+          </a:xfrm>
+          <a:prstGeom prst="rect">
+            <a:avLst/>
+          </a:prstGeom>
+        </p:spPr>
+        <p:style>
+          <a:lnRef idx="1">
+            <a:schemeClr val="accent1"/>
+          </a:lnRef>
+          <a:fillRef idx="3">
+            <a:schemeClr val="accent1"/>
+          </a:fillRef>
+          <a:effectRef idx="2">
+            <a:schemeClr val="accent1"/>
+          </a:effectRef>
+          <a:fontRef idx="minor">
+            <a:schemeClr val="lt1"/>
+          </a:fontRef>
+        </p:style>
+        <p:txBody>
+          <a:bodyPr rtlCol="0" anchor="ctr"/>
+          <a:lstStyle/>
+          <a:p>
+            <a:pPr algn="ctr"/>
+            <a:endParaRPr lang="en-US"/>
+          </a:p>
+        </p:txBody>
+      </p:sp>
+      <p:sp>
+        <p:nvSpPr>
+          <p:cNvPr id="119" name="TextBox 118"/>
+          <p:cNvSpPr txBox="1"/>
+          <p:nvPr/>
+        </p:nvSpPr>
+        <p:spPr>
+          <a:xfrm>
+            <a:off x="4870490" y="1832450"/>
+            <a:ext cx="1313180" cy="369332"/>
+          </a:xfrm>
+          <a:prstGeom prst="rect">
+            <a:avLst/>
+          </a:prstGeom>
+          <a:noFill/>
+        </p:spPr>
+        <p:txBody>
+          <a:bodyPr wrap="none" rtlCol="0">
+            <a:spAutoFit/>
+          </a:bodyPr>
+          <a:lstStyle/>
+          <a:p>
+            <a:r>
+              <a:rPr lang="en-US" dirty="0" err="1" smtClean="0"/>
+              <a:t>RoadNames</a:t>
+            </a:r>
+            <a:endParaRPr lang="en-US" dirty="0"/>
+          </a:p>
+        </p:txBody>
+      </p:sp>
+      <p:cxnSp>
+        <p:nvCxnSpPr>
+          <p:cNvPr id="120" name="Straight Arrow Connector 119"/>
+          <p:cNvCxnSpPr/>
+          <p:nvPr/>
+        </p:nvCxnSpPr>
+        <p:spPr>
+          <a:xfrm>
+            <a:off x="980681" y="4073291"/>
+            <a:ext cx="1990445" cy="0"/>
+          </a:xfrm>
+          <a:prstGeom prst="straightConnector1">
+            <a:avLst/>
+          </a:prstGeom>
+          <a:ln>
+            <a:tailEnd type="arrow"/>
+          </a:ln>
+        </p:spPr>
+        <p:style>
+          <a:lnRef idx="2">
+            <a:schemeClr val="accent1"/>
+          </a:lnRef>
+          <a:fillRef idx="0">
+            <a:schemeClr val="accent1"/>
+          </a:fillRef>
+          <a:effectRef idx="1">
+            <a:schemeClr val="accent1"/>
+          </a:effectRef>
+          <a:fontRef idx="minor">
+            <a:schemeClr val="tx1"/>
+          </a:fontRef>
+        </p:style>
+      </p:cxnSp>
+      <p:sp>
+        <p:nvSpPr>
+          <p:cNvPr id="14" name="Rectangle 13"/>
+          <p:cNvSpPr/>
+          <p:nvPr/>
+        </p:nvSpPr>
+        <p:spPr>
+          <a:xfrm>
+            <a:off x="2971126" y="2150237"/>
+            <a:ext cx="407332" cy="2067306"/>
+          </a:xfrm>
+          <a:prstGeom prst="rect">
+            <a:avLst/>
+          </a:prstGeom>
+        </p:spPr>
+        <p:style>
+          <a:lnRef idx="1">
+            <a:schemeClr val="accent1"/>
+          </a:lnRef>
+          <a:fillRef idx="3">
+            <a:schemeClr val="accent1"/>
+          </a:fillRef>
+          <a:effectRef idx="2">
+            <a:schemeClr val="accent1"/>
+          </a:effectRef>
+          <a:fontRef idx="minor">
+            <a:schemeClr val="lt1"/>
+          </a:fontRef>
+        </p:style>
+        <p:txBody>
+          <a:bodyPr rtlCol="0" anchor="ctr"/>
+          <a:lstStyle/>
+          <a:p>
+            <a:pPr algn="ctr"/>
+            <a:endParaRPr lang="en-US"/>
+          </a:p>
+        </p:txBody>
+      </p:sp>
+      <p:sp>
+        <p:nvSpPr>
+          <p:cNvPr id="15" name="TextBox 14"/>
+          <p:cNvSpPr txBox="1"/>
+          <p:nvPr/>
+        </p:nvSpPr>
+        <p:spPr>
+          <a:xfrm>
+            <a:off x="2374861" y="1775962"/>
+            <a:ext cx="1552979" cy="369332"/>
+          </a:xfrm>
+          <a:prstGeom prst="rect">
+            <a:avLst/>
+          </a:prstGeom>
+          <a:noFill/>
+        </p:spPr>
+        <p:txBody>
+          <a:bodyPr wrap="none" rtlCol="0">
+            <a:spAutoFit/>
+          </a:bodyPr>
+          <a:lstStyle/>
+          <a:p>
+            <a:r>
+              <a:rPr lang="en-US" dirty="0" err="1" smtClean="0"/>
+              <a:t>EditTravelPath</a:t>
+            </a:r>
+            <a:endParaRPr lang="en-US" dirty="0"/>
+          </a:p>
+        </p:txBody>
+      </p:sp>
+      <p:cxnSp>
+        <p:nvCxnSpPr>
+          <p:cNvPr id="16" name="Straight Arrow Connector 15"/>
+          <p:cNvCxnSpPr/>
+          <p:nvPr/>
+        </p:nvCxnSpPr>
+        <p:spPr>
+          <a:xfrm>
+            <a:off x="3378458" y="2763929"/>
+            <a:ext cx="1990445" cy="0"/>
+          </a:xfrm>
+          <a:prstGeom prst="straightConnector1">
+            <a:avLst/>
+          </a:prstGeom>
+          <a:ln>
+            <a:tailEnd type="arrow"/>
+          </a:ln>
+        </p:spPr>
+        <p:style>
+          <a:lnRef idx="2">
+            <a:schemeClr val="accent1"/>
+          </a:lnRef>
+          <a:fillRef idx="0">
+            <a:schemeClr val="accent1"/>
+          </a:fillRef>
+          <a:effectRef idx="1">
+            <a:schemeClr val="accent1"/>
+          </a:effectRef>
+          <a:fontRef idx="minor">
+            <a:schemeClr val="tx1"/>
+          </a:fontRef>
+        </p:style>
+      </p:cxnSp>
+      <p:sp>
+        <p:nvSpPr>
+          <p:cNvPr id="17" name="Rectangle 16"/>
+          <p:cNvSpPr/>
+          <p:nvPr/>
+        </p:nvSpPr>
+        <p:spPr>
+          <a:xfrm>
+            <a:off x="7345660" y="2302636"/>
+            <a:ext cx="407332" cy="3808007"/>
+          </a:xfrm>
+          <a:prstGeom prst="rect">
+            <a:avLst/>
+          </a:prstGeom>
+        </p:spPr>
+        <p:style>
+          <a:lnRef idx="1">
+            <a:schemeClr val="accent1"/>
+          </a:lnRef>
+          <a:fillRef idx="3">
+            <a:schemeClr val="accent1"/>
+          </a:fillRef>
+          <a:effectRef idx="2">
+            <a:schemeClr val="accent1"/>
+          </a:effectRef>
+          <a:fontRef idx="minor">
+            <a:schemeClr val="lt1"/>
+          </a:fontRef>
+        </p:style>
+        <p:txBody>
+          <a:bodyPr rtlCol="0" anchor="ctr"/>
+          <a:lstStyle/>
+          <a:p>
+            <a:pPr algn="ctr"/>
+            <a:endParaRPr lang="en-US"/>
+          </a:p>
+        </p:txBody>
+      </p:sp>
+      <p:sp>
+        <p:nvSpPr>
+          <p:cNvPr id="18" name="TextBox 17"/>
+          <p:cNvSpPr txBox="1"/>
+          <p:nvPr/>
+        </p:nvSpPr>
+        <p:spPr>
+          <a:xfrm>
+            <a:off x="6920837" y="1928362"/>
+            <a:ext cx="1188697" cy="369332"/>
+          </a:xfrm>
+          <a:prstGeom prst="rect">
+            <a:avLst/>
+          </a:prstGeom>
+          <a:noFill/>
+        </p:spPr>
+        <p:txBody>
+          <a:bodyPr wrap="none" rtlCol="0">
+            <a:spAutoFit/>
+          </a:bodyPr>
+          <a:lstStyle/>
+          <a:p>
+            <a:r>
+              <a:rPr lang="en-US" dirty="0" err="1" smtClean="0"/>
+              <a:t>TravelPath</a:t>
+            </a:r>
+            <a:endParaRPr lang="en-US" dirty="0"/>
+          </a:p>
+        </p:txBody>
+      </p:sp>
+      <p:cxnSp>
+        <p:nvCxnSpPr>
+          <p:cNvPr id="23" name="Straight Arrow Connector 22"/>
+          <p:cNvCxnSpPr/>
+          <p:nvPr/>
+        </p:nvCxnSpPr>
+        <p:spPr>
+          <a:xfrm>
+            <a:off x="3378458" y="3946751"/>
+            <a:ext cx="3967202" cy="0"/>
+          </a:xfrm>
+          <a:prstGeom prst="straightConnector1">
+            <a:avLst/>
+          </a:prstGeom>
+          <a:ln>
+            <a:tailEnd type="arrow"/>
+          </a:ln>
+        </p:spPr>
+        <p:style>
+          <a:lnRef idx="2">
+            <a:schemeClr val="accent1"/>
+          </a:lnRef>
+          <a:fillRef idx="0">
+            <a:schemeClr val="accent1"/>
+          </a:fillRef>
+          <a:effectRef idx="1">
+            <a:schemeClr val="accent1"/>
+          </a:effectRef>
+          <a:fontRef idx="minor">
+            <a:schemeClr val="tx1"/>
+          </a:fontRef>
+        </p:style>
+      </p:cxnSp>
+      <p:sp>
+        <p:nvSpPr>
+          <p:cNvPr id="25" name="TextBox 24"/>
+          <p:cNvSpPr txBox="1"/>
+          <p:nvPr/>
+        </p:nvSpPr>
+        <p:spPr>
+          <a:xfrm>
+            <a:off x="1084431" y="4205089"/>
+            <a:ext cx="2843409" cy="369332"/>
+          </a:xfrm>
+          <a:prstGeom prst="rect">
+            <a:avLst/>
+          </a:prstGeom>
+          <a:noFill/>
+        </p:spPr>
+        <p:txBody>
+          <a:bodyPr wrap="none" rtlCol="0">
+            <a:spAutoFit/>
+          </a:bodyPr>
+          <a:lstStyle/>
+          <a:p>
+            <a:r>
+              <a:rPr lang="en-US" dirty="0" err="1" smtClean="0"/>
+              <a:t>editTravelPath</a:t>
+            </a:r>
+            <a:r>
+              <a:rPr lang="en-US" dirty="0" smtClean="0"/>
+              <a:t>(</a:t>
+            </a:r>
+            <a:r>
+              <a:rPr lang="en-US" dirty="0" err="1" smtClean="0"/>
+              <a:t>travelPathId</a:t>
+            </a:r>
+            <a:r>
+              <a:rPr lang="en-US" dirty="0" smtClean="0"/>
+              <a:t>)</a:t>
+            </a:r>
+            <a:endParaRPr lang="en-US" dirty="0"/>
+          </a:p>
+        </p:txBody>
+      </p:sp>
+      <p:sp>
+        <p:nvSpPr>
+          <p:cNvPr id="26" name="TextBox 25"/>
+          <p:cNvSpPr txBox="1"/>
+          <p:nvPr/>
+        </p:nvSpPr>
+        <p:spPr>
+          <a:xfrm>
+            <a:off x="3593252" y="2394597"/>
+            <a:ext cx="1194670" cy="369332"/>
+          </a:xfrm>
+          <a:prstGeom prst="rect">
+            <a:avLst/>
+          </a:prstGeom>
+          <a:noFill/>
+        </p:spPr>
+        <p:txBody>
+          <a:bodyPr wrap="none" rtlCol="0">
+            <a:spAutoFit/>
+          </a:bodyPr>
+          <a:lstStyle/>
+          <a:p>
+            <a:r>
+              <a:rPr lang="en-US" dirty="0" err="1" smtClean="0"/>
+              <a:t>getRoads</a:t>
+            </a:r>
+            <a:r>
+              <a:rPr lang="en-US" dirty="0" smtClean="0"/>
+              <a:t>()</a:t>
+            </a:r>
+            <a:endParaRPr lang="en-US" dirty="0"/>
+          </a:p>
+        </p:txBody>
+      </p:sp>
+      <p:sp>
+        <p:nvSpPr>
+          <p:cNvPr id="27" name="TextBox 26"/>
+          <p:cNvSpPr txBox="1"/>
+          <p:nvPr/>
+        </p:nvSpPr>
+        <p:spPr>
+          <a:xfrm>
+            <a:off x="3508944" y="3540790"/>
+            <a:ext cx="1839378" cy="369332"/>
+          </a:xfrm>
+          <a:prstGeom prst="rect">
+            <a:avLst/>
+          </a:prstGeom>
+          <a:noFill/>
+        </p:spPr>
+        <p:txBody>
+          <a:bodyPr wrap="none" rtlCol="0">
+            <a:spAutoFit/>
+          </a:bodyPr>
+          <a:lstStyle/>
+          <a:p>
+            <a:r>
+              <a:rPr lang="en-US" dirty="0" smtClean="0"/>
+              <a:t>edit(</a:t>
+            </a:r>
+            <a:r>
+              <a:rPr lang="en-US" dirty="0" err="1" smtClean="0"/>
+              <a:t>travelPathId</a:t>
+            </a:r>
+            <a:r>
+              <a:rPr lang="en-US" dirty="0" smtClean="0"/>
+              <a:t>)</a:t>
+            </a:r>
+            <a:endParaRPr lang="en-US" dirty="0"/>
+          </a:p>
+        </p:txBody>
+      </p:sp>
+    </p:spTree>
+    <p:extLst>
+      <p:ext uri="{BB962C8B-B14F-4D97-AF65-F5344CB8AC3E}">
+        <p14:creationId xmlns:p14="http://schemas.microsoft.com/office/powerpoint/2010/main" val="714267475"/>
       </p:ext>
     </p:extLst>
   </p:cSld>
@@ -17344,73 +21410,8 @@
                 </a:effectLst>
                 <a:latin typeface="+mj-lt"/>
               </a:rPr>
-              <a:t>Use Case </a:t>
-            </a:r>
-            <a:r>
-              <a:rPr lang="en-US" sz="2400" b="1" dirty="0" smtClean="0">
-                <a:ln w="1905"/>
-                <a:solidFill>
-                  <a:srgbClr val="558ED5"/>
-                </a:solidFill>
-                <a:effectLst>
-                  <a:innerShdw blurRad="69850" dist="43180" dir="5400000">
-                    <a:srgbClr val="000000">
-                      <a:alpha val="65000"/>
-                    </a:srgbClr>
-                  </a:innerShdw>
-                </a:effectLst>
-                <a:latin typeface="+mj-lt"/>
-              </a:rPr>
-              <a:t>2: </a:t>
-            </a:r>
-            <a:r>
-              <a:rPr lang="en-US" sz="2400" b="1" dirty="0" smtClean="0">
-                <a:ln w="1905"/>
-                <a:solidFill>
-                  <a:srgbClr val="558ED5"/>
-                </a:solidFill>
-                <a:effectLst>
-                  <a:innerShdw blurRad="69850" dist="43180" dir="5400000">
-                    <a:srgbClr val="000000">
-                      <a:alpha val="65000"/>
-                    </a:srgbClr>
-                  </a:innerShdw>
-                </a:effectLst>
-                <a:latin typeface="+mj-lt"/>
-              </a:rPr>
-              <a:t>Update Data by </a:t>
-            </a:r>
-            <a:r>
-              <a:rPr lang="en-US" sz="2400" b="1" dirty="0" smtClean="0">
-                <a:ln w="1905"/>
-                <a:solidFill>
-                  <a:srgbClr val="558ED5"/>
-                </a:solidFill>
-                <a:effectLst>
-                  <a:innerShdw blurRad="69850" dist="43180" dir="5400000">
-                    <a:srgbClr val="000000">
-                      <a:alpha val="65000"/>
-                    </a:srgbClr>
-                  </a:innerShdw>
-                </a:effectLst>
-                <a:latin typeface="+mj-lt"/>
-              </a:rPr>
-              <a:t>System</a:t>
-            </a:r>
-            <a:endParaRPr lang="en-US" sz="2400" b="1" dirty="0" smtClean="0">
-              <a:ln w="1905"/>
-              <a:solidFill>
-                <a:srgbClr val="558ED5"/>
-              </a:solidFill>
-              <a:effectLst>
-                <a:innerShdw blurRad="69850" dist="43180" dir="5400000">
-                  <a:srgbClr val="000000">
-                    <a:alpha val="65000"/>
-                  </a:srgbClr>
-                </a:innerShdw>
-              </a:effectLst>
-              <a:latin typeface="+mj-lt"/>
-            </a:endParaRPr>
+              <a:t>Use Case 2: Update Data by System</a:t>
+            </a:r>
           </a:p>
         </p:txBody>
       </p:sp>
@@ -21223,39 +25224,8 @@
                 </a:effectLst>
                 <a:latin typeface="+mj-lt"/>
               </a:rPr>
-              <a:t>Use Case </a:t>
-            </a:r>
-            <a:r>
-              <a:rPr lang="en-US" sz="2400" b="1" dirty="0" smtClean="0">
-                <a:ln w="1905"/>
-                <a:solidFill>
-                  <a:srgbClr val="558ED5"/>
-                </a:solidFill>
-                <a:effectLst>
-                  <a:innerShdw blurRad="69850" dist="43180" dir="5400000">
-                    <a:srgbClr val="000000">
-                      <a:alpha val="65000"/>
-                    </a:srgbClr>
-                  </a:innerShdw>
-                </a:effectLst>
-                <a:latin typeface="+mj-lt"/>
-              </a:rPr>
-              <a:t>4: Analyze Road Activity</a:t>
-            </a:r>
-            <a:endParaRPr lang="en-US" sz="2400" b="1" dirty="0" smtClean="0">
-              <a:ln w="1905"/>
-              <a:solidFill>
-                <a:srgbClr val="558ED5"/>
-              </a:solidFill>
-              <a:effectLst>
-                <a:innerShdw blurRad="69850" dist="43180" dir="5400000">
-                  <a:srgbClr val="000000">
-                    <a:alpha val="65000"/>
-                  </a:srgbClr>
-                </a:innerShdw>
-              </a:effectLst>
-              <a:latin typeface="+mj-lt"/>
-            </a:endParaRPr>
+              <a:t>Use Case 4: Analyze Road Activity</a:t>
+            </a:r>
           </a:p>
         </p:txBody>
       </p:sp>
@@ -22808,11 +26778,7 @@
           <a:p>
             <a:r>
               <a:rPr lang="en-US" dirty="0" err="1" smtClean="0"/>
-              <a:t>End</a:t>
-            </a:r>
-            <a:r>
-              <a:rPr lang="en-US" dirty="0" err="1" smtClean="0"/>
-              <a:t>Date</a:t>
+              <a:t>EndDate</a:t>
             </a:r>
             <a:r>
               <a:rPr lang="en-US" dirty="0" smtClean="0"/>
@@ -23903,39 +27869,8 @@
                 </a:effectLst>
                 <a:latin typeface="+mj-lt"/>
               </a:rPr>
-              <a:t>Use Case </a:t>
-            </a:r>
-            <a:r>
-              <a:rPr lang="en-US" sz="2400" b="1" dirty="0" smtClean="0">
-                <a:ln w="1905"/>
-                <a:solidFill>
-                  <a:srgbClr val="558ED5"/>
-                </a:solidFill>
-                <a:effectLst>
-                  <a:innerShdw blurRad="69850" dist="43180" dir="5400000">
-                    <a:srgbClr val="000000">
-                      <a:alpha val="65000"/>
-                    </a:srgbClr>
-                  </a:innerShdw>
-                </a:effectLst>
-                <a:latin typeface="+mj-lt"/>
-              </a:rPr>
-              <a:t>4: Analyze Road Activity (continued)</a:t>
-            </a:r>
-            <a:endParaRPr lang="en-US" sz="2400" b="1" dirty="0" smtClean="0">
-              <a:ln w="1905"/>
-              <a:solidFill>
-                <a:srgbClr val="558ED5"/>
-              </a:solidFill>
-              <a:effectLst>
-                <a:innerShdw blurRad="69850" dist="43180" dir="5400000">
-                  <a:srgbClr val="000000">
-                    <a:alpha val="65000"/>
-                  </a:srgbClr>
-                </a:innerShdw>
-              </a:effectLst>
-              <a:latin typeface="+mj-lt"/>
-            </a:endParaRPr>
+              <a:t>Use Case 4: Analyze Road Activity (continued)</a:t>
+            </a:r>
           </a:p>
         </p:txBody>
       </p:sp>
@@ -25758,39 +29693,8 @@
                 </a:effectLst>
                 <a:latin typeface="+mj-lt"/>
               </a:rPr>
-              <a:t>Use Case </a:t>
-            </a:r>
-            <a:r>
-              <a:rPr lang="en-US" sz="2400" b="1" dirty="0" smtClean="0">
-                <a:ln w="1905"/>
-                <a:solidFill>
-                  <a:srgbClr val="558ED5"/>
-                </a:solidFill>
-                <a:effectLst>
-                  <a:innerShdw blurRad="69850" dist="43180" dir="5400000">
-                    <a:srgbClr val="000000">
-                      <a:alpha val="65000"/>
-                    </a:srgbClr>
-                  </a:innerShdw>
-                </a:effectLst>
-                <a:latin typeface="+mj-lt"/>
-              </a:rPr>
-              <a:t>5: Enter Roads Travelled</a:t>
-            </a:r>
-            <a:endParaRPr lang="en-US" sz="2400" b="1" dirty="0" smtClean="0">
-              <a:ln w="1905"/>
-              <a:solidFill>
-                <a:srgbClr val="558ED5"/>
-              </a:solidFill>
-              <a:effectLst>
-                <a:innerShdw blurRad="69850" dist="43180" dir="5400000">
-                  <a:srgbClr val="000000">
-                    <a:alpha val="65000"/>
-                  </a:srgbClr>
-                </a:innerShdw>
-              </a:effectLst>
-              <a:latin typeface="+mj-lt"/>
-            </a:endParaRPr>
+              <a:t>Use Case 5: Enter Roads Travelled</a:t>
+            </a:r>
           </a:p>
         </p:txBody>
       </p:sp>
@@ -27628,15 +31532,7 @@
           <a:p>
             <a:r>
               <a:rPr lang="en-US" dirty="0" smtClean="0"/>
-              <a:t>[each </a:t>
-            </a:r>
-            <a:r>
-              <a:rPr lang="en-US" dirty="0" smtClean="0"/>
-              <a:t>travelled road </a:t>
-            </a:r>
-            <a:r>
-              <a:rPr lang="en-US" dirty="0" smtClean="0"/>
-              <a:t>for given user]</a:t>
+              <a:t>[each travelled road for given user]</a:t>
             </a:r>
             <a:endParaRPr lang="en-US" dirty="0"/>
           </a:p>

--- a/deliverables/iteration2/other/DomainModel_SSD_ClassDiagrams.pptx
+++ b/deliverables/iteration2/other/DomainModel_SSD_ClassDiagrams.pptx
@@ -15139,20 +15139,6 @@
               </a:rPr>
               <a:t>Interaction (Sequence) Diagram – Use Case 1: Sign Up</a:t>
             </a:r>
-            <a:endParaRPr lang="en-US" sz="2400" b="1" dirty="0" smtClean="0">
-              <a:ln w="1905"/>
-              <a:solidFill>
-                <a:srgbClr val="558ED5"/>
-              </a:solidFill>
-              <a:effectLst>
-                <a:innerShdw blurRad="69850" dist="43180" dir="5400000">
-                  <a:srgbClr val="000000">
-                    <a:alpha val="65000"/>
-                  </a:srgbClr>
-                </a:innerShdw>
-              </a:effectLst>
-              <a:latin typeface="+mj-lt"/>
-            </a:endParaRPr>
           </a:p>
         </p:txBody>
       </p:sp>
@@ -15371,20 +15357,6 @@
               </a:rPr>
               <a:t>Interaction (Sequence) Diagram – Use Case 2: Update Data by System</a:t>
             </a:r>
-            <a:endParaRPr lang="en-US" sz="2400" b="1" dirty="0" smtClean="0">
-              <a:ln w="1905"/>
-              <a:solidFill>
-                <a:srgbClr val="558ED5"/>
-              </a:solidFill>
-              <a:effectLst>
-                <a:innerShdw blurRad="69850" dist="43180" dir="5400000">
-                  <a:srgbClr val="000000">
-                    <a:alpha val="65000"/>
-                  </a:srgbClr>
-                </a:innerShdw>
-              </a:effectLst>
-              <a:latin typeface="+mj-lt"/>
-            </a:endParaRPr>
           </a:p>
         </p:txBody>
       </p:sp>
@@ -16081,20 +16053,6 @@
               </a:rPr>
               <a:t>Interaction (Sequence) Diagram – Use Case 3: Update Data by User</a:t>
             </a:r>
-            <a:endParaRPr lang="en-US" sz="2400" b="1" dirty="0" smtClean="0">
-              <a:ln w="1905"/>
-              <a:solidFill>
-                <a:srgbClr val="558ED5"/>
-              </a:solidFill>
-              <a:effectLst>
-                <a:innerShdw blurRad="69850" dist="43180" dir="5400000">
-                  <a:srgbClr val="000000">
-                    <a:alpha val="65000"/>
-                  </a:srgbClr>
-                </a:innerShdw>
-              </a:effectLst>
-              <a:latin typeface="+mj-lt"/>
-            </a:endParaRPr>
           </a:p>
         </p:txBody>
       </p:sp>
@@ -16515,20 +16473,6 @@
               </a:rPr>
               <a:t>Interaction (Sequence) Diagram – Use Case 4: Analyze Road Activity</a:t>
             </a:r>
-            <a:endParaRPr lang="en-US" sz="2400" b="1" dirty="0" smtClean="0">
-              <a:ln w="1905"/>
-              <a:solidFill>
-                <a:srgbClr val="558ED5"/>
-              </a:solidFill>
-              <a:effectLst>
-                <a:innerShdw blurRad="69850" dist="43180" dir="5400000">
-                  <a:srgbClr val="000000">
-                    <a:alpha val="65000"/>
-                  </a:srgbClr>
-                </a:innerShdw>
-              </a:effectLst>
-              <a:latin typeface="+mj-lt"/>
-            </a:endParaRPr>
           </a:p>
         </p:txBody>
       </p:sp>
@@ -19059,20 +19003,6 @@
               </a:rPr>
               <a:t>Interaction (Sequence) Diagram – Use Case 5: Enter Roads Travelled</a:t>
             </a:r>
-            <a:endParaRPr lang="en-US" sz="2400" b="1" dirty="0" smtClean="0">
-              <a:ln w="1905"/>
-              <a:solidFill>
-                <a:srgbClr val="558ED5"/>
-              </a:solidFill>
-              <a:effectLst>
-                <a:innerShdw blurRad="69850" dist="43180" dir="5400000">
-                  <a:srgbClr val="000000">
-                    <a:alpha val="65000"/>
-                  </a:srgbClr>
-                </a:innerShdw>
-              </a:effectLst>
-              <a:latin typeface="+mj-lt"/>
-            </a:endParaRPr>
           </a:p>
         </p:txBody>
       </p:sp>
@@ -19629,20 +19559,6 @@
               </a:rPr>
               <a:t>Interaction (Sequence) Diagram – Use Case 9: Current Road Activities</a:t>
             </a:r>
-            <a:endParaRPr lang="en-US" sz="2400" b="1" dirty="0" smtClean="0">
-              <a:ln w="1905"/>
-              <a:solidFill>
-                <a:srgbClr val="558ED5"/>
-              </a:solidFill>
-              <a:effectLst>
-                <a:innerShdw blurRad="69850" dist="43180" dir="5400000">
-                  <a:srgbClr val="000000">
-                    <a:alpha val="65000"/>
-                  </a:srgbClr>
-                </a:innerShdw>
-              </a:effectLst>
-              <a:latin typeface="+mj-lt"/>
-            </a:endParaRPr>
           </a:p>
         </p:txBody>
       </p:sp>
@@ -20114,20 +20030,6 @@
               </a:rPr>
               <a:t>Interaction (Sequence) Diagram – Use Case 10: Sign In</a:t>
             </a:r>
-            <a:endParaRPr lang="en-US" sz="2400" b="1" dirty="0" smtClean="0">
-              <a:ln w="1905"/>
-              <a:solidFill>
-                <a:srgbClr val="558ED5"/>
-              </a:solidFill>
-              <a:effectLst>
-                <a:innerShdw blurRad="69850" dist="43180" dir="5400000">
-                  <a:srgbClr val="000000">
-                    <a:alpha val="65000"/>
-                  </a:srgbClr>
-                </a:innerShdw>
-              </a:effectLst>
-              <a:latin typeface="+mj-lt"/>
-            </a:endParaRPr>
           </a:p>
         </p:txBody>
       </p:sp>
@@ -20346,20 +20248,6 @@
               </a:rPr>
               <a:t>Interaction (Sequence) Diagram – Use Case 11: Sign Out</a:t>
             </a:r>
-            <a:endParaRPr lang="en-US" sz="2400" b="1" dirty="0" smtClean="0">
-              <a:ln w="1905"/>
-              <a:solidFill>
-                <a:srgbClr val="558ED5"/>
-              </a:solidFill>
-              <a:effectLst>
-                <a:innerShdw blurRad="69850" dist="43180" dir="5400000">
-                  <a:srgbClr val="000000">
-                    <a:alpha val="65000"/>
-                  </a:srgbClr>
-                </a:innerShdw>
-              </a:effectLst>
-              <a:latin typeface="+mj-lt"/>
-            </a:endParaRPr>
           </a:p>
         </p:txBody>
       </p:sp>
@@ -20578,20 +20466,6 @@
               </a:rPr>
               <a:t>Interaction (Sequence) Diagram – Use Case 14: View All Travel Paths</a:t>
             </a:r>
-            <a:endParaRPr lang="en-US" sz="2400" b="1" dirty="0" smtClean="0">
-              <a:ln w="1905"/>
-              <a:solidFill>
-                <a:srgbClr val="558ED5"/>
-              </a:solidFill>
-              <a:effectLst>
-                <a:innerShdw blurRad="69850" dist="43180" dir="5400000">
-                  <a:srgbClr val="000000">
-                    <a:alpha val="65000"/>
-                  </a:srgbClr>
-                </a:innerShdw>
-              </a:effectLst>
-              <a:latin typeface="+mj-lt"/>
-            </a:endParaRPr>
           </a:p>
         </p:txBody>
       </p:sp>
@@ -20810,20 +20684,6 @@
               </a:rPr>
               <a:t>Interaction (Sequence) Diagram – Use Case 15: Edit Roads Travelled</a:t>
             </a:r>
-            <a:endParaRPr lang="en-US" sz="2400" b="1" dirty="0" smtClean="0">
-              <a:ln w="1905"/>
-              <a:solidFill>
-                <a:srgbClr val="558ED5"/>
-              </a:solidFill>
-              <a:effectLst>
-                <a:innerShdw blurRad="69850" dist="43180" dir="5400000">
-                  <a:srgbClr val="000000">
-                    <a:alpha val="65000"/>
-                  </a:srgbClr>
-                </a:innerShdw>
-              </a:effectLst>
-              <a:latin typeface="+mj-lt"/>
-            </a:endParaRPr>
           </a:p>
         </p:txBody>
       </p:sp>

--- a/deliverables/iteration2/other/DomainModel_SSD_ClassDiagrams.pptx
+++ b/deliverables/iteration2/other/DomainModel_SSD_ClassDiagrams.pptx
@@ -20,16 +20,17 @@
     <p:sldId id="270" r:id="rId14"/>
     <p:sldId id="262" r:id="rId15"/>
     <p:sldId id="263" r:id="rId16"/>
-    <p:sldId id="276" r:id="rId17"/>
-    <p:sldId id="271" r:id="rId18"/>
-    <p:sldId id="279" r:id="rId19"/>
-    <p:sldId id="272" r:id="rId20"/>
-    <p:sldId id="273" r:id="rId21"/>
-    <p:sldId id="280" r:id="rId22"/>
-    <p:sldId id="277" r:id="rId23"/>
-    <p:sldId id="278" r:id="rId24"/>
-    <p:sldId id="275" r:id="rId25"/>
-    <p:sldId id="274" r:id="rId26"/>
+    <p:sldId id="282" r:id="rId17"/>
+    <p:sldId id="276" r:id="rId18"/>
+    <p:sldId id="271" r:id="rId19"/>
+    <p:sldId id="279" r:id="rId20"/>
+    <p:sldId id="272" r:id="rId21"/>
+    <p:sldId id="273" r:id="rId22"/>
+    <p:sldId id="280" r:id="rId23"/>
+    <p:sldId id="277" r:id="rId24"/>
+    <p:sldId id="278" r:id="rId25"/>
+    <p:sldId id="275" r:id="rId26"/>
+    <p:sldId id="274" r:id="rId27"/>
   </p:sldIdLst>
   <p:sldSz cx="9144000" cy="6858000" type="screen4x3"/>
   <p:notesSz cx="6858000" cy="9144000"/>
@@ -13535,8 +13536,8 @@
         </p:nvSpPr>
         <p:spPr>
           <a:xfrm>
-            <a:off x="294296" y="1480032"/>
-            <a:ext cx="4308746" cy="2031325"/>
+            <a:off x="797471" y="1815518"/>
+            <a:ext cx="4308746" cy="4247317"/>
           </a:xfrm>
           <a:prstGeom prst="rect">
             <a:avLst/>
@@ -13553,6 +13554,34 @@
             <a:spAutoFit/>
           </a:bodyPr>
           <a:lstStyle/>
+          <a:p>
+            <a:r>
+              <a:rPr lang="en-US" dirty="0" err="1" smtClean="0">
+                <a:ln>
+                  <a:solidFill>
+                    <a:srgbClr val="000000"/>
+                  </a:solidFill>
+                </a:ln>
+              </a:rPr>
+              <a:t>AccountsEntry</a:t>
+            </a:r>
+            <a:endParaRPr lang="en-US" dirty="0" smtClean="0">
+              <a:ln>
+                <a:solidFill>
+                  <a:srgbClr val="000000"/>
+                </a:solidFill>
+              </a:ln>
+            </a:endParaRPr>
+          </a:p>
+          <a:p>
+            <a:endParaRPr lang="en-US" dirty="0" smtClean="0">
+              <a:ln>
+                <a:solidFill>
+                  <a:srgbClr val="000000"/>
+                </a:solidFill>
+              </a:ln>
+            </a:endParaRPr>
+          </a:p>
           <a:p>
             <a:r>
               <a:rPr lang="en-US" dirty="0" smtClean="0">
@@ -13562,8 +13591,134 @@
                   </a:solidFill>
                 </a:ln>
               </a:rPr>
-              <a:t>SignIn</a:t>
-            </a:r>
+              <a:t>String </a:t>
+            </a:r>
+            <a:r>
+              <a:rPr lang="en-US" dirty="0" smtClean="0">
+                <a:ln>
+                  <a:solidFill>
+                    <a:srgbClr val="000000"/>
+                  </a:solidFill>
+                </a:ln>
+              </a:rPr>
+              <a:t>email</a:t>
+            </a:r>
+            <a:endParaRPr lang="en-US" dirty="0">
+              <a:ln>
+                <a:solidFill>
+                  <a:srgbClr val="000000"/>
+                </a:solidFill>
+              </a:ln>
+            </a:endParaRPr>
+          </a:p>
+          <a:p>
+            <a:r>
+              <a:rPr lang="en-US" dirty="0" smtClean="0">
+                <a:ln>
+                  <a:solidFill>
+                    <a:srgbClr val="000000"/>
+                  </a:solidFill>
+                </a:ln>
+              </a:rPr>
+              <a:t>String </a:t>
+            </a:r>
+            <a:r>
+              <a:rPr lang="en-US" dirty="0" smtClean="0">
+                <a:ln>
+                  <a:solidFill>
+                    <a:srgbClr val="000000"/>
+                  </a:solidFill>
+                </a:ln>
+              </a:rPr>
+              <a:t>password</a:t>
+            </a:r>
+          </a:p>
+          <a:p>
+            <a:r>
+              <a:rPr lang="en-US" dirty="0" err="1">
+                <a:ln>
+                  <a:solidFill>
+                    <a:srgbClr val="000000"/>
+                  </a:solidFill>
+                </a:ln>
+              </a:rPr>
+              <a:t>Int</a:t>
+            </a:r>
+            <a:r>
+              <a:rPr lang="en-US" dirty="0">
+                <a:ln>
+                  <a:solidFill>
+                    <a:srgbClr val="000000"/>
+                  </a:solidFill>
+                </a:ln>
+              </a:rPr>
+              <a:t> </a:t>
+            </a:r>
+            <a:r>
+              <a:rPr lang="en-US" dirty="0" err="1">
+                <a:ln>
+                  <a:solidFill>
+                    <a:srgbClr val="000000"/>
+                  </a:solidFill>
+                </a:ln>
+              </a:rPr>
+              <a:t>passwordLength</a:t>
+            </a:r>
+            <a:endParaRPr lang="en-US" dirty="0">
+              <a:ln>
+                <a:solidFill>
+                  <a:srgbClr val="000000"/>
+                </a:solidFill>
+              </a:ln>
+            </a:endParaRPr>
+          </a:p>
+          <a:p>
+            <a:r>
+              <a:rPr lang="en-US" dirty="0" err="1">
+                <a:ln>
+                  <a:solidFill>
+                    <a:srgbClr val="000000"/>
+                  </a:solidFill>
+                </a:ln>
+              </a:rPr>
+              <a:t>Bool</a:t>
+            </a:r>
+            <a:r>
+              <a:rPr lang="en-US" dirty="0">
+                <a:ln>
+                  <a:solidFill>
+                    <a:srgbClr val="000000"/>
+                  </a:solidFill>
+                </a:ln>
+              </a:rPr>
+              <a:t> </a:t>
+            </a:r>
+            <a:r>
+              <a:rPr lang="en-US" dirty="0" err="1">
+                <a:ln>
+                  <a:solidFill>
+                    <a:srgbClr val="000000"/>
+                  </a:solidFill>
+                </a:ln>
+              </a:rPr>
+              <a:t>atLeastOneDigit</a:t>
+            </a:r>
+            <a:endParaRPr lang="en-US" dirty="0">
+              <a:ln>
+                <a:solidFill>
+                  <a:srgbClr val="000000"/>
+                </a:solidFill>
+              </a:ln>
+            </a:endParaRPr>
+          </a:p>
+          <a:p>
+            <a:endParaRPr lang="en-US" dirty="0">
+              <a:ln>
+                <a:solidFill>
+                  <a:srgbClr val="000000"/>
+                </a:solidFill>
+              </a:ln>
+            </a:endParaRPr>
           </a:p>
           <a:p>
             <a:endParaRPr lang="en-US" dirty="0" smtClean="0">
@@ -13576,6 +13731,16 @@
           </a:p>
           <a:p>
             <a:r>
+              <a:rPr lang="en-US" dirty="0" err="1" smtClean="0">
+                <a:ln>
+                  <a:solidFill>
+                    <a:srgbClr val="000000"/>
+                  </a:solidFill>
+                </a:ln>
+              </a:rPr>
+              <a:t>SignIn</a:t>
+            </a:r>
+            <a:r>
               <a:rPr lang="en-US" dirty="0" smtClean="0">
                 <a:ln>
                   <a:solidFill>
@@ -13583,7 +13748,69 @@
                   </a:solidFill>
                 </a:ln>
               </a:rPr>
-              <a:t>String userName</a:t>
+              <a:t>(email, </a:t>
+            </a:r>
+            <a:r>
+              <a:rPr lang="en-US" dirty="0" smtClean="0">
+                <a:ln>
+                  <a:solidFill>
+                    <a:srgbClr val="000000"/>
+                  </a:solidFill>
+                </a:ln>
+              </a:rPr>
+              <a:t>password) : </a:t>
+            </a:r>
+            <a:r>
+              <a:rPr lang="en-US" dirty="0" smtClean="0">
+                <a:ln>
+                  <a:solidFill>
+                    <a:srgbClr val="000000"/>
+                  </a:solidFill>
+                </a:ln>
+              </a:rPr>
+              <a:t>email</a:t>
+            </a:r>
+          </a:p>
+          <a:p>
+            <a:r>
+              <a:rPr lang="en-US" dirty="0" err="1">
+                <a:ln>
+                  <a:solidFill>
+                    <a:srgbClr val="000000"/>
+                  </a:solidFill>
+                </a:ln>
+              </a:rPr>
+              <a:t>SignUp</a:t>
+            </a:r>
+            <a:r>
+              <a:rPr lang="en-US" dirty="0" smtClean="0">
+                <a:ln>
+                  <a:solidFill>
+                    <a:srgbClr val="000000"/>
+                  </a:solidFill>
+                </a:ln>
+              </a:rPr>
+              <a:t>(email, password) </a:t>
+            </a:r>
+            <a:r>
+              <a:rPr lang="en-US" dirty="0">
+                <a:ln>
+                  <a:solidFill>
+                    <a:srgbClr val="000000"/>
+                  </a:solidFill>
+                </a:ln>
+              </a:rPr>
+              <a:t>: </a:t>
+            </a:r>
+            <a:r>
+              <a:rPr lang="en-US" dirty="0" smtClean="0">
+                <a:ln>
+                  <a:solidFill>
+                    <a:srgbClr val="000000"/>
+                  </a:solidFill>
+                </a:ln>
+              </a:rPr>
+              <a:t>email</a:t>
             </a:r>
             <a:endParaRPr lang="en-US" dirty="0">
               <a:ln>
@@ -13595,6 +13822,16 @@
           </a:p>
           <a:p>
             <a:r>
+              <a:rPr lang="en-US" dirty="0" err="1" smtClean="0">
+                <a:ln>
+                  <a:solidFill>
+                    <a:srgbClr val="000000"/>
+                  </a:solidFill>
+                </a:ln>
+              </a:rPr>
+              <a:t>ForgotPassword</a:t>
+            </a:r>
+            <a:r>
               <a:rPr lang="en-US" dirty="0" smtClean="0">
                 <a:ln>
                   <a:solidFill>
@@ -13602,8 +13839,76 @@
                   </a:solidFill>
                 </a:ln>
               </a:rPr>
-              <a:t>String password</a:t>
-            </a:r>
+              <a:t>()</a:t>
+            </a:r>
+          </a:p>
+          <a:p>
+            <a:r>
+              <a:rPr lang="en-US" dirty="0" err="1" smtClean="0">
+                <a:ln>
+                  <a:solidFill>
+                    <a:srgbClr val="000000"/>
+                  </a:solidFill>
+                </a:ln>
+              </a:rPr>
+              <a:t>SignOut</a:t>
+            </a:r>
+            <a:r>
+              <a:rPr lang="en-US" dirty="0" smtClean="0">
+                <a:ln>
+                  <a:solidFill>
+                    <a:srgbClr val="000000"/>
+                  </a:solidFill>
+                </a:ln>
+              </a:rPr>
+              <a:t>()</a:t>
+            </a:r>
+          </a:p>
+          <a:p>
+            <a:r>
+              <a:rPr lang="en-US" dirty="0" err="1" smtClean="0">
+                <a:ln>
+                  <a:solidFill>
+                    <a:srgbClr val="000000"/>
+                  </a:solidFill>
+                </a:ln>
+              </a:rPr>
+              <a:t>getEmail</a:t>
+            </a:r>
+            <a:r>
+              <a:rPr lang="en-US" dirty="0" smtClean="0">
+                <a:ln>
+                  <a:solidFill>
+                    <a:srgbClr val="000000"/>
+                  </a:solidFill>
+                </a:ln>
+              </a:rPr>
+              <a:t>()</a:t>
+            </a:r>
+          </a:p>
+          <a:p>
+            <a:r>
+              <a:rPr lang="en-US" dirty="0" err="1" smtClean="0">
+                <a:ln>
+                  <a:solidFill>
+                    <a:srgbClr val="000000"/>
+                  </a:solidFill>
+                </a:ln>
+              </a:rPr>
+              <a:t>getPassword</a:t>
+            </a:r>
+            <a:r>
+              <a:rPr lang="en-US" dirty="0" smtClean="0">
+                <a:ln>
+                  <a:solidFill>
+                    <a:srgbClr val="000000"/>
+                  </a:solidFill>
+                </a:ln>
+              </a:rPr>
+              <a:t>()</a:t>
+            </a:r>
+          </a:p>
+          <a:p>
             <a:endParaRPr lang="en-US" dirty="0">
               <a:ln>
                 <a:solidFill>
@@ -13612,43 +13917,6 @@
               </a:ln>
             </a:endParaRPr>
           </a:p>
-          <a:p>
-            <a:endParaRPr lang="en-US" dirty="0" smtClean="0">
-              <a:ln>
-                <a:solidFill>
-                  <a:srgbClr val="000000"/>
-                </a:solidFill>
-              </a:ln>
-            </a:endParaRPr>
-          </a:p>
-          <a:p>
-            <a:r>
-              <a:rPr lang="en-US" dirty="0" smtClean="0">
-                <a:ln>
-                  <a:solidFill>
-                    <a:srgbClr val="000000"/>
-                  </a:solidFill>
-                </a:ln>
-              </a:rPr>
-              <a:t>SignIn(userName, password) : userName</a:t>
-            </a:r>
-            <a:endParaRPr lang="en-US" dirty="0">
-              <a:ln>
-                <a:solidFill>
-                  <a:srgbClr val="000000"/>
-                </a:solidFill>
-              </a:ln>
-            </a:endParaRPr>
-          </a:p>
-          <a:p>
-            <a:endParaRPr lang="en-US" dirty="0">
-              <a:ln>
-                <a:solidFill>
-                  <a:srgbClr val="000000"/>
-                </a:solidFill>
-              </a:ln>
-            </a:endParaRPr>
-          </a:p>
         </p:txBody>
       </p:sp>
       <p:cxnSp>
@@ -13659,7 +13927,7 @@
         </p:nvCxnSpPr>
         <p:spPr>
           <a:xfrm>
-            <a:off x="294297" y="1976663"/>
+            <a:off x="797471" y="2276204"/>
             <a:ext cx="4308744" cy="0"/>
           </a:xfrm>
           <a:prstGeom prst="line">
@@ -13690,7 +13958,7 @@
         <p:spPr>
           <a:xfrm>
             <a:off x="2867422" y="387422"/>
-            <a:ext cx="3255499" cy="830997"/>
+            <a:ext cx="3255499" cy="1200328"/>
           </a:xfrm>
           <a:prstGeom prst="rect">
             <a:avLst/>
@@ -13742,8 +14010,39 @@
                 </a:effectLst>
                 <a:latin typeface="+mj-lt"/>
               </a:rPr>
-              <a:t>Accounts-Entry</a:t>
-            </a:r>
+              <a:t>Accounts-</a:t>
+            </a:r>
+            <a:r>
+              <a:rPr lang="en-US" sz="2400" b="1" dirty="0" smtClean="0">
+                <a:ln w="1905"/>
+                <a:solidFill>
+                  <a:srgbClr val="558ED5"/>
+                </a:solidFill>
+                <a:effectLst>
+                  <a:innerShdw blurRad="69850" dist="43180" dir="5400000">
+                    <a:srgbClr val="000000">
+                      <a:alpha val="65000"/>
+                    </a:srgbClr>
+                  </a:innerShdw>
+                </a:effectLst>
+                <a:latin typeface="+mj-lt"/>
+              </a:rPr>
+              <a:t>Entry and Users</a:t>
+            </a:r>
+            <a:endParaRPr lang="en-US" sz="2400" b="1" dirty="0" smtClean="0">
+              <a:ln w="1905"/>
+              <a:solidFill>
+                <a:srgbClr val="558ED5"/>
+              </a:solidFill>
+              <a:effectLst>
+                <a:innerShdw blurRad="69850" dist="43180" dir="5400000">
+                  <a:srgbClr val="000000">
+                    <a:alpha val="65000"/>
+                  </a:srgbClr>
+                </a:innerShdw>
+              </a:effectLst>
+              <a:latin typeface="+mj-lt"/>
+            </a:endParaRPr>
           </a:p>
         </p:txBody>
       </p:sp>
@@ -13755,7 +14054,7 @@
         </p:nvCxnSpPr>
         <p:spPr>
           <a:xfrm flipV="1">
-            <a:off x="294297" y="2849235"/>
+            <a:off x="797470" y="3747859"/>
             <a:ext cx="4308745" cy="26188"/>
           </a:xfrm>
           <a:prstGeom prst="line">
@@ -13779,14 +14078,14 @@
       </p:cxnSp>
       <p:sp>
         <p:nvSpPr>
-          <p:cNvPr id="34" name="TextBox 33"/>
+          <p:cNvPr id="15" name="TextBox 14"/>
           <p:cNvSpPr txBox="1"/>
           <p:nvPr/>
         </p:nvSpPr>
         <p:spPr>
           <a:xfrm>
-            <a:off x="5023088" y="1467344"/>
-            <a:ext cx="3274379" cy="2031325"/>
+            <a:off x="5600595" y="1741727"/>
+            <a:ext cx="2138709" cy="1754327"/>
           </a:xfrm>
           <a:prstGeom prst="rect">
             <a:avLst/>
@@ -13812,10 +14111,8 @@
                   </a:solidFill>
                 </a:ln>
               </a:rPr>
-              <a:t>SignOut</a:t>
-            </a:r>
-          </a:p>
-          <a:p>
+              <a:t>Users</a:t>
+            </a:r>
             <a:endParaRPr lang="en-US" dirty="0" smtClean="0">
               <a:ln>
                 <a:solidFill>
@@ -13825,6 +14122,15 @@
             </a:endParaRPr>
           </a:p>
           <a:p>
+            <a:endParaRPr lang="en-US" dirty="0">
+              <a:ln>
+                <a:solidFill>
+                  <a:srgbClr val="000000"/>
+                </a:solidFill>
+              </a:ln>
+            </a:endParaRPr>
+          </a:p>
+          <a:p>
             <a:r>
               <a:rPr lang="en-US" dirty="0" smtClean="0">
                 <a:ln>
@@ -13833,9 +14139,57 @@
                   </a:solidFill>
                 </a:ln>
               </a:rPr>
-              <a:t>String userName</a:t>
-            </a:r>
-            <a:endParaRPr lang="en-US" dirty="0">
+              <a:t>String Id</a:t>
+            </a:r>
+            <a:endParaRPr lang="en-US" dirty="0" smtClean="0">
+              <a:ln>
+                <a:solidFill>
+                  <a:srgbClr val="000000"/>
+                </a:solidFill>
+              </a:ln>
+            </a:endParaRPr>
+          </a:p>
+          <a:p>
+            <a:r>
+              <a:rPr lang="en-US" dirty="0" smtClean="0">
+                <a:ln>
+                  <a:solidFill>
+                    <a:srgbClr val="000000"/>
+                  </a:solidFill>
+                </a:ln>
+              </a:rPr>
+              <a:t>String email</a:t>
+            </a:r>
+            <a:endParaRPr lang="en-US" dirty="0" smtClean="0">
+              <a:ln>
+                <a:solidFill>
+                  <a:srgbClr val="000000"/>
+                </a:solidFill>
+              </a:ln>
+            </a:endParaRPr>
+          </a:p>
+          <a:p>
+            <a:r>
+              <a:rPr lang="en-US" dirty="0" smtClean="0">
+                <a:ln>
+                  <a:solidFill>
+                    <a:srgbClr val="000000"/>
+                  </a:solidFill>
+                </a:ln>
+              </a:rPr>
+              <a:t>String </a:t>
+            </a:r>
+            <a:r>
+              <a:rPr lang="en-US" dirty="0" err="1" smtClean="0">
+                <a:ln>
+                  <a:solidFill>
+                    <a:srgbClr val="000000"/>
+                  </a:solidFill>
+                </a:ln>
+              </a:rPr>
+              <a:t>phoneNumber</a:t>
+            </a:r>
+            <a:endParaRPr lang="en-US" dirty="0" smtClean="0">
               <a:ln>
                 <a:solidFill>
                   <a:srgbClr val="000000"/>
@@ -13854,63 +14208,19 @@
               </a:rPr>
               <a:t>String password</a:t>
             </a:r>
-            <a:endParaRPr lang="en-US" dirty="0">
-              <a:ln>
-                <a:solidFill>
-                  <a:srgbClr val="000000"/>
-                </a:solidFill>
-              </a:ln>
-            </a:endParaRPr>
-          </a:p>
-          <a:p>
-            <a:endParaRPr lang="en-US" dirty="0" smtClean="0">
-              <a:ln>
-                <a:solidFill>
-                  <a:srgbClr val="000000"/>
-                </a:solidFill>
-              </a:ln>
-            </a:endParaRPr>
-          </a:p>
-          <a:p>
-            <a:r>
-              <a:rPr lang="en-US" dirty="0" smtClean="0">
-                <a:ln>
-                  <a:solidFill>
-                    <a:srgbClr val="000000"/>
-                  </a:solidFill>
-                </a:ln>
-              </a:rPr>
-              <a:t>SignOut()</a:t>
-            </a:r>
-            <a:endParaRPr lang="en-US" dirty="0">
-              <a:ln>
-                <a:solidFill>
-                  <a:srgbClr val="000000"/>
-                </a:solidFill>
-              </a:ln>
-            </a:endParaRPr>
-          </a:p>
-          <a:p>
-            <a:endParaRPr lang="en-US" dirty="0">
-              <a:ln>
-                <a:solidFill>
-                  <a:srgbClr val="000000"/>
-                </a:solidFill>
-              </a:ln>
-            </a:endParaRPr>
           </a:p>
         </p:txBody>
       </p:sp>
       <p:cxnSp>
         <p:nvCxnSpPr>
-          <p:cNvPr id="36" name="Straight Connector 35"/>
+          <p:cNvPr id="16" name="Straight Connector 15"/>
           <p:cNvCxnSpPr/>
           <p:nvPr/>
         </p:nvCxnSpPr>
         <p:spPr>
           <a:xfrm flipV="1">
-            <a:off x="5023089" y="1911599"/>
-            <a:ext cx="3274378" cy="26188"/>
+            <a:off x="5600595" y="2196583"/>
+            <a:ext cx="2138709" cy="26188"/>
           </a:xfrm>
           <a:prstGeom prst="line">
             <a:avLst/>
@@ -13933,396 +14243,23 @@
       </p:cxnSp>
       <p:cxnSp>
         <p:nvCxnSpPr>
-          <p:cNvPr id="40" name="Straight Connector 39"/>
-          <p:cNvCxnSpPr/>
+          <p:cNvPr id="3" name="Straight Arrow Connector 2"/>
+          <p:cNvCxnSpPr>
+            <a:endCxn id="15" idx="1"/>
+          </p:cNvCxnSpPr>
           <p:nvPr/>
         </p:nvCxnSpPr>
         <p:spPr>
           <a:xfrm flipV="1">
-            <a:off x="5023089" y="2679418"/>
-            <a:ext cx="3274378" cy="26188"/>
-          </a:xfrm>
-          <a:prstGeom prst="line">
-            <a:avLst/>
-          </a:prstGeom>
-        </p:spPr>
-        <p:style>
-          <a:lnRef idx="2">
-            <a:schemeClr val="accent1"/>
-          </a:lnRef>
-          <a:fillRef idx="0">
-            <a:schemeClr val="accent1"/>
-          </a:fillRef>
-          <a:effectRef idx="1">
-            <a:schemeClr val="accent1"/>
-          </a:effectRef>
-          <a:fontRef idx="minor">
-            <a:schemeClr val="tx1"/>
-          </a:fontRef>
-        </p:style>
-      </p:cxnSp>
-      <p:sp>
-        <p:nvSpPr>
-          <p:cNvPr id="42" name="TextBox 41"/>
-          <p:cNvSpPr txBox="1"/>
-          <p:nvPr/>
-        </p:nvSpPr>
-        <p:spPr>
-          <a:xfrm>
-            <a:off x="294297" y="3792949"/>
-            <a:ext cx="5375082" cy="2862323"/>
-          </a:xfrm>
-          <a:prstGeom prst="rect">
-            <a:avLst/>
-          </a:prstGeom>
-          <a:noFill/>
+            <a:off x="5106215" y="2618891"/>
+            <a:ext cx="494380" cy="29055"/>
+          </a:xfrm>
+          <a:prstGeom prst="straightConnector1">
+            <a:avLst/>
+          </a:prstGeom>
           <a:ln>
-            <a:solidFill>
-              <a:srgbClr val="4F81BD"/>
-            </a:solidFill>
+            <a:tailEnd type="arrow"/>
           </a:ln>
-        </p:spPr>
-        <p:txBody>
-          <a:bodyPr wrap="square" rtlCol="0">
-            <a:spAutoFit/>
-          </a:bodyPr>
-          <a:lstStyle/>
-          <a:p>
-            <a:r>
-              <a:rPr lang="en-US" dirty="0" smtClean="0">
-                <a:ln>
-                  <a:solidFill>
-                    <a:srgbClr val="000000"/>
-                  </a:solidFill>
-                </a:ln>
-              </a:rPr>
-              <a:t>SignUp</a:t>
-            </a:r>
-          </a:p>
-          <a:p>
-            <a:endParaRPr lang="en-US" dirty="0" smtClean="0">
-              <a:ln>
-                <a:solidFill>
-                  <a:srgbClr val="000000"/>
-                </a:solidFill>
-              </a:ln>
-            </a:endParaRPr>
-          </a:p>
-          <a:p>
-            <a:r>
-              <a:rPr lang="en-US" dirty="0" smtClean="0">
-                <a:ln>
-                  <a:solidFill>
-                    <a:srgbClr val="000000"/>
-                  </a:solidFill>
-                </a:ln>
-              </a:rPr>
-              <a:t>String userName</a:t>
-            </a:r>
-            <a:endParaRPr lang="en-US" dirty="0">
-              <a:ln>
-                <a:solidFill>
-                  <a:srgbClr val="000000"/>
-                </a:solidFill>
-              </a:ln>
-            </a:endParaRPr>
-          </a:p>
-          <a:p>
-            <a:r>
-              <a:rPr lang="en-US" dirty="0" smtClean="0">
-                <a:ln>
-                  <a:solidFill>
-                    <a:srgbClr val="000000"/>
-                  </a:solidFill>
-                </a:ln>
-              </a:rPr>
-              <a:t>String password1</a:t>
-            </a:r>
-          </a:p>
-          <a:p>
-            <a:r>
-              <a:rPr lang="en-US" dirty="0" smtClean="0">
-                <a:ln>
-                  <a:solidFill>
-                    <a:srgbClr val="000000"/>
-                  </a:solidFill>
-                </a:ln>
-              </a:rPr>
-              <a:t>String password2</a:t>
-            </a:r>
-          </a:p>
-          <a:p>
-            <a:r>
-              <a:rPr lang="en-US" dirty="0" smtClean="0">
-                <a:ln>
-                  <a:solidFill>
-                    <a:srgbClr val="000000"/>
-                  </a:solidFill>
-                </a:ln>
-              </a:rPr>
-              <a:t>Int passwordLength</a:t>
-            </a:r>
-          </a:p>
-          <a:p>
-            <a:r>
-              <a:rPr lang="en-US" dirty="0" smtClean="0">
-                <a:ln>
-                  <a:solidFill>
-                    <a:srgbClr val="000000"/>
-                  </a:solidFill>
-                </a:ln>
-              </a:rPr>
-              <a:t>Bool atLeastOneDigit</a:t>
-            </a:r>
-            <a:endParaRPr lang="en-US" dirty="0">
-              <a:ln>
-                <a:solidFill>
-                  <a:srgbClr val="000000"/>
-                </a:solidFill>
-              </a:ln>
-            </a:endParaRPr>
-          </a:p>
-          <a:p>
-            <a:endParaRPr lang="en-US" dirty="0" smtClean="0">
-              <a:ln>
-                <a:solidFill>
-                  <a:srgbClr val="000000"/>
-                </a:solidFill>
-              </a:ln>
-            </a:endParaRPr>
-          </a:p>
-          <a:p>
-            <a:r>
-              <a:rPr lang="en-US" dirty="0" smtClean="0">
-                <a:ln>
-                  <a:solidFill>
-                    <a:srgbClr val="000000"/>
-                  </a:solidFill>
-                </a:ln>
-              </a:rPr>
-              <a:t>SignUp(userName, password1, password2) : userName</a:t>
-            </a:r>
-            <a:endParaRPr lang="en-US" dirty="0">
-              <a:ln>
-                <a:solidFill>
-                  <a:srgbClr val="000000"/>
-                </a:solidFill>
-              </a:ln>
-            </a:endParaRPr>
-          </a:p>
-          <a:p>
-            <a:endParaRPr lang="en-US" dirty="0">
-              <a:ln>
-                <a:solidFill>
-                  <a:srgbClr val="000000"/>
-                </a:solidFill>
-              </a:ln>
-            </a:endParaRPr>
-          </a:p>
-        </p:txBody>
-      </p:sp>
-      <p:cxnSp>
-        <p:nvCxnSpPr>
-          <p:cNvPr id="43" name="Straight Connector 42"/>
-          <p:cNvCxnSpPr/>
-          <p:nvPr/>
-        </p:nvCxnSpPr>
-        <p:spPr>
-          <a:xfrm>
-            <a:off x="294298" y="4289580"/>
-            <a:ext cx="5375081" cy="0"/>
-          </a:xfrm>
-          <a:prstGeom prst="line">
-            <a:avLst/>
-          </a:prstGeom>
-        </p:spPr>
-        <p:style>
-          <a:lnRef idx="2">
-            <a:schemeClr val="accent1"/>
-          </a:lnRef>
-          <a:fillRef idx="0">
-            <a:schemeClr val="accent1"/>
-          </a:fillRef>
-          <a:effectRef idx="1">
-            <a:schemeClr val="accent1"/>
-          </a:effectRef>
-          <a:fontRef idx="minor">
-            <a:schemeClr val="tx1"/>
-          </a:fontRef>
-        </p:style>
-      </p:cxnSp>
-      <p:cxnSp>
-        <p:nvCxnSpPr>
-          <p:cNvPr id="44" name="Straight Connector 43"/>
-          <p:cNvCxnSpPr/>
-          <p:nvPr/>
-        </p:nvCxnSpPr>
-        <p:spPr>
-          <a:xfrm flipV="1">
-            <a:off x="294298" y="5793768"/>
-            <a:ext cx="5375081" cy="26188"/>
-          </a:xfrm>
-          <a:prstGeom prst="line">
-            <a:avLst/>
-          </a:prstGeom>
-        </p:spPr>
-        <p:style>
-          <a:lnRef idx="2">
-            <a:schemeClr val="accent1"/>
-          </a:lnRef>
-          <a:fillRef idx="0">
-            <a:schemeClr val="accent1"/>
-          </a:fillRef>
-          <a:effectRef idx="1">
-            <a:schemeClr val="accent1"/>
-          </a:effectRef>
-          <a:fontRef idx="minor">
-            <a:schemeClr val="tx1"/>
-          </a:fontRef>
-        </p:style>
-      </p:cxnSp>
-      <p:sp>
-        <p:nvSpPr>
-          <p:cNvPr id="52" name="TextBox 51"/>
-          <p:cNvSpPr txBox="1"/>
-          <p:nvPr/>
-        </p:nvSpPr>
-        <p:spPr>
-          <a:xfrm>
-            <a:off x="6122921" y="4133799"/>
-            <a:ext cx="2130546" cy="1754327"/>
-          </a:xfrm>
-          <a:prstGeom prst="rect">
-            <a:avLst/>
-          </a:prstGeom>
-          <a:noFill/>
-          <a:ln>
-            <a:solidFill>
-              <a:srgbClr val="4F81BD"/>
-            </a:solidFill>
-          </a:ln>
-        </p:spPr>
-        <p:txBody>
-          <a:bodyPr wrap="square" rtlCol="0">
-            <a:spAutoFit/>
-          </a:bodyPr>
-          <a:lstStyle/>
-          <a:p>
-            <a:r>
-              <a:rPr lang="en-US" dirty="0" smtClean="0">
-                <a:ln>
-                  <a:solidFill>
-                    <a:srgbClr val="000000"/>
-                  </a:solidFill>
-                </a:ln>
-              </a:rPr>
-              <a:t>ForgotPassword</a:t>
-            </a:r>
-          </a:p>
-          <a:p>
-            <a:endParaRPr lang="en-US" dirty="0" smtClean="0">
-              <a:ln>
-                <a:solidFill>
-                  <a:srgbClr val="000000"/>
-                </a:solidFill>
-              </a:ln>
-            </a:endParaRPr>
-          </a:p>
-          <a:p>
-            <a:r>
-              <a:rPr lang="en-US" dirty="0" smtClean="0">
-                <a:ln>
-                  <a:solidFill>
-                    <a:srgbClr val="000000"/>
-                  </a:solidFill>
-                </a:ln>
-              </a:rPr>
-              <a:t>String userName</a:t>
-            </a:r>
-          </a:p>
-          <a:p>
-            <a:endParaRPr lang="en-US" dirty="0" smtClean="0">
-              <a:ln>
-                <a:solidFill>
-                  <a:srgbClr val="000000"/>
-                </a:solidFill>
-              </a:ln>
-            </a:endParaRPr>
-          </a:p>
-          <a:p>
-            <a:r>
-              <a:rPr lang="en-US" dirty="0" smtClean="0">
-                <a:ln>
-                  <a:solidFill>
-                    <a:srgbClr val="000000"/>
-                  </a:solidFill>
-                </a:ln>
-              </a:rPr>
-              <a:t>ForgotPassword()</a:t>
-            </a:r>
-            <a:endParaRPr lang="en-US" dirty="0">
-              <a:ln>
-                <a:solidFill>
-                  <a:srgbClr val="000000"/>
-                </a:solidFill>
-              </a:ln>
-            </a:endParaRPr>
-          </a:p>
-          <a:p>
-            <a:endParaRPr lang="en-US" dirty="0">
-              <a:ln>
-                <a:solidFill>
-                  <a:srgbClr val="000000"/>
-                </a:solidFill>
-              </a:ln>
-            </a:endParaRPr>
-          </a:p>
-        </p:txBody>
-      </p:sp>
-      <p:cxnSp>
-        <p:nvCxnSpPr>
-          <p:cNvPr id="53" name="Straight Connector 52"/>
-          <p:cNvCxnSpPr/>
-          <p:nvPr/>
-        </p:nvCxnSpPr>
-        <p:spPr>
-          <a:xfrm flipV="1">
-            <a:off x="6122921" y="4578054"/>
-            <a:ext cx="2130546" cy="26188"/>
-          </a:xfrm>
-          <a:prstGeom prst="line">
-            <a:avLst/>
-          </a:prstGeom>
-        </p:spPr>
-        <p:style>
-          <a:lnRef idx="2">
-            <a:schemeClr val="accent1"/>
-          </a:lnRef>
-          <a:fillRef idx="0">
-            <a:schemeClr val="accent1"/>
-          </a:fillRef>
-          <a:effectRef idx="1">
-            <a:schemeClr val="accent1"/>
-          </a:effectRef>
-          <a:fontRef idx="minor">
-            <a:schemeClr val="tx1"/>
-          </a:fontRef>
-        </p:style>
-      </p:cxnSp>
-      <p:cxnSp>
-        <p:nvCxnSpPr>
-          <p:cNvPr id="54" name="Straight Connector 53"/>
-          <p:cNvCxnSpPr/>
-          <p:nvPr/>
-        </p:nvCxnSpPr>
-        <p:spPr>
-          <a:xfrm>
-            <a:off x="6122921" y="5188745"/>
-            <a:ext cx="2130546" cy="0"/>
-          </a:xfrm>
-          <a:prstGeom prst="line">
-            <a:avLst/>
-          </a:prstGeom>
         </p:spPr>
         <p:style>
           <a:lnRef idx="2">
@@ -14683,7 +14620,7 @@
                   </a:solidFill>
                 </a:ln>
               </a:rPr>
-              <a:t>HttpRequest</a:t>
+              <a:t>ImportData</a:t>
             </a:r>
             <a:endParaRPr lang="en-US" dirty="0" smtClean="0">
               <a:ln>
@@ -15098,14 +15035,690 @@
       </p:grpSpPr>
       <p:sp>
         <p:nvSpPr>
+          <p:cNvPr id="18" name="TextBox 17"/>
+          <p:cNvSpPr txBox="1"/>
+          <p:nvPr/>
+        </p:nvSpPr>
+        <p:spPr>
+          <a:xfrm>
+            <a:off x="5725404" y="387422"/>
+            <a:ext cx="3178007" cy="6740308"/>
+          </a:xfrm>
+          <a:prstGeom prst="rect">
+            <a:avLst/>
+          </a:prstGeom>
+          <a:noFill/>
+          <a:ln>
+            <a:solidFill>
+              <a:srgbClr val="4F81BD"/>
+            </a:solidFill>
+          </a:ln>
+        </p:spPr>
+        <p:txBody>
+          <a:bodyPr wrap="square" rtlCol="0">
+            <a:spAutoFit/>
+          </a:bodyPr>
+          <a:lstStyle/>
+          <a:p>
+            <a:r>
+              <a:rPr lang="en-US" dirty="0" err="1" smtClean="0">
+                <a:ln>
+                  <a:solidFill>
+                    <a:srgbClr val="000000"/>
+                  </a:solidFill>
+                </a:ln>
+              </a:rPr>
+              <a:t>RoadActivity</a:t>
+            </a:r>
+            <a:endParaRPr lang="en-US" dirty="0" smtClean="0">
+              <a:ln>
+                <a:solidFill>
+                  <a:srgbClr val="000000"/>
+                </a:solidFill>
+              </a:ln>
+            </a:endParaRPr>
+          </a:p>
+          <a:p>
+            <a:endParaRPr lang="en-US" dirty="0">
+              <a:ln>
+                <a:solidFill>
+                  <a:srgbClr val="000000"/>
+                </a:solidFill>
+              </a:ln>
+            </a:endParaRPr>
+          </a:p>
+          <a:p>
+            <a:r>
+              <a:rPr lang="en-US" dirty="0" smtClean="0">
+                <a:ln>
+                  <a:solidFill>
+                    <a:srgbClr val="000000"/>
+                  </a:solidFill>
+                </a:ln>
+              </a:rPr>
+              <a:t>String </a:t>
+            </a:r>
+            <a:r>
+              <a:rPr lang="en-US" dirty="0" smtClean="0">
+                <a:ln>
+                  <a:solidFill>
+                    <a:srgbClr val="000000"/>
+                  </a:solidFill>
+                </a:ln>
+              </a:rPr>
+              <a:t>Id</a:t>
+            </a:r>
+            <a:endParaRPr lang="en-US" dirty="0" smtClean="0">
+              <a:ln>
+                <a:solidFill>
+                  <a:srgbClr val="000000"/>
+                </a:solidFill>
+              </a:ln>
+            </a:endParaRPr>
+          </a:p>
+          <a:p>
+            <a:r>
+              <a:rPr lang="en-US" dirty="0" smtClean="0">
+                <a:ln>
+                  <a:solidFill>
+                    <a:srgbClr val="000000"/>
+                  </a:solidFill>
+                </a:ln>
+              </a:rPr>
+              <a:t>String Category</a:t>
+            </a:r>
+            <a:endParaRPr lang="en-US" dirty="0" smtClean="0">
+              <a:ln>
+                <a:solidFill>
+                  <a:srgbClr val="000000"/>
+                </a:solidFill>
+              </a:ln>
+            </a:endParaRPr>
+          </a:p>
+          <a:p>
+            <a:r>
+              <a:rPr lang="en-US" dirty="0" smtClean="0">
+                <a:ln>
+                  <a:solidFill>
+                    <a:srgbClr val="000000"/>
+                  </a:solidFill>
+                </a:ln>
+              </a:rPr>
+              <a:t>String Status</a:t>
+            </a:r>
+            <a:endParaRPr lang="en-US" dirty="0" smtClean="0">
+              <a:ln>
+                <a:solidFill>
+                  <a:srgbClr val="000000"/>
+                </a:solidFill>
+              </a:ln>
+            </a:endParaRPr>
+          </a:p>
+          <a:p>
+            <a:r>
+              <a:rPr lang="en-US" dirty="0" smtClean="0">
+                <a:ln>
+                  <a:solidFill>
+                    <a:srgbClr val="000000"/>
+                  </a:solidFill>
+                </a:ln>
+              </a:rPr>
+              <a:t>String Direction</a:t>
+            </a:r>
+            <a:endParaRPr lang="en-US" dirty="0" smtClean="0">
+              <a:ln>
+                <a:solidFill>
+                  <a:srgbClr val="000000"/>
+                </a:solidFill>
+              </a:ln>
+            </a:endParaRPr>
+          </a:p>
+          <a:p>
+            <a:r>
+              <a:rPr lang="en-US" dirty="0">
+                <a:ln>
+                  <a:solidFill>
+                    <a:srgbClr val="000000"/>
+                  </a:solidFill>
+                </a:ln>
+              </a:rPr>
+              <a:t>String Road</a:t>
+            </a:r>
+            <a:endParaRPr lang="en-US" dirty="0" smtClean="0">
+              <a:ln>
+                <a:solidFill>
+                  <a:srgbClr val="000000"/>
+                </a:solidFill>
+              </a:ln>
+            </a:endParaRPr>
+          </a:p>
+          <a:p>
+            <a:r>
+              <a:rPr lang="en-US" dirty="0" err="1" smtClean="0">
+                <a:ln>
+                  <a:solidFill>
+                    <a:srgbClr val="000000"/>
+                  </a:solidFill>
+                </a:ln>
+              </a:rPr>
+              <a:t>int</a:t>
+            </a:r>
+            <a:r>
+              <a:rPr lang="en-US" dirty="0" smtClean="0">
+                <a:ln>
+                  <a:solidFill>
+                    <a:srgbClr val="000000"/>
+                  </a:solidFill>
+                </a:ln>
+              </a:rPr>
+              <a:t> </a:t>
+            </a:r>
+            <a:r>
+              <a:rPr lang="en-US" dirty="0" err="1" smtClean="0">
+                <a:ln>
+                  <a:solidFill>
+                    <a:srgbClr val="000000"/>
+                  </a:solidFill>
+                </a:ln>
+              </a:rPr>
+              <a:t>CountyCode</a:t>
+            </a:r>
+            <a:endParaRPr lang="en-US" dirty="0" smtClean="0">
+              <a:ln>
+                <a:solidFill>
+                  <a:srgbClr val="000000"/>
+                </a:solidFill>
+              </a:ln>
+            </a:endParaRPr>
+          </a:p>
+          <a:p>
+            <a:r>
+              <a:rPr lang="en-US" dirty="0" err="1" smtClean="0">
+                <a:ln>
+                  <a:solidFill>
+                    <a:srgbClr val="000000"/>
+                  </a:solidFill>
+                </a:ln>
+              </a:rPr>
+              <a:t>int</a:t>
+            </a:r>
+            <a:r>
+              <a:rPr lang="en-US" dirty="0" smtClean="0">
+                <a:ln>
+                  <a:solidFill>
+                    <a:srgbClr val="000000"/>
+                  </a:solidFill>
+                </a:ln>
+              </a:rPr>
+              <a:t> </a:t>
+            </a:r>
+            <a:r>
+              <a:rPr lang="en-US" dirty="0" err="1" smtClean="0">
+                <a:ln>
+                  <a:solidFill>
+                    <a:srgbClr val="000000"/>
+                  </a:solidFill>
+                </a:ln>
+              </a:rPr>
+              <a:t>DistrictNumber</a:t>
+            </a:r>
+            <a:endParaRPr lang="en-US" dirty="0" smtClean="0">
+              <a:ln>
+                <a:solidFill>
+                  <a:srgbClr val="000000"/>
+                </a:solidFill>
+              </a:ln>
+            </a:endParaRPr>
+          </a:p>
+          <a:p>
+            <a:r>
+              <a:rPr lang="en-US" dirty="0" err="1" smtClean="0">
+                <a:ln>
+                  <a:solidFill>
+                    <a:srgbClr val="000000"/>
+                  </a:solidFill>
+                </a:ln>
+              </a:rPr>
+              <a:t>int</a:t>
+            </a:r>
+            <a:r>
+              <a:rPr lang="en-US" dirty="0" smtClean="0">
+                <a:ln>
+                  <a:solidFill>
+                    <a:srgbClr val="000000"/>
+                  </a:solidFill>
+                </a:ln>
+              </a:rPr>
+              <a:t> Latitude</a:t>
+            </a:r>
+            <a:endParaRPr lang="en-US" dirty="0" smtClean="0">
+              <a:ln>
+                <a:solidFill>
+                  <a:srgbClr val="000000"/>
+                </a:solidFill>
+              </a:ln>
+            </a:endParaRPr>
+          </a:p>
+          <a:p>
+            <a:r>
+              <a:rPr lang="en-US" dirty="0" err="1">
+                <a:ln>
+                  <a:solidFill>
+                    <a:srgbClr val="000000"/>
+                  </a:solidFill>
+                </a:ln>
+              </a:rPr>
+              <a:t>int</a:t>
+            </a:r>
+            <a:r>
+              <a:rPr lang="en-US" dirty="0">
+                <a:ln>
+                  <a:solidFill>
+                    <a:srgbClr val="000000"/>
+                  </a:solidFill>
+                </a:ln>
+              </a:rPr>
+              <a:t> Longitude</a:t>
+            </a:r>
+            <a:endParaRPr lang="en-US" dirty="0" smtClean="0">
+              <a:ln>
+                <a:solidFill>
+                  <a:srgbClr val="000000"/>
+                </a:solidFill>
+              </a:ln>
+            </a:endParaRPr>
+          </a:p>
+          <a:p>
+            <a:r>
+              <a:rPr lang="en-US" dirty="0" err="1" smtClean="0">
+                <a:ln>
+                  <a:solidFill>
+                    <a:srgbClr val="000000"/>
+                  </a:solidFill>
+                </a:ln>
+              </a:rPr>
+              <a:t>ISODate</a:t>
+            </a:r>
+            <a:r>
+              <a:rPr lang="en-US" dirty="0" smtClean="0">
+                <a:ln>
+                  <a:solidFill>
+                    <a:srgbClr val="000000"/>
+                  </a:solidFill>
+                </a:ln>
+              </a:rPr>
+              <a:t> </a:t>
+            </a:r>
+            <a:r>
+              <a:rPr lang="en-US" dirty="0" err="1" smtClean="0">
+                <a:ln>
+                  <a:solidFill>
+                    <a:srgbClr val="000000"/>
+                  </a:solidFill>
+                </a:ln>
+              </a:rPr>
+              <a:t>ActivityStartDateTime</a:t>
+            </a:r>
+            <a:endParaRPr lang="en-US" dirty="0" smtClean="0">
+              <a:ln>
+                <a:solidFill>
+                  <a:srgbClr val="000000"/>
+                </a:solidFill>
+              </a:ln>
+            </a:endParaRPr>
+          </a:p>
+          <a:p>
+            <a:r>
+              <a:rPr lang="en-US" dirty="0" err="1" smtClean="0">
+                <a:ln>
+                  <a:solidFill>
+                    <a:srgbClr val="000000"/>
+                  </a:solidFill>
+                </a:ln>
+              </a:rPr>
+              <a:t>ISODate</a:t>
+            </a:r>
+            <a:r>
+              <a:rPr lang="en-US" dirty="0" smtClean="0">
+                <a:ln>
+                  <a:solidFill>
+                    <a:srgbClr val="000000"/>
+                  </a:solidFill>
+                </a:ln>
+              </a:rPr>
+              <a:t> </a:t>
+            </a:r>
+            <a:r>
+              <a:rPr lang="en-US" dirty="0" err="1" smtClean="0">
+                <a:ln>
+                  <a:solidFill>
+                    <a:srgbClr val="000000"/>
+                  </a:solidFill>
+                </a:ln>
+              </a:rPr>
+              <a:t>ActivityEndDateTime</a:t>
+            </a:r>
+            <a:endParaRPr lang="en-US" dirty="0" smtClean="0">
+              <a:ln>
+                <a:solidFill>
+                  <a:srgbClr val="000000"/>
+                </a:solidFill>
+              </a:ln>
+            </a:endParaRPr>
+          </a:p>
+          <a:p>
+            <a:r>
+              <a:rPr lang="en-US" dirty="0" err="1" smtClean="0">
+                <a:ln>
+                  <a:solidFill>
+                    <a:srgbClr val="000000"/>
+                  </a:solidFill>
+                </a:ln>
+              </a:rPr>
+              <a:t>ISODate</a:t>
+            </a:r>
+            <a:r>
+              <a:rPr lang="en-US" dirty="0" smtClean="0">
+                <a:ln>
+                  <a:solidFill>
+                    <a:srgbClr val="000000"/>
+                  </a:solidFill>
+                </a:ln>
+              </a:rPr>
+              <a:t> </a:t>
+            </a:r>
+            <a:r>
+              <a:rPr lang="en-US" dirty="0" err="1" smtClean="0">
+                <a:ln>
+                  <a:solidFill>
+                    <a:srgbClr val="000000"/>
+                  </a:solidFill>
+                </a:ln>
+              </a:rPr>
+              <a:t>ActivityCreationDateTime</a:t>
+            </a:r>
+            <a:endParaRPr lang="en-US" dirty="0" smtClean="0">
+              <a:ln>
+                <a:solidFill>
+                  <a:srgbClr val="000000"/>
+                </a:solidFill>
+              </a:ln>
+            </a:endParaRPr>
+          </a:p>
+          <a:p>
+            <a:r>
+              <a:rPr lang="en-US" dirty="0" err="1" smtClean="0">
+                <a:ln>
+                  <a:solidFill>
+                    <a:srgbClr val="000000"/>
+                  </a:solidFill>
+                </a:ln>
+              </a:rPr>
+              <a:t>ISODate</a:t>
+            </a:r>
+            <a:r>
+              <a:rPr lang="en-US" dirty="0" smtClean="0">
+                <a:ln>
+                  <a:solidFill>
+                    <a:srgbClr val="000000"/>
+                  </a:solidFill>
+                </a:ln>
+              </a:rPr>
+              <a:t> </a:t>
+            </a:r>
+            <a:r>
+              <a:rPr lang="en-US" dirty="0" err="1" smtClean="0">
+                <a:ln>
+                  <a:solidFill>
+                    <a:srgbClr val="000000"/>
+                  </a:solidFill>
+                </a:ln>
+              </a:rPr>
+              <a:t>ActivityLastModifiedDateTime</a:t>
+            </a:r>
+            <a:endParaRPr lang="en-US" dirty="0" smtClean="0">
+              <a:ln>
+                <a:solidFill>
+                  <a:srgbClr val="000000"/>
+                </a:solidFill>
+              </a:ln>
+            </a:endParaRPr>
+          </a:p>
+          <a:p>
+            <a:r>
+              <a:rPr lang="en-US" dirty="0" err="1" smtClean="0">
+                <a:ln>
+                  <a:solidFill>
+                    <a:srgbClr val="000000"/>
+                  </a:solidFill>
+                </a:ln>
+              </a:rPr>
+              <a:t>int</a:t>
+            </a:r>
+            <a:r>
+              <a:rPr lang="en-US" dirty="0" smtClean="0">
+                <a:ln>
+                  <a:solidFill>
+                    <a:srgbClr val="000000"/>
+                  </a:solidFill>
+                </a:ln>
+              </a:rPr>
+              <a:t> </a:t>
+            </a:r>
+            <a:r>
+              <a:rPr lang="en-US" dirty="0" err="1" smtClean="0">
+                <a:ln>
+                  <a:solidFill>
+                    <a:srgbClr val="000000"/>
+                  </a:solidFill>
+                </a:ln>
+              </a:rPr>
+              <a:t>StartMile</a:t>
+            </a:r>
+            <a:endParaRPr lang="en-US" dirty="0" smtClean="0">
+              <a:ln>
+                <a:solidFill>
+                  <a:srgbClr val="000000"/>
+                </a:solidFill>
+              </a:ln>
+            </a:endParaRPr>
+          </a:p>
+          <a:p>
+            <a:r>
+              <a:rPr lang="en-US" dirty="0" smtClean="0">
+                <a:ln>
+                  <a:solidFill>
+                    <a:srgbClr val="000000"/>
+                  </a:solidFill>
+                </a:ln>
+              </a:rPr>
+              <a:t>String </a:t>
+            </a:r>
+            <a:r>
+              <a:rPr lang="en-US" dirty="0" err="1" smtClean="0">
+                <a:ln>
+                  <a:solidFill>
+                    <a:srgbClr val="000000"/>
+                  </a:solidFill>
+                </a:ln>
+              </a:rPr>
+              <a:t>StartMileDescription</a:t>
+            </a:r>
+            <a:endParaRPr lang="en-US" dirty="0" smtClean="0">
+              <a:ln>
+                <a:solidFill>
+                  <a:srgbClr val="000000"/>
+                </a:solidFill>
+              </a:ln>
+            </a:endParaRPr>
+          </a:p>
+          <a:p>
+            <a:r>
+              <a:rPr lang="en-US" dirty="0" err="1" smtClean="0">
+                <a:ln>
+                  <a:solidFill>
+                    <a:srgbClr val="000000"/>
+                  </a:solidFill>
+                </a:ln>
+              </a:rPr>
+              <a:t>int</a:t>
+            </a:r>
+            <a:r>
+              <a:rPr lang="en-US" dirty="0" smtClean="0">
+                <a:ln>
+                  <a:solidFill>
+                    <a:srgbClr val="000000"/>
+                  </a:solidFill>
+                </a:ln>
+              </a:rPr>
+              <a:t> </a:t>
+            </a:r>
+            <a:r>
+              <a:rPr lang="en-US" dirty="0" err="1" smtClean="0">
+                <a:ln>
+                  <a:solidFill>
+                    <a:srgbClr val="000000"/>
+                  </a:solidFill>
+                </a:ln>
+              </a:rPr>
+              <a:t>EndMile</a:t>
+            </a:r>
+            <a:endParaRPr lang="en-US" dirty="0" smtClean="0">
+              <a:ln>
+                <a:solidFill>
+                  <a:srgbClr val="000000"/>
+                </a:solidFill>
+              </a:ln>
+            </a:endParaRPr>
+          </a:p>
+          <a:p>
+            <a:r>
+              <a:rPr lang="en-US" dirty="0" smtClean="0">
+                <a:ln>
+                  <a:solidFill>
+                    <a:srgbClr val="000000"/>
+                  </a:solidFill>
+                </a:ln>
+              </a:rPr>
+              <a:t>String </a:t>
+            </a:r>
+            <a:r>
+              <a:rPr lang="en-US" dirty="0" err="1" smtClean="0">
+                <a:ln>
+                  <a:solidFill>
+                    <a:srgbClr val="000000"/>
+                  </a:solidFill>
+                </a:ln>
+              </a:rPr>
+              <a:t>EndMileDescription</a:t>
+            </a:r>
+            <a:endParaRPr lang="en-US" dirty="0" smtClean="0">
+              <a:ln>
+                <a:solidFill>
+                  <a:srgbClr val="000000"/>
+                </a:solidFill>
+              </a:ln>
+            </a:endParaRPr>
+          </a:p>
+          <a:p>
+            <a:r>
+              <a:rPr lang="en-US" dirty="0" smtClean="0">
+                <a:ln>
+                  <a:solidFill>
+                    <a:srgbClr val="000000"/>
+                  </a:solidFill>
+                </a:ln>
+              </a:rPr>
+              <a:t>String Description</a:t>
+            </a:r>
+            <a:endParaRPr lang="en-US" dirty="0" smtClean="0">
+              <a:ln>
+                <a:solidFill>
+                  <a:srgbClr val="000000"/>
+                </a:solidFill>
+              </a:ln>
+            </a:endParaRPr>
+          </a:p>
+          <a:p>
+            <a:r>
+              <a:rPr lang="en-US" dirty="0" smtClean="0">
+                <a:ln>
+                  <a:solidFill>
+                    <a:srgbClr val="000000"/>
+                  </a:solidFill>
+                </a:ln>
+              </a:rPr>
+              <a:t>String </a:t>
+            </a:r>
+            <a:r>
+              <a:rPr lang="en-US" dirty="0" err="1" smtClean="0">
+                <a:ln>
+                  <a:solidFill>
+                    <a:srgbClr val="000000"/>
+                  </a:solidFill>
+                </a:ln>
+              </a:rPr>
+              <a:t>DetourDescription</a:t>
+            </a:r>
+            <a:endParaRPr lang="en-US" dirty="0" smtClean="0">
+              <a:ln>
+                <a:solidFill>
+                  <a:srgbClr val="000000"/>
+                </a:solidFill>
+              </a:ln>
+            </a:endParaRPr>
+          </a:p>
+          <a:p>
+            <a:endParaRPr lang="en-US" dirty="0">
+              <a:ln>
+                <a:solidFill>
+                  <a:srgbClr val="000000"/>
+                </a:solidFill>
+              </a:ln>
+            </a:endParaRPr>
+          </a:p>
+        </p:txBody>
+      </p:sp>
+      <p:cxnSp>
+        <p:nvCxnSpPr>
+          <p:cNvPr id="19" name="Straight Connector 18"/>
+          <p:cNvCxnSpPr/>
+          <p:nvPr/>
+        </p:nvCxnSpPr>
+        <p:spPr>
+          <a:xfrm flipV="1">
+            <a:off x="5725405" y="714774"/>
+            <a:ext cx="3178006" cy="26188"/>
+          </a:xfrm>
+          <a:prstGeom prst="line">
+            <a:avLst/>
+          </a:prstGeom>
+        </p:spPr>
+        <p:style>
+          <a:lnRef idx="2">
+            <a:schemeClr val="accent1"/>
+          </a:lnRef>
+          <a:fillRef idx="0">
+            <a:schemeClr val="accent1"/>
+          </a:fillRef>
+          <a:effectRef idx="1">
+            <a:schemeClr val="accent1"/>
+          </a:effectRef>
+          <a:fontRef idx="minor">
+            <a:schemeClr val="tx1"/>
+          </a:fontRef>
+        </p:style>
+      </p:cxnSp>
+      <p:sp>
+        <p:nvSpPr>
           <p:cNvPr id="62" name="TextBox 61"/>
           <p:cNvSpPr txBox="1"/>
           <p:nvPr/>
         </p:nvSpPr>
         <p:spPr>
           <a:xfrm>
-            <a:off x="2657930" y="408211"/>
-            <a:ext cx="3525740" cy="1200328"/>
+            <a:off x="2469905" y="387422"/>
+            <a:ext cx="3255499" cy="1200328"/>
           </a:xfrm>
           <a:prstGeom prst="rect">
             <a:avLst/>
@@ -15137,89 +15750,1232 @@
                 </a:effectLst>
                 <a:latin typeface="+mj-lt"/>
               </a:rPr>
-              <a:t>Interaction (Sequence) Diagram – Use Case 1: Sign Up</a:t>
-            </a:r>
+              <a:t>CLASS DIAGRAM</a:t>
+            </a:r>
+            <a:endParaRPr lang="en-US" sz="2400" b="1" dirty="0" smtClean="0">
+              <a:ln w="1905"/>
+              <a:solidFill>
+                <a:srgbClr val="558ED5"/>
+              </a:solidFill>
+              <a:effectLst>
+                <a:innerShdw blurRad="69850" dist="43180" dir="5400000">
+                  <a:srgbClr val="000000">
+                    <a:alpha val="65000"/>
+                  </a:srgbClr>
+                </a:innerShdw>
+              </a:effectLst>
+              <a:latin typeface="+mj-lt"/>
+            </a:endParaRPr>
+          </a:p>
+          <a:p>
+            <a:pPr algn="ctr"/>
+            <a:r>
+              <a:rPr lang="en-US" sz="2400" b="1" dirty="0" smtClean="0">
+                <a:ln w="1905"/>
+                <a:solidFill>
+                  <a:srgbClr val="558ED5"/>
+                </a:solidFill>
+                <a:effectLst>
+                  <a:innerShdw blurRad="69850" dist="43180" dir="5400000">
+                    <a:srgbClr val="000000">
+                      <a:alpha val="65000"/>
+                    </a:srgbClr>
+                  </a:innerShdw>
+                </a:effectLst>
+                <a:latin typeface="+mj-lt"/>
+              </a:rPr>
+              <a:t>Roads, </a:t>
+            </a:r>
+            <a:r>
+              <a:rPr lang="en-US" sz="2400" b="1" dirty="0" err="1" smtClean="0">
+                <a:ln w="1905"/>
+                <a:solidFill>
+                  <a:srgbClr val="558ED5"/>
+                </a:solidFill>
+                <a:effectLst>
+                  <a:innerShdw blurRad="69850" dist="43180" dir="5400000">
+                    <a:srgbClr val="000000">
+                      <a:alpha val="65000"/>
+                    </a:srgbClr>
+                  </a:innerShdw>
+                </a:effectLst>
+                <a:latin typeface="+mj-lt"/>
+              </a:rPr>
+              <a:t>TravelPaths</a:t>
+            </a:r>
+            <a:r>
+              <a:rPr lang="en-US" sz="2400" b="1" dirty="0" smtClean="0">
+                <a:ln w="1905"/>
+                <a:solidFill>
+                  <a:srgbClr val="558ED5"/>
+                </a:solidFill>
+                <a:effectLst>
+                  <a:innerShdw blurRad="69850" dist="43180" dir="5400000">
+                    <a:srgbClr val="000000">
+                      <a:alpha val="65000"/>
+                    </a:srgbClr>
+                  </a:innerShdw>
+                </a:effectLst>
+                <a:latin typeface="+mj-lt"/>
+              </a:rPr>
+              <a:t>, </a:t>
+            </a:r>
+            <a:r>
+              <a:rPr lang="en-US" sz="2400" b="1" dirty="0" err="1" smtClean="0">
+                <a:ln w="1905"/>
+                <a:solidFill>
+                  <a:srgbClr val="558ED5"/>
+                </a:solidFill>
+                <a:effectLst>
+                  <a:innerShdw blurRad="69850" dist="43180" dir="5400000">
+                    <a:srgbClr val="000000">
+                      <a:alpha val="65000"/>
+                    </a:srgbClr>
+                  </a:innerShdw>
+                </a:effectLst>
+                <a:latin typeface="+mj-lt"/>
+              </a:rPr>
+              <a:t>RoadNames</a:t>
+            </a:r>
+            <a:endParaRPr lang="en-US" sz="2400" b="1" dirty="0" smtClean="0">
+              <a:ln w="1905"/>
+              <a:solidFill>
+                <a:srgbClr val="558ED5"/>
+              </a:solidFill>
+              <a:effectLst>
+                <a:innerShdw blurRad="69850" dist="43180" dir="5400000">
+                  <a:srgbClr val="000000">
+                    <a:alpha val="65000"/>
+                  </a:srgbClr>
+                </a:innerShdw>
+              </a:effectLst>
+              <a:latin typeface="+mj-lt"/>
+            </a:endParaRPr>
           </a:p>
         </p:txBody>
       </p:sp>
       <p:sp>
         <p:nvSpPr>
-          <p:cNvPr id="2" name="Rectangle 1"/>
-          <p:cNvSpPr/>
+          <p:cNvPr id="59" name="TextBox 58"/>
+          <p:cNvSpPr txBox="1"/>
           <p:nvPr/>
         </p:nvSpPr>
         <p:spPr>
           <a:xfrm>
-            <a:off x="4694589" y="2695872"/>
-            <a:ext cx="407332" cy="2815689"/>
+            <a:off x="161517" y="2271899"/>
+            <a:ext cx="2917432" cy="4801315"/>
           </a:xfrm>
           <a:prstGeom prst="rect">
             <a:avLst/>
           </a:prstGeom>
-        </p:spPr>
-        <p:style>
-          <a:lnRef idx="1">
-            <a:schemeClr val="accent1"/>
-          </a:lnRef>
-          <a:fillRef idx="3">
-            <a:schemeClr val="accent1"/>
-          </a:fillRef>
-          <a:effectRef idx="2">
-            <a:schemeClr val="accent1"/>
-          </a:effectRef>
-          <a:fontRef idx="minor">
-            <a:schemeClr val="lt1"/>
-          </a:fontRef>
-        </p:style>
+          <a:noFill/>
+          <a:ln>
+            <a:solidFill>
+              <a:srgbClr val="4F81BD"/>
+            </a:solidFill>
+          </a:ln>
+        </p:spPr>
         <p:txBody>
-          <a:bodyPr rtlCol="0" anchor="ctr"/>
-          <a:lstStyle/>
-          <a:p>
-            <a:pPr algn="ctr"/>
-            <a:endParaRPr lang="en-US"/>
-          </a:p>
-        </p:txBody>
-      </p:sp>
-      <p:sp>
-        <p:nvSpPr>
-          <p:cNvPr id="4" name="TextBox 3"/>
-          <p:cNvSpPr txBox="1"/>
-          <p:nvPr/>
-        </p:nvSpPr>
-        <p:spPr>
-          <a:xfrm>
-            <a:off x="4120578" y="2281456"/>
-            <a:ext cx="1544012" cy="369332"/>
-          </a:xfrm>
-          <a:prstGeom prst="rect">
-            <a:avLst/>
-          </a:prstGeom>
-          <a:noFill/>
-        </p:spPr>
-        <p:txBody>
-          <a:bodyPr wrap="none" rtlCol="0">
+          <a:bodyPr wrap="square" rtlCol="0">
             <a:spAutoFit/>
           </a:bodyPr>
           <a:lstStyle/>
           <a:p>
             <a:r>
-              <a:rPr lang="en-US" dirty="0" err="1" smtClean="0"/>
-              <a:t>AccountsEntry</a:t>
-            </a:r>
-            <a:endParaRPr lang="en-US" dirty="0"/>
+              <a:rPr lang="en-US" dirty="0" err="1" smtClean="0">
+                <a:ln>
+                  <a:solidFill>
+                    <a:srgbClr val="000000"/>
+                  </a:solidFill>
+                </a:ln>
+              </a:rPr>
+              <a:t>TravelPaths</a:t>
+            </a:r>
+            <a:endParaRPr lang="en-US" dirty="0" smtClean="0">
+              <a:ln>
+                <a:solidFill>
+                  <a:srgbClr val="000000"/>
+                </a:solidFill>
+              </a:ln>
+            </a:endParaRPr>
+          </a:p>
+          <a:p>
+            <a:endParaRPr lang="en-US" dirty="0">
+              <a:ln>
+                <a:solidFill>
+                  <a:srgbClr val="000000"/>
+                </a:solidFill>
+              </a:ln>
+            </a:endParaRPr>
+          </a:p>
+          <a:p>
+            <a:r>
+              <a:rPr lang="en-US" dirty="0" smtClean="0">
+                <a:ln>
+                  <a:solidFill>
+                    <a:srgbClr val="000000"/>
+                  </a:solidFill>
+                </a:ln>
+              </a:rPr>
+              <a:t>String Id</a:t>
+            </a:r>
+            <a:endParaRPr lang="en-US" dirty="0" smtClean="0">
+              <a:ln>
+                <a:solidFill>
+                  <a:srgbClr val="000000"/>
+                </a:solidFill>
+              </a:ln>
+            </a:endParaRPr>
+          </a:p>
+          <a:p>
+            <a:r>
+              <a:rPr lang="en-US" dirty="0" smtClean="0">
+                <a:ln>
+                  <a:solidFill>
+                    <a:srgbClr val="000000"/>
+                  </a:solidFill>
+                </a:ln>
+              </a:rPr>
+              <a:t>String </a:t>
+            </a:r>
+            <a:r>
+              <a:rPr lang="en-US" dirty="0" err="1" smtClean="0">
+                <a:ln>
+                  <a:solidFill>
+                    <a:srgbClr val="000000"/>
+                  </a:solidFill>
+                </a:ln>
+              </a:rPr>
+              <a:t>roadNameId</a:t>
+            </a:r>
+            <a:endParaRPr lang="en-US" dirty="0" smtClean="0">
+              <a:ln>
+                <a:solidFill>
+                  <a:srgbClr val="000000"/>
+                </a:solidFill>
+              </a:ln>
+            </a:endParaRPr>
+          </a:p>
+          <a:p>
+            <a:r>
+              <a:rPr lang="en-US" dirty="0" smtClean="0">
+                <a:ln>
+                  <a:solidFill>
+                    <a:srgbClr val="000000"/>
+                  </a:solidFill>
+                </a:ln>
+              </a:rPr>
+              <a:t>String days</a:t>
+            </a:r>
+          </a:p>
+          <a:p>
+            <a:r>
+              <a:rPr lang="en-US" dirty="0" err="1" smtClean="0">
+                <a:ln>
+                  <a:solidFill>
+                    <a:srgbClr val="000000"/>
+                  </a:solidFill>
+                </a:ln>
+              </a:rPr>
+              <a:t>int</a:t>
+            </a:r>
+            <a:r>
+              <a:rPr lang="en-US" dirty="0" smtClean="0">
+                <a:ln>
+                  <a:solidFill>
+                    <a:srgbClr val="000000"/>
+                  </a:solidFill>
+                </a:ln>
+              </a:rPr>
+              <a:t> </a:t>
+            </a:r>
+            <a:r>
+              <a:rPr lang="en-US" dirty="0" err="1" smtClean="0">
+                <a:ln>
+                  <a:solidFill>
+                    <a:srgbClr val="000000"/>
+                  </a:solidFill>
+                </a:ln>
+              </a:rPr>
+              <a:t>startMile</a:t>
+            </a:r>
+            <a:endParaRPr lang="en-US" dirty="0" smtClean="0">
+              <a:ln>
+                <a:solidFill>
+                  <a:srgbClr val="000000"/>
+                </a:solidFill>
+              </a:ln>
+            </a:endParaRPr>
+          </a:p>
+          <a:p>
+            <a:r>
+              <a:rPr lang="en-US" dirty="0" err="1" smtClean="0">
+                <a:ln>
+                  <a:solidFill>
+                    <a:srgbClr val="000000"/>
+                  </a:solidFill>
+                </a:ln>
+              </a:rPr>
+              <a:t>int</a:t>
+            </a:r>
+            <a:r>
+              <a:rPr lang="en-US" dirty="0" smtClean="0">
+                <a:ln>
+                  <a:solidFill>
+                    <a:srgbClr val="000000"/>
+                  </a:solidFill>
+                </a:ln>
+              </a:rPr>
+              <a:t> </a:t>
+            </a:r>
+            <a:r>
+              <a:rPr lang="en-US" dirty="0" err="1" smtClean="0">
+                <a:ln>
+                  <a:solidFill>
+                    <a:srgbClr val="000000"/>
+                  </a:solidFill>
+                </a:ln>
+              </a:rPr>
+              <a:t>endMile</a:t>
+            </a:r>
+            <a:endParaRPr lang="en-US" dirty="0" smtClean="0">
+              <a:ln>
+                <a:solidFill>
+                  <a:srgbClr val="000000"/>
+                </a:solidFill>
+              </a:ln>
+            </a:endParaRPr>
+          </a:p>
+          <a:p>
+            <a:r>
+              <a:rPr lang="en-US" dirty="0" err="1" smtClean="0">
+                <a:ln>
+                  <a:solidFill>
+                    <a:srgbClr val="000000"/>
+                  </a:solidFill>
+                </a:ln>
+              </a:rPr>
+              <a:t>ISODate</a:t>
+            </a:r>
+            <a:r>
+              <a:rPr lang="en-US" dirty="0" smtClean="0">
+                <a:ln>
+                  <a:solidFill>
+                    <a:srgbClr val="000000"/>
+                  </a:solidFill>
+                </a:ln>
+              </a:rPr>
+              <a:t> </a:t>
+            </a:r>
+            <a:r>
+              <a:rPr lang="en-US" dirty="0" err="1" smtClean="0">
+                <a:ln>
+                  <a:solidFill>
+                    <a:srgbClr val="000000"/>
+                  </a:solidFill>
+                </a:ln>
+              </a:rPr>
+              <a:t>startTime</a:t>
+            </a:r>
+            <a:endParaRPr lang="en-US" dirty="0" smtClean="0">
+              <a:ln>
+                <a:solidFill>
+                  <a:srgbClr val="000000"/>
+                </a:solidFill>
+              </a:ln>
+            </a:endParaRPr>
+          </a:p>
+          <a:p>
+            <a:r>
+              <a:rPr lang="en-US" dirty="0" err="1" smtClean="0">
+                <a:ln>
+                  <a:solidFill>
+                    <a:srgbClr val="000000"/>
+                  </a:solidFill>
+                </a:ln>
+              </a:rPr>
+              <a:t>ISODate</a:t>
+            </a:r>
+            <a:r>
+              <a:rPr lang="en-US" dirty="0" smtClean="0">
+                <a:ln>
+                  <a:solidFill>
+                    <a:srgbClr val="000000"/>
+                  </a:solidFill>
+                </a:ln>
+              </a:rPr>
+              <a:t> </a:t>
+            </a:r>
+            <a:r>
+              <a:rPr lang="en-US" dirty="0" err="1" smtClean="0">
+                <a:ln>
+                  <a:solidFill>
+                    <a:srgbClr val="000000"/>
+                  </a:solidFill>
+                </a:ln>
+              </a:rPr>
+              <a:t>endTime</a:t>
+            </a:r>
+            <a:endParaRPr lang="en-US" dirty="0" smtClean="0">
+              <a:ln>
+                <a:solidFill>
+                  <a:srgbClr val="000000"/>
+                </a:solidFill>
+              </a:ln>
+            </a:endParaRPr>
+          </a:p>
+          <a:p>
+            <a:endParaRPr lang="en-US" dirty="0">
+              <a:ln>
+                <a:solidFill>
+                  <a:srgbClr val="000000"/>
+                </a:solidFill>
+              </a:ln>
+            </a:endParaRPr>
+          </a:p>
+          <a:p>
+            <a:r>
+              <a:rPr lang="en-US" dirty="0" err="1" smtClean="0">
+                <a:ln>
+                  <a:solidFill>
+                    <a:srgbClr val="000000"/>
+                  </a:solidFill>
+                </a:ln>
+              </a:rPr>
+              <a:t>setRoadNameId</a:t>
+            </a:r>
+            <a:r>
+              <a:rPr lang="en-US" dirty="0" smtClean="0">
+                <a:ln>
+                  <a:solidFill>
+                    <a:srgbClr val="000000"/>
+                  </a:solidFill>
+                </a:ln>
+              </a:rPr>
+              <a:t>(</a:t>
+            </a:r>
+            <a:r>
+              <a:rPr lang="en-US" dirty="0" err="1" smtClean="0">
+                <a:ln>
+                  <a:solidFill>
+                    <a:srgbClr val="000000"/>
+                  </a:solidFill>
+                </a:ln>
+              </a:rPr>
+              <a:t>RoadId</a:t>
+            </a:r>
+            <a:r>
+              <a:rPr lang="en-US" dirty="0" smtClean="0">
+                <a:ln>
+                  <a:solidFill>
+                    <a:srgbClr val="000000"/>
+                  </a:solidFill>
+                </a:ln>
+              </a:rPr>
+              <a:t>)</a:t>
+            </a:r>
+          </a:p>
+          <a:p>
+            <a:r>
+              <a:rPr lang="en-US" dirty="0" err="1" smtClean="0">
+                <a:ln>
+                  <a:solidFill>
+                    <a:srgbClr val="000000"/>
+                  </a:solidFill>
+                </a:ln>
+              </a:rPr>
+              <a:t>getRoad</a:t>
+            </a:r>
+            <a:r>
+              <a:rPr lang="en-US" dirty="0" smtClean="0">
+                <a:ln>
+                  <a:solidFill>
+                    <a:srgbClr val="000000"/>
+                  </a:solidFill>
+                </a:ln>
+              </a:rPr>
+              <a:t>(): </a:t>
+            </a:r>
+            <a:r>
+              <a:rPr lang="en-US" dirty="0" err="1" smtClean="0">
+                <a:ln>
+                  <a:solidFill>
+                    <a:srgbClr val="000000"/>
+                  </a:solidFill>
+                </a:ln>
+              </a:rPr>
+              <a:t>roadNameId</a:t>
+            </a:r>
+            <a:endParaRPr lang="en-US" dirty="0" smtClean="0">
+              <a:ln>
+                <a:solidFill>
+                  <a:srgbClr val="000000"/>
+                </a:solidFill>
+              </a:ln>
+            </a:endParaRPr>
+          </a:p>
+          <a:p>
+            <a:r>
+              <a:rPr lang="en-US" dirty="0" err="1" smtClean="0">
+                <a:ln>
+                  <a:solidFill>
+                    <a:srgbClr val="000000"/>
+                  </a:solidFill>
+                </a:ln>
+              </a:rPr>
+              <a:t>setDays</a:t>
+            </a:r>
+            <a:r>
+              <a:rPr lang="en-US" dirty="0" smtClean="0">
+                <a:ln>
+                  <a:solidFill>
+                    <a:srgbClr val="000000"/>
+                  </a:solidFill>
+                </a:ln>
+              </a:rPr>
+              <a:t>(days)</a:t>
+            </a:r>
+          </a:p>
+          <a:p>
+            <a:r>
+              <a:rPr lang="en-US" dirty="0" err="1" smtClean="0">
+                <a:ln>
+                  <a:solidFill>
+                    <a:srgbClr val="000000"/>
+                  </a:solidFill>
+                </a:ln>
+              </a:rPr>
+              <a:t>getDays</a:t>
+            </a:r>
+            <a:r>
+              <a:rPr lang="en-US" dirty="0" smtClean="0">
+                <a:ln>
+                  <a:solidFill>
+                    <a:srgbClr val="000000"/>
+                  </a:solidFill>
+                </a:ln>
+              </a:rPr>
+              <a:t>: days</a:t>
+            </a:r>
+          </a:p>
+          <a:p>
+            <a:r>
+              <a:rPr lang="en-US" dirty="0" err="1" smtClean="0">
+                <a:ln>
+                  <a:solidFill>
+                    <a:srgbClr val="000000"/>
+                  </a:solidFill>
+                </a:ln>
+              </a:rPr>
+              <a:t>setStartMile</a:t>
+            </a:r>
+            <a:r>
+              <a:rPr lang="en-US" dirty="0" smtClean="0">
+                <a:ln>
+                  <a:solidFill>
+                    <a:srgbClr val="000000"/>
+                  </a:solidFill>
+                </a:ln>
+              </a:rPr>
+              <a:t>(mi)</a:t>
+            </a:r>
+          </a:p>
+          <a:p>
+            <a:r>
+              <a:rPr lang="en-US" dirty="0" err="1" smtClean="0">
+                <a:ln>
+                  <a:solidFill>
+                    <a:srgbClr val="000000"/>
+                  </a:solidFill>
+                </a:ln>
+              </a:rPr>
+              <a:t>getStartMile</a:t>
+            </a:r>
+            <a:r>
+              <a:rPr lang="en-US" dirty="0" smtClean="0">
+                <a:ln>
+                  <a:solidFill>
+                    <a:srgbClr val="000000"/>
+                  </a:solidFill>
+                </a:ln>
+              </a:rPr>
+              <a:t>(): </a:t>
+            </a:r>
+            <a:r>
+              <a:rPr lang="en-US" dirty="0" err="1" smtClean="0">
+                <a:ln>
+                  <a:solidFill>
+                    <a:srgbClr val="000000"/>
+                  </a:solidFill>
+                </a:ln>
+              </a:rPr>
+              <a:t>startMile</a:t>
+            </a:r>
+            <a:endParaRPr lang="en-US" dirty="0" smtClean="0">
+              <a:ln>
+                <a:solidFill>
+                  <a:srgbClr val="000000"/>
+                </a:solidFill>
+              </a:ln>
+            </a:endParaRPr>
+          </a:p>
+          <a:p>
+            <a:endParaRPr lang="en-US" dirty="0">
+              <a:ln>
+                <a:solidFill>
+                  <a:srgbClr val="000000"/>
+                </a:solidFill>
+              </a:ln>
+            </a:endParaRPr>
           </a:p>
         </p:txBody>
       </p:sp>
       <p:cxnSp>
         <p:nvCxnSpPr>
-          <p:cNvPr id="19" name="Straight Arrow Connector 18"/>
-          <p:cNvCxnSpPr/>
-          <p:nvPr/>
-        </p:nvCxnSpPr>
-        <p:spPr>
-          <a:xfrm>
-            <a:off x="982388" y="3989891"/>
-            <a:ext cx="3712201" cy="0"/>
+          <p:cNvPr id="66" name="Straight Connector 65"/>
+          <p:cNvCxnSpPr/>
+          <p:nvPr/>
+        </p:nvCxnSpPr>
+        <p:spPr>
+          <a:xfrm>
+            <a:off x="161517" y="2774481"/>
+            <a:ext cx="2917432" cy="0"/>
+          </a:xfrm>
+          <a:prstGeom prst="line">
+            <a:avLst/>
+          </a:prstGeom>
+        </p:spPr>
+        <p:style>
+          <a:lnRef idx="2">
+            <a:schemeClr val="accent1"/>
+          </a:lnRef>
+          <a:fillRef idx="0">
+            <a:schemeClr val="accent1"/>
+          </a:fillRef>
+          <a:effectRef idx="1">
+            <a:schemeClr val="accent1"/>
+          </a:effectRef>
+          <a:fontRef idx="minor">
+            <a:schemeClr val="tx1"/>
+          </a:fontRef>
+        </p:style>
+      </p:cxnSp>
+      <p:sp>
+        <p:nvSpPr>
+          <p:cNvPr id="72" name="TextBox 71"/>
+          <p:cNvSpPr txBox="1"/>
+          <p:nvPr/>
+        </p:nvSpPr>
+        <p:spPr>
+          <a:xfrm>
+            <a:off x="3337072" y="1660705"/>
+            <a:ext cx="2138709" cy="2031325"/>
+          </a:xfrm>
+          <a:prstGeom prst="rect">
+            <a:avLst/>
+          </a:prstGeom>
+          <a:noFill/>
+          <a:ln>
+            <a:solidFill>
+              <a:srgbClr val="4F81BD"/>
+            </a:solidFill>
+          </a:ln>
+        </p:spPr>
+        <p:txBody>
+          <a:bodyPr wrap="square" rtlCol="0">
+            <a:spAutoFit/>
+          </a:bodyPr>
+          <a:lstStyle/>
+          <a:p>
+            <a:r>
+              <a:rPr lang="en-US" dirty="0" smtClean="0">
+                <a:ln>
+                  <a:solidFill>
+                    <a:srgbClr val="000000"/>
+                  </a:solidFill>
+                </a:ln>
+              </a:rPr>
+              <a:t>Roads</a:t>
+            </a:r>
+            <a:endParaRPr lang="en-US" dirty="0" smtClean="0">
+              <a:ln>
+                <a:solidFill>
+                  <a:srgbClr val="000000"/>
+                </a:solidFill>
+              </a:ln>
+            </a:endParaRPr>
+          </a:p>
+          <a:p>
+            <a:endParaRPr lang="en-US" dirty="0">
+              <a:ln>
+                <a:solidFill>
+                  <a:srgbClr val="000000"/>
+                </a:solidFill>
+              </a:ln>
+            </a:endParaRPr>
+          </a:p>
+          <a:p>
+            <a:r>
+              <a:rPr lang="en-US" dirty="0" smtClean="0">
+                <a:ln>
+                  <a:solidFill>
+                    <a:srgbClr val="000000"/>
+                  </a:solidFill>
+                </a:ln>
+              </a:rPr>
+              <a:t>String Id</a:t>
+            </a:r>
+            <a:endParaRPr lang="en-US" dirty="0" smtClean="0">
+              <a:ln>
+                <a:solidFill>
+                  <a:srgbClr val="000000"/>
+                </a:solidFill>
+              </a:ln>
+            </a:endParaRPr>
+          </a:p>
+          <a:p>
+            <a:r>
+              <a:rPr lang="en-US" dirty="0" smtClean="0">
+                <a:ln>
+                  <a:solidFill>
+                    <a:srgbClr val="000000"/>
+                  </a:solidFill>
+                </a:ln>
+              </a:rPr>
+              <a:t>String road</a:t>
+            </a:r>
+          </a:p>
+          <a:p>
+            <a:endParaRPr lang="en-US" dirty="0">
+              <a:ln>
+                <a:solidFill>
+                  <a:srgbClr val="000000"/>
+                </a:solidFill>
+              </a:ln>
+            </a:endParaRPr>
+          </a:p>
+          <a:p>
+            <a:r>
+              <a:rPr lang="en-US" dirty="0" err="1" smtClean="0">
+                <a:ln>
+                  <a:solidFill>
+                    <a:srgbClr val="000000"/>
+                  </a:solidFill>
+                </a:ln>
+              </a:rPr>
+              <a:t>getRoad</a:t>
+            </a:r>
+            <a:r>
+              <a:rPr lang="en-US" dirty="0" smtClean="0">
+                <a:ln>
+                  <a:solidFill>
+                    <a:srgbClr val="000000"/>
+                  </a:solidFill>
+                </a:ln>
+              </a:rPr>
+              <a:t>() : road</a:t>
+            </a:r>
+          </a:p>
+          <a:p>
+            <a:r>
+              <a:rPr lang="en-US" dirty="0" err="1" smtClean="0">
+                <a:ln>
+                  <a:solidFill>
+                    <a:srgbClr val="000000"/>
+                  </a:solidFill>
+                </a:ln>
+              </a:rPr>
+              <a:t>setRoad</a:t>
+            </a:r>
+            <a:r>
+              <a:rPr lang="en-US" dirty="0" smtClean="0">
+                <a:ln>
+                  <a:solidFill>
+                    <a:srgbClr val="000000"/>
+                  </a:solidFill>
+                </a:ln>
+              </a:rPr>
+              <a:t>(road)</a:t>
+            </a:r>
+            <a:endParaRPr lang="en-US" dirty="0">
+              <a:ln>
+                <a:solidFill>
+                  <a:srgbClr val="000000"/>
+                </a:solidFill>
+              </a:ln>
+            </a:endParaRPr>
+          </a:p>
+        </p:txBody>
+      </p:sp>
+      <p:cxnSp>
+        <p:nvCxnSpPr>
+          <p:cNvPr id="73" name="Straight Connector 72"/>
+          <p:cNvCxnSpPr/>
+          <p:nvPr/>
+        </p:nvCxnSpPr>
+        <p:spPr>
+          <a:xfrm>
+            <a:off x="3337072" y="2014245"/>
+            <a:ext cx="2138709" cy="0"/>
+          </a:xfrm>
+          <a:prstGeom prst="line">
+            <a:avLst/>
+          </a:prstGeom>
+        </p:spPr>
+        <p:style>
+          <a:lnRef idx="2">
+            <a:schemeClr val="accent1"/>
+          </a:lnRef>
+          <a:fillRef idx="0">
+            <a:schemeClr val="accent1"/>
+          </a:fillRef>
+          <a:effectRef idx="1">
+            <a:schemeClr val="accent1"/>
+          </a:effectRef>
+          <a:fontRef idx="minor">
+            <a:schemeClr val="tx1"/>
+          </a:fontRef>
+        </p:style>
+      </p:cxnSp>
+      <p:cxnSp>
+        <p:nvCxnSpPr>
+          <p:cNvPr id="74" name="Straight Connector 73"/>
+          <p:cNvCxnSpPr/>
+          <p:nvPr/>
+        </p:nvCxnSpPr>
+        <p:spPr>
+          <a:xfrm>
+            <a:off x="3337072" y="2945453"/>
+            <a:ext cx="2138709" cy="0"/>
+          </a:xfrm>
+          <a:prstGeom prst="line">
+            <a:avLst/>
+          </a:prstGeom>
+        </p:spPr>
+        <p:style>
+          <a:lnRef idx="2">
+            <a:schemeClr val="accent1"/>
+          </a:lnRef>
+          <a:fillRef idx="0">
+            <a:schemeClr val="accent1"/>
+          </a:fillRef>
+          <a:effectRef idx="1">
+            <a:schemeClr val="accent1"/>
+          </a:effectRef>
+          <a:fontRef idx="minor">
+            <a:schemeClr val="tx1"/>
+          </a:fontRef>
+        </p:style>
+      </p:cxnSp>
+      <p:cxnSp>
+        <p:nvCxnSpPr>
+          <p:cNvPr id="75" name="Straight Connector 74"/>
+          <p:cNvCxnSpPr/>
+          <p:nvPr/>
+        </p:nvCxnSpPr>
+        <p:spPr>
+          <a:xfrm>
+            <a:off x="161517" y="4939799"/>
+            <a:ext cx="2917432" cy="0"/>
+          </a:xfrm>
+          <a:prstGeom prst="line">
+            <a:avLst/>
+          </a:prstGeom>
+        </p:spPr>
+        <p:style>
+          <a:lnRef idx="2">
+            <a:schemeClr val="accent1"/>
+          </a:lnRef>
+          <a:fillRef idx="0">
+            <a:schemeClr val="accent1"/>
+          </a:fillRef>
+          <a:effectRef idx="1">
+            <a:schemeClr val="accent1"/>
+          </a:effectRef>
+          <a:fontRef idx="minor">
+            <a:schemeClr val="tx1"/>
+          </a:fontRef>
+        </p:style>
+      </p:cxnSp>
+      <p:sp>
+        <p:nvSpPr>
+          <p:cNvPr id="79" name="TextBox 78"/>
+          <p:cNvSpPr txBox="1"/>
+          <p:nvPr/>
+        </p:nvSpPr>
+        <p:spPr>
+          <a:xfrm>
+            <a:off x="3337072" y="3878694"/>
+            <a:ext cx="2138709" cy="2862323"/>
+          </a:xfrm>
+          <a:prstGeom prst="rect">
+            <a:avLst/>
+          </a:prstGeom>
+          <a:noFill/>
+          <a:ln>
+            <a:solidFill>
+              <a:srgbClr val="4F81BD"/>
+            </a:solidFill>
+          </a:ln>
+        </p:spPr>
+        <p:txBody>
+          <a:bodyPr wrap="square" rtlCol="0">
+            <a:spAutoFit/>
+          </a:bodyPr>
+          <a:lstStyle/>
+          <a:p>
+            <a:r>
+              <a:rPr lang="en-US" dirty="0" err="1" smtClean="0">
+                <a:ln>
+                  <a:solidFill>
+                    <a:srgbClr val="000000"/>
+                  </a:solidFill>
+                </a:ln>
+              </a:rPr>
+              <a:t>TravelPaths</a:t>
+            </a:r>
+            <a:r>
+              <a:rPr lang="en-US" dirty="0" smtClean="0">
+                <a:ln>
+                  <a:solidFill>
+                    <a:srgbClr val="000000"/>
+                  </a:solidFill>
+                </a:ln>
+              </a:rPr>
+              <a:t> (</a:t>
+            </a:r>
+            <a:r>
+              <a:rPr lang="en-US" dirty="0" err="1" smtClean="0">
+                <a:ln>
+                  <a:solidFill>
+                    <a:srgbClr val="000000"/>
+                  </a:solidFill>
+                </a:ln>
+              </a:rPr>
+              <a:t>cont</a:t>
+            </a:r>
+            <a:r>
+              <a:rPr lang="en-US" dirty="0" smtClean="0">
+                <a:ln>
+                  <a:solidFill>
+                    <a:srgbClr val="000000"/>
+                  </a:solidFill>
+                </a:ln>
+              </a:rPr>
+              <a:t>)</a:t>
+            </a:r>
+            <a:endParaRPr lang="en-US" dirty="0" smtClean="0">
+              <a:ln>
+                <a:solidFill>
+                  <a:srgbClr val="000000"/>
+                </a:solidFill>
+              </a:ln>
+            </a:endParaRPr>
+          </a:p>
+          <a:p>
+            <a:endParaRPr lang="en-US" dirty="0">
+              <a:ln>
+                <a:solidFill>
+                  <a:srgbClr val="000000"/>
+                </a:solidFill>
+              </a:ln>
+            </a:endParaRPr>
+          </a:p>
+          <a:p>
+            <a:r>
+              <a:rPr lang="en-US" dirty="0" err="1" smtClean="0">
+                <a:ln>
+                  <a:solidFill>
+                    <a:srgbClr val="000000"/>
+                  </a:solidFill>
+                </a:ln>
+              </a:rPr>
+              <a:t>setEndMile</a:t>
+            </a:r>
+            <a:r>
+              <a:rPr lang="en-US" dirty="0" smtClean="0">
+                <a:ln>
+                  <a:solidFill>
+                    <a:srgbClr val="000000"/>
+                  </a:solidFill>
+                </a:ln>
+              </a:rPr>
+              <a:t>(mi)</a:t>
+            </a:r>
+          </a:p>
+          <a:p>
+            <a:r>
+              <a:rPr lang="en-US" dirty="0" err="1" smtClean="0">
+                <a:ln>
+                  <a:solidFill>
+                    <a:srgbClr val="000000"/>
+                  </a:solidFill>
+                </a:ln>
+              </a:rPr>
+              <a:t>getEndMile</a:t>
+            </a:r>
+            <a:r>
+              <a:rPr lang="en-US" dirty="0" smtClean="0">
+                <a:ln>
+                  <a:solidFill>
+                    <a:srgbClr val="000000"/>
+                  </a:solidFill>
+                </a:ln>
+              </a:rPr>
+              <a:t>: </a:t>
+            </a:r>
+            <a:r>
+              <a:rPr lang="en-US" dirty="0" err="1" smtClean="0">
+                <a:ln>
+                  <a:solidFill>
+                    <a:srgbClr val="000000"/>
+                  </a:solidFill>
+                </a:ln>
+              </a:rPr>
+              <a:t>endMile</a:t>
+            </a:r>
+            <a:endParaRPr lang="en-US" dirty="0" smtClean="0">
+              <a:ln>
+                <a:solidFill>
+                  <a:srgbClr val="000000"/>
+                </a:solidFill>
+              </a:ln>
+            </a:endParaRPr>
+          </a:p>
+          <a:p>
+            <a:r>
+              <a:rPr lang="en-US" dirty="0" err="1" smtClean="0">
+                <a:ln>
+                  <a:solidFill>
+                    <a:srgbClr val="000000"/>
+                  </a:solidFill>
+                </a:ln>
+              </a:rPr>
+              <a:t>setStartTime</a:t>
+            </a:r>
+            <a:r>
+              <a:rPr lang="en-US" dirty="0" smtClean="0">
+                <a:ln>
+                  <a:solidFill>
+                    <a:srgbClr val="000000"/>
+                  </a:solidFill>
+                </a:ln>
+              </a:rPr>
+              <a:t>(</a:t>
+            </a:r>
+            <a:r>
+              <a:rPr lang="en-US" dirty="0" err="1" smtClean="0">
+                <a:ln>
+                  <a:solidFill>
+                    <a:srgbClr val="000000"/>
+                  </a:solidFill>
+                </a:ln>
+              </a:rPr>
+              <a:t>sT</a:t>
+            </a:r>
+            <a:r>
+              <a:rPr lang="en-US" dirty="0" smtClean="0">
+                <a:ln>
+                  <a:solidFill>
+                    <a:srgbClr val="000000"/>
+                  </a:solidFill>
+                </a:ln>
+              </a:rPr>
+              <a:t>)</a:t>
+            </a:r>
+          </a:p>
+          <a:p>
+            <a:r>
+              <a:rPr lang="en-US" dirty="0" err="1" smtClean="0">
+                <a:ln>
+                  <a:solidFill>
+                    <a:srgbClr val="000000"/>
+                  </a:solidFill>
+                </a:ln>
+              </a:rPr>
+              <a:t>getStartTime</a:t>
+            </a:r>
+            <a:r>
+              <a:rPr lang="en-US" dirty="0" smtClean="0">
+                <a:ln>
+                  <a:solidFill>
+                    <a:srgbClr val="000000"/>
+                  </a:solidFill>
+                </a:ln>
+              </a:rPr>
+              <a:t>() : </a:t>
+            </a:r>
+            <a:r>
+              <a:rPr lang="en-US" dirty="0" err="1" smtClean="0">
+                <a:ln>
+                  <a:solidFill>
+                    <a:srgbClr val="000000"/>
+                  </a:solidFill>
+                </a:ln>
+              </a:rPr>
+              <a:t>startTime</a:t>
+            </a:r>
+            <a:endParaRPr lang="en-US" dirty="0" smtClean="0">
+              <a:ln>
+                <a:solidFill>
+                  <a:srgbClr val="000000"/>
+                </a:solidFill>
+              </a:ln>
+            </a:endParaRPr>
+          </a:p>
+          <a:p>
+            <a:r>
+              <a:rPr lang="en-US" dirty="0" err="1" smtClean="0">
+                <a:ln>
+                  <a:solidFill>
+                    <a:srgbClr val="000000"/>
+                  </a:solidFill>
+                </a:ln>
+              </a:rPr>
+              <a:t>setEndTime</a:t>
+            </a:r>
+            <a:r>
+              <a:rPr lang="en-US" dirty="0" smtClean="0">
+                <a:ln>
+                  <a:solidFill>
+                    <a:srgbClr val="000000"/>
+                  </a:solidFill>
+                </a:ln>
+              </a:rPr>
+              <a:t>(</a:t>
+            </a:r>
+            <a:r>
+              <a:rPr lang="en-US" dirty="0" err="1" smtClean="0">
+                <a:ln>
+                  <a:solidFill>
+                    <a:srgbClr val="000000"/>
+                  </a:solidFill>
+                </a:ln>
+              </a:rPr>
+              <a:t>eT</a:t>
+            </a:r>
+            <a:r>
+              <a:rPr lang="en-US" dirty="0" smtClean="0">
+                <a:ln>
+                  <a:solidFill>
+                    <a:srgbClr val="000000"/>
+                  </a:solidFill>
+                </a:ln>
+              </a:rPr>
+              <a:t>)</a:t>
+            </a:r>
+          </a:p>
+          <a:p>
+            <a:r>
+              <a:rPr lang="en-US" dirty="0" err="1" smtClean="0">
+                <a:ln>
+                  <a:solidFill>
+                    <a:srgbClr val="000000"/>
+                  </a:solidFill>
+                </a:ln>
+              </a:rPr>
+              <a:t>getEndTime</a:t>
+            </a:r>
+            <a:r>
+              <a:rPr lang="en-US" dirty="0" smtClean="0">
+                <a:ln>
+                  <a:solidFill>
+                    <a:srgbClr val="000000"/>
+                  </a:solidFill>
+                </a:ln>
+              </a:rPr>
+              <a:t>(): </a:t>
+            </a:r>
+            <a:r>
+              <a:rPr lang="en-US" dirty="0" err="1" smtClean="0">
+                <a:ln>
+                  <a:solidFill>
+                    <a:srgbClr val="000000"/>
+                  </a:solidFill>
+                </a:ln>
+              </a:rPr>
+              <a:t>endTime</a:t>
+            </a:r>
+            <a:endParaRPr lang="en-US" dirty="0">
+              <a:ln>
+                <a:solidFill>
+                  <a:srgbClr val="000000"/>
+                </a:solidFill>
+              </a:ln>
+            </a:endParaRPr>
+          </a:p>
+        </p:txBody>
+      </p:sp>
+      <p:cxnSp>
+        <p:nvCxnSpPr>
+          <p:cNvPr id="80" name="Straight Connector 79"/>
+          <p:cNvCxnSpPr/>
+          <p:nvPr/>
+        </p:nvCxnSpPr>
+        <p:spPr>
+          <a:xfrm>
+            <a:off x="3337072" y="4232234"/>
+            <a:ext cx="2138709" cy="0"/>
+          </a:xfrm>
+          <a:prstGeom prst="line">
+            <a:avLst/>
+          </a:prstGeom>
+        </p:spPr>
+        <p:style>
+          <a:lnRef idx="2">
+            <a:schemeClr val="accent1"/>
+          </a:lnRef>
+          <a:fillRef idx="0">
+            <a:schemeClr val="accent1"/>
+          </a:fillRef>
+          <a:effectRef idx="1">
+            <a:schemeClr val="accent1"/>
+          </a:effectRef>
+          <a:fontRef idx="minor">
+            <a:schemeClr val="tx1"/>
+          </a:fontRef>
+        </p:style>
+      </p:cxnSp>
+      <p:cxnSp>
+        <p:nvCxnSpPr>
+          <p:cNvPr id="81" name="Straight Connector 80"/>
+          <p:cNvCxnSpPr/>
+          <p:nvPr/>
+        </p:nvCxnSpPr>
+        <p:spPr>
+          <a:xfrm>
+            <a:off x="3337072" y="4348690"/>
+            <a:ext cx="2138709" cy="0"/>
+          </a:xfrm>
+          <a:prstGeom prst="line">
+            <a:avLst/>
+          </a:prstGeom>
+        </p:spPr>
+        <p:style>
+          <a:lnRef idx="2">
+            <a:schemeClr val="accent1"/>
+          </a:lnRef>
+          <a:fillRef idx="0">
+            <a:schemeClr val="accent1"/>
+          </a:fillRef>
+          <a:effectRef idx="1">
+            <a:schemeClr val="accent1"/>
+          </a:effectRef>
+          <a:fontRef idx="minor">
+            <a:schemeClr val="tx1"/>
+          </a:fontRef>
+        </p:style>
+      </p:cxnSp>
+      <p:cxnSp>
+        <p:nvCxnSpPr>
+          <p:cNvPr id="20" name="Straight Arrow Connector 19"/>
+          <p:cNvCxnSpPr/>
+          <p:nvPr/>
+        </p:nvCxnSpPr>
+        <p:spPr>
+          <a:xfrm flipH="1">
+            <a:off x="5475781" y="2564074"/>
+            <a:ext cx="249623" cy="0"/>
           </a:xfrm>
           <a:prstGeom prst="straightConnector1">
             <a:avLst/>
@@ -15243,44 +16999,43 @@
           </a:fontRef>
         </p:style>
       </p:cxnSp>
-      <p:sp>
-        <p:nvSpPr>
-          <p:cNvPr id="22" name="TextBox 21"/>
-          <p:cNvSpPr txBox="1"/>
-          <p:nvPr/>
-        </p:nvSpPr>
-        <p:spPr>
-          <a:xfrm>
-            <a:off x="1357920" y="3620559"/>
-            <a:ext cx="2493666" cy="369332"/>
-          </a:xfrm>
-          <a:prstGeom prst="rect">
-            <a:avLst/>
-          </a:prstGeom>
-          <a:noFill/>
-        </p:spPr>
-        <p:txBody>
-          <a:bodyPr wrap="none" rtlCol="0">
-            <a:spAutoFit/>
-          </a:bodyPr>
-          <a:lstStyle/>
-          <a:p>
-            <a:r>
-              <a:rPr lang="en-US" dirty="0" err="1" smtClean="0"/>
-              <a:t>signUp</a:t>
-            </a:r>
-            <a:r>
-              <a:rPr lang="en-US" dirty="0" smtClean="0"/>
-              <a:t>(email, password)</a:t>
-            </a:r>
-            <a:endParaRPr lang="en-US" dirty="0"/>
-          </a:p>
-        </p:txBody>
-      </p:sp>
+      <p:cxnSp>
+        <p:nvCxnSpPr>
+          <p:cNvPr id="26" name="Straight Arrow Connector 25"/>
+          <p:cNvCxnSpPr/>
+          <p:nvPr/>
+        </p:nvCxnSpPr>
+        <p:spPr>
+          <a:xfrm flipH="1">
+            <a:off x="3078949" y="2420294"/>
+            <a:ext cx="258123" cy="23964"/>
+          </a:xfrm>
+          <a:prstGeom prst="straightConnector1">
+            <a:avLst/>
+          </a:prstGeom>
+          <a:ln>
+            <a:tailEnd type="arrow"/>
+          </a:ln>
+        </p:spPr>
+        <p:style>
+          <a:lnRef idx="2">
+            <a:schemeClr val="accent1"/>
+          </a:lnRef>
+          <a:fillRef idx="0">
+            <a:schemeClr val="accent1"/>
+          </a:fillRef>
+          <a:effectRef idx="1">
+            <a:schemeClr val="accent1"/>
+          </a:effectRef>
+          <a:fontRef idx="minor">
+            <a:schemeClr val="tx1"/>
+          </a:fontRef>
+        </p:style>
+      </p:cxnSp>
     </p:spTree>
     <p:extLst>
       <p:ext uri="{BB962C8B-B14F-4D97-AF65-F5344CB8AC3E}">
-        <p14:creationId xmlns:p14="http://schemas.microsoft.com/office/powerpoint/2010/main" val="4097655698"/>
+        <p14:creationId xmlns:p14="http://schemas.microsoft.com/office/powerpoint/2010/main" val="2736500078"/>
       </p:ext>
     </p:extLst>
   </p:cSld>
@@ -15355,7 +17110,7 @@
                 </a:effectLst>
                 <a:latin typeface="+mj-lt"/>
               </a:rPr>
-              <a:t>Interaction (Sequence) Diagram – Use Case 2: Update Data by System</a:t>
+              <a:t>Interaction (Sequence) Diagram – Use Case 1: Sign Up</a:t>
             </a:r>
           </a:p>
         </p:txBody>
@@ -15368,7 +17123,7 @@
         </p:nvSpPr>
         <p:spPr>
           <a:xfrm>
-            <a:off x="2657930" y="2995414"/>
+            <a:off x="4694589" y="2695872"/>
             <a:ext cx="407332" cy="2815689"/>
           </a:xfrm>
           <a:prstGeom prst="rect">
@@ -15406,8 +17161,8 @@
         </p:nvSpPr>
         <p:spPr>
           <a:xfrm>
-            <a:off x="2109586" y="2580998"/>
-            <a:ext cx="1415772" cy="369332"/>
+            <a:off x="4120578" y="2281456"/>
+            <a:ext cx="1544012" cy="369332"/>
           </a:xfrm>
           <a:prstGeom prst="rect">
             <a:avLst/>
@@ -15421,199 +17176,13 @@
           <a:lstStyle/>
           <a:p>
             <a:r>
-              <a:rPr lang="en-US" dirty="0" smtClean="0"/>
-              <a:t>Road Activity</a:t>
+              <a:rPr lang="en-US" dirty="0" err="1" smtClean="0"/>
+              <a:t>AccountsEntry</a:t>
             </a:r>
             <a:endParaRPr lang="en-US" dirty="0"/>
           </a:p>
         </p:txBody>
       </p:sp>
-      <p:sp>
-        <p:nvSpPr>
-          <p:cNvPr id="83" name="Rectangle 82"/>
-          <p:cNvSpPr/>
-          <p:nvPr/>
-        </p:nvSpPr>
-        <p:spPr>
-          <a:xfrm>
-            <a:off x="162032" y="3198911"/>
-            <a:ext cx="2181611" cy="1569788"/>
-          </a:xfrm>
-          <a:prstGeom prst="rect">
-            <a:avLst/>
-          </a:prstGeom>
-          <a:gradFill flip="none" rotWithShape="1">
-            <a:gsLst>
-              <a:gs pos="0">
-                <a:schemeClr val="accent1">
-                  <a:tint val="100000"/>
-                  <a:shade val="100000"/>
-                  <a:satMod val="130000"/>
-                  <a:alpha val="0"/>
-                </a:schemeClr>
-              </a:gs>
-              <a:gs pos="100000">
-                <a:schemeClr val="accent1">
-                  <a:tint val="50000"/>
-                  <a:shade val="100000"/>
-                  <a:satMod val="350000"/>
-                  <a:alpha val="0"/>
-                </a:schemeClr>
-              </a:gs>
-            </a:gsLst>
-            <a:lin ang="16200000" scaled="0"/>
-            <a:tileRect/>
-          </a:gradFill>
-        </p:spPr>
-        <p:style>
-          <a:lnRef idx="1">
-            <a:schemeClr val="accent1"/>
-          </a:lnRef>
-          <a:fillRef idx="3">
-            <a:schemeClr val="accent1"/>
-          </a:fillRef>
-          <a:effectRef idx="2">
-            <a:schemeClr val="accent1"/>
-          </a:effectRef>
-          <a:fontRef idx="minor">
-            <a:schemeClr val="lt1"/>
-          </a:fontRef>
-        </p:style>
-        <p:txBody>
-          <a:bodyPr rtlCol="0" anchor="ctr"/>
-          <a:lstStyle/>
-          <a:p>
-            <a:pPr algn="ctr"/>
-            <a:endParaRPr lang="en-US">
-              <a:ln>
-                <a:solidFill>
-                  <a:srgbClr val="000000"/>
-                </a:solidFill>
-              </a:ln>
-            </a:endParaRPr>
-          </a:p>
-        </p:txBody>
-      </p:sp>
-      <p:sp>
-        <p:nvSpPr>
-          <p:cNvPr id="84" name="TextBox 83"/>
-          <p:cNvSpPr txBox="1"/>
-          <p:nvPr/>
-        </p:nvSpPr>
-        <p:spPr>
-          <a:xfrm>
-            <a:off x="162033" y="3200729"/>
-            <a:ext cx="129632" cy="369332"/>
-          </a:xfrm>
-          <a:prstGeom prst="rect">
-            <a:avLst/>
-          </a:prstGeom>
-          <a:noFill/>
-        </p:spPr>
-        <p:txBody>
-          <a:bodyPr wrap="square" rtlCol="0">
-            <a:spAutoFit/>
-          </a:bodyPr>
-          <a:lstStyle/>
-          <a:p>
-            <a:r>
-              <a:rPr lang="en-US" dirty="0" smtClean="0"/>
-              <a:t>loop</a:t>
-            </a:r>
-            <a:endParaRPr lang="en-US" dirty="0"/>
-          </a:p>
-        </p:txBody>
-      </p:sp>
-      <p:cxnSp>
-        <p:nvCxnSpPr>
-          <p:cNvPr id="115" name="Straight Connector 114"/>
-          <p:cNvCxnSpPr/>
-          <p:nvPr/>
-        </p:nvCxnSpPr>
-        <p:spPr>
-          <a:xfrm>
-            <a:off x="170657" y="3682297"/>
-            <a:ext cx="392791" cy="0"/>
-          </a:xfrm>
-          <a:prstGeom prst="line">
-            <a:avLst/>
-          </a:prstGeom>
-        </p:spPr>
-        <p:style>
-          <a:lnRef idx="2">
-            <a:schemeClr val="accent1"/>
-          </a:lnRef>
-          <a:fillRef idx="0">
-            <a:schemeClr val="accent1"/>
-          </a:fillRef>
-          <a:effectRef idx="1">
-            <a:schemeClr val="accent1"/>
-          </a:effectRef>
-          <a:fontRef idx="minor">
-            <a:schemeClr val="tx1"/>
-          </a:fontRef>
-        </p:style>
-      </p:cxnSp>
-      <p:cxnSp>
-        <p:nvCxnSpPr>
-          <p:cNvPr id="116" name="Straight Connector 115"/>
-          <p:cNvCxnSpPr/>
-          <p:nvPr/>
-        </p:nvCxnSpPr>
-        <p:spPr>
-          <a:xfrm flipV="1">
-            <a:off x="563448" y="3571879"/>
-            <a:ext cx="209582" cy="110418"/>
-          </a:xfrm>
-          <a:prstGeom prst="line">
-            <a:avLst/>
-          </a:prstGeom>
-        </p:spPr>
-        <p:style>
-          <a:lnRef idx="2">
-            <a:schemeClr val="accent1"/>
-          </a:lnRef>
-          <a:fillRef idx="0">
-            <a:schemeClr val="accent1"/>
-          </a:fillRef>
-          <a:effectRef idx="1">
-            <a:schemeClr val="accent1"/>
-          </a:effectRef>
-          <a:fontRef idx="minor">
-            <a:schemeClr val="tx1"/>
-          </a:fontRef>
-        </p:style>
-      </p:cxnSp>
-      <p:cxnSp>
-        <p:nvCxnSpPr>
-          <p:cNvPr id="117" name="Straight Connector 116"/>
-          <p:cNvCxnSpPr/>
-          <p:nvPr/>
-        </p:nvCxnSpPr>
-        <p:spPr>
-          <a:xfrm flipV="1">
-            <a:off x="773030" y="3200729"/>
-            <a:ext cx="0" cy="371150"/>
-          </a:xfrm>
-          <a:prstGeom prst="line">
-            <a:avLst/>
-          </a:prstGeom>
-        </p:spPr>
-        <p:style>
-          <a:lnRef idx="2">
-            <a:schemeClr val="accent1"/>
-          </a:lnRef>
-          <a:fillRef idx="0">
-            <a:schemeClr val="accent1"/>
-          </a:fillRef>
-          <a:effectRef idx="1">
-            <a:schemeClr val="accent1"/>
-          </a:effectRef>
-          <a:fontRef idx="minor">
-            <a:schemeClr val="tx1"/>
-          </a:fontRef>
-        </p:style>
-      </p:cxnSp>
       <p:cxnSp>
         <p:nvCxnSpPr>
           <p:cNvPr id="19" name="Straight Arrow Connector 18"/>
@@ -15622,8 +17191,8 @@
         </p:nvCxnSpPr>
         <p:spPr>
           <a:xfrm>
-            <a:off x="383371" y="4289433"/>
-            <a:ext cx="2274559" cy="0"/>
+            <a:off x="982388" y="3989891"/>
+            <a:ext cx="3712201" cy="0"/>
           </a:xfrm>
           <a:prstGeom prst="straightConnector1">
             <a:avLst/>
@@ -15649,14 +17218,14 @@
       </p:cxnSp>
       <p:sp>
         <p:nvSpPr>
-          <p:cNvPr id="21" name="TextBox 20"/>
+          <p:cNvPr id="22" name="TextBox 21"/>
           <p:cNvSpPr txBox="1"/>
           <p:nvPr/>
         </p:nvSpPr>
         <p:spPr>
           <a:xfrm>
-            <a:off x="922487" y="3385395"/>
-            <a:ext cx="907370" cy="369332"/>
+            <a:off x="1357920" y="3620559"/>
+            <a:ext cx="2493666" cy="369332"/>
           </a:xfrm>
           <a:prstGeom prst="rect">
             <a:avLst/>
@@ -15670,304 +17239,12 @@
           <a:lstStyle/>
           <a:p>
             <a:r>
+              <a:rPr lang="en-US" dirty="0" err="1" smtClean="0"/>
+              <a:t>signUp</a:t>
+            </a:r>
+            <a:r>
               <a:rPr lang="en-US" dirty="0" smtClean="0"/>
-              <a:t>Forever</a:t>
-            </a:r>
-            <a:endParaRPr lang="en-US" dirty="0"/>
-          </a:p>
-        </p:txBody>
-      </p:sp>
-      <p:sp>
-        <p:nvSpPr>
-          <p:cNvPr id="22" name="TextBox 21"/>
-          <p:cNvSpPr txBox="1"/>
-          <p:nvPr/>
-        </p:nvSpPr>
-        <p:spPr>
-          <a:xfrm>
-            <a:off x="135925" y="3920101"/>
-            <a:ext cx="2207718" cy="369332"/>
-          </a:xfrm>
-          <a:prstGeom prst="rect">
-            <a:avLst/>
-          </a:prstGeom>
-          <a:noFill/>
-        </p:spPr>
-        <p:txBody>
-          <a:bodyPr wrap="none" rtlCol="0">
-            <a:spAutoFit/>
-          </a:bodyPr>
-          <a:lstStyle/>
-          <a:p>
-            <a:r>
-              <a:rPr lang="en-US" dirty="0" err="1" smtClean="0"/>
-              <a:t>SystemRequestData</a:t>
-            </a:r>
-            <a:r>
-              <a:rPr lang="en-US" dirty="0" smtClean="0"/>
-              <a:t>()</a:t>
-            </a:r>
-            <a:endParaRPr lang="en-US" dirty="0"/>
-          </a:p>
-        </p:txBody>
-      </p:sp>
-      <p:sp>
-        <p:nvSpPr>
-          <p:cNvPr id="23" name="TextBox 22"/>
-          <p:cNvSpPr txBox="1"/>
-          <p:nvPr/>
-        </p:nvSpPr>
-        <p:spPr>
-          <a:xfrm>
-            <a:off x="383371" y="5391745"/>
-            <a:ext cx="1916856" cy="646331"/>
-          </a:xfrm>
-          <a:prstGeom prst="rect">
-            <a:avLst/>
-          </a:prstGeom>
-          <a:noFill/>
-        </p:spPr>
-        <p:txBody>
-          <a:bodyPr wrap="square" rtlCol="0">
-            <a:spAutoFit/>
-          </a:bodyPr>
-          <a:lstStyle/>
-          <a:p>
-            <a:r>
-              <a:rPr lang="en-US" dirty="0" smtClean="0"/>
-              <a:t>System runs every 5 minutes</a:t>
-            </a:r>
-            <a:endParaRPr lang="en-US" dirty="0"/>
-          </a:p>
-        </p:txBody>
-      </p:sp>
-      <p:cxnSp>
-        <p:nvCxnSpPr>
-          <p:cNvPr id="25" name="Straight Connector 24"/>
-          <p:cNvCxnSpPr/>
-          <p:nvPr/>
-        </p:nvCxnSpPr>
-        <p:spPr>
-          <a:xfrm flipH="1" flipV="1">
-            <a:off x="563448" y="4768699"/>
-            <a:ext cx="209582" cy="623046"/>
-          </a:xfrm>
-          <a:prstGeom prst="line">
-            <a:avLst/>
-          </a:prstGeom>
-        </p:spPr>
-        <p:style>
-          <a:lnRef idx="2">
-            <a:schemeClr val="accent1"/>
-          </a:lnRef>
-          <a:fillRef idx="0">
-            <a:schemeClr val="accent1"/>
-          </a:fillRef>
-          <a:effectRef idx="1">
-            <a:schemeClr val="accent1"/>
-          </a:effectRef>
-          <a:fontRef idx="minor">
-            <a:schemeClr val="tx1"/>
-          </a:fontRef>
-        </p:style>
-      </p:cxnSp>
-      <p:sp>
-        <p:nvSpPr>
-          <p:cNvPr id="118" name="Rectangle 117"/>
-          <p:cNvSpPr/>
-          <p:nvPr/>
-        </p:nvSpPr>
-        <p:spPr>
-          <a:xfrm>
-            <a:off x="5980004" y="2576056"/>
-            <a:ext cx="407332" cy="2815689"/>
-          </a:xfrm>
-          <a:prstGeom prst="rect">
-            <a:avLst/>
-          </a:prstGeom>
-        </p:spPr>
-        <p:style>
-          <a:lnRef idx="1">
-            <a:schemeClr val="accent1"/>
-          </a:lnRef>
-          <a:fillRef idx="3">
-            <a:schemeClr val="accent1"/>
-          </a:fillRef>
-          <a:effectRef idx="2">
-            <a:schemeClr val="accent1"/>
-          </a:effectRef>
-          <a:fontRef idx="minor">
-            <a:schemeClr val="lt1"/>
-          </a:fontRef>
-        </p:style>
-        <p:txBody>
-          <a:bodyPr rtlCol="0" anchor="ctr"/>
-          <a:lstStyle/>
-          <a:p>
-            <a:pPr algn="ctr"/>
-            <a:endParaRPr lang="en-US"/>
-          </a:p>
-        </p:txBody>
-      </p:sp>
-      <p:sp>
-        <p:nvSpPr>
-          <p:cNvPr id="119" name="TextBox 118"/>
-          <p:cNvSpPr txBox="1"/>
-          <p:nvPr/>
-        </p:nvSpPr>
-        <p:spPr>
-          <a:xfrm>
-            <a:off x="5431660" y="2206724"/>
-            <a:ext cx="1505540" cy="369332"/>
-          </a:xfrm>
-          <a:prstGeom prst="rect">
-            <a:avLst/>
-          </a:prstGeom>
-          <a:noFill/>
-        </p:spPr>
-        <p:txBody>
-          <a:bodyPr wrap="none" rtlCol="0">
-            <a:spAutoFit/>
-          </a:bodyPr>
-          <a:lstStyle/>
-          <a:p>
-            <a:r>
-              <a:rPr lang="en-US" dirty="0" smtClean="0"/>
-              <a:t>ODOT/</a:t>
-            </a:r>
-            <a:r>
-              <a:rPr lang="en-US" dirty="0" err="1" smtClean="0"/>
-              <a:t>Artimis</a:t>
-            </a:r>
-            <a:endParaRPr lang="en-US" dirty="0"/>
-          </a:p>
-        </p:txBody>
-      </p:sp>
-      <p:cxnSp>
-        <p:nvCxnSpPr>
-          <p:cNvPr id="120" name="Straight Arrow Connector 119"/>
-          <p:cNvCxnSpPr/>
-          <p:nvPr/>
-        </p:nvCxnSpPr>
-        <p:spPr>
-          <a:xfrm>
-            <a:off x="3065262" y="3558080"/>
-            <a:ext cx="2914742" cy="0"/>
-          </a:xfrm>
-          <a:prstGeom prst="straightConnector1">
-            <a:avLst/>
-          </a:prstGeom>
-          <a:ln>
-            <a:tailEnd type="arrow"/>
-          </a:ln>
-        </p:spPr>
-        <p:style>
-          <a:lnRef idx="2">
-            <a:schemeClr val="accent1"/>
-          </a:lnRef>
-          <a:fillRef idx="0">
-            <a:schemeClr val="accent1"/>
-          </a:fillRef>
-          <a:effectRef idx="1">
-            <a:schemeClr val="accent1"/>
-          </a:effectRef>
-          <a:fontRef idx="minor">
-            <a:schemeClr val="tx1"/>
-          </a:fontRef>
-        </p:style>
-      </p:cxnSp>
-      <p:sp>
-        <p:nvSpPr>
-          <p:cNvPr id="121" name="TextBox 120"/>
-          <p:cNvSpPr txBox="1"/>
-          <p:nvPr/>
-        </p:nvSpPr>
-        <p:spPr>
-          <a:xfrm>
-            <a:off x="3580348" y="3168463"/>
-            <a:ext cx="1408484" cy="369332"/>
-          </a:xfrm>
-          <a:prstGeom prst="rect">
-            <a:avLst/>
-          </a:prstGeom>
-          <a:noFill/>
-        </p:spPr>
-        <p:txBody>
-          <a:bodyPr wrap="none" rtlCol="0">
-            <a:spAutoFit/>
-          </a:bodyPr>
-          <a:lstStyle/>
-          <a:p>
-            <a:r>
-              <a:rPr lang="en-US" dirty="0" err="1" smtClean="0"/>
-              <a:t>ImportData</a:t>
-            </a:r>
-            <a:r>
-              <a:rPr lang="en-US" dirty="0" smtClean="0"/>
-              <a:t>()</a:t>
-            </a:r>
-            <a:endParaRPr lang="en-US" dirty="0"/>
-          </a:p>
-        </p:txBody>
-      </p:sp>
-      <p:cxnSp>
-        <p:nvCxnSpPr>
-          <p:cNvPr id="37" name="Straight Arrow Connector 36"/>
-          <p:cNvCxnSpPr/>
-          <p:nvPr/>
-        </p:nvCxnSpPr>
-        <p:spPr>
-          <a:xfrm flipH="1">
-            <a:off x="3065262" y="5152112"/>
-            <a:ext cx="2914742" cy="0"/>
-          </a:xfrm>
-          <a:prstGeom prst="straightConnector1">
-            <a:avLst/>
-          </a:prstGeom>
-          <a:ln>
-            <a:tailEnd type="arrow"/>
-          </a:ln>
-        </p:spPr>
-        <p:style>
-          <a:lnRef idx="2">
-            <a:schemeClr val="accent1"/>
-          </a:lnRef>
-          <a:fillRef idx="0">
-            <a:schemeClr val="accent1"/>
-          </a:fillRef>
-          <a:effectRef idx="1">
-            <a:schemeClr val="accent1"/>
-          </a:effectRef>
-          <a:fontRef idx="minor">
-            <a:schemeClr val="tx1"/>
-          </a:fontRef>
-        </p:style>
-      </p:cxnSp>
-      <p:sp>
-        <p:nvSpPr>
-          <p:cNvPr id="127" name="TextBox 126"/>
-          <p:cNvSpPr txBox="1"/>
-          <p:nvPr/>
-        </p:nvSpPr>
-        <p:spPr>
-          <a:xfrm>
-            <a:off x="3816611" y="4765857"/>
-            <a:ext cx="1390124" cy="369332"/>
-          </a:xfrm>
-          <a:prstGeom prst="rect">
-            <a:avLst/>
-          </a:prstGeom>
-          <a:noFill/>
-        </p:spPr>
-        <p:txBody>
-          <a:bodyPr wrap="none" rtlCol="0">
-            <a:spAutoFit/>
-          </a:bodyPr>
-          <a:lstStyle/>
-          <a:p>
-            <a:r>
-              <a:rPr lang="en-US" dirty="0" smtClean="0"/>
-              <a:t>Returns XML</a:t>
+              <a:t>(email, password)</a:t>
             </a:r>
             <a:endParaRPr lang="en-US" dirty="0"/>
           </a:p>
@@ -15976,7 +17253,7 @@
     </p:spTree>
     <p:extLst>
       <p:ext uri="{BB962C8B-B14F-4D97-AF65-F5344CB8AC3E}">
-        <p14:creationId xmlns:p14="http://schemas.microsoft.com/office/powerpoint/2010/main" val="1833645551"/>
+        <p14:creationId xmlns:p14="http://schemas.microsoft.com/office/powerpoint/2010/main" val="4097655698"/>
       </p:ext>
     </p:extLst>
   </p:cSld>
@@ -16051,7 +17328,7 @@
                 </a:effectLst>
                 <a:latin typeface="+mj-lt"/>
               </a:rPr>
-              <a:t>Interaction (Sequence) Diagram – Use Case 3: Update Data by User</a:t>
+              <a:t>Interaction (Sequence) Diagram – Use Case 2: Update Data by System</a:t>
             </a:r>
           </a:p>
         </p:txBody>
@@ -16124,6 +17401,192 @@
           </a:p>
         </p:txBody>
       </p:sp>
+      <p:sp>
+        <p:nvSpPr>
+          <p:cNvPr id="83" name="Rectangle 82"/>
+          <p:cNvSpPr/>
+          <p:nvPr/>
+        </p:nvSpPr>
+        <p:spPr>
+          <a:xfrm>
+            <a:off x="162032" y="3198911"/>
+            <a:ext cx="2181611" cy="1569788"/>
+          </a:xfrm>
+          <a:prstGeom prst="rect">
+            <a:avLst/>
+          </a:prstGeom>
+          <a:gradFill flip="none" rotWithShape="1">
+            <a:gsLst>
+              <a:gs pos="0">
+                <a:schemeClr val="accent1">
+                  <a:tint val="100000"/>
+                  <a:shade val="100000"/>
+                  <a:satMod val="130000"/>
+                  <a:alpha val="0"/>
+                </a:schemeClr>
+              </a:gs>
+              <a:gs pos="100000">
+                <a:schemeClr val="accent1">
+                  <a:tint val="50000"/>
+                  <a:shade val="100000"/>
+                  <a:satMod val="350000"/>
+                  <a:alpha val="0"/>
+                </a:schemeClr>
+              </a:gs>
+            </a:gsLst>
+            <a:lin ang="16200000" scaled="0"/>
+            <a:tileRect/>
+          </a:gradFill>
+        </p:spPr>
+        <p:style>
+          <a:lnRef idx="1">
+            <a:schemeClr val="accent1"/>
+          </a:lnRef>
+          <a:fillRef idx="3">
+            <a:schemeClr val="accent1"/>
+          </a:fillRef>
+          <a:effectRef idx="2">
+            <a:schemeClr val="accent1"/>
+          </a:effectRef>
+          <a:fontRef idx="minor">
+            <a:schemeClr val="lt1"/>
+          </a:fontRef>
+        </p:style>
+        <p:txBody>
+          <a:bodyPr rtlCol="0" anchor="ctr"/>
+          <a:lstStyle/>
+          <a:p>
+            <a:pPr algn="ctr"/>
+            <a:endParaRPr lang="en-US">
+              <a:ln>
+                <a:solidFill>
+                  <a:srgbClr val="000000"/>
+                </a:solidFill>
+              </a:ln>
+            </a:endParaRPr>
+          </a:p>
+        </p:txBody>
+      </p:sp>
+      <p:sp>
+        <p:nvSpPr>
+          <p:cNvPr id="84" name="TextBox 83"/>
+          <p:cNvSpPr txBox="1"/>
+          <p:nvPr/>
+        </p:nvSpPr>
+        <p:spPr>
+          <a:xfrm>
+            <a:off x="162033" y="3200729"/>
+            <a:ext cx="129632" cy="369332"/>
+          </a:xfrm>
+          <a:prstGeom prst="rect">
+            <a:avLst/>
+          </a:prstGeom>
+          <a:noFill/>
+        </p:spPr>
+        <p:txBody>
+          <a:bodyPr wrap="square" rtlCol="0">
+            <a:spAutoFit/>
+          </a:bodyPr>
+          <a:lstStyle/>
+          <a:p>
+            <a:r>
+              <a:rPr lang="en-US" dirty="0" smtClean="0"/>
+              <a:t>loop</a:t>
+            </a:r>
+            <a:endParaRPr lang="en-US" dirty="0"/>
+          </a:p>
+        </p:txBody>
+      </p:sp>
+      <p:cxnSp>
+        <p:nvCxnSpPr>
+          <p:cNvPr id="115" name="Straight Connector 114"/>
+          <p:cNvCxnSpPr/>
+          <p:nvPr/>
+        </p:nvCxnSpPr>
+        <p:spPr>
+          <a:xfrm>
+            <a:off x="170657" y="3682297"/>
+            <a:ext cx="392791" cy="0"/>
+          </a:xfrm>
+          <a:prstGeom prst="line">
+            <a:avLst/>
+          </a:prstGeom>
+        </p:spPr>
+        <p:style>
+          <a:lnRef idx="2">
+            <a:schemeClr val="accent1"/>
+          </a:lnRef>
+          <a:fillRef idx="0">
+            <a:schemeClr val="accent1"/>
+          </a:fillRef>
+          <a:effectRef idx="1">
+            <a:schemeClr val="accent1"/>
+          </a:effectRef>
+          <a:fontRef idx="minor">
+            <a:schemeClr val="tx1"/>
+          </a:fontRef>
+        </p:style>
+      </p:cxnSp>
+      <p:cxnSp>
+        <p:nvCxnSpPr>
+          <p:cNvPr id="116" name="Straight Connector 115"/>
+          <p:cNvCxnSpPr/>
+          <p:nvPr/>
+        </p:nvCxnSpPr>
+        <p:spPr>
+          <a:xfrm flipV="1">
+            <a:off x="563448" y="3571879"/>
+            <a:ext cx="209582" cy="110418"/>
+          </a:xfrm>
+          <a:prstGeom prst="line">
+            <a:avLst/>
+          </a:prstGeom>
+        </p:spPr>
+        <p:style>
+          <a:lnRef idx="2">
+            <a:schemeClr val="accent1"/>
+          </a:lnRef>
+          <a:fillRef idx="0">
+            <a:schemeClr val="accent1"/>
+          </a:fillRef>
+          <a:effectRef idx="1">
+            <a:schemeClr val="accent1"/>
+          </a:effectRef>
+          <a:fontRef idx="minor">
+            <a:schemeClr val="tx1"/>
+          </a:fontRef>
+        </p:style>
+      </p:cxnSp>
+      <p:cxnSp>
+        <p:nvCxnSpPr>
+          <p:cNvPr id="117" name="Straight Connector 116"/>
+          <p:cNvCxnSpPr/>
+          <p:nvPr/>
+        </p:nvCxnSpPr>
+        <p:spPr>
+          <a:xfrm flipV="1">
+            <a:off x="773030" y="3200729"/>
+            <a:ext cx="0" cy="371150"/>
+          </a:xfrm>
+          <a:prstGeom prst="line">
+            <a:avLst/>
+          </a:prstGeom>
+        </p:spPr>
+        <p:style>
+          <a:lnRef idx="2">
+            <a:schemeClr val="accent1"/>
+          </a:lnRef>
+          <a:fillRef idx="0">
+            <a:schemeClr val="accent1"/>
+          </a:fillRef>
+          <a:effectRef idx="1">
+            <a:schemeClr val="accent1"/>
+          </a:effectRef>
+          <a:fontRef idx="minor">
+            <a:schemeClr val="tx1"/>
+          </a:fontRef>
+        </p:style>
+      </p:cxnSp>
       <p:cxnSp>
         <p:nvCxnSpPr>
           <p:cNvPr id="19" name="Straight Arrow Connector 18"/>
@@ -16159,14 +17622,14 @@
       </p:cxnSp>
       <p:sp>
         <p:nvSpPr>
-          <p:cNvPr id="22" name="TextBox 21"/>
+          <p:cNvPr id="21" name="TextBox 20"/>
           <p:cNvSpPr txBox="1"/>
           <p:nvPr/>
         </p:nvSpPr>
         <p:spPr>
           <a:xfrm>
-            <a:off x="383371" y="3920101"/>
-            <a:ext cx="1842196" cy="369332"/>
+            <a:off x="922487" y="3385395"/>
+            <a:ext cx="907370" cy="369332"/>
           </a:xfrm>
           <a:prstGeom prst="rect">
             <a:avLst/>
@@ -16180,8 +17643,38 @@
           <a:lstStyle/>
           <a:p>
             <a:r>
+              <a:rPr lang="en-US" dirty="0" smtClean="0"/>
+              <a:t>Forever</a:t>
+            </a:r>
+            <a:endParaRPr lang="en-US" dirty="0"/>
+          </a:p>
+        </p:txBody>
+      </p:sp>
+      <p:sp>
+        <p:nvSpPr>
+          <p:cNvPr id="22" name="TextBox 21"/>
+          <p:cNvSpPr txBox="1"/>
+          <p:nvPr/>
+        </p:nvSpPr>
+        <p:spPr>
+          <a:xfrm>
+            <a:off x="135925" y="3920101"/>
+            <a:ext cx="2207718" cy="369332"/>
+          </a:xfrm>
+          <a:prstGeom prst="rect">
+            <a:avLst/>
+          </a:prstGeom>
+          <a:noFill/>
+        </p:spPr>
+        <p:txBody>
+          <a:bodyPr wrap="none" rtlCol="0">
+            <a:spAutoFit/>
+          </a:bodyPr>
+          <a:lstStyle/>
+          <a:p>
+            <a:r>
               <a:rPr lang="en-US" dirty="0" err="1" smtClean="0"/>
-              <a:t>UserImportData</a:t>
+              <a:t>SystemRequestData</a:t>
             </a:r>
             <a:r>
               <a:rPr lang="en-US" dirty="0" smtClean="0"/>
@@ -16191,6 +17684,66 @@
           </a:p>
         </p:txBody>
       </p:sp>
+      <p:sp>
+        <p:nvSpPr>
+          <p:cNvPr id="23" name="TextBox 22"/>
+          <p:cNvSpPr txBox="1"/>
+          <p:nvPr/>
+        </p:nvSpPr>
+        <p:spPr>
+          <a:xfrm>
+            <a:off x="383371" y="5391745"/>
+            <a:ext cx="1916856" cy="646331"/>
+          </a:xfrm>
+          <a:prstGeom prst="rect">
+            <a:avLst/>
+          </a:prstGeom>
+          <a:noFill/>
+        </p:spPr>
+        <p:txBody>
+          <a:bodyPr wrap="square" rtlCol="0">
+            <a:spAutoFit/>
+          </a:bodyPr>
+          <a:lstStyle/>
+          <a:p>
+            <a:r>
+              <a:rPr lang="en-US" dirty="0" smtClean="0"/>
+              <a:t>System runs every 5 minutes</a:t>
+            </a:r>
+            <a:endParaRPr lang="en-US" dirty="0"/>
+          </a:p>
+        </p:txBody>
+      </p:sp>
+      <p:cxnSp>
+        <p:nvCxnSpPr>
+          <p:cNvPr id="25" name="Straight Connector 24"/>
+          <p:cNvCxnSpPr/>
+          <p:nvPr/>
+        </p:nvCxnSpPr>
+        <p:spPr>
+          <a:xfrm flipH="1" flipV="1">
+            <a:off x="563448" y="4768699"/>
+            <a:ext cx="209582" cy="623046"/>
+          </a:xfrm>
+          <a:prstGeom prst="line">
+            <a:avLst/>
+          </a:prstGeom>
+        </p:spPr>
+        <p:style>
+          <a:lnRef idx="2">
+            <a:schemeClr val="accent1"/>
+          </a:lnRef>
+          <a:fillRef idx="0">
+            <a:schemeClr val="accent1"/>
+          </a:fillRef>
+          <a:effectRef idx="1">
+            <a:schemeClr val="accent1"/>
+          </a:effectRef>
+          <a:fontRef idx="minor">
+            <a:schemeClr val="tx1"/>
+          </a:fontRef>
+        </p:style>
+      </p:cxnSp>
       <p:sp>
         <p:nvSpPr>
           <p:cNvPr id="118" name="Rectangle 117"/>
@@ -16396,7 +17949,7 @@
     </p:spTree>
     <p:extLst>
       <p:ext uri="{BB962C8B-B14F-4D97-AF65-F5344CB8AC3E}">
-        <p14:creationId xmlns:p14="http://schemas.microsoft.com/office/powerpoint/2010/main" val="3118388067"/>
+        <p14:creationId xmlns:p14="http://schemas.microsoft.com/office/powerpoint/2010/main" val="1833645551"/>
       </p:ext>
     </p:extLst>
   </p:cSld>
@@ -16471,7 +18024,7 @@
                 </a:effectLst>
                 <a:latin typeface="+mj-lt"/>
               </a:rPr>
-              <a:t>Interaction (Sequence) Diagram – Use Case 4: Analyze Road Activity</a:t>
+              <a:t>Interaction (Sequence) Diagram – Use Case 3: Update Data by User</a:t>
             </a:r>
           </a:p>
         </p:txBody>
@@ -16523,7 +18076,7 @@
         <p:spPr>
           <a:xfrm>
             <a:off x="2109586" y="2580998"/>
-            <a:ext cx="2198038" cy="369332"/>
+            <a:ext cx="1415772" cy="369332"/>
           </a:xfrm>
           <a:prstGeom prst="rect">
             <a:avLst/>
@@ -16538,7 +18091,7 @@
           <a:p>
             <a:r>
               <a:rPr lang="en-US" dirty="0" smtClean="0"/>
-              <a:t>Analyze Road Activity</a:t>
+              <a:t>Road Activity</a:t>
             </a:r>
             <a:endParaRPr lang="en-US" dirty="0"/>
           </a:p>
@@ -16585,8 +18138,8 @@
         </p:nvSpPr>
         <p:spPr>
           <a:xfrm>
-            <a:off x="135925" y="3920101"/>
-            <a:ext cx="1903085" cy="369332"/>
+            <a:off x="383371" y="3920101"/>
+            <a:ext cx="1842196" cy="369332"/>
           </a:xfrm>
           <a:prstGeom prst="rect">
             <a:avLst/>
@@ -16600,8 +18153,12 @@
           <a:lstStyle/>
           <a:p>
             <a:r>
+              <a:rPr lang="en-US" dirty="0" err="1" smtClean="0"/>
+              <a:t>UserImportData</a:t>
+            </a:r>
+            <a:r>
               <a:rPr lang="en-US" dirty="0" smtClean="0"/>
-              <a:t>User selects filters</a:t>
+              <a:t>()</a:t>
             </a:r>
             <a:endParaRPr lang="en-US" dirty="0"/>
           </a:p>
@@ -16615,7 +18172,7 @@
         </p:nvSpPr>
         <p:spPr>
           <a:xfrm>
-            <a:off x="7297842" y="2580998"/>
+            <a:off x="5980004" y="2576056"/>
             <a:ext cx="407332" cy="2815689"/>
           </a:xfrm>
           <a:prstGeom prst="rect">
@@ -16653,8 +18210,8 @@
         </p:nvSpPr>
         <p:spPr>
           <a:xfrm>
-            <a:off x="6701577" y="2206724"/>
-            <a:ext cx="1415772" cy="369332"/>
+            <a:off x="5431660" y="2206724"/>
+            <a:ext cx="1505540" cy="369332"/>
           </a:xfrm>
           <a:prstGeom prst="rect">
             <a:avLst/>
@@ -16669,7 +18226,11 @@
           <a:p>
             <a:r>
               <a:rPr lang="en-US" dirty="0" smtClean="0"/>
-              <a:t>Road Activity</a:t>
+              <a:t>ODOT/</a:t>
+            </a:r>
+            <a:r>
+              <a:rPr lang="en-US" dirty="0" err="1" smtClean="0"/>
+              <a:t>Artimis</a:t>
             </a:r>
             <a:endParaRPr lang="en-US" dirty="0"/>
           </a:p>
@@ -16682,9 +18243,9 @@
           <p:nvPr/>
         </p:nvCxnSpPr>
         <p:spPr>
-          <a:xfrm flipV="1">
-            <a:off x="3065262" y="3537795"/>
-            <a:ext cx="4232580" cy="20286"/>
+          <a:xfrm>
+            <a:off x="3065262" y="3558080"/>
+            <a:ext cx="2914742" cy="0"/>
           </a:xfrm>
           <a:prstGeom prst="straightConnector1">
             <a:avLst/>
@@ -16716,8 +18277,8 @@
         </p:nvSpPr>
         <p:spPr>
           <a:xfrm>
-            <a:off x="3161036" y="3076130"/>
-            <a:ext cx="4087965" cy="923330"/>
+            <a:off x="3580348" y="3168463"/>
+            <a:ext cx="1408484" cy="369332"/>
           </a:xfrm>
           <a:prstGeom prst="rect">
             <a:avLst/>
@@ -16732,44 +18293,11 @@
           <a:p>
             <a:r>
               <a:rPr lang="en-US" dirty="0" err="1" smtClean="0"/>
-              <a:t>filterRoadActivity</a:t>
+              <a:t>ImportData</a:t>
             </a:r>
             <a:r>
               <a:rPr lang="en-US" dirty="0" smtClean="0"/>
-              <a:t> =</a:t>
-            </a:r>
-          </a:p>
-          <a:p>
-            <a:endParaRPr lang="en-US" dirty="0"/>
-          </a:p>
-          <a:p>
-            <a:r>
-              <a:rPr lang="en-US" dirty="0" smtClean="0"/>
-              <a:t>  filter(</a:t>
-            </a:r>
-            <a:r>
-              <a:rPr lang="en-US" dirty="0" err="1" smtClean="0"/>
-              <a:t>categoryType</a:t>
-            </a:r>
-            <a:r>
-              <a:rPr lang="en-US" dirty="0" smtClean="0"/>
-              <a:t>, </a:t>
-            </a:r>
-            <a:r>
-              <a:rPr lang="en-US" dirty="0" err="1" smtClean="0"/>
-              <a:t>startTime</a:t>
-            </a:r>
-            <a:r>
-              <a:rPr lang="en-US" dirty="0" smtClean="0"/>
-              <a:t>, </a:t>
-            </a:r>
-            <a:r>
-              <a:rPr lang="en-US" dirty="0" err="1" smtClean="0"/>
-              <a:t>endTime</a:t>
-            </a:r>
-            <a:r>
-              <a:rPr lang="en-US" dirty="0" smtClean="0"/>
-              <a:t>)</a:t>
+              <a:t>()</a:t>
             </a:r>
             <a:endParaRPr lang="en-US" dirty="0"/>
           </a:p>
@@ -16783,8 +18311,8 @@
         </p:nvCxnSpPr>
         <p:spPr>
           <a:xfrm flipH="1">
-            <a:off x="3065262" y="5135189"/>
-            <a:ext cx="4232580" cy="16923"/>
+            <a:off x="3065262" y="5152112"/>
+            <a:ext cx="2914742" cy="0"/>
           </a:xfrm>
           <a:prstGeom prst="straightConnector1">
             <a:avLst/>
@@ -16816,8 +18344,8 @@
         </p:nvSpPr>
         <p:spPr>
           <a:xfrm>
-            <a:off x="3527307" y="4690447"/>
-            <a:ext cx="2380054" cy="923330"/>
+            <a:off x="3816611" y="4765857"/>
+            <a:ext cx="1390124" cy="369332"/>
           </a:xfrm>
           <a:prstGeom prst="rect">
             <a:avLst/>
@@ -16832,16 +18360,7 @@
           <a:p>
             <a:r>
               <a:rPr lang="en-US" dirty="0" smtClean="0"/>
-              <a:t>Returns road activity </a:t>
-            </a:r>
-          </a:p>
-          <a:p>
-            <a:endParaRPr lang="en-US" dirty="0"/>
-          </a:p>
-          <a:p>
-            <a:r>
-              <a:rPr lang="en-US" dirty="0" smtClean="0"/>
-              <a:t>corresponding to filters</a:t>
+              <a:t>Returns XML</a:t>
             </a:r>
             <a:endParaRPr lang="en-US" dirty="0"/>
           </a:p>
@@ -16850,7 +18369,7 @@
     </p:spTree>
     <p:extLst>
       <p:ext uri="{BB962C8B-B14F-4D97-AF65-F5344CB8AC3E}">
-        <p14:creationId xmlns:p14="http://schemas.microsoft.com/office/powerpoint/2010/main" val="2159684179"/>
+        <p14:creationId xmlns:p14="http://schemas.microsoft.com/office/powerpoint/2010/main" val="3118388067"/>
       </p:ext>
     </p:extLst>
   </p:cSld>
@@ -19001,7 +20520,7 @@
                 </a:effectLst>
                 <a:latin typeface="+mj-lt"/>
               </a:rPr>
-              <a:t>Interaction (Sequence) Diagram – Use Case 5: Enter Roads Travelled</a:t>
+              <a:t>Interaction (Sequence) Diagram – Use Case 4: Analyze Road Activity</a:t>
             </a:r>
           </a:p>
         </p:txBody>
@@ -19014,8 +20533,8 @@
         </p:nvSpPr>
         <p:spPr>
           <a:xfrm>
-            <a:off x="573349" y="2150236"/>
-            <a:ext cx="407332" cy="3960408"/>
+            <a:off x="2657930" y="2995414"/>
+            <a:ext cx="407332" cy="2815689"/>
           </a:xfrm>
           <a:prstGeom prst="rect">
             <a:avLst/>
@@ -19052,8 +20571,8 @@
         </p:nvSpPr>
         <p:spPr>
           <a:xfrm>
-            <a:off x="163748" y="1735820"/>
-            <a:ext cx="1278978" cy="369332"/>
+            <a:off x="2109586" y="2580998"/>
+            <a:ext cx="2198038" cy="369332"/>
           </a:xfrm>
           <a:prstGeom prst="rect">
             <a:avLst/>
@@ -19067,8 +20586,71 @@
           <a:lstStyle/>
           <a:p>
             <a:r>
-              <a:rPr lang="en-US" dirty="0" err="1" smtClean="0"/>
-              <a:t>TravelPaths</a:t>
+              <a:rPr lang="en-US" dirty="0" smtClean="0"/>
+              <a:t>Analyze Road Activity</a:t>
+            </a:r>
+            <a:endParaRPr lang="en-US" dirty="0"/>
+          </a:p>
+        </p:txBody>
+      </p:sp>
+      <p:cxnSp>
+        <p:nvCxnSpPr>
+          <p:cNvPr id="19" name="Straight Arrow Connector 18"/>
+          <p:cNvCxnSpPr/>
+          <p:nvPr/>
+        </p:nvCxnSpPr>
+        <p:spPr>
+          <a:xfrm>
+            <a:off x="383371" y="4289433"/>
+            <a:ext cx="2274559" cy="0"/>
+          </a:xfrm>
+          <a:prstGeom prst="straightConnector1">
+            <a:avLst/>
+          </a:prstGeom>
+          <a:ln>
+            <a:tailEnd type="arrow"/>
+          </a:ln>
+        </p:spPr>
+        <p:style>
+          <a:lnRef idx="2">
+            <a:schemeClr val="accent1"/>
+          </a:lnRef>
+          <a:fillRef idx="0">
+            <a:schemeClr val="accent1"/>
+          </a:fillRef>
+          <a:effectRef idx="1">
+            <a:schemeClr val="accent1"/>
+          </a:effectRef>
+          <a:fontRef idx="minor">
+            <a:schemeClr val="tx1"/>
+          </a:fontRef>
+        </p:style>
+      </p:cxnSp>
+      <p:sp>
+        <p:nvSpPr>
+          <p:cNvPr id="22" name="TextBox 21"/>
+          <p:cNvSpPr txBox="1"/>
+          <p:nvPr/>
+        </p:nvSpPr>
+        <p:spPr>
+          <a:xfrm>
+            <a:off x="135925" y="3920101"/>
+            <a:ext cx="1903085" cy="369332"/>
+          </a:xfrm>
+          <a:prstGeom prst="rect">
+            <a:avLst/>
+          </a:prstGeom>
+          <a:noFill/>
+        </p:spPr>
+        <p:txBody>
+          <a:bodyPr wrap="none" rtlCol="0">
+            <a:spAutoFit/>
+          </a:bodyPr>
+          <a:lstStyle/>
+          <a:p>
+            <a:r>
+              <a:rPr lang="en-US" dirty="0" smtClean="0"/>
+              <a:t>User selects filters</a:t>
             </a:r>
             <a:endParaRPr lang="en-US" dirty="0"/>
           </a:p>
@@ -19082,8 +20664,8 @@
         </p:nvSpPr>
         <p:spPr>
           <a:xfrm>
-            <a:off x="5368903" y="2206724"/>
-            <a:ext cx="407332" cy="1132797"/>
+            <a:off x="7297842" y="2580998"/>
+            <a:ext cx="407332" cy="2815689"/>
           </a:xfrm>
           <a:prstGeom prst="rect">
             <a:avLst/>
@@ -19120,8 +20702,8 @@
         </p:nvSpPr>
         <p:spPr>
           <a:xfrm>
-            <a:off x="4870490" y="1832450"/>
-            <a:ext cx="1313180" cy="369332"/>
+            <a:off x="6701577" y="2206724"/>
+            <a:ext cx="1415772" cy="369332"/>
           </a:xfrm>
           <a:prstGeom prst="rect">
             <a:avLst/>
@@ -19135,8 +20717,8 @@
           <a:lstStyle/>
           <a:p>
             <a:r>
-              <a:rPr lang="en-US" dirty="0" err="1" smtClean="0"/>
-              <a:t>RoadNames</a:t>
+              <a:rPr lang="en-US" dirty="0" smtClean="0"/>
+              <a:t>Road Activity</a:t>
             </a:r>
             <a:endParaRPr lang="en-US" dirty="0"/>
           </a:p>
@@ -19149,9 +20731,9 @@
           <p:nvPr/>
         </p:nvCxnSpPr>
         <p:spPr>
-          <a:xfrm>
-            <a:off x="980681" y="2479731"/>
-            <a:ext cx="1990445" cy="0"/>
+          <a:xfrm flipV="1">
+            <a:off x="3065262" y="3537795"/>
+            <a:ext cx="4232580" cy="20286"/>
           </a:xfrm>
           <a:prstGeom prst="straightConnector1">
             <a:avLst/>
@@ -19177,52 +20759,14 @@
       </p:cxnSp>
       <p:sp>
         <p:nvSpPr>
-          <p:cNvPr id="14" name="Rectangle 13"/>
-          <p:cNvSpPr/>
+          <p:cNvPr id="121" name="TextBox 120"/>
+          <p:cNvSpPr txBox="1"/>
           <p:nvPr/>
         </p:nvSpPr>
         <p:spPr>
           <a:xfrm>
-            <a:off x="2971126" y="2150237"/>
-            <a:ext cx="407332" cy="2067306"/>
-          </a:xfrm>
-          <a:prstGeom prst="rect">
-            <a:avLst/>
-          </a:prstGeom>
-        </p:spPr>
-        <p:style>
-          <a:lnRef idx="1">
-            <a:schemeClr val="accent1"/>
-          </a:lnRef>
-          <a:fillRef idx="3">
-            <a:schemeClr val="accent1"/>
-          </a:fillRef>
-          <a:effectRef idx="2">
-            <a:schemeClr val="accent1"/>
-          </a:effectRef>
-          <a:fontRef idx="minor">
-            <a:schemeClr val="lt1"/>
-          </a:fontRef>
-        </p:style>
-        <p:txBody>
-          <a:bodyPr rtlCol="0" anchor="ctr"/>
-          <a:lstStyle/>
-          <a:p>
-            <a:pPr algn="ctr"/>
-            <a:endParaRPr lang="en-US"/>
-          </a:p>
-        </p:txBody>
-      </p:sp>
-      <p:sp>
-        <p:nvSpPr>
-          <p:cNvPr id="15" name="TextBox 14"/>
-          <p:cNvSpPr txBox="1"/>
-          <p:nvPr/>
-        </p:nvSpPr>
-        <p:spPr>
-          <a:xfrm>
-            <a:off x="2374861" y="1775962"/>
-            <a:ext cx="1564814" cy="369332"/>
+            <a:off x="3161036" y="3076130"/>
+            <a:ext cx="4087965" cy="923330"/>
           </a:xfrm>
           <a:prstGeom prst="rect">
             <a:avLst/>
@@ -19237,7 +20781,44 @@
           <a:p>
             <a:r>
               <a:rPr lang="en-US" dirty="0" err="1" smtClean="0"/>
-              <a:t>AddTravelPath</a:t>
+              <a:t>filterRoadActivity</a:t>
+            </a:r>
+            <a:r>
+              <a:rPr lang="en-US" dirty="0" smtClean="0"/>
+              <a:t> =</a:t>
+            </a:r>
+          </a:p>
+          <a:p>
+            <a:endParaRPr lang="en-US" dirty="0"/>
+          </a:p>
+          <a:p>
+            <a:r>
+              <a:rPr lang="en-US" dirty="0" smtClean="0"/>
+              <a:t>  filter(</a:t>
+            </a:r>
+            <a:r>
+              <a:rPr lang="en-US" dirty="0" err="1" smtClean="0"/>
+              <a:t>categoryType</a:t>
+            </a:r>
+            <a:r>
+              <a:rPr lang="en-US" dirty="0" smtClean="0"/>
+              <a:t>, </a:t>
+            </a:r>
+            <a:r>
+              <a:rPr lang="en-US" dirty="0" err="1" smtClean="0"/>
+              <a:t>startTime</a:t>
+            </a:r>
+            <a:r>
+              <a:rPr lang="en-US" dirty="0" smtClean="0"/>
+              <a:t>, </a:t>
+            </a:r>
+            <a:r>
+              <a:rPr lang="en-US" dirty="0" err="1" smtClean="0"/>
+              <a:t>endTime</a:t>
+            </a:r>
+            <a:r>
+              <a:rPr lang="en-US" dirty="0" smtClean="0"/>
+              <a:t>)</a:t>
             </a:r>
             <a:endParaRPr lang="en-US" dirty="0"/>
           </a:p>
@@ -19245,14 +20826,14 @@
       </p:sp>
       <p:cxnSp>
         <p:nvCxnSpPr>
-          <p:cNvPr id="16" name="Straight Arrow Connector 15"/>
-          <p:cNvCxnSpPr/>
-          <p:nvPr/>
-        </p:nvCxnSpPr>
-        <p:spPr>
-          <a:xfrm>
-            <a:off x="3378458" y="2763929"/>
-            <a:ext cx="1990445" cy="0"/>
+          <p:cNvPr id="37" name="Straight Arrow Connector 36"/>
+          <p:cNvCxnSpPr/>
+          <p:nvPr/>
+        </p:nvCxnSpPr>
+        <p:spPr>
+          <a:xfrm flipH="1">
+            <a:off x="3065262" y="5135189"/>
+            <a:ext cx="4232580" cy="16923"/>
           </a:xfrm>
           <a:prstGeom prst="straightConnector1">
             <a:avLst/>
@@ -19278,52 +20859,14 @@
       </p:cxnSp>
       <p:sp>
         <p:nvSpPr>
-          <p:cNvPr id="17" name="Rectangle 16"/>
-          <p:cNvSpPr/>
+          <p:cNvPr id="127" name="TextBox 126"/>
+          <p:cNvSpPr txBox="1"/>
           <p:nvPr/>
         </p:nvSpPr>
         <p:spPr>
           <a:xfrm>
-            <a:off x="7345660" y="2302636"/>
-            <a:ext cx="407332" cy="3808007"/>
-          </a:xfrm>
-          <a:prstGeom prst="rect">
-            <a:avLst/>
-          </a:prstGeom>
-        </p:spPr>
-        <p:style>
-          <a:lnRef idx="1">
-            <a:schemeClr val="accent1"/>
-          </a:lnRef>
-          <a:fillRef idx="3">
-            <a:schemeClr val="accent1"/>
-          </a:fillRef>
-          <a:effectRef idx="2">
-            <a:schemeClr val="accent1"/>
-          </a:effectRef>
-          <a:fontRef idx="minor">
-            <a:schemeClr val="lt1"/>
-          </a:fontRef>
-        </p:style>
-        <p:txBody>
-          <a:bodyPr rtlCol="0" anchor="ctr"/>
-          <a:lstStyle/>
-          <a:p>
-            <a:pPr algn="ctr"/>
-            <a:endParaRPr lang="en-US"/>
-          </a:p>
-        </p:txBody>
-      </p:sp>
-      <p:sp>
-        <p:nvSpPr>
-          <p:cNvPr id="18" name="TextBox 17"/>
-          <p:cNvSpPr txBox="1"/>
-          <p:nvPr/>
-        </p:nvSpPr>
-        <p:spPr>
-          <a:xfrm>
-            <a:off x="6920837" y="1928362"/>
-            <a:ext cx="1188697" cy="369332"/>
+            <a:off x="3527307" y="4690447"/>
+            <a:ext cx="2380054" cy="923330"/>
           </a:xfrm>
           <a:prstGeom prst="rect">
             <a:avLst/>
@@ -19337,143 +20880,17 @@
           <a:lstStyle/>
           <a:p>
             <a:r>
-              <a:rPr lang="en-US" dirty="0" err="1" smtClean="0"/>
-              <a:t>TravelPath</a:t>
-            </a:r>
+              <a:rPr lang="en-US" dirty="0" smtClean="0"/>
+              <a:t>Returns road activity </a:t>
+            </a:r>
+          </a:p>
+          <a:p>
             <a:endParaRPr lang="en-US" dirty="0"/>
           </a:p>
-        </p:txBody>
-      </p:sp>
-      <p:cxnSp>
-        <p:nvCxnSpPr>
-          <p:cNvPr id="23" name="Straight Arrow Connector 22"/>
-          <p:cNvCxnSpPr/>
-          <p:nvPr/>
-        </p:nvCxnSpPr>
-        <p:spPr>
-          <a:xfrm>
-            <a:off x="3378458" y="3946751"/>
-            <a:ext cx="3967202" cy="0"/>
-          </a:xfrm>
-          <a:prstGeom prst="straightConnector1">
-            <a:avLst/>
-          </a:prstGeom>
-          <a:ln>
-            <a:tailEnd type="arrow"/>
-          </a:ln>
-        </p:spPr>
-        <p:style>
-          <a:lnRef idx="2">
-            <a:schemeClr val="accent1"/>
-          </a:lnRef>
-          <a:fillRef idx="0">
-            <a:schemeClr val="accent1"/>
-          </a:fillRef>
-          <a:effectRef idx="1">
-            <a:schemeClr val="accent1"/>
-          </a:effectRef>
-          <a:fontRef idx="minor">
-            <a:schemeClr val="tx1"/>
-          </a:fontRef>
-        </p:style>
-      </p:cxnSp>
-      <p:sp>
-        <p:nvSpPr>
-          <p:cNvPr id="25" name="TextBox 24"/>
-          <p:cNvSpPr txBox="1"/>
-          <p:nvPr/>
-        </p:nvSpPr>
-        <p:spPr>
-          <a:xfrm>
-            <a:off x="980681" y="2479731"/>
-            <a:ext cx="1681808" cy="369332"/>
-          </a:xfrm>
-          <a:prstGeom prst="rect">
-            <a:avLst/>
-          </a:prstGeom>
-          <a:noFill/>
-        </p:spPr>
-        <p:txBody>
-          <a:bodyPr wrap="none" rtlCol="0">
-            <a:spAutoFit/>
-          </a:bodyPr>
-          <a:lstStyle/>
-          <a:p>
-            <a:r>
-              <a:rPr lang="en-US" dirty="0" err="1" smtClean="0"/>
-              <a:t>addTravelPath</a:t>
-            </a:r>
+          <a:p>
             <a:r>
               <a:rPr lang="en-US" dirty="0" smtClean="0"/>
-              <a:t>()</a:t>
-            </a:r>
-            <a:endParaRPr lang="en-US" dirty="0"/>
-          </a:p>
-        </p:txBody>
-      </p:sp>
-      <p:sp>
-        <p:nvSpPr>
-          <p:cNvPr id="26" name="TextBox 25"/>
-          <p:cNvSpPr txBox="1"/>
-          <p:nvPr/>
-        </p:nvSpPr>
-        <p:spPr>
-          <a:xfrm>
-            <a:off x="3593252" y="2394597"/>
-            <a:ext cx="1194670" cy="369332"/>
-          </a:xfrm>
-          <a:prstGeom prst="rect">
-            <a:avLst/>
-          </a:prstGeom>
-          <a:noFill/>
-        </p:spPr>
-        <p:txBody>
-          <a:bodyPr wrap="none" rtlCol="0">
-            <a:spAutoFit/>
-          </a:bodyPr>
-          <a:lstStyle/>
-          <a:p>
-            <a:r>
-              <a:rPr lang="en-US" dirty="0" err="1" smtClean="0"/>
-              <a:t>getRoads</a:t>
-            </a:r>
-            <a:r>
-              <a:rPr lang="en-US" dirty="0" smtClean="0"/>
-              <a:t>()</a:t>
-            </a:r>
-            <a:endParaRPr lang="en-US" dirty="0"/>
-          </a:p>
-        </p:txBody>
-      </p:sp>
-      <p:sp>
-        <p:nvSpPr>
-          <p:cNvPr id="27" name="TextBox 26"/>
-          <p:cNvSpPr txBox="1"/>
-          <p:nvPr/>
-        </p:nvSpPr>
-        <p:spPr>
-          <a:xfrm>
-            <a:off x="3508944" y="3540790"/>
-            <a:ext cx="920332" cy="369332"/>
-          </a:xfrm>
-          <a:prstGeom prst="rect">
-            <a:avLst/>
-          </a:prstGeom>
-          <a:noFill/>
-        </p:spPr>
-        <p:txBody>
-          <a:bodyPr wrap="none" rtlCol="0">
-            <a:spAutoFit/>
-          </a:bodyPr>
-          <a:lstStyle/>
-          <a:p>
-            <a:r>
-              <a:rPr lang="en-US" dirty="0"/>
-              <a:t>c</a:t>
-            </a:r>
-            <a:r>
-              <a:rPr lang="en-US" dirty="0" smtClean="0"/>
-              <a:t>reate()</a:t>
+              <a:t>corresponding to filters</a:t>
             </a:r>
             <a:endParaRPr lang="en-US" dirty="0"/>
           </a:p>
@@ -19482,7 +20899,7 @@
     </p:spTree>
     <p:extLst>
       <p:ext uri="{BB962C8B-B14F-4D97-AF65-F5344CB8AC3E}">
-        <p14:creationId xmlns:p14="http://schemas.microsoft.com/office/powerpoint/2010/main" val="772310257"/>
+        <p14:creationId xmlns:p14="http://schemas.microsoft.com/office/powerpoint/2010/main" val="2159684179"/>
       </p:ext>
     </p:extLst>
   </p:cSld>
@@ -19557,7 +20974,7 @@
                 </a:effectLst>
                 <a:latin typeface="+mj-lt"/>
               </a:rPr>
-              <a:t>Interaction (Sequence) Diagram – Use Case 9: Current Road Activities</a:t>
+              <a:t>Interaction (Sequence) Diagram – Use Case 5: Enter Roads Travelled</a:t>
             </a:r>
           </a:p>
         </p:txBody>
@@ -19570,8 +20987,8 @@
         </p:nvSpPr>
         <p:spPr>
           <a:xfrm>
-            <a:off x="2657930" y="2995414"/>
-            <a:ext cx="407332" cy="2815689"/>
+            <a:off x="573349" y="2150236"/>
+            <a:ext cx="407332" cy="3960408"/>
           </a:xfrm>
           <a:prstGeom prst="rect">
             <a:avLst/>
@@ -19608,8 +21025,8 @@
         </p:nvSpPr>
         <p:spPr>
           <a:xfrm>
-            <a:off x="1654333" y="2576056"/>
-            <a:ext cx="2198038" cy="369332"/>
+            <a:off x="163748" y="1735820"/>
+            <a:ext cx="1278978" cy="369332"/>
           </a:xfrm>
           <a:prstGeom prst="rect">
             <a:avLst/>
@@ -19623,88 +21040,8 @@
           <a:lstStyle/>
           <a:p>
             <a:r>
-              <a:rPr lang="en-US" dirty="0" smtClean="0"/>
-              <a:t>Analyze Road Activity</a:t>
-            </a:r>
-            <a:endParaRPr lang="en-US" dirty="0"/>
-          </a:p>
-        </p:txBody>
-      </p:sp>
-      <p:cxnSp>
-        <p:nvCxnSpPr>
-          <p:cNvPr id="19" name="Straight Arrow Connector 18"/>
-          <p:cNvCxnSpPr/>
-          <p:nvPr/>
-        </p:nvCxnSpPr>
-        <p:spPr>
-          <a:xfrm>
-            <a:off x="383371" y="4289433"/>
-            <a:ext cx="2274559" cy="0"/>
-          </a:xfrm>
-          <a:prstGeom prst="straightConnector1">
-            <a:avLst/>
-          </a:prstGeom>
-          <a:ln>
-            <a:tailEnd type="arrow"/>
-          </a:ln>
-        </p:spPr>
-        <p:style>
-          <a:lnRef idx="2">
-            <a:schemeClr val="accent1"/>
-          </a:lnRef>
-          <a:fillRef idx="0">
-            <a:schemeClr val="accent1"/>
-          </a:fillRef>
-          <a:effectRef idx="1">
-            <a:schemeClr val="accent1"/>
-          </a:effectRef>
-          <a:fontRef idx="minor">
-            <a:schemeClr val="tx1"/>
-          </a:fontRef>
-        </p:style>
-      </p:cxnSp>
-      <p:sp>
-        <p:nvSpPr>
-          <p:cNvPr id="22" name="TextBox 21"/>
-          <p:cNvSpPr txBox="1"/>
-          <p:nvPr/>
-        </p:nvSpPr>
-        <p:spPr>
-          <a:xfrm>
-            <a:off x="383371" y="3827768"/>
-            <a:ext cx="2065702" cy="923330"/>
-          </a:xfrm>
-          <a:prstGeom prst="rect">
-            <a:avLst/>
-          </a:prstGeom>
-          <a:noFill/>
-        </p:spPr>
-        <p:txBody>
-          <a:bodyPr wrap="none" rtlCol="0">
-            <a:spAutoFit/>
-          </a:bodyPr>
-          <a:lstStyle/>
-          <a:p>
-            <a:r>
-              <a:rPr lang="en-US" dirty="0" smtClean="0"/>
-              <a:t>Filter(</a:t>
-            </a:r>
-            <a:r>
               <a:rPr lang="en-US" dirty="0" err="1" smtClean="0"/>
-              <a:t>categoryType</a:t>
-            </a:r>
-            <a:r>
-              <a:rPr lang="en-US" dirty="0" smtClean="0"/>
-              <a:t>,</a:t>
-            </a:r>
-          </a:p>
-          <a:p>
-            <a:endParaRPr lang="en-US" dirty="0"/>
-          </a:p>
-          <a:p>
-            <a:r>
-              <a:rPr lang="en-US" dirty="0" smtClean="0"/>
-              <a:t>today, “”)</a:t>
+              <a:t>TravelPaths</a:t>
             </a:r>
             <a:endParaRPr lang="en-US" dirty="0"/>
           </a:p>
@@ -19718,8 +21055,8 @@
         </p:nvSpPr>
         <p:spPr>
           <a:xfrm>
-            <a:off x="7297842" y="2580998"/>
-            <a:ext cx="407332" cy="2815689"/>
+            <a:off x="5368903" y="2206724"/>
+            <a:ext cx="407332" cy="1132797"/>
           </a:xfrm>
           <a:prstGeom prst="rect">
             <a:avLst/>
@@ -19756,8 +21093,8 @@
         </p:nvSpPr>
         <p:spPr>
           <a:xfrm>
-            <a:off x="6701577" y="2206724"/>
-            <a:ext cx="1415772" cy="369332"/>
+            <a:off x="4870490" y="1832450"/>
+            <a:ext cx="1313180" cy="369332"/>
           </a:xfrm>
           <a:prstGeom prst="rect">
             <a:avLst/>
@@ -19771,8 +21108,8 @@
           <a:lstStyle/>
           <a:p>
             <a:r>
-              <a:rPr lang="en-US" dirty="0" smtClean="0"/>
-              <a:t>Road Activity</a:t>
+              <a:rPr lang="en-US" dirty="0" err="1" smtClean="0"/>
+              <a:t>RoadNames</a:t>
             </a:r>
             <a:endParaRPr lang="en-US" dirty="0"/>
           </a:p>
@@ -19785,9 +21122,9 @@
           <p:nvPr/>
         </p:nvCxnSpPr>
         <p:spPr>
-          <a:xfrm flipV="1">
-            <a:off x="3065262" y="3537795"/>
-            <a:ext cx="4232580" cy="20286"/>
+          <a:xfrm>
+            <a:off x="980681" y="2479731"/>
+            <a:ext cx="1990445" cy="0"/>
           </a:xfrm>
           <a:prstGeom prst="straightConnector1">
             <a:avLst/>
@@ -19813,14 +21150,52 @@
       </p:cxnSp>
       <p:sp>
         <p:nvSpPr>
-          <p:cNvPr id="121" name="TextBox 120"/>
+          <p:cNvPr id="14" name="Rectangle 13"/>
+          <p:cNvSpPr/>
+          <p:nvPr/>
+        </p:nvSpPr>
+        <p:spPr>
+          <a:xfrm>
+            <a:off x="2971126" y="2150237"/>
+            <a:ext cx="407332" cy="2067306"/>
+          </a:xfrm>
+          <a:prstGeom prst="rect">
+            <a:avLst/>
+          </a:prstGeom>
+        </p:spPr>
+        <p:style>
+          <a:lnRef idx="1">
+            <a:schemeClr val="accent1"/>
+          </a:lnRef>
+          <a:fillRef idx="3">
+            <a:schemeClr val="accent1"/>
+          </a:fillRef>
+          <a:effectRef idx="2">
+            <a:schemeClr val="accent1"/>
+          </a:effectRef>
+          <a:fontRef idx="minor">
+            <a:schemeClr val="lt1"/>
+          </a:fontRef>
+        </p:style>
+        <p:txBody>
+          <a:bodyPr rtlCol="0" anchor="ctr"/>
+          <a:lstStyle/>
+          <a:p>
+            <a:pPr algn="ctr"/>
+            <a:endParaRPr lang="en-US"/>
+          </a:p>
+        </p:txBody>
+      </p:sp>
+      <p:sp>
+        <p:nvSpPr>
+          <p:cNvPr id="15" name="TextBox 14"/>
           <p:cNvSpPr txBox="1"/>
           <p:nvPr/>
         </p:nvSpPr>
         <p:spPr>
           <a:xfrm>
-            <a:off x="3161036" y="3076130"/>
-            <a:ext cx="4087965" cy="923330"/>
+            <a:off x="2374861" y="1775962"/>
+            <a:ext cx="1564814" cy="369332"/>
           </a:xfrm>
           <a:prstGeom prst="rect">
             <a:avLst/>
@@ -19835,44 +21210,7 @@
           <a:p>
             <a:r>
               <a:rPr lang="en-US" dirty="0" err="1" smtClean="0"/>
-              <a:t>filterRoadActivity</a:t>
-            </a:r>
-            <a:r>
-              <a:rPr lang="en-US" dirty="0" smtClean="0"/>
-              <a:t> =</a:t>
-            </a:r>
-          </a:p>
-          <a:p>
-            <a:endParaRPr lang="en-US" dirty="0"/>
-          </a:p>
-          <a:p>
-            <a:r>
-              <a:rPr lang="en-US" dirty="0" smtClean="0"/>
-              <a:t>  filter(</a:t>
-            </a:r>
-            <a:r>
-              <a:rPr lang="en-US" dirty="0" err="1" smtClean="0"/>
-              <a:t>categoryType</a:t>
-            </a:r>
-            <a:r>
-              <a:rPr lang="en-US" dirty="0" smtClean="0"/>
-              <a:t>, </a:t>
-            </a:r>
-            <a:r>
-              <a:rPr lang="en-US" dirty="0" err="1" smtClean="0"/>
-              <a:t>startTime</a:t>
-            </a:r>
-            <a:r>
-              <a:rPr lang="en-US" dirty="0" smtClean="0"/>
-              <a:t>, </a:t>
-            </a:r>
-            <a:r>
-              <a:rPr lang="en-US" dirty="0" err="1" smtClean="0"/>
-              <a:t>endTime</a:t>
-            </a:r>
-            <a:r>
-              <a:rPr lang="en-US" dirty="0" smtClean="0"/>
-              <a:t>)</a:t>
+              <a:t>AddTravelPath</a:t>
             </a:r>
             <a:endParaRPr lang="en-US" dirty="0"/>
           </a:p>
@@ -19880,14 +21218,14 @@
       </p:sp>
       <p:cxnSp>
         <p:nvCxnSpPr>
-          <p:cNvPr id="37" name="Straight Arrow Connector 36"/>
-          <p:cNvCxnSpPr/>
-          <p:nvPr/>
-        </p:nvCxnSpPr>
-        <p:spPr>
-          <a:xfrm flipH="1">
-            <a:off x="3065262" y="5135189"/>
-            <a:ext cx="4232580" cy="16923"/>
+          <p:cNvPr id="16" name="Straight Arrow Connector 15"/>
+          <p:cNvCxnSpPr/>
+          <p:nvPr/>
+        </p:nvCxnSpPr>
+        <p:spPr>
+          <a:xfrm>
+            <a:off x="3378458" y="2763929"/>
+            <a:ext cx="1990445" cy="0"/>
           </a:xfrm>
           <a:prstGeom prst="straightConnector1">
             <a:avLst/>
@@ -19913,14 +21251,52 @@
       </p:cxnSp>
       <p:sp>
         <p:nvSpPr>
-          <p:cNvPr id="127" name="TextBox 126"/>
+          <p:cNvPr id="17" name="Rectangle 16"/>
+          <p:cNvSpPr/>
+          <p:nvPr/>
+        </p:nvSpPr>
+        <p:spPr>
+          <a:xfrm>
+            <a:off x="7345660" y="2302636"/>
+            <a:ext cx="407332" cy="3808007"/>
+          </a:xfrm>
+          <a:prstGeom prst="rect">
+            <a:avLst/>
+          </a:prstGeom>
+        </p:spPr>
+        <p:style>
+          <a:lnRef idx="1">
+            <a:schemeClr val="accent1"/>
+          </a:lnRef>
+          <a:fillRef idx="3">
+            <a:schemeClr val="accent1"/>
+          </a:fillRef>
+          <a:effectRef idx="2">
+            <a:schemeClr val="accent1"/>
+          </a:effectRef>
+          <a:fontRef idx="minor">
+            <a:schemeClr val="lt1"/>
+          </a:fontRef>
+        </p:style>
+        <p:txBody>
+          <a:bodyPr rtlCol="0" anchor="ctr"/>
+          <a:lstStyle/>
+          <a:p>
+            <a:pPr algn="ctr"/>
+            <a:endParaRPr lang="en-US"/>
+          </a:p>
+        </p:txBody>
+      </p:sp>
+      <p:sp>
+        <p:nvSpPr>
+          <p:cNvPr id="18" name="TextBox 17"/>
           <p:cNvSpPr txBox="1"/>
           <p:nvPr/>
         </p:nvSpPr>
         <p:spPr>
           <a:xfrm>
-            <a:off x="3527307" y="4690447"/>
-            <a:ext cx="2380054" cy="923330"/>
+            <a:off x="6920837" y="1928362"/>
+            <a:ext cx="1188697" cy="369332"/>
           </a:xfrm>
           <a:prstGeom prst="rect">
             <a:avLst/>
@@ -19934,17 +21310,143 @@
           <a:lstStyle/>
           <a:p>
             <a:r>
+              <a:rPr lang="en-US" dirty="0" err="1" smtClean="0"/>
+              <a:t>TravelPath</a:t>
+            </a:r>
+            <a:endParaRPr lang="en-US" dirty="0"/>
+          </a:p>
+        </p:txBody>
+      </p:sp>
+      <p:cxnSp>
+        <p:nvCxnSpPr>
+          <p:cNvPr id="23" name="Straight Arrow Connector 22"/>
+          <p:cNvCxnSpPr/>
+          <p:nvPr/>
+        </p:nvCxnSpPr>
+        <p:spPr>
+          <a:xfrm>
+            <a:off x="3378458" y="3946751"/>
+            <a:ext cx="3967202" cy="0"/>
+          </a:xfrm>
+          <a:prstGeom prst="straightConnector1">
+            <a:avLst/>
+          </a:prstGeom>
+          <a:ln>
+            <a:tailEnd type="arrow"/>
+          </a:ln>
+        </p:spPr>
+        <p:style>
+          <a:lnRef idx="2">
+            <a:schemeClr val="accent1"/>
+          </a:lnRef>
+          <a:fillRef idx="0">
+            <a:schemeClr val="accent1"/>
+          </a:fillRef>
+          <a:effectRef idx="1">
+            <a:schemeClr val="accent1"/>
+          </a:effectRef>
+          <a:fontRef idx="minor">
+            <a:schemeClr val="tx1"/>
+          </a:fontRef>
+        </p:style>
+      </p:cxnSp>
+      <p:sp>
+        <p:nvSpPr>
+          <p:cNvPr id="25" name="TextBox 24"/>
+          <p:cNvSpPr txBox="1"/>
+          <p:nvPr/>
+        </p:nvSpPr>
+        <p:spPr>
+          <a:xfrm>
+            <a:off x="980681" y="2479731"/>
+            <a:ext cx="1681808" cy="369332"/>
+          </a:xfrm>
+          <a:prstGeom prst="rect">
+            <a:avLst/>
+          </a:prstGeom>
+          <a:noFill/>
+        </p:spPr>
+        <p:txBody>
+          <a:bodyPr wrap="none" rtlCol="0">
+            <a:spAutoFit/>
+          </a:bodyPr>
+          <a:lstStyle/>
+          <a:p>
+            <a:r>
+              <a:rPr lang="en-US" dirty="0" err="1" smtClean="0"/>
+              <a:t>addTravelPath</a:t>
+            </a:r>
+            <a:r>
               <a:rPr lang="en-US" dirty="0" smtClean="0"/>
-              <a:t>Returns road activity </a:t>
-            </a:r>
-          </a:p>
-          <a:p>
+              <a:t>()</a:t>
+            </a:r>
             <a:endParaRPr lang="en-US" dirty="0"/>
           </a:p>
-          <a:p>
+        </p:txBody>
+      </p:sp>
+      <p:sp>
+        <p:nvSpPr>
+          <p:cNvPr id="26" name="TextBox 25"/>
+          <p:cNvSpPr txBox="1"/>
+          <p:nvPr/>
+        </p:nvSpPr>
+        <p:spPr>
+          <a:xfrm>
+            <a:off x="3593252" y="2394597"/>
+            <a:ext cx="1194670" cy="369332"/>
+          </a:xfrm>
+          <a:prstGeom prst="rect">
+            <a:avLst/>
+          </a:prstGeom>
+          <a:noFill/>
+        </p:spPr>
+        <p:txBody>
+          <a:bodyPr wrap="none" rtlCol="0">
+            <a:spAutoFit/>
+          </a:bodyPr>
+          <a:lstStyle/>
+          <a:p>
+            <a:r>
+              <a:rPr lang="en-US" dirty="0" err="1" smtClean="0"/>
+              <a:t>getRoads</a:t>
+            </a:r>
             <a:r>
               <a:rPr lang="en-US" dirty="0" smtClean="0"/>
-              <a:t>corresponding to filters</a:t>
+              <a:t>()</a:t>
+            </a:r>
+            <a:endParaRPr lang="en-US" dirty="0"/>
+          </a:p>
+        </p:txBody>
+      </p:sp>
+      <p:sp>
+        <p:nvSpPr>
+          <p:cNvPr id="27" name="TextBox 26"/>
+          <p:cNvSpPr txBox="1"/>
+          <p:nvPr/>
+        </p:nvSpPr>
+        <p:spPr>
+          <a:xfrm>
+            <a:off x="3508944" y="3540790"/>
+            <a:ext cx="920332" cy="369332"/>
+          </a:xfrm>
+          <a:prstGeom prst="rect">
+            <a:avLst/>
+          </a:prstGeom>
+          <a:noFill/>
+        </p:spPr>
+        <p:txBody>
+          <a:bodyPr wrap="none" rtlCol="0">
+            <a:spAutoFit/>
+          </a:bodyPr>
+          <a:lstStyle/>
+          <a:p>
+            <a:r>
+              <a:rPr lang="en-US" dirty="0"/>
+              <a:t>c</a:t>
+            </a:r>
+            <a:r>
+              <a:rPr lang="en-US" dirty="0" smtClean="0"/>
+              <a:t>reate()</a:t>
             </a:r>
             <a:endParaRPr lang="en-US" dirty="0"/>
           </a:p>
@@ -19953,7 +21455,7 @@
     </p:spTree>
     <p:extLst>
       <p:ext uri="{BB962C8B-B14F-4D97-AF65-F5344CB8AC3E}">
-        <p14:creationId xmlns:p14="http://schemas.microsoft.com/office/powerpoint/2010/main" val="3525472279"/>
+        <p14:creationId xmlns:p14="http://schemas.microsoft.com/office/powerpoint/2010/main" val="772310257"/>
       </p:ext>
     </p:extLst>
   </p:cSld>
@@ -20028,7 +21530,7 @@
                 </a:effectLst>
                 <a:latin typeface="+mj-lt"/>
               </a:rPr>
-              <a:t>Interaction (Sequence) Diagram – Use Case 10: Sign In</a:t>
+              <a:t>Interaction (Sequence) Diagram – Use Case 9: Current Road Activities</a:t>
             </a:r>
           </a:p>
         </p:txBody>
@@ -20041,7 +21543,7 @@
         </p:nvSpPr>
         <p:spPr>
           <a:xfrm>
-            <a:off x="4694589" y="2695872"/>
+            <a:off x="2657930" y="2995414"/>
             <a:ext cx="407332" cy="2815689"/>
           </a:xfrm>
           <a:prstGeom prst="rect">
@@ -20079,8 +21581,8 @@
         </p:nvSpPr>
         <p:spPr>
           <a:xfrm>
-            <a:off x="4120578" y="2281456"/>
-            <a:ext cx="1544012" cy="369332"/>
+            <a:off x="1654333" y="2576056"/>
+            <a:ext cx="2198038" cy="369332"/>
           </a:xfrm>
           <a:prstGeom prst="rect">
             <a:avLst/>
@@ -20094,8 +21596,8 @@
           <a:lstStyle/>
           <a:p>
             <a:r>
-              <a:rPr lang="en-US" dirty="0" err="1" smtClean="0"/>
-              <a:t>AccountsEntry</a:t>
+              <a:rPr lang="en-US" dirty="0" smtClean="0"/>
+              <a:t>Analyze Road Activity</a:t>
             </a:r>
             <a:endParaRPr lang="en-US" dirty="0"/>
           </a:p>
@@ -20109,8 +21611,8 @@
         </p:nvCxnSpPr>
         <p:spPr>
           <a:xfrm>
-            <a:off x="982388" y="3989891"/>
-            <a:ext cx="3712201" cy="0"/>
+            <a:off x="383371" y="4289433"/>
+            <a:ext cx="2274559" cy="0"/>
           </a:xfrm>
           <a:prstGeom prst="straightConnector1">
             <a:avLst/>
@@ -20142,8 +21644,8 @@
         </p:nvSpPr>
         <p:spPr>
           <a:xfrm>
-            <a:off x="1357920" y="3620559"/>
-            <a:ext cx="2403723" cy="369332"/>
+            <a:off x="383371" y="3827768"/>
+            <a:ext cx="2065702" cy="923330"/>
           </a:xfrm>
           <a:prstGeom prst="rect">
             <a:avLst/>
@@ -20157,12 +21659,265 @@
           <a:lstStyle/>
           <a:p>
             <a:r>
+              <a:rPr lang="en-US" dirty="0" smtClean="0"/>
+              <a:t>Filter(</a:t>
+            </a:r>
+            <a:r>
               <a:rPr lang="en-US" dirty="0" err="1" smtClean="0"/>
-              <a:t>signIn</a:t>
+              <a:t>categoryType</a:t>
             </a:r>
             <a:r>
               <a:rPr lang="en-US" dirty="0" smtClean="0"/>
-              <a:t>(email, password)</a:t>
+              <a:t>,</a:t>
+            </a:r>
+          </a:p>
+          <a:p>
+            <a:endParaRPr lang="en-US" dirty="0"/>
+          </a:p>
+          <a:p>
+            <a:r>
+              <a:rPr lang="en-US" dirty="0" smtClean="0"/>
+              <a:t>today, “”)</a:t>
+            </a:r>
+            <a:endParaRPr lang="en-US" dirty="0"/>
+          </a:p>
+        </p:txBody>
+      </p:sp>
+      <p:sp>
+        <p:nvSpPr>
+          <p:cNvPr id="118" name="Rectangle 117"/>
+          <p:cNvSpPr/>
+          <p:nvPr/>
+        </p:nvSpPr>
+        <p:spPr>
+          <a:xfrm>
+            <a:off x="7297842" y="2580998"/>
+            <a:ext cx="407332" cy="2815689"/>
+          </a:xfrm>
+          <a:prstGeom prst="rect">
+            <a:avLst/>
+          </a:prstGeom>
+        </p:spPr>
+        <p:style>
+          <a:lnRef idx="1">
+            <a:schemeClr val="accent1"/>
+          </a:lnRef>
+          <a:fillRef idx="3">
+            <a:schemeClr val="accent1"/>
+          </a:fillRef>
+          <a:effectRef idx="2">
+            <a:schemeClr val="accent1"/>
+          </a:effectRef>
+          <a:fontRef idx="minor">
+            <a:schemeClr val="lt1"/>
+          </a:fontRef>
+        </p:style>
+        <p:txBody>
+          <a:bodyPr rtlCol="0" anchor="ctr"/>
+          <a:lstStyle/>
+          <a:p>
+            <a:pPr algn="ctr"/>
+            <a:endParaRPr lang="en-US"/>
+          </a:p>
+        </p:txBody>
+      </p:sp>
+      <p:sp>
+        <p:nvSpPr>
+          <p:cNvPr id="119" name="TextBox 118"/>
+          <p:cNvSpPr txBox="1"/>
+          <p:nvPr/>
+        </p:nvSpPr>
+        <p:spPr>
+          <a:xfrm>
+            <a:off x="6701577" y="2206724"/>
+            <a:ext cx="1415772" cy="369332"/>
+          </a:xfrm>
+          <a:prstGeom prst="rect">
+            <a:avLst/>
+          </a:prstGeom>
+          <a:noFill/>
+        </p:spPr>
+        <p:txBody>
+          <a:bodyPr wrap="none" rtlCol="0">
+            <a:spAutoFit/>
+          </a:bodyPr>
+          <a:lstStyle/>
+          <a:p>
+            <a:r>
+              <a:rPr lang="en-US" dirty="0" smtClean="0"/>
+              <a:t>Road Activity</a:t>
+            </a:r>
+            <a:endParaRPr lang="en-US" dirty="0"/>
+          </a:p>
+        </p:txBody>
+      </p:sp>
+      <p:cxnSp>
+        <p:nvCxnSpPr>
+          <p:cNvPr id="120" name="Straight Arrow Connector 119"/>
+          <p:cNvCxnSpPr/>
+          <p:nvPr/>
+        </p:nvCxnSpPr>
+        <p:spPr>
+          <a:xfrm flipV="1">
+            <a:off x="3065262" y="3537795"/>
+            <a:ext cx="4232580" cy="20286"/>
+          </a:xfrm>
+          <a:prstGeom prst="straightConnector1">
+            <a:avLst/>
+          </a:prstGeom>
+          <a:ln>
+            <a:tailEnd type="arrow"/>
+          </a:ln>
+        </p:spPr>
+        <p:style>
+          <a:lnRef idx="2">
+            <a:schemeClr val="accent1"/>
+          </a:lnRef>
+          <a:fillRef idx="0">
+            <a:schemeClr val="accent1"/>
+          </a:fillRef>
+          <a:effectRef idx="1">
+            <a:schemeClr val="accent1"/>
+          </a:effectRef>
+          <a:fontRef idx="minor">
+            <a:schemeClr val="tx1"/>
+          </a:fontRef>
+        </p:style>
+      </p:cxnSp>
+      <p:sp>
+        <p:nvSpPr>
+          <p:cNvPr id="121" name="TextBox 120"/>
+          <p:cNvSpPr txBox="1"/>
+          <p:nvPr/>
+        </p:nvSpPr>
+        <p:spPr>
+          <a:xfrm>
+            <a:off x="3161036" y="3076130"/>
+            <a:ext cx="4087965" cy="923330"/>
+          </a:xfrm>
+          <a:prstGeom prst="rect">
+            <a:avLst/>
+          </a:prstGeom>
+          <a:noFill/>
+        </p:spPr>
+        <p:txBody>
+          <a:bodyPr wrap="none" rtlCol="0">
+            <a:spAutoFit/>
+          </a:bodyPr>
+          <a:lstStyle/>
+          <a:p>
+            <a:r>
+              <a:rPr lang="en-US" dirty="0" err="1" smtClean="0"/>
+              <a:t>filterRoadActivity</a:t>
+            </a:r>
+            <a:r>
+              <a:rPr lang="en-US" dirty="0" smtClean="0"/>
+              <a:t> =</a:t>
+            </a:r>
+          </a:p>
+          <a:p>
+            <a:endParaRPr lang="en-US" dirty="0"/>
+          </a:p>
+          <a:p>
+            <a:r>
+              <a:rPr lang="en-US" dirty="0" smtClean="0"/>
+              <a:t>  filter(</a:t>
+            </a:r>
+            <a:r>
+              <a:rPr lang="en-US" dirty="0" err="1" smtClean="0"/>
+              <a:t>categoryType</a:t>
+            </a:r>
+            <a:r>
+              <a:rPr lang="en-US" dirty="0" smtClean="0"/>
+              <a:t>, </a:t>
+            </a:r>
+            <a:r>
+              <a:rPr lang="en-US" dirty="0" err="1" smtClean="0"/>
+              <a:t>startTime</a:t>
+            </a:r>
+            <a:r>
+              <a:rPr lang="en-US" dirty="0" smtClean="0"/>
+              <a:t>, </a:t>
+            </a:r>
+            <a:r>
+              <a:rPr lang="en-US" dirty="0" err="1" smtClean="0"/>
+              <a:t>endTime</a:t>
+            </a:r>
+            <a:r>
+              <a:rPr lang="en-US" dirty="0" smtClean="0"/>
+              <a:t>)</a:t>
+            </a:r>
+            <a:endParaRPr lang="en-US" dirty="0"/>
+          </a:p>
+        </p:txBody>
+      </p:sp>
+      <p:cxnSp>
+        <p:nvCxnSpPr>
+          <p:cNvPr id="37" name="Straight Arrow Connector 36"/>
+          <p:cNvCxnSpPr/>
+          <p:nvPr/>
+        </p:nvCxnSpPr>
+        <p:spPr>
+          <a:xfrm flipH="1">
+            <a:off x="3065262" y="5135189"/>
+            <a:ext cx="4232580" cy="16923"/>
+          </a:xfrm>
+          <a:prstGeom prst="straightConnector1">
+            <a:avLst/>
+          </a:prstGeom>
+          <a:ln>
+            <a:tailEnd type="arrow"/>
+          </a:ln>
+        </p:spPr>
+        <p:style>
+          <a:lnRef idx="2">
+            <a:schemeClr val="accent1"/>
+          </a:lnRef>
+          <a:fillRef idx="0">
+            <a:schemeClr val="accent1"/>
+          </a:fillRef>
+          <a:effectRef idx="1">
+            <a:schemeClr val="accent1"/>
+          </a:effectRef>
+          <a:fontRef idx="minor">
+            <a:schemeClr val="tx1"/>
+          </a:fontRef>
+        </p:style>
+      </p:cxnSp>
+      <p:sp>
+        <p:nvSpPr>
+          <p:cNvPr id="127" name="TextBox 126"/>
+          <p:cNvSpPr txBox="1"/>
+          <p:nvPr/>
+        </p:nvSpPr>
+        <p:spPr>
+          <a:xfrm>
+            <a:off x="3527307" y="4690447"/>
+            <a:ext cx="2380054" cy="923330"/>
+          </a:xfrm>
+          <a:prstGeom prst="rect">
+            <a:avLst/>
+          </a:prstGeom>
+          <a:noFill/>
+        </p:spPr>
+        <p:txBody>
+          <a:bodyPr wrap="none" rtlCol="0">
+            <a:spAutoFit/>
+          </a:bodyPr>
+          <a:lstStyle/>
+          <a:p>
+            <a:r>
+              <a:rPr lang="en-US" dirty="0" smtClean="0"/>
+              <a:t>Returns road activity </a:t>
+            </a:r>
+          </a:p>
+          <a:p>
+            <a:endParaRPr lang="en-US" dirty="0"/>
+          </a:p>
+          <a:p>
+            <a:r>
+              <a:rPr lang="en-US" dirty="0" smtClean="0"/>
+              <a:t>corresponding to filters</a:t>
             </a:r>
             <a:endParaRPr lang="en-US" dirty="0"/>
           </a:p>
@@ -20171,7 +21926,7 @@
     </p:spTree>
     <p:extLst>
       <p:ext uri="{BB962C8B-B14F-4D97-AF65-F5344CB8AC3E}">
-        <p14:creationId xmlns:p14="http://schemas.microsoft.com/office/powerpoint/2010/main" val="2514939252"/>
+        <p14:creationId xmlns:p14="http://schemas.microsoft.com/office/powerpoint/2010/main" val="3525472279"/>
       </p:ext>
     </p:extLst>
   </p:cSld>
@@ -20246,7 +22001,7 @@
                 </a:effectLst>
                 <a:latin typeface="+mj-lt"/>
               </a:rPr>
-              <a:t>Interaction (Sequence) Diagram – Use Case 11: Sign Out</a:t>
+              <a:t>Interaction (Sequence) Diagram – Use Case 10: Sign In</a:t>
             </a:r>
           </a:p>
         </p:txBody>
@@ -20360,8 +22115,8 @@
         </p:nvSpPr>
         <p:spPr>
           <a:xfrm>
-            <a:off x="2099413" y="3620559"/>
-            <a:ext cx="1565039" cy="369332"/>
+            <a:off x="1357920" y="3620559"/>
+            <a:ext cx="2403723" cy="369332"/>
           </a:xfrm>
           <a:prstGeom prst="rect">
             <a:avLst/>
@@ -20376,11 +22131,11 @@
           <a:p>
             <a:r>
               <a:rPr lang="en-US" dirty="0" err="1" smtClean="0"/>
-              <a:t>signOut</a:t>
+              <a:t>signIn</a:t>
             </a:r>
             <a:r>
               <a:rPr lang="en-US" dirty="0" smtClean="0"/>
-              <a:t>(email)</a:t>
+              <a:t>(email, password)</a:t>
             </a:r>
             <a:endParaRPr lang="en-US" dirty="0"/>
           </a:p>
@@ -20464,6 +22219,224 @@
                 </a:effectLst>
                 <a:latin typeface="+mj-lt"/>
               </a:rPr>
+              <a:t>Interaction (Sequence) Diagram – Use Case 11: Sign Out</a:t>
+            </a:r>
+          </a:p>
+        </p:txBody>
+      </p:sp>
+      <p:sp>
+        <p:nvSpPr>
+          <p:cNvPr id="2" name="Rectangle 1"/>
+          <p:cNvSpPr/>
+          <p:nvPr/>
+        </p:nvSpPr>
+        <p:spPr>
+          <a:xfrm>
+            <a:off x="4694589" y="2695872"/>
+            <a:ext cx="407332" cy="2815689"/>
+          </a:xfrm>
+          <a:prstGeom prst="rect">
+            <a:avLst/>
+          </a:prstGeom>
+        </p:spPr>
+        <p:style>
+          <a:lnRef idx="1">
+            <a:schemeClr val="accent1"/>
+          </a:lnRef>
+          <a:fillRef idx="3">
+            <a:schemeClr val="accent1"/>
+          </a:fillRef>
+          <a:effectRef idx="2">
+            <a:schemeClr val="accent1"/>
+          </a:effectRef>
+          <a:fontRef idx="minor">
+            <a:schemeClr val="lt1"/>
+          </a:fontRef>
+        </p:style>
+        <p:txBody>
+          <a:bodyPr rtlCol="0" anchor="ctr"/>
+          <a:lstStyle/>
+          <a:p>
+            <a:pPr algn="ctr"/>
+            <a:endParaRPr lang="en-US"/>
+          </a:p>
+        </p:txBody>
+      </p:sp>
+      <p:sp>
+        <p:nvSpPr>
+          <p:cNvPr id="4" name="TextBox 3"/>
+          <p:cNvSpPr txBox="1"/>
+          <p:nvPr/>
+        </p:nvSpPr>
+        <p:spPr>
+          <a:xfrm>
+            <a:off x="4120578" y="2281456"/>
+            <a:ext cx="1544012" cy="369332"/>
+          </a:xfrm>
+          <a:prstGeom prst="rect">
+            <a:avLst/>
+          </a:prstGeom>
+          <a:noFill/>
+        </p:spPr>
+        <p:txBody>
+          <a:bodyPr wrap="none" rtlCol="0">
+            <a:spAutoFit/>
+          </a:bodyPr>
+          <a:lstStyle/>
+          <a:p>
+            <a:r>
+              <a:rPr lang="en-US" dirty="0" err="1" smtClean="0"/>
+              <a:t>AccountsEntry</a:t>
+            </a:r>
+            <a:endParaRPr lang="en-US" dirty="0"/>
+          </a:p>
+        </p:txBody>
+      </p:sp>
+      <p:cxnSp>
+        <p:nvCxnSpPr>
+          <p:cNvPr id="19" name="Straight Arrow Connector 18"/>
+          <p:cNvCxnSpPr/>
+          <p:nvPr/>
+        </p:nvCxnSpPr>
+        <p:spPr>
+          <a:xfrm>
+            <a:off x="982388" y="3989891"/>
+            <a:ext cx="3712201" cy="0"/>
+          </a:xfrm>
+          <a:prstGeom prst="straightConnector1">
+            <a:avLst/>
+          </a:prstGeom>
+          <a:ln>
+            <a:tailEnd type="arrow"/>
+          </a:ln>
+        </p:spPr>
+        <p:style>
+          <a:lnRef idx="2">
+            <a:schemeClr val="accent1"/>
+          </a:lnRef>
+          <a:fillRef idx="0">
+            <a:schemeClr val="accent1"/>
+          </a:fillRef>
+          <a:effectRef idx="1">
+            <a:schemeClr val="accent1"/>
+          </a:effectRef>
+          <a:fontRef idx="minor">
+            <a:schemeClr val="tx1"/>
+          </a:fontRef>
+        </p:style>
+      </p:cxnSp>
+      <p:sp>
+        <p:nvSpPr>
+          <p:cNvPr id="22" name="TextBox 21"/>
+          <p:cNvSpPr txBox="1"/>
+          <p:nvPr/>
+        </p:nvSpPr>
+        <p:spPr>
+          <a:xfrm>
+            <a:off x="2099413" y="3620559"/>
+            <a:ext cx="1565039" cy="369332"/>
+          </a:xfrm>
+          <a:prstGeom prst="rect">
+            <a:avLst/>
+          </a:prstGeom>
+          <a:noFill/>
+        </p:spPr>
+        <p:txBody>
+          <a:bodyPr wrap="none" rtlCol="0">
+            <a:spAutoFit/>
+          </a:bodyPr>
+          <a:lstStyle/>
+          <a:p>
+            <a:r>
+              <a:rPr lang="en-US" dirty="0" err="1" smtClean="0"/>
+              <a:t>signOut</a:t>
+            </a:r>
+            <a:r>
+              <a:rPr lang="en-US" dirty="0" smtClean="0"/>
+              <a:t>(email)</a:t>
+            </a:r>
+            <a:endParaRPr lang="en-US" dirty="0"/>
+          </a:p>
+        </p:txBody>
+      </p:sp>
+    </p:spTree>
+    <p:extLst>
+      <p:ext uri="{BB962C8B-B14F-4D97-AF65-F5344CB8AC3E}">
+        <p14:creationId xmlns:p14="http://schemas.microsoft.com/office/powerpoint/2010/main" val="2514939252"/>
+      </p:ext>
+    </p:extLst>
+  </p:cSld>
+  <p:clrMapOvr>
+    <a:masterClrMapping/>
+  </p:clrMapOvr>
+  <p:timing>
+    <p:tnLst>
+      <p:par>
+        <p:cTn xmlns:p14="http://schemas.microsoft.com/office/powerpoint/2010/main" id="1" dur="indefinite" restart="never" nodeType="tmRoot"/>
+      </p:par>
+    </p:tnLst>
+  </p:timing>
+</p:sld>
+</file>
+
+<file path=ppt/slides/slide25.xml><?xml version="1.0" encoding="utf-8"?>
+<p:sld xmlns:a="http://schemas.openxmlformats.org/drawingml/2006/main" xmlns:r="http://schemas.openxmlformats.org/officeDocument/2006/relationships" xmlns:p="http://schemas.openxmlformats.org/presentationml/2006/main">
+  <p:cSld>
+    <p:spTree>
+      <p:nvGrpSpPr>
+        <p:cNvPr id="1" name=""/>
+        <p:cNvGrpSpPr/>
+        <p:nvPr/>
+      </p:nvGrpSpPr>
+      <p:grpSpPr>
+        <a:xfrm>
+          <a:off x="0" y="0"/>
+          <a:ext cx="0" cy="0"/>
+          <a:chOff x="0" y="0"/>
+          <a:chExt cx="0" cy="0"/>
+        </a:xfrm>
+      </p:grpSpPr>
+      <p:sp>
+        <p:nvSpPr>
+          <p:cNvPr id="62" name="TextBox 61"/>
+          <p:cNvSpPr txBox="1"/>
+          <p:nvPr/>
+        </p:nvSpPr>
+        <p:spPr>
+          <a:xfrm>
+            <a:off x="2657930" y="408211"/>
+            <a:ext cx="3525740" cy="1200328"/>
+          </a:xfrm>
+          <a:prstGeom prst="rect">
+            <a:avLst/>
+          </a:prstGeom>
+          <a:noFill/>
+          <a:ln>
+            <a:noFill/>
+          </a:ln>
+        </p:spPr>
+        <p:txBody>
+          <a:bodyPr wrap="square" rtlCol="0">
+            <a:spAutoFit/>
+          </a:bodyPr>
+          <a:lstStyle/>
+          <a:p>
+            <a:pPr algn="ctr"/>
+            <a:r>
+              <a:rPr lang="en-US" sz="2400" b="1" dirty="0" smtClean="0">
+                <a:ln w="1905"/>
+                <a:solidFill>
+                  <a:srgbClr val="558ED5"/>
+                </a:solidFill>
+                <a:effectLst>
+                  <a:innerShdw blurRad="69850" dist="43180" dir="5400000">
+                    <a:srgbClr val="000000">
+                      <a:alpha val="65000"/>
+                    </a:srgbClr>
+                  </a:innerShdw>
+                </a:effectLst>
+                <a:latin typeface="+mj-lt"/>
+              </a:rPr>
               <a:t>Interaction (Sequence) Diagram – Use Case 14: View All Travel Paths</a:t>
             </a:r>
           </a:p>
@@ -20624,7 +22597,7 @@
 </p:sld>
 </file>
 
-<file path=ppt/slides/slide25.xml><?xml version="1.0" encoding="utf-8"?>
+<file path=ppt/slides/slide26.xml><?xml version="1.0" encoding="utf-8"?>
 <p:sld xmlns:a="http://schemas.openxmlformats.org/drawingml/2006/main" xmlns:r="http://schemas.openxmlformats.org/officeDocument/2006/relationships" xmlns:p="http://schemas.openxmlformats.org/presentationml/2006/main">
   <p:cSld>
     <p:spTree>

--- a/deliverables/iteration2/other/DomainModel_SSD_ClassDiagrams.pptx
+++ b/deliverables/iteration2/other/DomainModel_SSD_ClassDiagrams.pptx
@@ -14321,8 +14321,8 @@
         </p:nvSpPr>
         <p:spPr>
           <a:xfrm>
-            <a:off x="2867422" y="151729"/>
-            <a:ext cx="3255499" cy="1200328"/>
+            <a:off x="639077" y="1664692"/>
+            <a:ext cx="3255499" cy="1938992"/>
           </a:xfrm>
           <a:prstGeom prst="rect">
             <a:avLst/>
@@ -14374,7 +14374,41 @@
                 </a:effectLst>
                 <a:latin typeface="+mj-lt"/>
               </a:rPr>
-              <a:t>Update Data By User &amp; Current Road Activities</a:t>
+              <a:t>Update Data By </a:t>
+            </a:r>
+            <a:r>
+              <a:rPr lang="en-US" sz="2400" b="1" dirty="0" smtClean="0">
+                <a:ln w="1905"/>
+                <a:solidFill>
+                  <a:srgbClr val="558ED5"/>
+                </a:solidFill>
+                <a:effectLst>
+                  <a:innerShdw blurRad="69850" dist="43180" dir="5400000">
+                    <a:srgbClr val="000000">
+                      <a:alpha val="65000"/>
+                    </a:srgbClr>
+                  </a:innerShdw>
+                </a:effectLst>
+                <a:latin typeface="+mj-lt"/>
+              </a:rPr>
+              <a:t>User, Update Data by System, and </a:t>
+            </a:r>
+            <a:r>
+              <a:rPr lang="en-US" sz="2400" b="1" dirty="0" smtClean="0">
+                <a:ln w="1905"/>
+                <a:solidFill>
+                  <a:srgbClr val="558ED5"/>
+                </a:solidFill>
+                <a:effectLst>
+                  <a:innerShdw blurRad="69850" dist="43180" dir="5400000">
+                    <a:srgbClr val="000000">
+                      <a:alpha val="65000"/>
+                    </a:srgbClr>
+                  </a:innerShdw>
+                </a:effectLst>
+                <a:latin typeface="+mj-lt"/>
+              </a:rPr>
+              <a:t>Current Road Activities</a:t>
             </a:r>
           </a:p>
         </p:txBody>
